--- a/DOC/Results_Final.pptx
+++ b/DOC/Results_Final.pptx
@@ -5,17 +5,32 @@
     <p:sldMasterId id="2147483648" r:id="rId4"/>
   </p:sldMasterIdLst>
   <p:notesMasterIdLst>
-    <p:notesMasterId r:id="rId10"/>
+    <p:notesMasterId r:id="rId25"/>
   </p:notesMasterIdLst>
   <p:handoutMasterIdLst>
-    <p:handoutMasterId r:id="rId11"/>
+    <p:handoutMasterId r:id="rId26"/>
   </p:handoutMasterIdLst>
   <p:sldIdLst>
-    <p:sldId id="321" r:id="rId5"/>
-    <p:sldId id="319" r:id="rId6"/>
-    <p:sldId id="317" r:id="rId7"/>
-    <p:sldId id="320" r:id="rId8"/>
-    <p:sldId id="318" r:id="rId9"/>
+    <p:sldId id="333" r:id="rId5"/>
+    <p:sldId id="321" r:id="rId6"/>
+    <p:sldId id="318" r:id="rId7"/>
+    <p:sldId id="319" r:id="rId8"/>
+    <p:sldId id="328" r:id="rId9"/>
+    <p:sldId id="317" r:id="rId10"/>
+    <p:sldId id="320" r:id="rId11"/>
+    <p:sldId id="322" r:id="rId12"/>
+    <p:sldId id="323" r:id="rId13"/>
+    <p:sldId id="324" r:id="rId14"/>
+    <p:sldId id="325" r:id="rId15"/>
+    <p:sldId id="326" r:id="rId16"/>
+    <p:sldId id="334" r:id="rId17"/>
+    <p:sldId id="335" r:id="rId18"/>
+    <p:sldId id="327" r:id="rId19"/>
+    <p:sldId id="329" r:id="rId20"/>
+    <p:sldId id="330" r:id="rId21"/>
+    <p:sldId id="331" r:id="rId22"/>
+    <p:sldId id="332" r:id="rId23"/>
+    <p:sldId id="336" r:id="rId24"/>
   </p:sldIdLst>
   <p:sldSz cx="12192000" cy="6858000"/>
   <p:notesSz cx="6858000" cy="9144000"/>
@@ -236,7 +251,7 @@
           <a:p>
             <a:fld id="{8CD26A2A-0A96-0647-84E5-C82F2EFD9474}" type="datetimeFigureOut">
               <a:rPr lang="en-US" smtClean="0"/>
-              <a:t>12/7/2023</a:t>
+              <a:t>12/8/2023</a:t>
             </a:fld>
             <a:endParaRPr lang="en-US" dirty="0"/>
           </a:p>
@@ -425,7 +440,7 @@
           <a:p>
             <a:fld id="{546253B2-FD87-4AAE-AF69-14FE02FB4D05}" type="datetimeFigureOut">
               <a:rPr lang="en-US" smtClean="0"/>
-              <a:t>12/7/2023</a:t>
+              <a:t>12/8/2023</a:t>
             </a:fld>
             <a:endParaRPr lang="en-US"/>
           </a:p>
@@ -21961,6 +21976,835 @@
           <a:chExt cx="0" cy="0"/>
         </a:xfrm>
       </p:grpSpPr>
+      <p:pic>
+        <p:nvPicPr>
+          <p:cNvPr id="7" name="Picture Placeholder 6">
+            <a:extLst>
+              <a:ext uri="{FF2B5EF4-FFF2-40B4-BE49-F238E27FC236}">
+                <a16:creationId xmlns:a16="http://schemas.microsoft.com/office/drawing/2014/main" id="{0E3B5BDB-80B3-1678-E295-CF9ECEBEA749}"/>
+              </a:ext>
+            </a:extLst>
+          </p:cNvPr>
+          <p:cNvPicPr>
+            <a:picLocks noGrp="1" noChangeAspect="1"/>
+          </p:cNvPicPr>
+          <p:nvPr>
+            <p:ph type="pic" sz="quarter" idx="48"/>
+          </p:nvPr>
+        </p:nvPicPr>
+        <p:blipFill>
+          <a:blip r:embed="rId2"/>
+          <a:srcRect l="5099" r="5099"/>
+          <a:stretch/>
+        </p:blipFill>
+        <p:spPr/>
+      </p:pic>
+      <p:sp>
+        <p:nvSpPr>
+          <p:cNvPr id="3" name="Text Placeholder 2">
+            <a:extLst>
+              <a:ext uri="{FF2B5EF4-FFF2-40B4-BE49-F238E27FC236}">
+                <a16:creationId xmlns:a16="http://schemas.microsoft.com/office/drawing/2014/main" id="{8A9BD1AD-7394-ECEA-EA56-B1532E20743B}"/>
+              </a:ext>
+            </a:extLst>
+          </p:cNvPr>
+          <p:cNvSpPr>
+            <a:spLocks noGrp="1"/>
+          </p:cNvSpPr>
+          <p:nvPr>
+            <p:ph type="body" sz="quarter" idx="28"/>
+          </p:nvPr>
+        </p:nvSpPr>
+        <p:spPr>
+          <a:xfrm>
+            <a:off x="517427" y="2769487"/>
+            <a:ext cx="4959822" cy="2007158"/>
+          </a:xfrm>
+        </p:spPr>
+        <p:txBody>
+          <a:bodyPr/>
+          <a:lstStyle/>
+          <a:p>
+            <a:r>
+              <a:rPr lang="en-SG" sz="2000" b="0" i="0" dirty="0">
+                <a:solidFill>
+                  <a:srgbClr val="000000"/>
+                </a:solidFill>
+                <a:effectLst/>
+                <a:highlight>
+                  <a:srgbClr val="D6E0EB"/>
+                </a:highlight>
+                <a:latin typeface="Consolas" panose="020B0609020204030204" pitchFamily="49" charset="0"/>
+              </a:rPr>
+              <a:t>(5087066, 15) </a:t>
+            </a:r>
+          </a:p>
+        </p:txBody>
+      </p:sp>
+      <p:sp>
+        <p:nvSpPr>
+          <p:cNvPr id="4" name="Title 3">
+            <a:extLst>
+              <a:ext uri="{FF2B5EF4-FFF2-40B4-BE49-F238E27FC236}">
+                <a16:creationId xmlns:a16="http://schemas.microsoft.com/office/drawing/2014/main" id="{0B0B3325-C331-4EAA-234F-04BCDE03A8BE}"/>
+              </a:ext>
+            </a:extLst>
+          </p:cNvPr>
+          <p:cNvSpPr>
+            <a:spLocks noGrp="1"/>
+          </p:cNvSpPr>
+          <p:nvPr>
+            <p:ph type="title"/>
+          </p:nvPr>
+        </p:nvSpPr>
+        <p:spPr>
+          <a:xfrm>
+            <a:off x="517427" y="2009808"/>
+            <a:ext cx="9823998" cy="1325563"/>
+          </a:xfrm>
+        </p:spPr>
+        <p:txBody>
+          <a:bodyPr/>
+          <a:lstStyle/>
+          <a:p>
+            <a:r>
+              <a:rPr lang="en-SG" dirty="0"/>
+              <a:t>DATA SHAPE</a:t>
+            </a:r>
+          </a:p>
+        </p:txBody>
+      </p:sp>
+      <p:sp>
+        <p:nvSpPr>
+          <p:cNvPr id="5" name="Footer Placeholder 4">
+            <a:extLst>
+              <a:ext uri="{FF2B5EF4-FFF2-40B4-BE49-F238E27FC236}">
+                <a16:creationId xmlns:a16="http://schemas.microsoft.com/office/drawing/2014/main" id="{3CA383C8-CF0B-6263-69C0-8E9E272AA540}"/>
+              </a:ext>
+            </a:extLst>
+          </p:cNvPr>
+          <p:cNvSpPr>
+            <a:spLocks noGrp="1"/>
+          </p:cNvSpPr>
+          <p:nvPr>
+            <p:ph type="ftr" sz="quarter" idx="49"/>
+          </p:nvPr>
+        </p:nvSpPr>
+        <p:spPr/>
+        <p:txBody>
+          <a:bodyPr/>
+          <a:lstStyle/>
+          <a:p>
+            <a:r>
+              <a:rPr lang="en-US" noProof="0"/>
+              <a:t>Presentation Title</a:t>
+            </a:r>
+            <a:endParaRPr lang="en-US" noProof="0" dirty="0"/>
+          </a:p>
+        </p:txBody>
+      </p:sp>
+      <p:sp>
+        <p:nvSpPr>
+          <p:cNvPr id="9" name="TextBox 8">
+            <a:extLst>
+              <a:ext uri="{FF2B5EF4-FFF2-40B4-BE49-F238E27FC236}">
+                <a16:creationId xmlns:a16="http://schemas.microsoft.com/office/drawing/2014/main" id="{3C53AEE3-0A93-8A25-54CD-190CB7EDCF89}"/>
+              </a:ext>
+            </a:extLst>
+          </p:cNvPr>
+          <p:cNvSpPr txBox="1"/>
+          <p:nvPr/>
+        </p:nvSpPr>
+        <p:spPr>
+          <a:xfrm>
+            <a:off x="6664960" y="423595"/>
+            <a:ext cx="6096000" cy="923330"/>
+          </a:xfrm>
+          <a:prstGeom prst="rect">
+            <a:avLst/>
+          </a:prstGeom>
+          <a:noFill/>
+        </p:spPr>
+        <p:txBody>
+          <a:bodyPr wrap="square">
+            <a:spAutoFit/>
+          </a:bodyPr>
+          <a:lstStyle/>
+          <a:p>
+            <a:r>
+              <a:rPr lang="en-US" dirty="0">
+                <a:solidFill>
+                  <a:schemeClr val="bg1"/>
+                </a:solidFill>
+                <a:latin typeface="Consolas" panose="020B0609020204030204" pitchFamily="49" charset="0"/>
+              </a:rPr>
+              <a:t>Class Distribution</a:t>
+            </a:r>
+            <a:br>
+              <a:rPr lang="en-US" b="0" i="0" dirty="0">
+                <a:solidFill>
+                  <a:schemeClr val="bg1"/>
+                </a:solidFill>
+                <a:effectLst/>
+                <a:latin typeface="Consolas" panose="020B0609020204030204" pitchFamily="49" charset="0"/>
+              </a:rPr>
+            </a:br>
+            <a:r>
+              <a:rPr lang="en-US" b="0" i="0" dirty="0">
+                <a:solidFill>
+                  <a:schemeClr val="bg1"/>
+                </a:solidFill>
+                <a:effectLst/>
+                <a:latin typeface="Consolas" panose="020B0609020204030204" pitchFamily="49" charset="0"/>
+              </a:rPr>
+              <a:t>0 5082403 </a:t>
+            </a:r>
+          </a:p>
+          <a:p>
+            <a:r>
+              <a:rPr lang="en-US" b="0" i="0" dirty="0">
+                <a:solidFill>
+                  <a:schemeClr val="bg1"/>
+                </a:solidFill>
+                <a:effectLst/>
+                <a:latin typeface="Consolas" panose="020B0609020204030204" pitchFamily="49" charset="0"/>
+              </a:rPr>
+              <a:t>1 4655</a:t>
+            </a:r>
+            <a:endParaRPr lang="en-SG" dirty="0">
+              <a:solidFill>
+                <a:schemeClr val="bg1"/>
+              </a:solidFill>
+            </a:endParaRPr>
+          </a:p>
+        </p:txBody>
+      </p:sp>
+    </p:spTree>
+    <p:extLst>
+      <p:ext uri="{BB962C8B-B14F-4D97-AF65-F5344CB8AC3E}">
+        <p14:creationId xmlns:p14="http://schemas.microsoft.com/office/powerpoint/2010/main" val="2138871457"/>
+      </p:ext>
+    </p:extLst>
+  </p:cSld>
+  <p:clrMapOvr>
+    <a:masterClrMapping/>
+  </p:clrMapOvr>
+</p:sld>
+</file>
+
+<file path=ppt/slides/slide10.xml><?xml version="1.0" encoding="utf-8"?>
+<p:sld xmlns:a="http://schemas.openxmlformats.org/drawingml/2006/main" xmlns:r="http://schemas.openxmlformats.org/officeDocument/2006/relationships" xmlns:p="http://schemas.openxmlformats.org/presentationml/2006/main">
+  <p:cSld>
+    <p:spTree>
+      <p:nvGrpSpPr>
+        <p:cNvPr id="1" name=""/>
+        <p:cNvGrpSpPr/>
+        <p:nvPr/>
+      </p:nvGrpSpPr>
+      <p:grpSpPr>
+        <a:xfrm>
+          <a:off x="0" y="0"/>
+          <a:ext cx="0" cy="0"/>
+          <a:chOff x="0" y="0"/>
+          <a:chExt cx="0" cy="0"/>
+        </a:xfrm>
+      </p:grpSpPr>
+      <p:sp>
+        <p:nvSpPr>
+          <p:cNvPr id="2" name="Picture Placeholder 1">
+            <a:extLst>
+              <a:ext uri="{FF2B5EF4-FFF2-40B4-BE49-F238E27FC236}">
+                <a16:creationId xmlns:a16="http://schemas.microsoft.com/office/drawing/2014/main" id="{266CD7DC-28F7-B409-48D9-E9189556D73C}"/>
+              </a:ext>
+            </a:extLst>
+          </p:cNvPr>
+          <p:cNvSpPr>
+            <a:spLocks noGrp="1"/>
+          </p:cNvSpPr>
+          <p:nvPr>
+            <p:ph type="pic" sz="quarter" idx="48"/>
+          </p:nvPr>
+        </p:nvSpPr>
+        <p:spPr/>
+        <p:txBody>
+          <a:bodyPr/>
+          <a:lstStyle/>
+          <a:p>
+            <a:endParaRPr lang="en-SG"/>
+          </a:p>
+        </p:txBody>
+      </p:sp>
+      <p:sp>
+        <p:nvSpPr>
+          <p:cNvPr id="3" name="Text Placeholder 2">
+            <a:extLst>
+              <a:ext uri="{FF2B5EF4-FFF2-40B4-BE49-F238E27FC236}">
+                <a16:creationId xmlns:a16="http://schemas.microsoft.com/office/drawing/2014/main" id="{B32C1FD2-B9CE-3A97-514D-6BB7498D6383}"/>
+              </a:ext>
+            </a:extLst>
+          </p:cNvPr>
+          <p:cNvSpPr>
+            <a:spLocks noGrp="1"/>
+          </p:cNvSpPr>
+          <p:nvPr>
+            <p:ph type="body" sz="quarter" idx="28"/>
+          </p:nvPr>
+        </p:nvSpPr>
+        <p:spPr/>
+        <p:txBody>
+          <a:bodyPr/>
+          <a:lstStyle/>
+          <a:p>
+            <a:endParaRPr lang="en-SG"/>
+          </a:p>
+        </p:txBody>
+      </p:sp>
+      <p:sp>
+        <p:nvSpPr>
+          <p:cNvPr id="4" name="Title 3">
+            <a:extLst>
+              <a:ext uri="{FF2B5EF4-FFF2-40B4-BE49-F238E27FC236}">
+                <a16:creationId xmlns:a16="http://schemas.microsoft.com/office/drawing/2014/main" id="{2F2BF548-0D21-C9D4-CC71-40F4EB8684C8}"/>
+              </a:ext>
+            </a:extLst>
+          </p:cNvPr>
+          <p:cNvSpPr>
+            <a:spLocks noGrp="1"/>
+          </p:cNvSpPr>
+          <p:nvPr>
+            <p:ph type="title"/>
+          </p:nvPr>
+        </p:nvSpPr>
+        <p:spPr/>
+        <p:txBody>
+          <a:bodyPr/>
+          <a:lstStyle/>
+          <a:p>
+            <a:endParaRPr lang="en-SG"/>
+          </a:p>
+        </p:txBody>
+      </p:sp>
+      <p:sp>
+        <p:nvSpPr>
+          <p:cNvPr id="5" name="Footer Placeholder 4">
+            <a:extLst>
+              <a:ext uri="{FF2B5EF4-FFF2-40B4-BE49-F238E27FC236}">
+                <a16:creationId xmlns:a16="http://schemas.microsoft.com/office/drawing/2014/main" id="{AA679346-9CE4-8F74-8503-61B026A76505}"/>
+              </a:ext>
+            </a:extLst>
+          </p:cNvPr>
+          <p:cNvSpPr>
+            <a:spLocks noGrp="1"/>
+          </p:cNvSpPr>
+          <p:nvPr>
+            <p:ph type="ftr" sz="quarter" idx="49"/>
+          </p:nvPr>
+        </p:nvSpPr>
+        <p:spPr/>
+        <p:txBody>
+          <a:bodyPr/>
+          <a:lstStyle/>
+          <a:p>
+            <a:r>
+              <a:rPr lang="en-US" noProof="0"/>
+              <a:t>Presentation Title</a:t>
+            </a:r>
+            <a:endParaRPr lang="en-US" noProof="0" dirty="0"/>
+          </a:p>
+        </p:txBody>
+      </p:sp>
+      <p:pic>
+        <p:nvPicPr>
+          <p:cNvPr id="9" name="Picture 8">
+            <a:extLst>
+              <a:ext uri="{FF2B5EF4-FFF2-40B4-BE49-F238E27FC236}">
+                <a16:creationId xmlns:a16="http://schemas.microsoft.com/office/drawing/2014/main" id="{62369F8F-384A-86E2-255B-FB452A38713A}"/>
+              </a:ext>
+            </a:extLst>
+          </p:cNvPr>
+          <p:cNvPicPr>
+            <a:picLocks noChangeAspect="1"/>
+          </p:cNvPicPr>
+          <p:nvPr/>
+        </p:nvPicPr>
+        <p:blipFill>
+          <a:blip r:embed="rId2"/>
+          <a:stretch>
+            <a:fillRect/>
+          </a:stretch>
+        </p:blipFill>
+        <p:spPr>
+          <a:xfrm>
+            <a:off x="190500" y="1143000"/>
+            <a:ext cx="11811000" cy="4572000"/>
+          </a:xfrm>
+          <a:prstGeom prst="rect">
+            <a:avLst/>
+          </a:prstGeom>
+        </p:spPr>
+      </p:pic>
+      <p:sp>
+        <p:nvSpPr>
+          <p:cNvPr id="10" name="Rectangle: Rounded Corners 9">
+            <a:extLst>
+              <a:ext uri="{FF2B5EF4-FFF2-40B4-BE49-F238E27FC236}">
+                <a16:creationId xmlns:a16="http://schemas.microsoft.com/office/drawing/2014/main" id="{95944D6A-9338-7A3B-E4FB-F07CAA9C2D21}"/>
+              </a:ext>
+            </a:extLst>
+          </p:cNvPr>
+          <p:cNvSpPr/>
+          <p:nvPr/>
+        </p:nvSpPr>
+        <p:spPr>
+          <a:xfrm>
+            <a:off x="5804176" y="4477543"/>
+            <a:ext cx="436723" cy="1405097"/>
+          </a:xfrm>
+          <a:prstGeom prst="roundRect">
+            <a:avLst/>
+          </a:prstGeom>
+          <a:noFill/>
+          <a:ln w="12700">
+            <a:solidFill>
+              <a:srgbClr val="00B050"/>
+            </a:solidFill>
+          </a:ln>
+        </p:spPr>
+        <p:style>
+          <a:lnRef idx="2">
+            <a:schemeClr val="accent1">
+              <a:shade val="15000"/>
+            </a:schemeClr>
+          </a:lnRef>
+          <a:fillRef idx="1">
+            <a:schemeClr val="accent1"/>
+          </a:fillRef>
+          <a:effectRef idx="0">
+            <a:schemeClr val="accent1"/>
+          </a:effectRef>
+          <a:fontRef idx="minor">
+            <a:schemeClr val="lt1"/>
+          </a:fontRef>
+        </p:style>
+        <p:txBody>
+          <a:bodyPr rtlCol="0" anchor="ctr"/>
+          <a:lstStyle/>
+          <a:p>
+            <a:pPr algn="ctr"/>
+            <a:endParaRPr lang="en-SG" dirty="0"/>
+          </a:p>
+        </p:txBody>
+      </p:sp>
+    </p:spTree>
+    <p:extLst>
+      <p:ext uri="{BB962C8B-B14F-4D97-AF65-F5344CB8AC3E}">
+        <p14:creationId xmlns:p14="http://schemas.microsoft.com/office/powerpoint/2010/main" val="1816758370"/>
+      </p:ext>
+    </p:extLst>
+  </p:cSld>
+  <p:clrMapOvr>
+    <a:masterClrMapping/>
+  </p:clrMapOvr>
+</p:sld>
+</file>
+
+<file path=ppt/slides/slide11.xml><?xml version="1.0" encoding="utf-8"?>
+<p:sld xmlns:a="http://schemas.openxmlformats.org/drawingml/2006/main" xmlns:r="http://schemas.openxmlformats.org/officeDocument/2006/relationships" xmlns:p="http://schemas.openxmlformats.org/presentationml/2006/main">
+  <p:cSld>
+    <p:spTree>
+      <p:nvGrpSpPr>
+        <p:cNvPr id="1" name=""/>
+        <p:cNvGrpSpPr/>
+        <p:nvPr/>
+      </p:nvGrpSpPr>
+      <p:grpSpPr>
+        <a:xfrm>
+          <a:off x="0" y="0"/>
+          <a:ext cx="0" cy="0"/>
+          <a:chOff x="0" y="0"/>
+          <a:chExt cx="0" cy="0"/>
+        </a:xfrm>
+      </p:grpSpPr>
+      <p:sp>
+        <p:nvSpPr>
+          <p:cNvPr id="2" name="Picture Placeholder 1">
+            <a:extLst>
+              <a:ext uri="{FF2B5EF4-FFF2-40B4-BE49-F238E27FC236}">
+                <a16:creationId xmlns:a16="http://schemas.microsoft.com/office/drawing/2014/main" id="{ADDB7366-9C84-A3D5-FDA7-D8349373BDAB}"/>
+              </a:ext>
+            </a:extLst>
+          </p:cNvPr>
+          <p:cNvSpPr>
+            <a:spLocks noGrp="1"/>
+          </p:cNvSpPr>
+          <p:nvPr>
+            <p:ph type="pic" sz="quarter" idx="48"/>
+          </p:nvPr>
+        </p:nvSpPr>
+        <p:spPr/>
+        <p:txBody>
+          <a:bodyPr/>
+          <a:lstStyle/>
+          <a:p>
+            <a:endParaRPr lang="en-SG"/>
+          </a:p>
+        </p:txBody>
+      </p:sp>
+      <p:sp>
+        <p:nvSpPr>
+          <p:cNvPr id="3" name="Text Placeholder 2">
+            <a:extLst>
+              <a:ext uri="{FF2B5EF4-FFF2-40B4-BE49-F238E27FC236}">
+                <a16:creationId xmlns:a16="http://schemas.microsoft.com/office/drawing/2014/main" id="{F214C2A4-3378-A44A-886C-36C959A812AE}"/>
+              </a:ext>
+            </a:extLst>
+          </p:cNvPr>
+          <p:cNvSpPr>
+            <a:spLocks noGrp="1"/>
+          </p:cNvSpPr>
+          <p:nvPr>
+            <p:ph type="body" sz="quarter" idx="28"/>
+          </p:nvPr>
+        </p:nvSpPr>
+        <p:spPr/>
+        <p:txBody>
+          <a:bodyPr/>
+          <a:lstStyle/>
+          <a:p>
+            <a:endParaRPr lang="en-SG"/>
+          </a:p>
+        </p:txBody>
+      </p:sp>
+      <p:sp>
+        <p:nvSpPr>
+          <p:cNvPr id="4" name="Title 3">
+            <a:extLst>
+              <a:ext uri="{FF2B5EF4-FFF2-40B4-BE49-F238E27FC236}">
+                <a16:creationId xmlns:a16="http://schemas.microsoft.com/office/drawing/2014/main" id="{81C5D773-8D62-F677-89D8-5DFBC9142545}"/>
+              </a:ext>
+            </a:extLst>
+          </p:cNvPr>
+          <p:cNvSpPr>
+            <a:spLocks noGrp="1"/>
+          </p:cNvSpPr>
+          <p:nvPr>
+            <p:ph type="title"/>
+          </p:nvPr>
+        </p:nvSpPr>
+        <p:spPr/>
+        <p:txBody>
+          <a:bodyPr/>
+          <a:lstStyle/>
+          <a:p>
+            <a:endParaRPr lang="en-SG"/>
+          </a:p>
+        </p:txBody>
+      </p:sp>
+      <p:sp>
+        <p:nvSpPr>
+          <p:cNvPr id="5" name="Footer Placeholder 4">
+            <a:extLst>
+              <a:ext uri="{FF2B5EF4-FFF2-40B4-BE49-F238E27FC236}">
+                <a16:creationId xmlns:a16="http://schemas.microsoft.com/office/drawing/2014/main" id="{5BB18297-848D-C8CC-801C-39620A52163F}"/>
+              </a:ext>
+            </a:extLst>
+          </p:cNvPr>
+          <p:cNvSpPr>
+            <a:spLocks noGrp="1"/>
+          </p:cNvSpPr>
+          <p:nvPr>
+            <p:ph type="ftr" sz="quarter" idx="49"/>
+          </p:nvPr>
+        </p:nvSpPr>
+        <p:spPr/>
+        <p:txBody>
+          <a:bodyPr/>
+          <a:lstStyle/>
+          <a:p>
+            <a:r>
+              <a:rPr lang="en-US" noProof="0"/>
+              <a:t>Presentation Title</a:t>
+            </a:r>
+            <a:endParaRPr lang="en-US" noProof="0" dirty="0"/>
+          </a:p>
+        </p:txBody>
+      </p:sp>
+      <p:pic>
+        <p:nvPicPr>
+          <p:cNvPr id="7" name="Picture 6">
+            <a:extLst>
+              <a:ext uri="{FF2B5EF4-FFF2-40B4-BE49-F238E27FC236}">
+                <a16:creationId xmlns:a16="http://schemas.microsoft.com/office/drawing/2014/main" id="{638A009D-B53C-0042-0811-19B10FF55805}"/>
+              </a:ext>
+            </a:extLst>
+          </p:cNvPr>
+          <p:cNvPicPr>
+            <a:picLocks noChangeAspect="1"/>
+          </p:cNvPicPr>
+          <p:nvPr/>
+        </p:nvPicPr>
+        <p:blipFill>
+          <a:blip r:embed="rId2"/>
+          <a:stretch>
+            <a:fillRect/>
+          </a:stretch>
+        </p:blipFill>
+        <p:spPr>
+          <a:xfrm>
+            <a:off x="190500" y="1143000"/>
+            <a:ext cx="11811000" cy="4572000"/>
+          </a:xfrm>
+          <a:prstGeom prst="rect">
+            <a:avLst/>
+          </a:prstGeom>
+        </p:spPr>
+      </p:pic>
+      <p:sp>
+        <p:nvSpPr>
+          <p:cNvPr id="8" name="Rectangle: Rounded Corners 7">
+            <a:extLst>
+              <a:ext uri="{FF2B5EF4-FFF2-40B4-BE49-F238E27FC236}">
+                <a16:creationId xmlns:a16="http://schemas.microsoft.com/office/drawing/2014/main" id="{C292A93E-FFE7-137A-EE93-84DE2A3988ED}"/>
+              </a:ext>
+            </a:extLst>
+          </p:cNvPr>
+          <p:cNvSpPr/>
+          <p:nvPr/>
+        </p:nvSpPr>
+        <p:spPr>
+          <a:xfrm>
+            <a:off x="4162709" y="1143001"/>
+            <a:ext cx="536135" cy="655320"/>
+          </a:xfrm>
+          <a:prstGeom prst="roundRect">
+            <a:avLst/>
+          </a:prstGeom>
+          <a:noFill/>
+          <a:ln w="12700">
+            <a:solidFill>
+              <a:srgbClr val="00B050"/>
+            </a:solidFill>
+          </a:ln>
+        </p:spPr>
+        <p:style>
+          <a:lnRef idx="2">
+            <a:schemeClr val="accent1">
+              <a:shade val="15000"/>
+            </a:schemeClr>
+          </a:lnRef>
+          <a:fillRef idx="1">
+            <a:schemeClr val="accent1"/>
+          </a:fillRef>
+          <a:effectRef idx="0">
+            <a:schemeClr val="accent1"/>
+          </a:effectRef>
+          <a:fontRef idx="minor">
+            <a:schemeClr val="lt1"/>
+          </a:fontRef>
+        </p:style>
+        <p:txBody>
+          <a:bodyPr rtlCol="0" anchor="ctr"/>
+          <a:lstStyle/>
+          <a:p>
+            <a:pPr algn="ctr"/>
+            <a:endParaRPr lang="en-SG" dirty="0"/>
+          </a:p>
+        </p:txBody>
+      </p:sp>
+    </p:spTree>
+    <p:extLst>
+      <p:ext uri="{BB962C8B-B14F-4D97-AF65-F5344CB8AC3E}">
+        <p14:creationId xmlns:p14="http://schemas.microsoft.com/office/powerpoint/2010/main" val="639582657"/>
+      </p:ext>
+    </p:extLst>
+  </p:cSld>
+  <p:clrMapOvr>
+    <a:masterClrMapping/>
+  </p:clrMapOvr>
+</p:sld>
+</file>
+
+<file path=ppt/slides/slide12.xml><?xml version="1.0" encoding="utf-8"?>
+<p:sld xmlns:a="http://schemas.openxmlformats.org/drawingml/2006/main" xmlns:r="http://schemas.openxmlformats.org/officeDocument/2006/relationships" xmlns:p="http://schemas.openxmlformats.org/presentationml/2006/main">
+  <p:cSld>
+    <p:spTree>
+      <p:nvGrpSpPr>
+        <p:cNvPr id="1" name=""/>
+        <p:cNvGrpSpPr/>
+        <p:nvPr/>
+      </p:nvGrpSpPr>
+      <p:grpSpPr>
+        <a:xfrm>
+          <a:off x="0" y="0"/>
+          <a:ext cx="0" cy="0"/>
+          <a:chOff x="0" y="0"/>
+          <a:chExt cx="0" cy="0"/>
+        </a:xfrm>
+      </p:grpSpPr>
+      <p:sp>
+        <p:nvSpPr>
+          <p:cNvPr id="2" name="Picture Placeholder 1">
+            <a:extLst>
+              <a:ext uri="{FF2B5EF4-FFF2-40B4-BE49-F238E27FC236}">
+                <a16:creationId xmlns:a16="http://schemas.microsoft.com/office/drawing/2014/main" id="{B257CEED-A1DB-C0DA-8F9B-2497093B679B}"/>
+              </a:ext>
+            </a:extLst>
+          </p:cNvPr>
+          <p:cNvSpPr>
+            <a:spLocks noGrp="1"/>
+          </p:cNvSpPr>
+          <p:nvPr>
+            <p:ph type="pic" sz="quarter" idx="48"/>
+          </p:nvPr>
+        </p:nvSpPr>
+        <p:spPr/>
+        <p:txBody>
+          <a:bodyPr/>
+          <a:lstStyle/>
+          <a:p>
+            <a:endParaRPr lang="en-SG"/>
+          </a:p>
+        </p:txBody>
+      </p:sp>
+      <p:sp>
+        <p:nvSpPr>
+          <p:cNvPr id="3" name="Text Placeholder 2">
+            <a:extLst>
+              <a:ext uri="{FF2B5EF4-FFF2-40B4-BE49-F238E27FC236}">
+                <a16:creationId xmlns:a16="http://schemas.microsoft.com/office/drawing/2014/main" id="{7B01638A-875A-E2D6-A6A9-5CFE0E2C97D4}"/>
+              </a:ext>
+            </a:extLst>
+          </p:cNvPr>
+          <p:cNvSpPr>
+            <a:spLocks noGrp="1"/>
+          </p:cNvSpPr>
+          <p:nvPr>
+            <p:ph type="body" sz="quarter" idx="28"/>
+          </p:nvPr>
+        </p:nvSpPr>
+        <p:spPr/>
+        <p:txBody>
+          <a:bodyPr/>
+          <a:lstStyle/>
+          <a:p>
+            <a:endParaRPr lang="en-SG"/>
+          </a:p>
+        </p:txBody>
+      </p:sp>
+      <p:sp>
+        <p:nvSpPr>
+          <p:cNvPr id="4" name="Title 3">
+            <a:extLst>
+              <a:ext uri="{FF2B5EF4-FFF2-40B4-BE49-F238E27FC236}">
+                <a16:creationId xmlns:a16="http://schemas.microsoft.com/office/drawing/2014/main" id="{9C832853-E455-427E-0E68-3E4C0FBD27DA}"/>
+              </a:ext>
+            </a:extLst>
+          </p:cNvPr>
+          <p:cNvSpPr>
+            <a:spLocks noGrp="1"/>
+          </p:cNvSpPr>
+          <p:nvPr>
+            <p:ph type="title"/>
+          </p:nvPr>
+        </p:nvSpPr>
+        <p:spPr/>
+        <p:txBody>
+          <a:bodyPr/>
+          <a:lstStyle/>
+          <a:p>
+            <a:endParaRPr lang="en-SG"/>
+          </a:p>
+        </p:txBody>
+      </p:sp>
+      <p:sp>
+        <p:nvSpPr>
+          <p:cNvPr id="5" name="Footer Placeholder 4">
+            <a:extLst>
+              <a:ext uri="{FF2B5EF4-FFF2-40B4-BE49-F238E27FC236}">
+                <a16:creationId xmlns:a16="http://schemas.microsoft.com/office/drawing/2014/main" id="{A68E3CC1-1621-524D-0CB3-5DBEB2FC8EF9}"/>
+              </a:ext>
+            </a:extLst>
+          </p:cNvPr>
+          <p:cNvSpPr>
+            <a:spLocks noGrp="1"/>
+          </p:cNvSpPr>
+          <p:nvPr>
+            <p:ph type="ftr" sz="quarter" idx="49"/>
+          </p:nvPr>
+        </p:nvSpPr>
+        <p:spPr/>
+        <p:txBody>
+          <a:bodyPr/>
+          <a:lstStyle/>
+          <a:p>
+            <a:r>
+              <a:rPr lang="en-US" noProof="0"/>
+              <a:t>Presentation Title</a:t>
+            </a:r>
+            <a:endParaRPr lang="en-US" noProof="0" dirty="0"/>
+          </a:p>
+        </p:txBody>
+      </p:sp>
+      <p:pic>
+        <p:nvPicPr>
+          <p:cNvPr id="7" name="Picture 6">
+            <a:extLst>
+              <a:ext uri="{FF2B5EF4-FFF2-40B4-BE49-F238E27FC236}">
+                <a16:creationId xmlns:a16="http://schemas.microsoft.com/office/drawing/2014/main" id="{E5EA9FB1-8A80-8E4D-0A04-775C86139275}"/>
+              </a:ext>
+            </a:extLst>
+          </p:cNvPr>
+          <p:cNvPicPr>
+            <a:picLocks noChangeAspect="1"/>
+          </p:cNvPicPr>
+          <p:nvPr/>
+        </p:nvPicPr>
+        <p:blipFill>
+          <a:blip r:embed="rId2"/>
+          <a:stretch>
+            <a:fillRect/>
+          </a:stretch>
+        </p:blipFill>
+        <p:spPr>
+          <a:xfrm>
+            <a:off x="0" y="361586"/>
+            <a:ext cx="12192000" cy="6134828"/>
+          </a:xfrm>
+          <a:prstGeom prst="rect">
+            <a:avLst/>
+          </a:prstGeom>
+        </p:spPr>
+      </p:pic>
+    </p:spTree>
+    <p:extLst>
+      <p:ext uri="{BB962C8B-B14F-4D97-AF65-F5344CB8AC3E}">
+        <p14:creationId xmlns:p14="http://schemas.microsoft.com/office/powerpoint/2010/main" val="4220880466"/>
+      </p:ext>
+    </p:extLst>
+  </p:cSld>
+  <p:clrMapOvr>
+    <a:masterClrMapping/>
+  </p:clrMapOvr>
+</p:sld>
+</file>
+
+<file path=ppt/slides/slide13.xml><?xml version="1.0" encoding="utf-8"?>
+<p:sld xmlns:a="http://schemas.openxmlformats.org/drawingml/2006/main" xmlns:r="http://schemas.openxmlformats.org/officeDocument/2006/relationships" xmlns:p="http://schemas.openxmlformats.org/presentationml/2006/main">
+  <p:cSld>
+    <p:spTree>
+      <p:nvGrpSpPr>
+        <p:cNvPr id="1" name=""/>
+        <p:cNvGrpSpPr/>
+        <p:nvPr/>
+      </p:nvGrpSpPr>
+      <p:grpSpPr>
+        <a:xfrm>
+          <a:off x="0" y="0"/>
+          <a:ext cx="0" cy="0"/>
+          <a:chOff x="0" y="0"/>
+          <a:chExt cx="0" cy="0"/>
+        </a:xfrm>
+      </p:grpSpPr>
       <p:sp>
         <p:nvSpPr>
           <p:cNvPr id="2" name="Picture Placeholder 1">
@@ -22026,9 +22870,9 @@
               <a:t>    </a:t>
             </a:r>
             <a:r>
-              <a:rPr lang="en-SG" b="0" dirty="0">
+              <a:rPr lang="en-SG" b="0" dirty="0" err="1">
                 <a:solidFill>
-                  <a:srgbClr val="008000"/>
+                  <a:srgbClr val="001080"/>
                 </a:solidFill>
                 <a:effectLst/>
                 <a:highlight>
@@ -22036,7 +22880,33 @@
                 </a:highlight>
                 <a:latin typeface="Consolas" panose="020B0609020204030204" pitchFamily="49" charset="0"/>
               </a:rPr>
-              <a:t># # UNDERSAMPLE - Most efficient with still high accuracy</a:t>
+              <a:t>sampling_method</a:t>
+            </a:r>
+            <a:r>
+              <a:rPr lang="en-SG" b="0" dirty="0">
+                <a:solidFill>
+                  <a:srgbClr val="000000"/>
+                </a:solidFill>
+                <a:effectLst/>
+                <a:highlight>
+                  <a:srgbClr val="D6E0EB"/>
+                </a:highlight>
+                <a:latin typeface="Consolas" panose="020B0609020204030204" pitchFamily="49" charset="0"/>
+              </a:rPr>
+              <a:t>=</a:t>
+            </a:r>
+            <a:r>
+              <a:rPr lang="en-SG" b="0" dirty="0">
+                <a:solidFill>
+                  <a:srgbClr val="098658"/>
+                </a:solidFill>
+                <a:effectLst/>
+                <a:highlight>
+                  <a:srgbClr val="D6E0EB"/>
+                </a:highlight>
+                <a:latin typeface="Consolas" panose="020B0609020204030204" pitchFamily="49" charset="0"/>
+              </a:rPr>
+              <a:t>2</a:t>
             </a:r>
             <a:endParaRPr lang="en-SG" b="0" dirty="0">
               <a:solidFill>
@@ -22074,7 +22944,7 @@
                 </a:highlight>
                 <a:latin typeface="Consolas" panose="020B0609020204030204" pitchFamily="49" charset="0"/>
               </a:rPr>
-              <a:t>sampling_method</a:t>
+              <a:t>k_neighbors</a:t>
             </a:r>
             <a:r>
               <a:rPr lang="en-SG" b="0" dirty="0">
@@ -22100,7 +22970,7 @@
                 </a:highlight>
                 <a:latin typeface="Consolas" panose="020B0609020204030204" pitchFamily="49" charset="0"/>
               </a:rPr>
-              <a:t>0</a:t>
+              <a:t>5</a:t>
             </a:r>
             <a:endParaRPr lang="en-SG" b="0" dirty="0">
               <a:solidFill>
@@ -22202,6 +23072,96 @@
                 </a:highlight>
                 <a:latin typeface="Consolas" panose="020B0609020204030204" pitchFamily="49" charset="0"/>
               </a:rPr>
+              <a:t>k_neighbors</a:t>
+            </a:r>
+            <a:r>
+              <a:rPr lang="en-SG" b="0" dirty="0">
+                <a:solidFill>
+                  <a:srgbClr val="000000"/>
+                </a:solidFill>
+                <a:effectLst/>
+                <a:highlight>
+                  <a:srgbClr val="D6E0EB"/>
+                </a:highlight>
+                <a:latin typeface="Consolas" panose="020B0609020204030204" pitchFamily="49" charset="0"/>
+              </a:rPr>
+              <a:t>=</a:t>
+            </a:r>
+            <a:r>
+              <a:rPr lang="en-SG" b="0" dirty="0">
+                <a:solidFill>
+                  <a:srgbClr val="098658"/>
+                </a:solidFill>
+                <a:effectLst/>
+                <a:highlight>
+                  <a:srgbClr val="D6E0EB"/>
+                </a:highlight>
+                <a:latin typeface="Consolas" panose="020B0609020204030204" pitchFamily="49" charset="0"/>
+              </a:rPr>
+              <a:t>10</a:t>
+            </a:r>
+            <a:r>
+              <a:rPr lang="en-SG" b="0" dirty="0">
+                <a:solidFill>
+                  <a:srgbClr val="000000"/>
+                </a:solidFill>
+                <a:effectLst/>
+                <a:highlight>
+                  <a:srgbClr val="D6E0EB"/>
+                </a:highlight>
+                <a:latin typeface="Consolas" panose="020B0609020204030204" pitchFamily="49" charset="0"/>
+              </a:rPr>
+              <a:t> </a:t>
+            </a:r>
+            <a:r>
+              <a:rPr lang="en-SG" b="0" dirty="0">
+                <a:solidFill>
+                  <a:srgbClr val="008000"/>
+                </a:solidFill>
+                <a:effectLst/>
+                <a:highlight>
+                  <a:srgbClr val="D6E0EB"/>
+                </a:highlight>
+                <a:latin typeface="Consolas" panose="020B0609020204030204" pitchFamily="49" charset="0"/>
+              </a:rPr>
+              <a:t>#10 #20</a:t>
+            </a:r>
+            <a:endParaRPr lang="en-SG" b="0" dirty="0">
+              <a:solidFill>
+                <a:srgbClr val="000000"/>
+              </a:solidFill>
+              <a:effectLst/>
+              <a:highlight>
+                <a:srgbClr val="D6E0EB"/>
+              </a:highlight>
+              <a:latin typeface="Consolas" panose="020B0609020204030204" pitchFamily="49" charset="0"/>
+            </a:endParaRPr>
+          </a:p>
+          <a:p>
+            <a:r>
+              <a:rPr lang="en-SG" b="0" dirty="0">
+                <a:solidFill>
+                  <a:srgbClr val="000000"/>
+                </a:solidFill>
+                <a:effectLst/>
+                <a:highlight>
+                  <a:srgbClr val="D6E0EB"/>
+                </a:highlight>
+                <a:latin typeface="Consolas" panose="020B0609020204030204" pitchFamily="49" charset="0"/>
+              </a:rPr>
+              <a:t>    </a:t>
+            </a:r>
+            <a:r>
+              <a:rPr lang="en-SG" b="0" dirty="0" err="1">
+                <a:solidFill>
+                  <a:srgbClr val="001080"/>
+                </a:solidFill>
+                <a:effectLst/>
+                <a:highlight>
+                  <a:srgbClr val="D6E0EB"/>
+                </a:highlight>
+                <a:latin typeface="Consolas" panose="020B0609020204030204" pitchFamily="49" charset="0"/>
+              </a:rPr>
               <a:t>x_oversample</a:t>
             </a:r>
             <a:r>
@@ -22280,7 +23240,7 @@
                 </a:highlight>
                 <a:latin typeface="Consolas" panose="020B0609020204030204" pitchFamily="49" charset="0"/>
               </a:rPr>
-              <a:t>X_train</a:t>
+              <a:t>X_values</a:t>
             </a:r>
             <a:r>
               <a:rPr lang="en-SG" b="0" dirty="0" err="1">
@@ -22306,7 +23266,7 @@
                 </a:highlight>
                 <a:latin typeface="Consolas" panose="020B0609020204030204" pitchFamily="49" charset="0"/>
               </a:rPr>
-              <a:t>y_train</a:t>
+              <a:t>y_values</a:t>
             </a:r>
             <a:r>
               <a:rPr lang="en-SG" b="0" dirty="0">
@@ -22397,6 +23357,58 @@
                 </a:highlight>
                 <a:latin typeface="Consolas" panose="020B0609020204030204" pitchFamily="49" charset="0"/>
               </a:rPr>
+              <a:t>, </a:t>
+            </a:r>
+            <a:r>
+              <a:rPr lang="en-SG" b="0" dirty="0" err="1">
+                <a:solidFill>
+                  <a:srgbClr val="001080"/>
+                </a:solidFill>
+                <a:effectLst/>
+                <a:highlight>
+                  <a:srgbClr val="D6E0EB"/>
+                </a:highlight>
+                <a:latin typeface="Consolas" panose="020B0609020204030204" pitchFamily="49" charset="0"/>
+              </a:rPr>
+              <a:t>k_neighbors</a:t>
+            </a:r>
+            <a:r>
+              <a:rPr lang="en-SG" b="0" dirty="0">
+                <a:solidFill>
+                  <a:srgbClr val="000000"/>
+                </a:solidFill>
+                <a:effectLst/>
+                <a:highlight>
+                  <a:srgbClr val="D6E0EB"/>
+                </a:highlight>
+                <a:latin typeface="Consolas" panose="020B0609020204030204" pitchFamily="49" charset="0"/>
+              </a:rPr>
+              <a:t>=</a:t>
+            </a:r>
+            <a:r>
+              <a:rPr lang="en-SG" b="0" dirty="0" err="1">
+                <a:solidFill>
+                  <a:srgbClr val="001080"/>
+                </a:solidFill>
+                <a:effectLst/>
+                <a:highlight>
+                  <a:srgbClr val="D6E0EB"/>
+                </a:highlight>
+                <a:latin typeface="Consolas" panose="020B0609020204030204" pitchFamily="49" charset="0"/>
+              </a:rPr>
+              <a:t>k_neighbors</a:t>
+            </a:r>
+            <a:r>
+              <a:rPr lang="en-SG" b="0" dirty="0">
+                <a:solidFill>
+                  <a:srgbClr val="000000"/>
+                </a:solidFill>
+                <a:effectLst/>
+                <a:highlight>
+                  <a:srgbClr val="D6E0EB"/>
+                </a:highlight>
+                <a:latin typeface="Consolas" panose="020B0609020204030204" pitchFamily="49" charset="0"/>
+              </a:rPr>
               <a:t>)</a:t>
             </a:r>
           </a:p>
@@ -22415,9 +23427,9 @@
               <a:t>    </a:t>
             </a:r>
             <a:r>
-              <a:rPr lang="en-SG" b="0" dirty="0">
+              <a:rPr lang="en-SG" b="0" dirty="0" err="1">
                 <a:solidFill>
-                  <a:srgbClr val="008000"/>
+                  <a:srgbClr val="001080"/>
                 </a:solidFill>
                 <a:effectLst/>
                 <a:highlight>
@@ -22425,103 +23437,12 @@
                 </a:highlight>
                 <a:latin typeface="Consolas" panose="020B0609020204030204" pitchFamily="49" charset="0"/>
               </a:rPr>
-              <a:t># </a:t>
-            </a:r>
-            <a:r>
-              <a:rPr lang="en-SG" b="0" dirty="0" err="1">
-                <a:solidFill>
-                  <a:srgbClr val="008000"/>
-                </a:solidFill>
-                <a:effectLst/>
-                <a:highlight>
-                  <a:srgbClr val="D6E0EB"/>
-                </a:highlight>
-                <a:latin typeface="Consolas" panose="020B0609020204030204" pitchFamily="49" charset="0"/>
-              </a:rPr>
-              <a:t>X_test,y_test</a:t>
+              <a:t>min_samples_leaf</a:t>
             </a:r>
             <a:r>
               <a:rPr lang="en-SG" b="0" dirty="0">
                 <a:solidFill>
-                  <a:srgbClr val="008000"/>
-                </a:solidFill>
-                <a:effectLst/>
-                <a:highlight>
-                  <a:srgbClr val="D6E0EB"/>
-                </a:highlight>
-                <a:latin typeface="Consolas" panose="020B0609020204030204" pitchFamily="49" charset="0"/>
-              </a:rPr>
-              <a:t> = </a:t>
-            </a:r>
-            <a:r>
-              <a:rPr lang="en-SG" b="0" dirty="0" err="1">
-                <a:solidFill>
-                  <a:srgbClr val="008000"/>
-                </a:solidFill>
-                <a:effectLst/>
-                <a:highlight>
-                  <a:srgbClr val="D6E0EB"/>
-                </a:highlight>
-                <a:latin typeface="Consolas" panose="020B0609020204030204" pitchFamily="49" charset="0"/>
-              </a:rPr>
-              <a:t>sample_imbalanced_data</a:t>
-            </a:r>
-            <a:r>
-              <a:rPr lang="en-SG" b="0" dirty="0">
-                <a:solidFill>
-                  <a:srgbClr val="008000"/>
-                </a:solidFill>
-                <a:effectLst/>
-                <a:highlight>
-                  <a:srgbClr val="D6E0EB"/>
-                </a:highlight>
-                <a:latin typeface="Consolas" panose="020B0609020204030204" pitchFamily="49" charset="0"/>
-              </a:rPr>
-              <a:t>(</a:t>
-            </a:r>
-            <a:r>
-              <a:rPr lang="en-SG" b="0" dirty="0" err="1">
-                <a:solidFill>
-                  <a:srgbClr val="008000"/>
-                </a:solidFill>
-                <a:effectLst/>
-                <a:highlight>
-                  <a:srgbClr val="D6E0EB"/>
-                </a:highlight>
-                <a:latin typeface="Consolas" panose="020B0609020204030204" pitchFamily="49" charset="0"/>
-              </a:rPr>
-              <a:t>X_test,y_test</a:t>
-            </a:r>
-            <a:r>
-              <a:rPr lang="en-SG" b="0" dirty="0">
-                <a:solidFill>
-                  <a:srgbClr val="008000"/>
-                </a:solidFill>
-                <a:effectLst/>
-                <a:highlight>
-                  <a:srgbClr val="D6E0EB"/>
-                </a:highlight>
-                <a:latin typeface="Consolas" panose="020B0609020204030204" pitchFamily="49" charset="0"/>
-              </a:rPr>
-              <a:t>, 0, </a:t>
-            </a:r>
-            <a:r>
-              <a:rPr lang="en-SG" b="0" dirty="0" err="1">
-                <a:solidFill>
-                  <a:srgbClr val="008000"/>
-                </a:solidFill>
-                <a:effectLst/>
-                <a:highlight>
-                  <a:srgbClr val="D6E0EB"/>
-                </a:highlight>
-                <a:latin typeface="Consolas" panose="020B0609020204030204" pitchFamily="49" charset="0"/>
-              </a:rPr>
-              <a:t>sampling_strategy</a:t>
-            </a:r>
-            <a:r>
-              <a:rPr lang="en-SG" b="0" dirty="0">
-                <a:solidFill>
-                  <a:srgbClr val="008000"/>
+                  <a:srgbClr val="000000"/>
                 </a:solidFill>
                 <a:effectLst/>
                 <a:highlight>
@@ -22532,9 +23453,9 @@
               <a:t>=</a:t>
             </a:r>
             <a:r>
-              <a:rPr lang="en-SG" b="0" dirty="0" err="1">
+              <a:rPr lang="en-SG" b="0" dirty="0">
                 <a:solidFill>
-                  <a:srgbClr val="008000"/>
+                  <a:srgbClr val="098658"/>
                 </a:solidFill>
                 <a:effectLst/>
                 <a:highlight>
@@ -22542,20 +23463,7 @@
                 </a:highlight>
                 <a:latin typeface="Consolas" panose="020B0609020204030204" pitchFamily="49" charset="0"/>
               </a:rPr>
-              <a:t>sampling_strategy</a:t>
-            </a:r>
-            <a:r>
-              <a:rPr lang="en-SG" b="0" dirty="0">
-                <a:solidFill>
-                  <a:srgbClr val="008000"/>
-                </a:solidFill>
-                <a:effectLst/>
-                <a:highlight>
-                  <a:srgbClr val="D6E0EB"/>
-                </a:highlight>
-                <a:latin typeface="Consolas" panose="020B0609020204030204" pitchFamily="49" charset="0"/>
-              </a:rPr>
-              <a:t>)</a:t>
+              <a:t>10</a:t>
             </a:r>
             <a:endParaRPr lang="en-SG" b="0" dirty="0">
               <a:solidFill>
@@ -22593,7 +23501,7 @@
                 </a:highlight>
                 <a:latin typeface="Consolas" panose="020B0609020204030204" pitchFamily="49" charset="0"/>
               </a:rPr>
-              <a:t>min_samples_leaf</a:t>
+              <a:t>max_depth</a:t>
             </a:r>
             <a:r>
               <a:rPr lang="en-SG" b="0" dirty="0">
@@ -22619,7 +23527,7 @@
                 </a:highlight>
                 <a:latin typeface="Consolas" panose="020B0609020204030204" pitchFamily="49" charset="0"/>
               </a:rPr>
-              <a:t>10</a:t>
+              <a:t>7</a:t>
             </a:r>
             <a:endParaRPr lang="en-SG" b="0" dirty="0">
               <a:solidFill>
@@ -22647,7 +23555,7 @@
               <a:t>    </a:t>
             </a:r>
             <a:r>
-              <a:rPr lang="en-SG" b="0" dirty="0" err="1">
+              <a:rPr lang="en-SG" b="0" dirty="0">
                 <a:solidFill>
                   <a:srgbClr val="001080"/>
                 </a:solidFill>
@@ -22657,7 +23565,7 @@
                 </a:highlight>
                 <a:latin typeface="Consolas" panose="020B0609020204030204" pitchFamily="49" charset="0"/>
               </a:rPr>
-              <a:t>max_depth</a:t>
+              <a:t>estimators</a:t>
             </a:r>
             <a:r>
               <a:rPr lang="en-SG" b="0" dirty="0">
@@ -22673,16 +23581,43 @@
               <a:t>=</a:t>
             </a:r>
             <a:r>
-              <a:rPr lang="en-SG" dirty="0">
+              <a:rPr lang="en-SG" b="0" dirty="0">
                 <a:solidFill>
                   <a:srgbClr val="098658"/>
                 </a:solidFill>
+                <a:effectLst/>
                 <a:highlight>
                   <a:srgbClr val="D6E0EB"/>
                 </a:highlight>
                 <a:latin typeface="Consolas" panose="020B0609020204030204" pitchFamily="49" charset="0"/>
               </a:rPr>
-              <a:t>7</a:t>
+              <a:t>50</a:t>
+            </a:r>
+            <a:r>
+              <a:rPr lang="en-SG" b="0" dirty="0">
+                <a:solidFill>
+                  <a:srgbClr val="000000"/>
+                </a:solidFill>
+                <a:effectLst/>
+                <a:highlight>
+                  <a:srgbClr val="D6E0EB"/>
+                </a:highlight>
+                <a:latin typeface="Consolas" panose="020B0609020204030204" pitchFamily="49" charset="0"/>
+              </a:rPr>
+              <a:t> </a:t>
+            </a:r>
+            <a:r>
+              <a:rPr lang="en-SG" b="0" dirty="0">
+                <a:solidFill>
+                  <a:srgbClr val="008000"/>
+                </a:solidFill>
+                <a:effectLst/>
+                <a:highlight>
+                  <a:srgbClr val="D6E0EB"/>
+                </a:highlight>
+                <a:latin typeface="Consolas" panose="020B0609020204030204" pitchFamily="49" charset="0"/>
+              </a:rPr>
+              <a:t>#50</a:t>
             </a:r>
             <a:endParaRPr lang="en-SG" b="0" dirty="0">
               <a:solidFill>
@@ -22710,7 +23645,7 @@
               <a:t>    </a:t>
             </a:r>
             <a:r>
-              <a:rPr lang="en-SG" b="0" dirty="0">
+              <a:rPr lang="en-SG" b="0" dirty="0" err="1">
                 <a:solidFill>
                   <a:srgbClr val="001080"/>
                 </a:solidFill>
@@ -22720,7 +23655,349 @@
                 </a:highlight>
                 <a:latin typeface="Consolas" panose="020B0609020204030204" pitchFamily="49" charset="0"/>
               </a:rPr>
-              <a:t>estimators</a:t>
+              <a:t>samples_leaf_sizes</a:t>
+            </a:r>
+            <a:r>
+              <a:rPr lang="en-SG" b="0" dirty="0">
+                <a:solidFill>
+                  <a:srgbClr val="000000"/>
+                </a:solidFill>
+                <a:effectLst/>
+                <a:highlight>
+                  <a:srgbClr val="D6E0EB"/>
+                </a:highlight>
+                <a:latin typeface="Consolas" panose="020B0609020204030204" pitchFamily="49" charset="0"/>
+              </a:rPr>
+              <a:t> = [</a:t>
+            </a:r>
+            <a:r>
+              <a:rPr lang="en-SG" b="0" dirty="0">
+                <a:solidFill>
+                  <a:srgbClr val="098658"/>
+                </a:solidFill>
+                <a:effectLst/>
+                <a:highlight>
+                  <a:srgbClr val="D6E0EB"/>
+                </a:highlight>
+                <a:latin typeface="Consolas" panose="020B0609020204030204" pitchFamily="49" charset="0"/>
+              </a:rPr>
+              <a:t>2</a:t>
+            </a:r>
+            <a:r>
+              <a:rPr lang="en-SG" b="0" dirty="0">
+                <a:solidFill>
+                  <a:srgbClr val="000000"/>
+                </a:solidFill>
+                <a:effectLst/>
+                <a:highlight>
+                  <a:srgbClr val="D6E0EB"/>
+                </a:highlight>
+                <a:latin typeface="Consolas" panose="020B0609020204030204" pitchFamily="49" charset="0"/>
+              </a:rPr>
+              <a:t>,</a:t>
+            </a:r>
+            <a:r>
+              <a:rPr lang="en-SG" b="0" dirty="0">
+                <a:solidFill>
+                  <a:srgbClr val="098658"/>
+                </a:solidFill>
+                <a:effectLst/>
+                <a:highlight>
+                  <a:srgbClr val="D6E0EB"/>
+                </a:highlight>
+                <a:latin typeface="Consolas" panose="020B0609020204030204" pitchFamily="49" charset="0"/>
+              </a:rPr>
+              <a:t>4</a:t>
+            </a:r>
+            <a:r>
+              <a:rPr lang="en-SG" b="0" dirty="0">
+                <a:solidFill>
+                  <a:srgbClr val="000000"/>
+                </a:solidFill>
+                <a:effectLst/>
+                <a:highlight>
+                  <a:srgbClr val="D6E0EB"/>
+                </a:highlight>
+                <a:latin typeface="Consolas" panose="020B0609020204030204" pitchFamily="49" charset="0"/>
+              </a:rPr>
+              <a:t>,</a:t>
+            </a:r>
+            <a:r>
+              <a:rPr lang="en-SG" b="0" dirty="0">
+                <a:solidFill>
+                  <a:srgbClr val="098658"/>
+                </a:solidFill>
+                <a:effectLst/>
+                <a:highlight>
+                  <a:srgbClr val="D6E0EB"/>
+                </a:highlight>
+                <a:latin typeface="Consolas" panose="020B0609020204030204" pitchFamily="49" charset="0"/>
+              </a:rPr>
+              <a:t>6</a:t>
+            </a:r>
+            <a:r>
+              <a:rPr lang="en-SG" b="0" dirty="0">
+                <a:solidFill>
+                  <a:srgbClr val="000000"/>
+                </a:solidFill>
+                <a:effectLst/>
+                <a:highlight>
+                  <a:srgbClr val="D6E0EB"/>
+                </a:highlight>
+                <a:latin typeface="Consolas" panose="020B0609020204030204" pitchFamily="49" charset="0"/>
+              </a:rPr>
+              <a:t>,</a:t>
+            </a:r>
+            <a:r>
+              <a:rPr lang="en-SG" b="0" dirty="0">
+                <a:solidFill>
+                  <a:srgbClr val="098658"/>
+                </a:solidFill>
+                <a:effectLst/>
+                <a:highlight>
+                  <a:srgbClr val="D6E0EB"/>
+                </a:highlight>
+                <a:latin typeface="Consolas" panose="020B0609020204030204" pitchFamily="49" charset="0"/>
+              </a:rPr>
+              <a:t>7</a:t>
+            </a:r>
+            <a:r>
+              <a:rPr lang="en-SG" b="0" dirty="0">
+                <a:solidFill>
+                  <a:srgbClr val="000000"/>
+                </a:solidFill>
+                <a:effectLst/>
+                <a:highlight>
+                  <a:srgbClr val="D6E0EB"/>
+                </a:highlight>
+                <a:latin typeface="Consolas" panose="020B0609020204030204" pitchFamily="49" charset="0"/>
+              </a:rPr>
+              <a:t>,</a:t>
+            </a:r>
+            <a:r>
+              <a:rPr lang="en-SG" b="0" dirty="0">
+                <a:solidFill>
+                  <a:srgbClr val="098658"/>
+                </a:solidFill>
+                <a:effectLst/>
+                <a:highlight>
+                  <a:srgbClr val="D6E0EB"/>
+                </a:highlight>
+                <a:latin typeface="Consolas" panose="020B0609020204030204" pitchFamily="49" charset="0"/>
+              </a:rPr>
+              <a:t>8</a:t>
+            </a:r>
+            <a:r>
+              <a:rPr lang="en-SG" b="0" dirty="0">
+                <a:solidFill>
+                  <a:srgbClr val="000000"/>
+                </a:solidFill>
+                <a:effectLst/>
+                <a:highlight>
+                  <a:srgbClr val="D6E0EB"/>
+                </a:highlight>
+                <a:latin typeface="Consolas" panose="020B0609020204030204" pitchFamily="49" charset="0"/>
+              </a:rPr>
+              <a:t>,</a:t>
+            </a:r>
+            <a:r>
+              <a:rPr lang="en-SG" b="0" dirty="0">
+                <a:solidFill>
+                  <a:srgbClr val="098658"/>
+                </a:solidFill>
+                <a:effectLst/>
+                <a:highlight>
+                  <a:srgbClr val="D6E0EB"/>
+                </a:highlight>
+                <a:latin typeface="Consolas" panose="020B0609020204030204" pitchFamily="49" charset="0"/>
+              </a:rPr>
+              <a:t>10</a:t>
+            </a:r>
+            <a:r>
+              <a:rPr lang="en-SG" b="0" dirty="0">
+                <a:solidFill>
+                  <a:srgbClr val="000000"/>
+                </a:solidFill>
+                <a:effectLst/>
+                <a:highlight>
+                  <a:srgbClr val="D6E0EB"/>
+                </a:highlight>
+                <a:latin typeface="Consolas" panose="020B0609020204030204" pitchFamily="49" charset="0"/>
+              </a:rPr>
+              <a:t>,</a:t>
+            </a:r>
+            <a:r>
+              <a:rPr lang="en-SG" b="0" dirty="0">
+                <a:solidFill>
+                  <a:srgbClr val="098658"/>
+                </a:solidFill>
+                <a:effectLst/>
+                <a:highlight>
+                  <a:srgbClr val="D6E0EB"/>
+                </a:highlight>
+                <a:latin typeface="Consolas" panose="020B0609020204030204" pitchFamily="49" charset="0"/>
+              </a:rPr>
+              <a:t>50</a:t>
+            </a:r>
+            <a:r>
+              <a:rPr lang="en-SG" b="0" dirty="0">
+                <a:solidFill>
+                  <a:srgbClr val="000000"/>
+                </a:solidFill>
+                <a:effectLst/>
+                <a:highlight>
+                  <a:srgbClr val="D6E0EB"/>
+                </a:highlight>
+                <a:latin typeface="Consolas" panose="020B0609020204030204" pitchFamily="49" charset="0"/>
+              </a:rPr>
+              <a:t>]</a:t>
+            </a:r>
+          </a:p>
+          <a:p>
+            <a:r>
+              <a:rPr lang="en-SG" b="0" dirty="0">
+                <a:solidFill>
+                  <a:srgbClr val="000000"/>
+                </a:solidFill>
+                <a:effectLst/>
+                <a:highlight>
+                  <a:srgbClr val="D6E0EB"/>
+                </a:highlight>
+                <a:latin typeface="Consolas" panose="020B0609020204030204" pitchFamily="49" charset="0"/>
+              </a:rPr>
+              <a:t>    </a:t>
+            </a:r>
+            <a:r>
+              <a:rPr lang="en-SG" b="0" dirty="0" err="1">
+                <a:solidFill>
+                  <a:srgbClr val="001080"/>
+                </a:solidFill>
+                <a:effectLst/>
+                <a:highlight>
+                  <a:srgbClr val="D6E0EB"/>
+                </a:highlight>
+                <a:latin typeface="Consolas" panose="020B0609020204030204" pitchFamily="49" charset="0"/>
+              </a:rPr>
+              <a:t>tree_depths</a:t>
+            </a:r>
+            <a:r>
+              <a:rPr lang="en-SG" b="0" dirty="0">
+                <a:solidFill>
+                  <a:srgbClr val="000000"/>
+                </a:solidFill>
+                <a:effectLst/>
+                <a:highlight>
+                  <a:srgbClr val="D6E0EB"/>
+                </a:highlight>
+                <a:latin typeface="Consolas" panose="020B0609020204030204" pitchFamily="49" charset="0"/>
+              </a:rPr>
+              <a:t> = </a:t>
+            </a:r>
+            <a:r>
+              <a:rPr lang="en-SG" b="0" dirty="0">
+                <a:solidFill>
+                  <a:srgbClr val="267F99"/>
+                </a:solidFill>
+                <a:effectLst/>
+                <a:highlight>
+                  <a:srgbClr val="D6E0EB"/>
+                </a:highlight>
+                <a:latin typeface="Consolas" panose="020B0609020204030204" pitchFamily="49" charset="0"/>
+              </a:rPr>
+              <a:t>range</a:t>
+            </a:r>
+            <a:r>
+              <a:rPr lang="en-SG" b="0" dirty="0">
+                <a:solidFill>
+                  <a:srgbClr val="000000"/>
+                </a:solidFill>
+                <a:effectLst/>
+                <a:highlight>
+                  <a:srgbClr val="D6E0EB"/>
+                </a:highlight>
+                <a:latin typeface="Consolas" panose="020B0609020204030204" pitchFamily="49" charset="0"/>
+              </a:rPr>
+              <a:t>(</a:t>
+            </a:r>
+            <a:r>
+              <a:rPr lang="en-SG" b="0" dirty="0">
+                <a:solidFill>
+                  <a:srgbClr val="098658"/>
+                </a:solidFill>
+                <a:effectLst/>
+                <a:highlight>
+                  <a:srgbClr val="D6E0EB"/>
+                </a:highlight>
+                <a:latin typeface="Consolas" panose="020B0609020204030204" pitchFamily="49" charset="0"/>
+              </a:rPr>
+              <a:t>1</a:t>
+            </a:r>
+            <a:r>
+              <a:rPr lang="en-SG" b="0" dirty="0">
+                <a:solidFill>
+                  <a:srgbClr val="000000"/>
+                </a:solidFill>
+                <a:effectLst/>
+                <a:highlight>
+                  <a:srgbClr val="D6E0EB"/>
+                </a:highlight>
+                <a:latin typeface="Consolas" panose="020B0609020204030204" pitchFamily="49" charset="0"/>
+              </a:rPr>
+              <a:t>,</a:t>
+            </a:r>
+            <a:r>
+              <a:rPr lang="en-SG" b="0" dirty="0">
+                <a:solidFill>
+                  <a:srgbClr val="098658"/>
+                </a:solidFill>
+                <a:effectLst/>
+                <a:highlight>
+                  <a:srgbClr val="D6E0EB"/>
+                </a:highlight>
+                <a:latin typeface="Consolas" panose="020B0609020204030204" pitchFamily="49" charset="0"/>
+              </a:rPr>
+              <a:t>30</a:t>
+            </a:r>
+            <a:r>
+              <a:rPr lang="en-SG" b="0" dirty="0">
+                <a:solidFill>
+                  <a:srgbClr val="000000"/>
+                </a:solidFill>
+                <a:effectLst/>
+                <a:highlight>
+                  <a:srgbClr val="D6E0EB"/>
+                </a:highlight>
+                <a:latin typeface="Consolas" panose="020B0609020204030204" pitchFamily="49" charset="0"/>
+              </a:rPr>
+              <a:t>)</a:t>
+            </a:r>
+          </a:p>
+          <a:p>
+            <a:r>
+              <a:rPr lang="en-SG" b="0" dirty="0">
+                <a:solidFill>
+                  <a:srgbClr val="000000"/>
+                </a:solidFill>
+                <a:effectLst/>
+                <a:highlight>
+                  <a:srgbClr val="D6E0EB"/>
+                </a:highlight>
+                <a:latin typeface="Consolas" panose="020B0609020204030204" pitchFamily="49" charset="0"/>
+              </a:rPr>
+              <a:t>    </a:t>
+            </a:r>
+            <a:r>
+              <a:rPr lang="en-SG" b="0" dirty="0" err="1">
+                <a:solidFill>
+                  <a:srgbClr val="001080"/>
+                </a:solidFill>
+                <a:effectLst/>
+                <a:highlight>
+                  <a:srgbClr val="D6E0EB"/>
+                </a:highlight>
+                <a:latin typeface="Consolas" panose="020B0609020204030204" pitchFamily="49" charset="0"/>
+              </a:rPr>
+              <a:t>execute_crossval</a:t>
             </a:r>
             <a:r>
               <a:rPr lang="en-SG" b="0" dirty="0">
@@ -22738,7 +24015,7 @@
             <a:r>
               <a:rPr lang="en-SG" b="0" dirty="0">
                 <a:solidFill>
-                  <a:srgbClr val="098658"/>
+                  <a:srgbClr val="0000FF"/>
                 </a:solidFill>
                 <a:effectLst/>
                 <a:highlight>
@@ -22746,7 +24023,7 @@
                 </a:highlight>
                 <a:latin typeface="Consolas" panose="020B0609020204030204" pitchFamily="49" charset="0"/>
               </a:rPr>
-              <a:t>50</a:t>
+              <a:t>False</a:t>
             </a:r>
             <a:endParaRPr lang="en-SG" b="0" dirty="0">
               <a:solidFill>
@@ -22784,7 +24061,7 @@
                 </a:highlight>
                 <a:latin typeface="Consolas" panose="020B0609020204030204" pitchFamily="49" charset="0"/>
               </a:rPr>
-              <a:t>samples_leaf_sizes</a:t>
+              <a:t>sampling_method</a:t>
             </a:r>
             <a:r>
               <a:rPr lang="en-SG" b="0" dirty="0">
@@ -22797,137 +24074,7 @@
                 </a:highlight>
                 <a:latin typeface="Consolas" panose="020B0609020204030204" pitchFamily="49" charset="0"/>
               </a:rPr>
-              <a:t> = [</a:t>
-            </a:r>
-            <a:r>
-              <a:rPr lang="en-SG" b="0" dirty="0">
-                <a:solidFill>
-                  <a:srgbClr val="098658"/>
-                </a:solidFill>
-                <a:effectLst/>
-                <a:highlight>
-                  <a:srgbClr val="D6E0EB"/>
-                </a:highlight>
-                <a:latin typeface="Consolas" panose="020B0609020204030204" pitchFamily="49" charset="0"/>
-              </a:rPr>
-              <a:t>2</a:t>
-            </a:r>
-            <a:r>
-              <a:rPr lang="en-SG" b="0" dirty="0">
-                <a:solidFill>
-                  <a:srgbClr val="000000"/>
-                </a:solidFill>
-                <a:effectLst/>
-                <a:highlight>
-                  <a:srgbClr val="D6E0EB"/>
-                </a:highlight>
-                <a:latin typeface="Consolas" panose="020B0609020204030204" pitchFamily="49" charset="0"/>
-              </a:rPr>
-              <a:t>,</a:t>
-            </a:r>
-            <a:r>
-              <a:rPr lang="en-SG" b="0" dirty="0">
-                <a:solidFill>
-                  <a:srgbClr val="098658"/>
-                </a:solidFill>
-                <a:effectLst/>
-                <a:highlight>
-                  <a:srgbClr val="D6E0EB"/>
-                </a:highlight>
-                <a:latin typeface="Consolas" panose="020B0609020204030204" pitchFamily="49" charset="0"/>
-              </a:rPr>
-              <a:t>4</a:t>
-            </a:r>
-            <a:r>
-              <a:rPr lang="en-SG" b="0" dirty="0">
-                <a:solidFill>
-                  <a:srgbClr val="000000"/>
-                </a:solidFill>
-                <a:effectLst/>
-                <a:highlight>
-                  <a:srgbClr val="D6E0EB"/>
-                </a:highlight>
-                <a:latin typeface="Consolas" panose="020B0609020204030204" pitchFamily="49" charset="0"/>
-              </a:rPr>
-              <a:t>,</a:t>
-            </a:r>
-            <a:r>
-              <a:rPr lang="en-SG" b="0" dirty="0">
-                <a:solidFill>
-                  <a:srgbClr val="098658"/>
-                </a:solidFill>
-                <a:effectLst/>
-                <a:highlight>
-                  <a:srgbClr val="D6E0EB"/>
-                </a:highlight>
-                <a:latin typeface="Consolas" panose="020B0609020204030204" pitchFamily="49" charset="0"/>
-              </a:rPr>
-              <a:t>6</a:t>
-            </a:r>
-            <a:r>
-              <a:rPr lang="en-SG" b="0" dirty="0">
-                <a:solidFill>
-                  <a:srgbClr val="000000"/>
-                </a:solidFill>
-                <a:effectLst/>
-                <a:highlight>
-                  <a:srgbClr val="D6E0EB"/>
-                </a:highlight>
-                <a:latin typeface="Consolas" panose="020B0609020204030204" pitchFamily="49" charset="0"/>
-              </a:rPr>
-              <a:t>,</a:t>
-            </a:r>
-            <a:r>
-              <a:rPr lang="en-SG" b="0" dirty="0">
-                <a:solidFill>
-                  <a:srgbClr val="098658"/>
-                </a:solidFill>
-                <a:effectLst/>
-                <a:highlight>
-                  <a:srgbClr val="D6E0EB"/>
-                </a:highlight>
-                <a:latin typeface="Consolas" panose="020B0609020204030204" pitchFamily="49" charset="0"/>
-              </a:rPr>
-              <a:t>7</a:t>
-            </a:r>
-            <a:r>
-              <a:rPr lang="en-SG" b="0" dirty="0">
-                <a:solidFill>
-                  <a:srgbClr val="000000"/>
-                </a:solidFill>
-                <a:effectLst/>
-                <a:highlight>
-                  <a:srgbClr val="D6E0EB"/>
-                </a:highlight>
-                <a:latin typeface="Consolas" panose="020B0609020204030204" pitchFamily="49" charset="0"/>
-              </a:rPr>
-              <a:t>,</a:t>
-            </a:r>
-            <a:r>
-              <a:rPr lang="en-SG" b="0" dirty="0">
-                <a:solidFill>
-                  <a:srgbClr val="098658"/>
-                </a:solidFill>
-                <a:effectLst/>
-                <a:highlight>
-                  <a:srgbClr val="D6E0EB"/>
-                </a:highlight>
-                <a:latin typeface="Consolas" panose="020B0609020204030204" pitchFamily="49" charset="0"/>
-              </a:rPr>
-              <a:t>8</a:t>
-            </a:r>
-            <a:r>
-              <a:rPr lang="en-SG" b="0" dirty="0">
-                <a:solidFill>
-                  <a:srgbClr val="000000"/>
-                </a:solidFill>
-                <a:effectLst/>
-                <a:highlight>
-                  <a:srgbClr val="D6E0EB"/>
-                </a:highlight>
-                <a:latin typeface="Consolas" panose="020B0609020204030204" pitchFamily="49" charset="0"/>
-              </a:rPr>
-              <a:t>,</a:t>
+              <a:t>=</a:t>
             </a:r>
             <a:r>
               <a:rPr lang="en-SG" b="0" dirty="0">
@@ -22942,296 +24089,6 @@
               </a:rPr>
               <a:t>10</a:t>
             </a:r>
-            <a:r>
-              <a:rPr lang="en-SG" b="0" dirty="0">
-                <a:solidFill>
-                  <a:srgbClr val="000000"/>
-                </a:solidFill>
-                <a:effectLst/>
-                <a:highlight>
-                  <a:srgbClr val="D6E0EB"/>
-                </a:highlight>
-                <a:latin typeface="Consolas" panose="020B0609020204030204" pitchFamily="49" charset="0"/>
-              </a:rPr>
-              <a:t>,</a:t>
-            </a:r>
-            <a:r>
-              <a:rPr lang="en-SG" b="0" dirty="0">
-                <a:solidFill>
-                  <a:srgbClr val="098658"/>
-                </a:solidFill>
-                <a:effectLst/>
-                <a:highlight>
-                  <a:srgbClr val="D6E0EB"/>
-                </a:highlight>
-                <a:latin typeface="Consolas" panose="020B0609020204030204" pitchFamily="49" charset="0"/>
-              </a:rPr>
-              <a:t>20</a:t>
-            </a:r>
-            <a:r>
-              <a:rPr lang="en-SG" b="0" dirty="0">
-                <a:solidFill>
-                  <a:srgbClr val="000000"/>
-                </a:solidFill>
-                <a:effectLst/>
-                <a:highlight>
-                  <a:srgbClr val="D6E0EB"/>
-                </a:highlight>
-                <a:latin typeface="Consolas" panose="020B0609020204030204" pitchFamily="49" charset="0"/>
-              </a:rPr>
-              <a:t>,</a:t>
-            </a:r>
-            <a:r>
-              <a:rPr lang="en-SG" b="0" dirty="0">
-                <a:solidFill>
-                  <a:srgbClr val="098658"/>
-                </a:solidFill>
-                <a:effectLst/>
-                <a:highlight>
-                  <a:srgbClr val="D6E0EB"/>
-                </a:highlight>
-                <a:latin typeface="Consolas" panose="020B0609020204030204" pitchFamily="49" charset="0"/>
-              </a:rPr>
-              <a:t>30</a:t>
-            </a:r>
-            <a:r>
-              <a:rPr lang="en-SG" b="0" dirty="0">
-                <a:solidFill>
-                  <a:srgbClr val="000000"/>
-                </a:solidFill>
-                <a:effectLst/>
-                <a:highlight>
-                  <a:srgbClr val="D6E0EB"/>
-                </a:highlight>
-                <a:latin typeface="Consolas" panose="020B0609020204030204" pitchFamily="49" charset="0"/>
-              </a:rPr>
-              <a:t>,</a:t>
-            </a:r>
-            <a:r>
-              <a:rPr lang="en-SG" b="0" dirty="0">
-                <a:solidFill>
-                  <a:srgbClr val="098658"/>
-                </a:solidFill>
-                <a:effectLst/>
-                <a:highlight>
-                  <a:srgbClr val="D6E0EB"/>
-                </a:highlight>
-                <a:latin typeface="Consolas" panose="020B0609020204030204" pitchFamily="49" charset="0"/>
-              </a:rPr>
-              <a:t>40</a:t>
-            </a:r>
-            <a:r>
-              <a:rPr lang="en-SG" b="0" dirty="0">
-                <a:solidFill>
-                  <a:srgbClr val="000000"/>
-                </a:solidFill>
-                <a:effectLst/>
-                <a:highlight>
-                  <a:srgbClr val="D6E0EB"/>
-                </a:highlight>
-                <a:latin typeface="Consolas" panose="020B0609020204030204" pitchFamily="49" charset="0"/>
-              </a:rPr>
-              <a:t>,</a:t>
-            </a:r>
-            <a:r>
-              <a:rPr lang="en-SG" b="0" dirty="0">
-                <a:solidFill>
-                  <a:srgbClr val="098658"/>
-                </a:solidFill>
-                <a:effectLst/>
-                <a:highlight>
-                  <a:srgbClr val="D6E0EB"/>
-                </a:highlight>
-                <a:latin typeface="Consolas" panose="020B0609020204030204" pitchFamily="49" charset="0"/>
-              </a:rPr>
-              <a:t>50</a:t>
-            </a:r>
-            <a:r>
-              <a:rPr lang="en-SG" b="0" dirty="0">
-                <a:solidFill>
-                  <a:srgbClr val="000000"/>
-                </a:solidFill>
-                <a:effectLst/>
-                <a:highlight>
-                  <a:srgbClr val="D6E0EB"/>
-                </a:highlight>
-                <a:latin typeface="Consolas" panose="020B0609020204030204" pitchFamily="49" charset="0"/>
-              </a:rPr>
-              <a:t>]</a:t>
-            </a:r>
-          </a:p>
-          <a:p>
-            <a:r>
-              <a:rPr lang="en-SG" b="0" dirty="0">
-                <a:solidFill>
-                  <a:srgbClr val="000000"/>
-                </a:solidFill>
-                <a:effectLst/>
-                <a:highlight>
-                  <a:srgbClr val="D6E0EB"/>
-                </a:highlight>
-                <a:latin typeface="Consolas" panose="020B0609020204030204" pitchFamily="49" charset="0"/>
-              </a:rPr>
-              <a:t>    </a:t>
-            </a:r>
-            <a:r>
-              <a:rPr lang="en-SG" b="0" dirty="0" err="1">
-                <a:solidFill>
-                  <a:srgbClr val="001080"/>
-                </a:solidFill>
-                <a:effectLst/>
-                <a:highlight>
-                  <a:srgbClr val="D6E0EB"/>
-                </a:highlight>
-                <a:latin typeface="Consolas" panose="020B0609020204030204" pitchFamily="49" charset="0"/>
-              </a:rPr>
-              <a:t>tree_depths</a:t>
-            </a:r>
-            <a:r>
-              <a:rPr lang="en-SG" b="0" dirty="0">
-                <a:solidFill>
-                  <a:srgbClr val="000000"/>
-                </a:solidFill>
-                <a:effectLst/>
-                <a:highlight>
-                  <a:srgbClr val="D6E0EB"/>
-                </a:highlight>
-                <a:latin typeface="Consolas" panose="020B0609020204030204" pitchFamily="49" charset="0"/>
-              </a:rPr>
-              <a:t> = </a:t>
-            </a:r>
-            <a:r>
-              <a:rPr lang="en-SG" b="0" dirty="0">
-                <a:solidFill>
-                  <a:srgbClr val="267F99"/>
-                </a:solidFill>
-                <a:effectLst/>
-                <a:highlight>
-                  <a:srgbClr val="D6E0EB"/>
-                </a:highlight>
-                <a:latin typeface="Consolas" panose="020B0609020204030204" pitchFamily="49" charset="0"/>
-              </a:rPr>
-              <a:t>range</a:t>
-            </a:r>
-            <a:r>
-              <a:rPr lang="en-SG" b="0" dirty="0">
-                <a:solidFill>
-                  <a:srgbClr val="000000"/>
-                </a:solidFill>
-                <a:effectLst/>
-                <a:highlight>
-                  <a:srgbClr val="D6E0EB"/>
-                </a:highlight>
-                <a:latin typeface="Consolas" panose="020B0609020204030204" pitchFamily="49" charset="0"/>
-              </a:rPr>
-              <a:t>(</a:t>
-            </a:r>
-            <a:r>
-              <a:rPr lang="en-SG" b="0" dirty="0">
-                <a:solidFill>
-                  <a:srgbClr val="098658"/>
-                </a:solidFill>
-                <a:effectLst/>
-                <a:highlight>
-                  <a:srgbClr val="D6E0EB"/>
-                </a:highlight>
-                <a:latin typeface="Consolas" panose="020B0609020204030204" pitchFamily="49" charset="0"/>
-              </a:rPr>
-              <a:t>1</a:t>
-            </a:r>
-            <a:r>
-              <a:rPr lang="en-SG" b="0" dirty="0">
-                <a:solidFill>
-                  <a:srgbClr val="000000"/>
-                </a:solidFill>
-                <a:effectLst/>
-                <a:highlight>
-                  <a:srgbClr val="D6E0EB"/>
-                </a:highlight>
-                <a:latin typeface="Consolas" panose="020B0609020204030204" pitchFamily="49" charset="0"/>
-              </a:rPr>
-              <a:t>,</a:t>
-            </a:r>
-            <a:r>
-              <a:rPr lang="en-SG" b="0" dirty="0">
-                <a:solidFill>
-                  <a:srgbClr val="098658"/>
-                </a:solidFill>
-                <a:effectLst/>
-                <a:highlight>
-                  <a:srgbClr val="D6E0EB"/>
-                </a:highlight>
-                <a:latin typeface="Consolas" panose="020B0609020204030204" pitchFamily="49" charset="0"/>
-              </a:rPr>
-              <a:t>25</a:t>
-            </a:r>
-            <a:r>
-              <a:rPr lang="en-SG" b="0" dirty="0">
-                <a:solidFill>
-                  <a:srgbClr val="000000"/>
-                </a:solidFill>
-                <a:effectLst/>
-                <a:highlight>
-                  <a:srgbClr val="D6E0EB"/>
-                </a:highlight>
-                <a:latin typeface="Consolas" panose="020B0609020204030204" pitchFamily="49" charset="0"/>
-              </a:rPr>
-              <a:t>)</a:t>
-            </a:r>
-          </a:p>
-          <a:p>
-            <a:r>
-              <a:rPr lang="en-SG" b="0" dirty="0">
-                <a:solidFill>
-                  <a:srgbClr val="000000"/>
-                </a:solidFill>
-                <a:effectLst/>
-                <a:highlight>
-                  <a:srgbClr val="D6E0EB"/>
-                </a:highlight>
-                <a:latin typeface="Consolas" panose="020B0609020204030204" pitchFamily="49" charset="0"/>
-              </a:rPr>
-              <a:t>    </a:t>
-            </a:r>
-            <a:r>
-              <a:rPr lang="en-SG" b="0" dirty="0" err="1">
-                <a:solidFill>
-                  <a:srgbClr val="001080"/>
-                </a:solidFill>
-                <a:effectLst/>
-                <a:highlight>
-                  <a:srgbClr val="D6E0EB"/>
-                </a:highlight>
-                <a:latin typeface="Consolas" panose="020B0609020204030204" pitchFamily="49" charset="0"/>
-              </a:rPr>
-              <a:t>class_weight</a:t>
-            </a:r>
-            <a:r>
-              <a:rPr lang="en-SG" b="0" dirty="0">
-                <a:solidFill>
-                  <a:srgbClr val="000000"/>
-                </a:solidFill>
-                <a:effectLst/>
-                <a:highlight>
-                  <a:srgbClr val="D6E0EB"/>
-                </a:highlight>
-                <a:latin typeface="Consolas" panose="020B0609020204030204" pitchFamily="49" charset="0"/>
-              </a:rPr>
-              <a:t>=</a:t>
-            </a:r>
-            <a:r>
-              <a:rPr lang="en-SG" b="0" dirty="0">
-                <a:solidFill>
-                  <a:srgbClr val="A31515"/>
-                </a:solidFill>
-                <a:effectLst/>
-                <a:highlight>
-                  <a:srgbClr val="D6E0EB"/>
-                </a:highlight>
-                <a:latin typeface="Consolas" panose="020B0609020204030204" pitchFamily="49" charset="0"/>
-              </a:rPr>
-              <a:t>'balanced'</a:t>
-            </a:r>
             <a:endParaRPr lang="en-SG" b="0" dirty="0">
               <a:solidFill>
                 <a:srgbClr val="000000"/>
@@ -23243,77 +24100,6 @@
               <a:latin typeface="Consolas" panose="020B0609020204030204" pitchFamily="49" charset="0"/>
             </a:endParaRPr>
           </a:p>
-          <a:p>
-            <a:r>
-              <a:rPr lang="en-SG" b="0" dirty="0">
-                <a:solidFill>
-                  <a:srgbClr val="000000"/>
-                </a:solidFill>
-                <a:effectLst/>
-                <a:highlight>
-                  <a:srgbClr val="D6E0EB"/>
-                </a:highlight>
-                <a:latin typeface="Consolas" panose="020B0609020204030204" pitchFamily="49" charset="0"/>
-              </a:rPr>
-              <a:t>    </a:t>
-            </a:r>
-            <a:r>
-              <a:rPr lang="en-SG" b="0" dirty="0" err="1">
-                <a:solidFill>
-                  <a:srgbClr val="001080"/>
-                </a:solidFill>
-                <a:effectLst/>
-                <a:highlight>
-                  <a:srgbClr val="D6E0EB"/>
-                </a:highlight>
-                <a:latin typeface="Consolas" panose="020B0609020204030204" pitchFamily="49" charset="0"/>
-              </a:rPr>
-              <a:t>execute_crossval</a:t>
-            </a:r>
-            <a:r>
-              <a:rPr lang="en-SG" b="0" dirty="0">
-                <a:solidFill>
-                  <a:srgbClr val="000000"/>
-                </a:solidFill>
-                <a:effectLst/>
-                <a:highlight>
-                  <a:srgbClr val="D6E0EB"/>
-                </a:highlight>
-                <a:latin typeface="Consolas" panose="020B0609020204030204" pitchFamily="49" charset="0"/>
-              </a:rPr>
-              <a:t>=</a:t>
-            </a:r>
-            <a:r>
-              <a:rPr lang="en-SG" b="0" dirty="0">
-                <a:solidFill>
-                  <a:srgbClr val="0000FF"/>
-                </a:solidFill>
-                <a:effectLst/>
-                <a:highlight>
-                  <a:srgbClr val="D6E0EB"/>
-                </a:highlight>
-                <a:latin typeface="Consolas" panose="020B0609020204030204" pitchFamily="49" charset="0"/>
-              </a:rPr>
-              <a:t>True</a:t>
-            </a:r>
-            <a:endParaRPr lang="en-SG" b="0" dirty="0">
-              <a:solidFill>
-                <a:srgbClr val="000000"/>
-              </a:solidFill>
-              <a:effectLst/>
-              <a:highlight>
-                <a:srgbClr val="D6E0EB"/>
-              </a:highlight>
-              <a:latin typeface="Consolas" panose="020B0609020204030204" pitchFamily="49" charset="0"/>
-            </a:endParaRPr>
-          </a:p>
-          <a:p>
-            <a:endParaRPr lang="en-SG" dirty="0">
-              <a:highlight>
-                <a:srgbClr val="D6E0EB"/>
-              </a:highlight>
-            </a:endParaRPr>
-          </a:p>
         </p:txBody>
       </p:sp>
       <p:sp>
@@ -23344,7 +24130,7 @@
           <a:p>
             <a:r>
               <a:rPr lang="en-US" dirty="0"/>
-              <a:t>UNDERSAMPLE</a:t>
+              <a:t>UNDERSAMPLE BEFORE SPLIT</a:t>
             </a:r>
             <a:endParaRPr lang="en-SG" dirty="0"/>
           </a:p>
@@ -23382,7 +24168,1296 @@
     </p:spTree>
     <p:extLst>
       <p:ext uri="{BB962C8B-B14F-4D97-AF65-F5344CB8AC3E}">
-        <p14:creationId xmlns:p14="http://schemas.microsoft.com/office/powerpoint/2010/main" val="2860544608"/>
+        <p14:creationId xmlns:p14="http://schemas.microsoft.com/office/powerpoint/2010/main" val="3306573693"/>
+      </p:ext>
+    </p:extLst>
+  </p:cSld>
+  <p:clrMapOvr>
+    <a:masterClrMapping/>
+  </p:clrMapOvr>
+</p:sld>
+</file>
+
+<file path=ppt/slides/slide14.xml><?xml version="1.0" encoding="utf-8"?>
+<p:sld xmlns:a="http://schemas.openxmlformats.org/drawingml/2006/main" xmlns:r="http://schemas.openxmlformats.org/officeDocument/2006/relationships" xmlns:p="http://schemas.openxmlformats.org/presentationml/2006/main">
+  <p:cSld>
+    <p:spTree>
+      <p:nvGrpSpPr>
+        <p:cNvPr id="1" name=""/>
+        <p:cNvGrpSpPr/>
+        <p:nvPr/>
+      </p:nvGrpSpPr>
+      <p:grpSpPr>
+        <a:xfrm>
+          <a:off x="0" y="0"/>
+          <a:ext cx="0" cy="0"/>
+          <a:chOff x="0" y="0"/>
+          <a:chExt cx="0" cy="0"/>
+        </a:xfrm>
+      </p:grpSpPr>
+      <p:sp>
+        <p:nvSpPr>
+          <p:cNvPr id="3" name="Text Placeholder 2">
+            <a:extLst>
+              <a:ext uri="{FF2B5EF4-FFF2-40B4-BE49-F238E27FC236}">
+                <a16:creationId xmlns:a16="http://schemas.microsoft.com/office/drawing/2014/main" id="{800F2BA1-033E-DB0C-D8C1-79D851D326CD}"/>
+              </a:ext>
+            </a:extLst>
+          </p:cNvPr>
+          <p:cNvSpPr>
+            <a:spLocks noGrp="1"/>
+          </p:cNvSpPr>
+          <p:nvPr>
+            <p:ph type="body" sz="quarter" idx="28"/>
+          </p:nvPr>
+        </p:nvSpPr>
+        <p:spPr/>
+        <p:txBody>
+          <a:bodyPr/>
+          <a:lstStyle/>
+          <a:p>
+            <a:endParaRPr lang="en-SG" dirty="0"/>
+          </a:p>
+        </p:txBody>
+      </p:sp>
+      <p:sp>
+        <p:nvSpPr>
+          <p:cNvPr id="4" name="Title 3">
+            <a:extLst>
+              <a:ext uri="{FF2B5EF4-FFF2-40B4-BE49-F238E27FC236}">
+                <a16:creationId xmlns:a16="http://schemas.microsoft.com/office/drawing/2014/main" id="{5137871C-F477-7F43-69E1-4BE94964BDCD}"/>
+              </a:ext>
+            </a:extLst>
+          </p:cNvPr>
+          <p:cNvSpPr>
+            <a:spLocks noGrp="1"/>
+          </p:cNvSpPr>
+          <p:nvPr>
+            <p:ph type="title"/>
+          </p:nvPr>
+        </p:nvSpPr>
+        <p:spPr/>
+        <p:txBody>
+          <a:bodyPr/>
+          <a:lstStyle/>
+          <a:p>
+            <a:endParaRPr lang="en-SG" dirty="0"/>
+          </a:p>
+        </p:txBody>
+      </p:sp>
+      <p:sp>
+        <p:nvSpPr>
+          <p:cNvPr id="5" name="Footer Placeholder 4">
+            <a:extLst>
+              <a:ext uri="{FF2B5EF4-FFF2-40B4-BE49-F238E27FC236}">
+                <a16:creationId xmlns:a16="http://schemas.microsoft.com/office/drawing/2014/main" id="{8BB0F1F2-6537-0855-725D-F9A078A3B720}"/>
+              </a:ext>
+            </a:extLst>
+          </p:cNvPr>
+          <p:cNvSpPr>
+            <a:spLocks noGrp="1"/>
+          </p:cNvSpPr>
+          <p:nvPr>
+            <p:ph type="ftr" sz="quarter" idx="49"/>
+          </p:nvPr>
+        </p:nvSpPr>
+        <p:spPr/>
+        <p:txBody>
+          <a:bodyPr/>
+          <a:lstStyle/>
+          <a:p>
+            <a:r>
+              <a:rPr lang="en-US" noProof="0"/>
+              <a:t>Presentation Title</a:t>
+            </a:r>
+            <a:endParaRPr lang="en-US" noProof="0" dirty="0"/>
+          </a:p>
+        </p:txBody>
+      </p:sp>
+      <p:sp>
+        <p:nvSpPr>
+          <p:cNvPr id="13" name="TextBox 12">
+            <a:extLst>
+              <a:ext uri="{FF2B5EF4-FFF2-40B4-BE49-F238E27FC236}">
+                <a16:creationId xmlns:a16="http://schemas.microsoft.com/office/drawing/2014/main" id="{0CEEA839-F5ED-E3C1-D477-13DF09414F8E}"/>
+              </a:ext>
+            </a:extLst>
+          </p:cNvPr>
+          <p:cNvSpPr txBox="1"/>
+          <p:nvPr/>
+        </p:nvSpPr>
+        <p:spPr>
+          <a:xfrm>
+            <a:off x="4078366" y="616516"/>
+            <a:ext cx="6096000" cy="923330"/>
+          </a:xfrm>
+          <a:prstGeom prst="rect">
+            <a:avLst/>
+          </a:prstGeom>
+          <a:noFill/>
+        </p:spPr>
+        <p:txBody>
+          <a:bodyPr wrap="square">
+            <a:spAutoFit/>
+          </a:bodyPr>
+          <a:lstStyle/>
+          <a:p>
+            <a:r>
+              <a:rPr lang="en-US" b="0" i="0" dirty="0">
+                <a:solidFill>
+                  <a:schemeClr val="bg1"/>
+                </a:solidFill>
+                <a:effectLst/>
+                <a:latin typeface="Consolas" panose="020B0609020204030204" pitchFamily="49" charset="0"/>
+              </a:rPr>
+              <a:t>Class Distribution</a:t>
+            </a:r>
+            <a:br>
+              <a:rPr lang="en-US" b="0" i="0" dirty="0">
+                <a:solidFill>
+                  <a:schemeClr val="bg1"/>
+                </a:solidFill>
+                <a:effectLst/>
+                <a:latin typeface="Consolas" panose="020B0609020204030204" pitchFamily="49" charset="0"/>
+              </a:rPr>
+            </a:br>
+            <a:r>
+              <a:rPr lang="en-SG" b="0" i="0" dirty="0">
+                <a:solidFill>
+                  <a:schemeClr val="bg1"/>
+                </a:solidFill>
+                <a:effectLst/>
+                <a:latin typeface="Consolas" panose="020B0609020204030204" pitchFamily="49" charset="0"/>
+              </a:rPr>
+              <a:t>1 11083 </a:t>
+            </a:r>
+          </a:p>
+          <a:p>
+            <a:r>
+              <a:rPr lang="en-SG" b="0" i="0" dirty="0">
+                <a:solidFill>
+                  <a:schemeClr val="bg1"/>
+                </a:solidFill>
+                <a:effectLst/>
+                <a:latin typeface="Consolas" panose="020B0609020204030204" pitchFamily="49" charset="0"/>
+              </a:rPr>
+              <a:t>0 11083</a:t>
+            </a:r>
+            <a:endParaRPr lang="en-SG" dirty="0">
+              <a:solidFill>
+                <a:schemeClr val="bg1"/>
+              </a:solidFill>
+            </a:endParaRPr>
+          </a:p>
+        </p:txBody>
+      </p:sp>
+      <p:pic>
+        <p:nvPicPr>
+          <p:cNvPr id="16" name="Picture Placeholder 15">
+            <a:extLst>
+              <a:ext uri="{FF2B5EF4-FFF2-40B4-BE49-F238E27FC236}">
+                <a16:creationId xmlns:a16="http://schemas.microsoft.com/office/drawing/2014/main" id="{9D94835D-9002-E2FE-370B-12FB97BBCA5E}"/>
+              </a:ext>
+            </a:extLst>
+          </p:cNvPr>
+          <p:cNvPicPr>
+            <a:picLocks noGrp="1" noChangeAspect="1"/>
+          </p:cNvPicPr>
+          <p:nvPr>
+            <p:ph type="pic" sz="quarter" idx="48"/>
+          </p:nvPr>
+        </p:nvPicPr>
+        <p:blipFill>
+          <a:blip r:embed="rId2"/>
+          <a:srcRect l="15848" r="15848"/>
+          <a:stretch>
+            <a:fillRect/>
+          </a:stretch>
+        </p:blipFill>
+        <p:spPr>
+          <a:xfrm>
+            <a:off x="7493000" y="528638"/>
+            <a:ext cx="4249738" cy="4732337"/>
+          </a:xfrm>
+          <a:prstGeom prst="rect">
+            <a:avLst/>
+          </a:prstGeom>
+        </p:spPr>
+      </p:pic>
+    </p:spTree>
+    <p:extLst>
+      <p:ext uri="{BB962C8B-B14F-4D97-AF65-F5344CB8AC3E}">
+        <p14:creationId xmlns:p14="http://schemas.microsoft.com/office/powerpoint/2010/main" val="837213453"/>
+      </p:ext>
+    </p:extLst>
+  </p:cSld>
+  <p:clrMapOvr>
+    <a:masterClrMapping/>
+  </p:clrMapOvr>
+</p:sld>
+</file>
+
+<file path=ppt/slides/slide15.xml><?xml version="1.0" encoding="utf-8"?>
+<p:sld xmlns:a="http://schemas.openxmlformats.org/drawingml/2006/main" xmlns:r="http://schemas.openxmlformats.org/officeDocument/2006/relationships" xmlns:p="http://schemas.openxmlformats.org/presentationml/2006/main">
+  <p:cSld>
+    <p:spTree>
+      <p:nvGrpSpPr>
+        <p:cNvPr id="1" name=""/>
+        <p:cNvGrpSpPr/>
+        <p:nvPr/>
+      </p:nvGrpSpPr>
+      <p:grpSpPr>
+        <a:xfrm>
+          <a:off x="0" y="0"/>
+          <a:ext cx="0" cy="0"/>
+          <a:chOff x="0" y="0"/>
+          <a:chExt cx="0" cy="0"/>
+        </a:xfrm>
+      </p:grpSpPr>
+      <p:sp>
+        <p:nvSpPr>
+          <p:cNvPr id="2" name="Picture Placeholder 1">
+            <a:extLst>
+              <a:ext uri="{FF2B5EF4-FFF2-40B4-BE49-F238E27FC236}">
+                <a16:creationId xmlns:a16="http://schemas.microsoft.com/office/drawing/2014/main" id="{6AFBA7FF-C6E3-B993-CBB3-4906626B84A6}"/>
+              </a:ext>
+            </a:extLst>
+          </p:cNvPr>
+          <p:cNvSpPr>
+            <a:spLocks noGrp="1"/>
+          </p:cNvSpPr>
+          <p:nvPr>
+            <p:ph type="pic" sz="quarter" idx="48"/>
+          </p:nvPr>
+        </p:nvSpPr>
+        <p:spPr/>
+        <p:txBody>
+          <a:bodyPr/>
+          <a:lstStyle/>
+          <a:p>
+            <a:endParaRPr lang="en-SG"/>
+          </a:p>
+        </p:txBody>
+      </p:sp>
+      <p:sp>
+        <p:nvSpPr>
+          <p:cNvPr id="3" name="Text Placeholder 2">
+            <a:extLst>
+              <a:ext uri="{FF2B5EF4-FFF2-40B4-BE49-F238E27FC236}">
+                <a16:creationId xmlns:a16="http://schemas.microsoft.com/office/drawing/2014/main" id="{971BAE60-F63D-2EC3-2091-90F56FB2FACB}"/>
+              </a:ext>
+            </a:extLst>
+          </p:cNvPr>
+          <p:cNvSpPr>
+            <a:spLocks noGrp="1"/>
+          </p:cNvSpPr>
+          <p:nvPr>
+            <p:ph type="body" sz="quarter" idx="28"/>
+          </p:nvPr>
+        </p:nvSpPr>
+        <p:spPr/>
+        <p:txBody>
+          <a:bodyPr/>
+          <a:lstStyle/>
+          <a:p>
+            <a:endParaRPr lang="en-SG"/>
+          </a:p>
+        </p:txBody>
+      </p:sp>
+      <p:sp>
+        <p:nvSpPr>
+          <p:cNvPr id="4" name="Title 3">
+            <a:extLst>
+              <a:ext uri="{FF2B5EF4-FFF2-40B4-BE49-F238E27FC236}">
+                <a16:creationId xmlns:a16="http://schemas.microsoft.com/office/drawing/2014/main" id="{87E801B2-9EE9-4CAB-F991-C50DA3E663DF}"/>
+              </a:ext>
+            </a:extLst>
+          </p:cNvPr>
+          <p:cNvSpPr>
+            <a:spLocks noGrp="1"/>
+          </p:cNvSpPr>
+          <p:nvPr>
+            <p:ph type="title"/>
+          </p:nvPr>
+        </p:nvSpPr>
+        <p:spPr>
+          <a:xfrm>
+            <a:off x="449970" y="427469"/>
+            <a:ext cx="9823998" cy="1325563"/>
+          </a:xfrm>
+        </p:spPr>
+        <p:txBody>
+          <a:bodyPr/>
+          <a:lstStyle/>
+          <a:p>
+            <a:r>
+              <a:rPr lang="en-SG" dirty="0"/>
+              <a:t>IDEAL SCENARIO</a:t>
+            </a:r>
+          </a:p>
+        </p:txBody>
+      </p:sp>
+      <p:sp>
+        <p:nvSpPr>
+          <p:cNvPr id="5" name="Footer Placeholder 4">
+            <a:extLst>
+              <a:ext uri="{FF2B5EF4-FFF2-40B4-BE49-F238E27FC236}">
+                <a16:creationId xmlns:a16="http://schemas.microsoft.com/office/drawing/2014/main" id="{4E3463B0-E190-CB7F-BA92-4700CA56505E}"/>
+              </a:ext>
+            </a:extLst>
+          </p:cNvPr>
+          <p:cNvSpPr>
+            <a:spLocks noGrp="1"/>
+          </p:cNvSpPr>
+          <p:nvPr>
+            <p:ph type="ftr" sz="quarter" idx="49"/>
+          </p:nvPr>
+        </p:nvSpPr>
+        <p:spPr/>
+        <p:txBody>
+          <a:bodyPr/>
+          <a:lstStyle/>
+          <a:p>
+            <a:r>
+              <a:rPr lang="en-US" noProof="0"/>
+              <a:t>Presentation Title</a:t>
+            </a:r>
+            <a:endParaRPr lang="en-US" noProof="0" dirty="0"/>
+          </a:p>
+        </p:txBody>
+      </p:sp>
+      <p:pic>
+        <p:nvPicPr>
+          <p:cNvPr id="8" name="Picture 7">
+            <a:extLst>
+              <a:ext uri="{FF2B5EF4-FFF2-40B4-BE49-F238E27FC236}">
+                <a16:creationId xmlns:a16="http://schemas.microsoft.com/office/drawing/2014/main" id="{450C0840-8998-68D5-493F-C82110E82EB7}"/>
+              </a:ext>
+            </a:extLst>
+          </p:cNvPr>
+          <p:cNvPicPr>
+            <a:picLocks noChangeAspect="1"/>
+          </p:cNvPicPr>
+          <p:nvPr/>
+        </p:nvPicPr>
+        <p:blipFill>
+          <a:blip r:embed="rId2"/>
+          <a:stretch>
+            <a:fillRect/>
+          </a:stretch>
+        </p:blipFill>
+        <p:spPr>
+          <a:xfrm>
+            <a:off x="517427" y="1264732"/>
+            <a:ext cx="4159632" cy="4953188"/>
+          </a:xfrm>
+          <a:prstGeom prst="rect">
+            <a:avLst/>
+          </a:prstGeom>
+        </p:spPr>
+      </p:pic>
+      <p:pic>
+        <p:nvPicPr>
+          <p:cNvPr id="11" name="Picture 10">
+            <a:extLst>
+              <a:ext uri="{FF2B5EF4-FFF2-40B4-BE49-F238E27FC236}">
+                <a16:creationId xmlns:a16="http://schemas.microsoft.com/office/drawing/2014/main" id="{692BBB50-B44E-8854-0EF7-CFCBA3D9231D}"/>
+              </a:ext>
+            </a:extLst>
+          </p:cNvPr>
+          <p:cNvPicPr>
+            <a:picLocks noChangeAspect="1"/>
+          </p:cNvPicPr>
+          <p:nvPr/>
+        </p:nvPicPr>
+        <p:blipFill rotWithShape="1">
+          <a:blip r:embed="rId3"/>
+          <a:srcRect l="50000"/>
+          <a:stretch/>
+        </p:blipFill>
+        <p:spPr>
+          <a:xfrm>
+            <a:off x="4886960" y="1264731"/>
+            <a:ext cx="6708124" cy="4328535"/>
+          </a:xfrm>
+          <a:prstGeom prst="rect">
+            <a:avLst/>
+          </a:prstGeom>
+        </p:spPr>
+      </p:pic>
+    </p:spTree>
+    <p:extLst>
+      <p:ext uri="{BB962C8B-B14F-4D97-AF65-F5344CB8AC3E}">
+        <p14:creationId xmlns:p14="http://schemas.microsoft.com/office/powerpoint/2010/main" val="2168038540"/>
+      </p:ext>
+    </p:extLst>
+  </p:cSld>
+  <p:clrMapOvr>
+    <a:masterClrMapping/>
+  </p:clrMapOvr>
+</p:sld>
+</file>
+
+<file path=ppt/slides/slide16.xml><?xml version="1.0" encoding="utf-8"?>
+<p:sld xmlns:a="http://schemas.openxmlformats.org/drawingml/2006/main" xmlns:r="http://schemas.openxmlformats.org/officeDocument/2006/relationships" xmlns:p="http://schemas.openxmlformats.org/presentationml/2006/main">
+  <p:cSld>
+    <p:spTree>
+      <p:nvGrpSpPr>
+        <p:cNvPr id="1" name=""/>
+        <p:cNvGrpSpPr/>
+        <p:nvPr/>
+      </p:nvGrpSpPr>
+      <p:grpSpPr>
+        <a:xfrm>
+          <a:off x="0" y="0"/>
+          <a:ext cx="0" cy="0"/>
+          <a:chOff x="0" y="0"/>
+          <a:chExt cx="0" cy="0"/>
+        </a:xfrm>
+      </p:grpSpPr>
+      <p:sp>
+        <p:nvSpPr>
+          <p:cNvPr id="2" name="Picture Placeholder 1">
+            <a:extLst>
+              <a:ext uri="{FF2B5EF4-FFF2-40B4-BE49-F238E27FC236}">
+                <a16:creationId xmlns:a16="http://schemas.microsoft.com/office/drawing/2014/main" id="{433A8F90-C59C-010F-B4AC-98EA011739DB}"/>
+              </a:ext>
+            </a:extLst>
+          </p:cNvPr>
+          <p:cNvSpPr>
+            <a:spLocks noGrp="1"/>
+          </p:cNvSpPr>
+          <p:nvPr>
+            <p:ph type="pic" sz="quarter" idx="48"/>
+          </p:nvPr>
+        </p:nvSpPr>
+        <p:spPr/>
+        <p:txBody>
+          <a:bodyPr/>
+          <a:lstStyle/>
+          <a:p>
+            <a:endParaRPr lang="en-SG"/>
+          </a:p>
+        </p:txBody>
+      </p:sp>
+      <p:sp>
+        <p:nvSpPr>
+          <p:cNvPr id="3" name="Text Placeholder 2">
+            <a:extLst>
+              <a:ext uri="{FF2B5EF4-FFF2-40B4-BE49-F238E27FC236}">
+                <a16:creationId xmlns:a16="http://schemas.microsoft.com/office/drawing/2014/main" id="{70276486-B479-6393-BB8E-F6838A80F83D}"/>
+              </a:ext>
+            </a:extLst>
+          </p:cNvPr>
+          <p:cNvSpPr>
+            <a:spLocks noGrp="1"/>
+          </p:cNvSpPr>
+          <p:nvPr>
+            <p:ph type="body" sz="quarter" idx="28"/>
+          </p:nvPr>
+        </p:nvSpPr>
+        <p:spPr/>
+        <p:txBody>
+          <a:bodyPr/>
+          <a:lstStyle/>
+          <a:p>
+            <a:endParaRPr lang="en-SG" dirty="0"/>
+          </a:p>
+        </p:txBody>
+      </p:sp>
+      <p:sp>
+        <p:nvSpPr>
+          <p:cNvPr id="4" name="Title 3">
+            <a:extLst>
+              <a:ext uri="{FF2B5EF4-FFF2-40B4-BE49-F238E27FC236}">
+                <a16:creationId xmlns:a16="http://schemas.microsoft.com/office/drawing/2014/main" id="{5FACA15A-4FFD-9796-0A84-190073E28285}"/>
+              </a:ext>
+            </a:extLst>
+          </p:cNvPr>
+          <p:cNvSpPr>
+            <a:spLocks noGrp="1"/>
+          </p:cNvSpPr>
+          <p:nvPr>
+            <p:ph type="title"/>
+          </p:nvPr>
+        </p:nvSpPr>
+        <p:spPr/>
+        <p:txBody>
+          <a:bodyPr/>
+          <a:lstStyle/>
+          <a:p>
+            <a:r>
+              <a:rPr lang="en-SG" dirty="0"/>
+              <a:t>EDA</a:t>
+            </a:r>
+          </a:p>
+        </p:txBody>
+      </p:sp>
+      <p:sp>
+        <p:nvSpPr>
+          <p:cNvPr id="5" name="Footer Placeholder 4">
+            <a:extLst>
+              <a:ext uri="{FF2B5EF4-FFF2-40B4-BE49-F238E27FC236}">
+                <a16:creationId xmlns:a16="http://schemas.microsoft.com/office/drawing/2014/main" id="{5F0601F9-5D5A-14CA-B961-21915CA035DE}"/>
+              </a:ext>
+            </a:extLst>
+          </p:cNvPr>
+          <p:cNvSpPr>
+            <a:spLocks noGrp="1"/>
+          </p:cNvSpPr>
+          <p:nvPr>
+            <p:ph type="ftr" sz="quarter" idx="49"/>
+          </p:nvPr>
+        </p:nvSpPr>
+        <p:spPr/>
+        <p:txBody>
+          <a:bodyPr/>
+          <a:lstStyle/>
+          <a:p>
+            <a:r>
+              <a:rPr lang="en-US" noProof="0"/>
+              <a:t>Presentation Title</a:t>
+            </a:r>
+            <a:endParaRPr lang="en-US" noProof="0" dirty="0"/>
+          </a:p>
+        </p:txBody>
+      </p:sp>
+      <p:pic>
+        <p:nvPicPr>
+          <p:cNvPr id="9" name="Picture 8">
+            <a:extLst>
+              <a:ext uri="{FF2B5EF4-FFF2-40B4-BE49-F238E27FC236}">
+                <a16:creationId xmlns:a16="http://schemas.microsoft.com/office/drawing/2014/main" id="{7EE15508-03CD-2759-BC18-1D0682E2EB43}"/>
+              </a:ext>
+            </a:extLst>
+          </p:cNvPr>
+          <p:cNvPicPr>
+            <a:picLocks noChangeAspect="1"/>
+          </p:cNvPicPr>
+          <p:nvPr/>
+        </p:nvPicPr>
+        <p:blipFill>
+          <a:blip r:embed="rId2"/>
+          <a:stretch>
+            <a:fillRect/>
+          </a:stretch>
+        </p:blipFill>
+        <p:spPr>
+          <a:xfrm>
+            <a:off x="2263354" y="1259815"/>
+            <a:ext cx="8902798" cy="3800908"/>
+          </a:xfrm>
+          <a:prstGeom prst="rect">
+            <a:avLst/>
+          </a:prstGeom>
+        </p:spPr>
+      </p:pic>
+    </p:spTree>
+    <p:extLst>
+      <p:ext uri="{BB962C8B-B14F-4D97-AF65-F5344CB8AC3E}">
+        <p14:creationId xmlns:p14="http://schemas.microsoft.com/office/powerpoint/2010/main" val="3013591159"/>
+      </p:ext>
+    </p:extLst>
+  </p:cSld>
+  <p:clrMapOvr>
+    <a:masterClrMapping/>
+  </p:clrMapOvr>
+</p:sld>
+</file>
+
+<file path=ppt/slides/slide17.xml><?xml version="1.0" encoding="utf-8"?>
+<p:sld xmlns:a="http://schemas.openxmlformats.org/drawingml/2006/main" xmlns:r="http://schemas.openxmlformats.org/officeDocument/2006/relationships" xmlns:p="http://schemas.openxmlformats.org/presentationml/2006/main">
+  <p:cSld>
+    <p:spTree>
+      <p:nvGrpSpPr>
+        <p:cNvPr id="1" name=""/>
+        <p:cNvGrpSpPr/>
+        <p:nvPr/>
+      </p:nvGrpSpPr>
+      <p:grpSpPr>
+        <a:xfrm>
+          <a:off x="0" y="0"/>
+          <a:ext cx="0" cy="0"/>
+          <a:chOff x="0" y="0"/>
+          <a:chExt cx="0" cy="0"/>
+        </a:xfrm>
+      </p:grpSpPr>
+      <p:sp>
+        <p:nvSpPr>
+          <p:cNvPr id="2" name="Picture Placeholder 1">
+            <a:extLst>
+              <a:ext uri="{FF2B5EF4-FFF2-40B4-BE49-F238E27FC236}">
+                <a16:creationId xmlns:a16="http://schemas.microsoft.com/office/drawing/2014/main" id="{C5E6D11F-C53D-C3C8-8098-B04C4770A736}"/>
+              </a:ext>
+            </a:extLst>
+          </p:cNvPr>
+          <p:cNvSpPr>
+            <a:spLocks noGrp="1"/>
+          </p:cNvSpPr>
+          <p:nvPr>
+            <p:ph type="pic" sz="quarter" idx="48"/>
+          </p:nvPr>
+        </p:nvSpPr>
+        <p:spPr/>
+        <p:txBody>
+          <a:bodyPr/>
+          <a:lstStyle/>
+          <a:p>
+            <a:endParaRPr lang="en-SG"/>
+          </a:p>
+        </p:txBody>
+      </p:sp>
+      <p:sp>
+        <p:nvSpPr>
+          <p:cNvPr id="3" name="Text Placeholder 2">
+            <a:extLst>
+              <a:ext uri="{FF2B5EF4-FFF2-40B4-BE49-F238E27FC236}">
+                <a16:creationId xmlns:a16="http://schemas.microsoft.com/office/drawing/2014/main" id="{317F39F2-30B8-2DA7-0A7E-437153B699E7}"/>
+              </a:ext>
+            </a:extLst>
+          </p:cNvPr>
+          <p:cNvSpPr>
+            <a:spLocks noGrp="1"/>
+          </p:cNvSpPr>
+          <p:nvPr>
+            <p:ph type="body" sz="quarter" idx="28"/>
+          </p:nvPr>
+        </p:nvSpPr>
+        <p:spPr/>
+        <p:txBody>
+          <a:bodyPr/>
+          <a:lstStyle/>
+          <a:p>
+            <a:endParaRPr lang="en-SG"/>
+          </a:p>
+        </p:txBody>
+      </p:sp>
+      <p:sp>
+        <p:nvSpPr>
+          <p:cNvPr id="4" name="Title 3">
+            <a:extLst>
+              <a:ext uri="{FF2B5EF4-FFF2-40B4-BE49-F238E27FC236}">
+                <a16:creationId xmlns:a16="http://schemas.microsoft.com/office/drawing/2014/main" id="{B891D320-4C16-DE92-EE05-2B528B69B5CB}"/>
+              </a:ext>
+            </a:extLst>
+          </p:cNvPr>
+          <p:cNvSpPr>
+            <a:spLocks noGrp="1"/>
+          </p:cNvSpPr>
+          <p:nvPr>
+            <p:ph type="title"/>
+          </p:nvPr>
+        </p:nvSpPr>
+        <p:spPr/>
+        <p:txBody>
+          <a:bodyPr/>
+          <a:lstStyle/>
+          <a:p>
+            <a:endParaRPr lang="en-SG"/>
+          </a:p>
+        </p:txBody>
+      </p:sp>
+      <p:sp>
+        <p:nvSpPr>
+          <p:cNvPr id="5" name="Footer Placeholder 4">
+            <a:extLst>
+              <a:ext uri="{FF2B5EF4-FFF2-40B4-BE49-F238E27FC236}">
+                <a16:creationId xmlns:a16="http://schemas.microsoft.com/office/drawing/2014/main" id="{B41D371E-EC34-0AD1-68BF-D1254AA68FA1}"/>
+              </a:ext>
+            </a:extLst>
+          </p:cNvPr>
+          <p:cNvSpPr>
+            <a:spLocks noGrp="1"/>
+          </p:cNvSpPr>
+          <p:nvPr>
+            <p:ph type="ftr" sz="quarter" idx="49"/>
+          </p:nvPr>
+        </p:nvSpPr>
+        <p:spPr/>
+        <p:txBody>
+          <a:bodyPr/>
+          <a:lstStyle/>
+          <a:p>
+            <a:r>
+              <a:rPr lang="en-US" noProof="0"/>
+              <a:t>Presentation Title</a:t>
+            </a:r>
+            <a:endParaRPr lang="en-US" noProof="0" dirty="0"/>
+          </a:p>
+        </p:txBody>
+      </p:sp>
+      <p:pic>
+        <p:nvPicPr>
+          <p:cNvPr id="7" name="Picture 6">
+            <a:extLst>
+              <a:ext uri="{FF2B5EF4-FFF2-40B4-BE49-F238E27FC236}">
+                <a16:creationId xmlns:a16="http://schemas.microsoft.com/office/drawing/2014/main" id="{A1447040-CB70-8DEB-866E-5F75A559ABFC}"/>
+              </a:ext>
+            </a:extLst>
+          </p:cNvPr>
+          <p:cNvPicPr>
+            <a:picLocks noChangeAspect="1"/>
+          </p:cNvPicPr>
+          <p:nvPr/>
+        </p:nvPicPr>
+        <p:blipFill>
+          <a:blip r:embed="rId2"/>
+          <a:stretch>
+            <a:fillRect/>
+          </a:stretch>
+        </p:blipFill>
+        <p:spPr>
+          <a:xfrm>
+            <a:off x="368991" y="283990"/>
+            <a:ext cx="9058275" cy="2838450"/>
+          </a:xfrm>
+          <a:prstGeom prst="rect">
+            <a:avLst/>
+          </a:prstGeom>
+        </p:spPr>
+      </p:pic>
+      <p:pic>
+        <p:nvPicPr>
+          <p:cNvPr id="9" name="Picture 8">
+            <a:extLst>
+              <a:ext uri="{FF2B5EF4-FFF2-40B4-BE49-F238E27FC236}">
+                <a16:creationId xmlns:a16="http://schemas.microsoft.com/office/drawing/2014/main" id="{F3B9493E-1432-B517-703C-A8029D484F42}"/>
+              </a:ext>
+            </a:extLst>
+          </p:cNvPr>
+          <p:cNvPicPr>
+            <a:picLocks noChangeAspect="1"/>
+          </p:cNvPicPr>
+          <p:nvPr/>
+        </p:nvPicPr>
+        <p:blipFill>
+          <a:blip r:embed="rId3"/>
+          <a:stretch>
+            <a:fillRect/>
+          </a:stretch>
+        </p:blipFill>
+        <p:spPr>
+          <a:xfrm>
+            <a:off x="449971" y="3601261"/>
+            <a:ext cx="5642582" cy="2838450"/>
+          </a:xfrm>
+          <a:prstGeom prst="rect">
+            <a:avLst/>
+          </a:prstGeom>
+        </p:spPr>
+      </p:pic>
+      <p:pic>
+        <p:nvPicPr>
+          <p:cNvPr id="11" name="Picture 10">
+            <a:extLst>
+              <a:ext uri="{FF2B5EF4-FFF2-40B4-BE49-F238E27FC236}">
+                <a16:creationId xmlns:a16="http://schemas.microsoft.com/office/drawing/2014/main" id="{23FD9723-264D-0E12-732B-6882942FCA1B}"/>
+              </a:ext>
+            </a:extLst>
+          </p:cNvPr>
+          <p:cNvPicPr>
+            <a:picLocks noChangeAspect="1"/>
+          </p:cNvPicPr>
+          <p:nvPr/>
+        </p:nvPicPr>
+        <p:blipFill>
+          <a:blip r:embed="rId4"/>
+          <a:stretch>
+            <a:fillRect/>
+          </a:stretch>
+        </p:blipFill>
+        <p:spPr>
+          <a:xfrm>
+            <a:off x="6240988" y="3625993"/>
+            <a:ext cx="5565717" cy="2813717"/>
+          </a:xfrm>
+          <a:prstGeom prst="rect">
+            <a:avLst/>
+          </a:prstGeom>
+        </p:spPr>
+      </p:pic>
+    </p:spTree>
+    <p:extLst>
+      <p:ext uri="{BB962C8B-B14F-4D97-AF65-F5344CB8AC3E}">
+        <p14:creationId xmlns:p14="http://schemas.microsoft.com/office/powerpoint/2010/main" val="1766151946"/>
+      </p:ext>
+    </p:extLst>
+  </p:cSld>
+  <p:clrMapOvr>
+    <a:masterClrMapping/>
+  </p:clrMapOvr>
+</p:sld>
+</file>
+
+<file path=ppt/slides/slide18.xml><?xml version="1.0" encoding="utf-8"?>
+<p:sld xmlns:a="http://schemas.openxmlformats.org/drawingml/2006/main" xmlns:r="http://schemas.openxmlformats.org/officeDocument/2006/relationships" xmlns:p="http://schemas.openxmlformats.org/presentationml/2006/main">
+  <p:cSld>
+    <p:spTree>
+      <p:nvGrpSpPr>
+        <p:cNvPr id="1" name=""/>
+        <p:cNvGrpSpPr/>
+        <p:nvPr/>
+      </p:nvGrpSpPr>
+      <p:grpSpPr>
+        <a:xfrm>
+          <a:off x="0" y="0"/>
+          <a:ext cx="0" cy="0"/>
+          <a:chOff x="0" y="0"/>
+          <a:chExt cx="0" cy="0"/>
+        </a:xfrm>
+      </p:grpSpPr>
+      <p:sp>
+        <p:nvSpPr>
+          <p:cNvPr id="2" name="Picture Placeholder 1">
+            <a:extLst>
+              <a:ext uri="{FF2B5EF4-FFF2-40B4-BE49-F238E27FC236}">
+                <a16:creationId xmlns:a16="http://schemas.microsoft.com/office/drawing/2014/main" id="{4E956EEE-D83D-B023-7B35-075024D50550}"/>
+              </a:ext>
+            </a:extLst>
+          </p:cNvPr>
+          <p:cNvSpPr>
+            <a:spLocks noGrp="1"/>
+          </p:cNvSpPr>
+          <p:nvPr>
+            <p:ph type="pic" sz="quarter" idx="48"/>
+          </p:nvPr>
+        </p:nvSpPr>
+        <p:spPr/>
+        <p:txBody>
+          <a:bodyPr/>
+          <a:lstStyle/>
+          <a:p>
+            <a:endParaRPr lang="en-SG"/>
+          </a:p>
+        </p:txBody>
+      </p:sp>
+      <p:sp>
+        <p:nvSpPr>
+          <p:cNvPr id="3" name="Text Placeholder 2">
+            <a:extLst>
+              <a:ext uri="{FF2B5EF4-FFF2-40B4-BE49-F238E27FC236}">
+                <a16:creationId xmlns:a16="http://schemas.microsoft.com/office/drawing/2014/main" id="{AE79200F-26C3-8C1E-FC10-DC906FB2A739}"/>
+              </a:ext>
+            </a:extLst>
+          </p:cNvPr>
+          <p:cNvSpPr>
+            <a:spLocks noGrp="1"/>
+          </p:cNvSpPr>
+          <p:nvPr>
+            <p:ph type="body" sz="quarter" idx="28"/>
+          </p:nvPr>
+        </p:nvSpPr>
+        <p:spPr/>
+        <p:txBody>
+          <a:bodyPr/>
+          <a:lstStyle/>
+          <a:p>
+            <a:endParaRPr lang="en-SG"/>
+          </a:p>
+        </p:txBody>
+      </p:sp>
+      <p:sp>
+        <p:nvSpPr>
+          <p:cNvPr id="4" name="Title 3">
+            <a:extLst>
+              <a:ext uri="{FF2B5EF4-FFF2-40B4-BE49-F238E27FC236}">
+                <a16:creationId xmlns:a16="http://schemas.microsoft.com/office/drawing/2014/main" id="{23F501A7-2271-FD9C-2A34-EF69817DC866}"/>
+              </a:ext>
+            </a:extLst>
+          </p:cNvPr>
+          <p:cNvSpPr>
+            <a:spLocks noGrp="1"/>
+          </p:cNvSpPr>
+          <p:nvPr>
+            <p:ph type="title"/>
+          </p:nvPr>
+        </p:nvSpPr>
+        <p:spPr/>
+        <p:txBody>
+          <a:bodyPr/>
+          <a:lstStyle/>
+          <a:p>
+            <a:endParaRPr lang="en-SG"/>
+          </a:p>
+        </p:txBody>
+      </p:sp>
+      <p:sp>
+        <p:nvSpPr>
+          <p:cNvPr id="5" name="Footer Placeholder 4">
+            <a:extLst>
+              <a:ext uri="{FF2B5EF4-FFF2-40B4-BE49-F238E27FC236}">
+                <a16:creationId xmlns:a16="http://schemas.microsoft.com/office/drawing/2014/main" id="{89E24009-F815-9845-9DB4-45ADB178CFE0}"/>
+              </a:ext>
+            </a:extLst>
+          </p:cNvPr>
+          <p:cNvSpPr>
+            <a:spLocks noGrp="1"/>
+          </p:cNvSpPr>
+          <p:nvPr>
+            <p:ph type="ftr" sz="quarter" idx="49"/>
+          </p:nvPr>
+        </p:nvSpPr>
+        <p:spPr/>
+        <p:txBody>
+          <a:bodyPr/>
+          <a:lstStyle/>
+          <a:p>
+            <a:r>
+              <a:rPr lang="en-US" noProof="0"/>
+              <a:t>Presentation Title</a:t>
+            </a:r>
+            <a:endParaRPr lang="en-US" noProof="0" dirty="0"/>
+          </a:p>
+        </p:txBody>
+      </p:sp>
+      <p:pic>
+        <p:nvPicPr>
+          <p:cNvPr id="7" name="Picture 6">
+            <a:extLst>
+              <a:ext uri="{FF2B5EF4-FFF2-40B4-BE49-F238E27FC236}">
+                <a16:creationId xmlns:a16="http://schemas.microsoft.com/office/drawing/2014/main" id="{4602AC5F-8148-7871-FE65-152E602FB9E1}"/>
+              </a:ext>
+            </a:extLst>
+          </p:cNvPr>
+          <p:cNvPicPr>
+            <a:picLocks noChangeAspect="1"/>
+          </p:cNvPicPr>
+          <p:nvPr/>
+        </p:nvPicPr>
+        <p:blipFill>
+          <a:blip r:embed="rId2"/>
+          <a:stretch>
+            <a:fillRect/>
+          </a:stretch>
+        </p:blipFill>
+        <p:spPr>
+          <a:xfrm>
+            <a:off x="175651" y="147529"/>
+            <a:ext cx="6798084" cy="1858911"/>
+          </a:xfrm>
+          <a:prstGeom prst="rect">
+            <a:avLst/>
+          </a:prstGeom>
+        </p:spPr>
+      </p:pic>
+      <p:pic>
+        <p:nvPicPr>
+          <p:cNvPr id="9" name="Picture 8">
+            <a:extLst>
+              <a:ext uri="{FF2B5EF4-FFF2-40B4-BE49-F238E27FC236}">
+                <a16:creationId xmlns:a16="http://schemas.microsoft.com/office/drawing/2014/main" id="{7C0BA7FE-5427-C37D-46E7-FB9A331FD493}"/>
+              </a:ext>
+            </a:extLst>
+          </p:cNvPr>
+          <p:cNvPicPr>
+            <a:picLocks noChangeAspect="1"/>
+          </p:cNvPicPr>
+          <p:nvPr/>
+        </p:nvPicPr>
+        <p:blipFill>
+          <a:blip r:embed="rId3"/>
+          <a:stretch>
+            <a:fillRect/>
+          </a:stretch>
+        </p:blipFill>
+        <p:spPr>
+          <a:xfrm>
+            <a:off x="175651" y="2136115"/>
+            <a:ext cx="6692509" cy="1793563"/>
+          </a:xfrm>
+          <a:prstGeom prst="rect">
+            <a:avLst/>
+          </a:prstGeom>
+        </p:spPr>
+      </p:pic>
+      <p:pic>
+        <p:nvPicPr>
+          <p:cNvPr id="11" name="Picture 10">
+            <a:extLst>
+              <a:ext uri="{FF2B5EF4-FFF2-40B4-BE49-F238E27FC236}">
+                <a16:creationId xmlns:a16="http://schemas.microsoft.com/office/drawing/2014/main" id="{A4F2F19F-411F-712C-E336-AF1574741841}"/>
+              </a:ext>
+            </a:extLst>
+          </p:cNvPr>
+          <p:cNvPicPr>
+            <a:picLocks noChangeAspect="1"/>
+          </p:cNvPicPr>
+          <p:nvPr/>
+        </p:nvPicPr>
+        <p:blipFill>
+          <a:blip r:embed="rId4"/>
+          <a:stretch>
+            <a:fillRect/>
+          </a:stretch>
+        </p:blipFill>
+        <p:spPr>
+          <a:xfrm>
+            <a:off x="175651" y="4234753"/>
+            <a:ext cx="8420100" cy="2305050"/>
+          </a:xfrm>
+          <a:prstGeom prst="rect">
+            <a:avLst/>
+          </a:prstGeom>
+        </p:spPr>
+      </p:pic>
+    </p:spTree>
+    <p:extLst>
+      <p:ext uri="{BB962C8B-B14F-4D97-AF65-F5344CB8AC3E}">
+        <p14:creationId xmlns:p14="http://schemas.microsoft.com/office/powerpoint/2010/main" val="2368894460"/>
+      </p:ext>
+    </p:extLst>
+  </p:cSld>
+  <p:clrMapOvr>
+    <a:masterClrMapping/>
+  </p:clrMapOvr>
+</p:sld>
+</file>
+
+<file path=ppt/slides/slide19.xml><?xml version="1.0" encoding="utf-8"?>
+<p:sld xmlns:a="http://schemas.openxmlformats.org/drawingml/2006/main" xmlns:r="http://schemas.openxmlformats.org/officeDocument/2006/relationships" xmlns:p="http://schemas.openxmlformats.org/presentationml/2006/main">
+  <p:cSld>
+    <p:spTree>
+      <p:nvGrpSpPr>
+        <p:cNvPr id="1" name=""/>
+        <p:cNvGrpSpPr/>
+        <p:nvPr/>
+      </p:nvGrpSpPr>
+      <p:grpSpPr>
+        <a:xfrm>
+          <a:off x="0" y="0"/>
+          <a:ext cx="0" cy="0"/>
+          <a:chOff x="0" y="0"/>
+          <a:chExt cx="0" cy="0"/>
+        </a:xfrm>
+      </p:grpSpPr>
+      <p:sp>
+        <p:nvSpPr>
+          <p:cNvPr id="2" name="Picture Placeholder 1">
+            <a:extLst>
+              <a:ext uri="{FF2B5EF4-FFF2-40B4-BE49-F238E27FC236}">
+                <a16:creationId xmlns:a16="http://schemas.microsoft.com/office/drawing/2014/main" id="{B452FCE2-9FEF-0967-CFD9-48ABCD77066C}"/>
+              </a:ext>
+            </a:extLst>
+          </p:cNvPr>
+          <p:cNvSpPr>
+            <a:spLocks noGrp="1"/>
+          </p:cNvSpPr>
+          <p:nvPr>
+            <p:ph type="pic" sz="quarter" idx="48"/>
+          </p:nvPr>
+        </p:nvSpPr>
+        <p:spPr/>
+        <p:txBody>
+          <a:bodyPr/>
+          <a:lstStyle/>
+          <a:p>
+            <a:endParaRPr lang="en-SG" dirty="0"/>
+          </a:p>
+        </p:txBody>
+      </p:sp>
+      <p:sp>
+        <p:nvSpPr>
+          <p:cNvPr id="3" name="Text Placeholder 2">
+            <a:extLst>
+              <a:ext uri="{FF2B5EF4-FFF2-40B4-BE49-F238E27FC236}">
+                <a16:creationId xmlns:a16="http://schemas.microsoft.com/office/drawing/2014/main" id="{4E68BE11-CC77-8AC0-E0B1-AC32E6413D29}"/>
+              </a:ext>
+            </a:extLst>
+          </p:cNvPr>
+          <p:cNvSpPr>
+            <a:spLocks noGrp="1"/>
+          </p:cNvSpPr>
+          <p:nvPr>
+            <p:ph type="body" sz="quarter" idx="28"/>
+          </p:nvPr>
+        </p:nvSpPr>
+        <p:spPr/>
+        <p:txBody>
+          <a:bodyPr/>
+          <a:lstStyle/>
+          <a:p>
+            <a:endParaRPr lang="en-SG" dirty="0"/>
+          </a:p>
+        </p:txBody>
+      </p:sp>
+      <p:sp>
+        <p:nvSpPr>
+          <p:cNvPr id="4" name="Title 3">
+            <a:extLst>
+              <a:ext uri="{FF2B5EF4-FFF2-40B4-BE49-F238E27FC236}">
+                <a16:creationId xmlns:a16="http://schemas.microsoft.com/office/drawing/2014/main" id="{DC7A2817-78B3-9B00-F971-349C9395A8E9}"/>
+              </a:ext>
+            </a:extLst>
+          </p:cNvPr>
+          <p:cNvSpPr>
+            <a:spLocks noGrp="1"/>
+          </p:cNvSpPr>
+          <p:nvPr>
+            <p:ph type="title"/>
+          </p:nvPr>
+        </p:nvSpPr>
+        <p:spPr/>
+        <p:txBody>
+          <a:bodyPr/>
+          <a:lstStyle/>
+          <a:p>
+            <a:endParaRPr lang="en-SG"/>
+          </a:p>
+        </p:txBody>
+      </p:sp>
+      <p:sp>
+        <p:nvSpPr>
+          <p:cNvPr id="5" name="Footer Placeholder 4">
+            <a:extLst>
+              <a:ext uri="{FF2B5EF4-FFF2-40B4-BE49-F238E27FC236}">
+                <a16:creationId xmlns:a16="http://schemas.microsoft.com/office/drawing/2014/main" id="{2A424FEF-7A27-3164-3654-6A0A14414035}"/>
+              </a:ext>
+            </a:extLst>
+          </p:cNvPr>
+          <p:cNvSpPr>
+            <a:spLocks noGrp="1"/>
+          </p:cNvSpPr>
+          <p:nvPr>
+            <p:ph type="ftr" sz="quarter" idx="49"/>
+          </p:nvPr>
+        </p:nvSpPr>
+        <p:spPr/>
+        <p:txBody>
+          <a:bodyPr/>
+          <a:lstStyle/>
+          <a:p>
+            <a:r>
+              <a:rPr lang="en-US" noProof="0"/>
+              <a:t>Presentation Title</a:t>
+            </a:r>
+            <a:endParaRPr lang="en-US" noProof="0" dirty="0"/>
+          </a:p>
+        </p:txBody>
+      </p:sp>
+      <p:pic>
+        <p:nvPicPr>
+          <p:cNvPr id="7" name="Picture 6">
+            <a:extLst>
+              <a:ext uri="{FF2B5EF4-FFF2-40B4-BE49-F238E27FC236}">
+                <a16:creationId xmlns:a16="http://schemas.microsoft.com/office/drawing/2014/main" id="{B22CB7A3-285D-18C1-0291-42959C111540}"/>
+              </a:ext>
+            </a:extLst>
+          </p:cNvPr>
+          <p:cNvPicPr>
+            <a:picLocks noChangeAspect="1"/>
+          </p:cNvPicPr>
+          <p:nvPr/>
+        </p:nvPicPr>
+        <p:blipFill>
+          <a:blip r:embed="rId2"/>
+          <a:stretch>
+            <a:fillRect/>
+          </a:stretch>
+        </p:blipFill>
+        <p:spPr>
+          <a:xfrm>
+            <a:off x="6189038" y="253431"/>
+            <a:ext cx="5386122" cy="2895600"/>
+          </a:xfrm>
+          <a:prstGeom prst="rect">
+            <a:avLst/>
+          </a:prstGeom>
+        </p:spPr>
+      </p:pic>
+      <p:pic>
+        <p:nvPicPr>
+          <p:cNvPr id="9" name="Picture 8">
+            <a:extLst>
+              <a:ext uri="{FF2B5EF4-FFF2-40B4-BE49-F238E27FC236}">
+                <a16:creationId xmlns:a16="http://schemas.microsoft.com/office/drawing/2014/main" id="{53AE8B1E-D4A3-A295-DAD9-17910946D3B3}"/>
+              </a:ext>
+            </a:extLst>
+          </p:cNvPr>
+          <p:cNvPicPr>
+            <a:picLocks noChangeAspect="1"/>
+          </p:cNvPicPr>
+          <p:nvPr/>
+        </p:nvPicPr>
+        <p:blipFill>
+          <a:blip r:embed="rId3"/>
+          <a:stretch>
+            <a:fillRect/>
+          </a:stretch>
+        </p:blipFill>
+        <p:spPr>
+          <a:xfrm>
+            <a:off x="305028" y="253430"/>
+            <a:ext cx="5276357" cy="2895599"/>
+          </a:xfrm>
+          <a:prstGeom prst="rect">
+            <a:avLst/>
+          </a:prstGeom>
+        </p:spPr>
+      </p:pic>
+      <p:pic>
+        <p:nvPicPr>
+          <p:cNvPr id="11" name="Picture 10">
+            <a:extLst>
+              <a:ext uri="{FF2B5EF4-FFF2-40B4-BE49-F238E27FC236}">
+                <a16:creationId xmlns:a16="http://schemas.microsoft.com/office/drawing/2014/main" id="{F786127C-634A-00EF-348D-6E1D451EC552}"/>
+              </a:ext>
+            </a:extLst>
+          </p:cNvPr>
+          <p:cNvPicPr>
+            <a:picLocks noChangeAspect="1"/>
+          </p:cNvPicPr>
+          <p:nvPr/>
+        </p:nvPicPr>
+        <p:blipFill>
+          <a:blip r:embed="rId4"/>
+          <a:stretch>
+            <a:fillRect/>
+          </a:stretch>
+        </p:blipFill>
+        <p:spPr>
+          <a:xfrm>
+            <a:off x="305029" y="3470643"/>
+            <a:ext cx="5276355" cy="2895598"/>
+          </a:xfrm>
+          <a:prstGeom prst="rect">
+            <a:avLst/>
+          </a:prstGeom>
+        </p:spPr>
+      </p:pic>
+      <p:pic>
+        <p:nvPicPr>
+          <p:cNvPr id="13" name="Picture 12">
+            <a:extLst>
+              <a:ext uri="{FF2B5EF4-FFF2-40B4-BE49-F238E27FC236}">
+                <a16:creationId xmlns:a16="http://schemas.microsoft.com/office/drawing/2014/main" id="{F2BF214F-DDF8-57DD-4431-DE8E714878C3}"/>
+              </a:ext>
+            </a:extLst>
+          </p:cNvPr>
+          <p:cNvPicPr>
+            <a:picLocks noChangeAspect="1"/>
+          </p:cNvPicPr>
+          <p:nvPr/>
+        </p:nvPicPr>
+        <p:blipFill>
+          <a:blip r:embed="rId5"/>
+          <a:stretch>
+            <a:fillRect/>
+          </a:stretch>
+        </p:blipFill>
+        <p:spPr>
+          <a:xfrm>
+            <a:off x="6189038" y="3472973"/>
+            <a:ext cx="5386123" cy="2838450"/>
+          </a:xfrm>
+          <a:prstGeom prst="rect">
+            <a:avLst/>
+          </a:prstGeom>
+        </p:spPr>
+      </p:pic>
+    </p:spTree>
+    <p:extLst>
+      <p:ext uri="{BB962C8B-B14F-4D97-AF65-F5344CB8AC3E}">
+        <p14:creationId xmlns:p14="http://schemas.microsoft.com/office/powerpoint/2010/main" val="3080007840"/>
       </p:ext>
     </p:extLst>
   </p:cSld>
@@ -23414,7 +25489,7 @@
           <p:cNvPr id="2" name="Picture Placeholder 1">
             <a:extLst>
               <a:ext uri="{FF2B5EF4-FFF2-40B4-BE49-F238E27FC236}">
-                <a16:creationId xmlns:a16="http://schemas.microsoft.com/office/drawing/2014/main" id="{953D10FD-63C2-C5C3-73D4-C123E6AB3709}"/>
+                <a16:creationId xmlns:a16="http://schemas.microsoft.com/office/drawing/2014/main" id="{6023CE9B-E202-1A33-EB96-5D8D78F49B4D}"/>
               </a:ext>
             </a:extLst>
           </p:cNvPr>
@@ -23439,7 +25514,7 @@
           <p:cNvPr id="3" name="Text Placeholder 2">
             <a:extLst>
               <a:ext uri="{FF2B5EF4-FFF2-40B4-BE49-F238E27FC236}">
-                <a16:creationId xmlns:a16="http://schemas.microsoft.com/office/drawing/2014/main" id="{C02A825B-2C54-EA14-D442-7A3886103791}"/>
+                <a16:creationId xmlns:a16="http://schemas.microsoft.com/office/drawing/2014/main" id="{8001575A-D071-E5C9-BE33-D45296FF2546}"/>
               </a:ext>
             </a:extLst>
           </p:cNvPr>
@@ -23450,12 +25525,1317 @@
             <p:ph type="body" sz="quarter" idx="28"/>
           </p:nvPr>
         </p:nvSpPr>
-        <p:spPr/>
+        <p:spPr>
+          <a:xfrm>
+            <a:off x="368136" y="1312352"/>
+            <a:ext cx="11612369" cy="4808529"/>
+          </a:xfrm>
+        </p:spPr>
         <p:txBody>
           <a:bodyPr/>
           <a:lstStyle/>
           <a:p>
-            <a:endParaRPr lang="en-SG"/>
+            <a:r>
+              <a:rPr lang="en-SG" b="0" dirty="0">
+                <a:solidFill>
+                  <a:srgbClr val="000000"/>
+                </a:solidFill>
+                <a:effectLst/>
+                <a:highlight>
+                  <a:srgbClr val="D6E0EB"/>
+                </a:highlight>
+                <a:latin typeface="Consolas" panose="020B0609020204030204" pitchFamily="49" charset="0"/>
+              </a:rPr>
+              <a:t>    </a:t>
+            </a:r>
+            <a:r>
+              <a:rPr lang="en-SG" b="0" dirty="0">
+                <a:solidFill>
+                  <a:srgbClr val="008000"/>
+                </a:solidFill>
+                <a:effectLst/>
+                <a:highlight>
+                  <a:srgbClr val="D6E0EB"/>
+                </a:highlight>
+                <a:latin typeface="Consolas" panose="020B0609020204030204" pitchFamily="49" charset="0"/>
+              </a:rPr>
+              <a:t># # UNDERSAMPLE - Most efficient with still high accuracy</a:t>
+            </a:r>
+            <a:endParaRPr lang="en-SG" b="0" dirty="0">
+              <a:solidFill>
+                <a:srgbClr val="000000"/>
+              </a:solidFill>
+              <a:effectLst/>
+              <a:highlight>
+                <a:srgbClr val="D6E0EB"/>
+              </a:highlight>
+              <a:latin typeface="Consolas" panose="020B0609020204030204" pitchFamily="49" charset="0"/>
+            </a:endParaRPr>
+          </a:p>
+          <a:p>
+            <a:r>
+              <a:rPr lang="en-SG" b="0" dirty="0">
+                <a:solidFill>
+                  <a:srgbClr val="000000"/>
+                </a:solidFill>
+                <a:effectLst/>
+                <a:highlight>
+                  <a:srgbClr val="D6E0EB"/>
+                </a:highlight>
+                <a:latin typeface="Consolas" panose="020B0609020204030204" pitchFamily="49" charset="0"/>
+              </a:rPr>
+              <a:t>    </a:t>
+            </a:r>
+            <a:r>
+              <a:rPr lang="en-SG" b="0" dirty="0" err="1">
+                <a:solidFill>
+                  <a:srgbClr val="001080"/>
+                </a:solidFill>
+                <a:effectLst/>
+                <a:highlight>
+                  <a:srgbClr val="D6E0EB"/>
+                </a:highlight>
+                <a:latin typeface="Consolas" panose="020B0609020204030204" pitchFamily="49" charset="0"/>
+              </a:rPr>
+              <a:t>sampling_method</a:t>
+            </a:r>
+            <a:r>
+              <a:rPr lang="en-SG" b="0" dirty="0">
+                <a:solidFill>
+                  <a:srgbClr val="000000"/>
+                </a:solidFill>
+                <a:effectLst/>
+                <a:highlight>
+                  <a:srgbClr val="D6E0EB"/>
+                </a:highlight>
+                <a:latin typeface="Consolas" panose="020B0609020204030204" pitchFamily="49" charset="0"/>
+              </a:rPr>
+              <a:t>=</a:t>
+            </a:r>
+            <a:r>
+              <a:rPr lang="en-SG" b="0" dirty="0">
+                <a:solidFill>
+                  <a:srgbClr val="098658"/>
+                </a:solidFill>
+                <a:effectLst/>
+                <a:highlight>
+                  <a:srgbClr val="D6E0EB"/>
+                </a:highlight>
+                <a:latin typeface="Consolas" panose="020B0609020204030204" pitchFamily="49" charset="0"/>
+              </a:rPr>
+              <a:t>0</a:t>
+            </a:r>
+            <a:endParaRPr lang="en-SG" b="0" dirty="0">
+              <a:solidFill>
+                <a:srgbClr val="000000"/>
+              </a:solidFill>
+              <a:effectLst/>
+              <a:highlight>
+                <a:srgbClr val="D6E0EB"/>
+              </a:highlight>
+              <a:latin typeface="Consolas" panose="020B0609020204030204" pitchFamily="49" charset="0"/>
+            </a:endParaRPr>
+          </a:p>
+          <a:p>
+            <a:r>
+              <a:rPr lang="en-SG" b="0" dirty="0">
+                <a:solidFill>
+                  <a:srgbClr val="000000"/>
+                </a:solidFill>
+                <a:effectLst/>
+                <a:highlight>
+                  <a:srgbClr val="D6E0EB"/>
+                </a:highlight>
+                <a:latin typeface="Consolas" panose="020B0609020204030204" pitchFamily="49" charset="0"/>
+              </a:rPr>
+              <a:t>    </a:t>
+            </a:r>
+            <a:r>
+              <a:rPr lang="en-SG" b="0" dirty="0" err="1">
+                <a:solidFill>
+                  <a:srgbClr val="001080"/>
+                </a:solidFill>
+                <a:effectLst/>
+                <a:highlight>
+                  <a:srgbClr val="D6E0EB"/>
+                </a:highlight>
+                <a:latin typeface="Consolas" panose="020B0609020204030204" pitchFamily="49" charset="0"/>
+              </a:rPr>
+              <a:t>sampling_strategy</a:t>
+            </a:r>
+            <a:r>
+              <a:rPr lang="en-SG" b="0" dirty="0">
+                <a:solidFill>
+                  <a:srgbClr val="000000"/>
+                </a:solidFill>
+                <a:effectLst/>
+                <a:highlight>
+                  <a:srgbClr val="D6E0EB"/>
+                </a:highlight>
+                <a:latin typeface="Consolas" panose="020B0609020204030204" pitchFamily="49" charset="0"/>
+              </a:rPr>
+              <a:t>=</a:t>
+            </a:r>
+            <a:r>
+              <a:rPr lang="en-SG" b="0" dirty="0">
+                <a:solidFill>
+                  <a:srgbClr val="098658"/>
+                </a:solidFill>
+                <a:effectLst/>
+                <a:highlight>
+                  <a:srgbClr val="D6E0EB"/>
+                </a:highlight>
+                <a:latin typeface="Consolas" panose="020B0609020204030204" pitchFamily="49" charset="0"/>
+              </a:rPr>
+              <a:t>.42</a:t>
+            </a:r>
+            <a:endParaRPr lang="en-SG" b="0" dirty="0">
+              <a:solidFill>
+                <a:srgbClr val="000000"/>
+              </a:solidFill>
+              <a:effectLst/>
+              <a:highlight>
+                <a:srgbClr val="D6E0EB"/>
+              </a:highlight>
+              <a:latin typeface="Consolas" panose="020B0609020204030204" pitchFamily="49" charset="0"/>
+            </a:endParaRPr>
+          </a:p>
+          <a:p>
+            <a:r>
+              <a:rPr lang="en-SG" b="0" dirty="0">
+                <a:solidFill>
+                  <a:srgbClr val="000000"/>
+                </a:solidFill>
+                <a:effectLst/>
+                <a:highlight>
+                  <a:srgbClr val="D6E0EB"/>
+                </a:highlight>
+                <a:latin typeface="Consolas" panose="020B0609020204030204" pitchFamily="49" charset="0"/>
+              </a:rPr>
+              <a:t>    </a:t>
+            </a:r>
+            <a:r>
+              <a:rPr lang="en-SG" b="0" dirty="0" err="1">
+                <a:solidFill>
+                  <a:srgbClr val="001080"/>
+                </a:solidFill>
+                <a:effectLst/>
+                <a:highlight>
+                  <a:srgbClr val="D6E0EB"/>
+                </a:highlight>
+                <a:latin typeface="Consolas" panose="020B0609020204030204" pitchFamily="49" charset="0"/>
+              </a:rPr>
+              <a:t>x_oversample</a:t>
+            </a:r>
+            <a:r>
+              <a:rPr lang="en-SG" b="0" dirty="0">
+                <a:solidFill>
+                  <a:srgbClr val="000000"/>
+                </a:solidFill>
+                <a:effectLst/>
+                <a:highlight>
+                  <a:srgbClr val="D6E0EB"/>
+                </a:highlight>
+                <a:latin typeface="Consolas" panose="020B0609020204030204" pitchFamily="49" charset="0"/>
+              </a:rPr>
+              <a:t>, </a:t>
+            </a:r>
+            <a:r>
+              <a:rPr lang="en-SG" b="0" dirty="0" err="1">
+                <a:solidFill>
+                  <a:srgbClr val="001080"/>
+                </a:solidFill>
+                <a:effectLst/>
+                <a:highlight>
+                  <a:srgbClr val="D6E0EB"/>
+                </a:highlight>
+                <a:latin typeface="Consolas" panose="020B0609020204030204" pitchFamily="49" charset="0"/>
+              </a:rPr>
+              <a:t>y_oversample</a:t>
+            </a:r>
+            <a:r>
+              <a:rPr lang="en-SG" b="0" dirty="0">
+                <a:solidFill>
+                  <a:srgbClr val="000000"/>
+                </a:solidFill>
+                <a:effectLst/>
+                <a:highlight>
+                  <a:srgbClr val="D6E0EB"/>
+                </a:highlight>
+                <a:latin typeface="Consolas" panose="020B0609020204030204" pitchFamily="49" charset="0"/>
+              </a:rPr>
+              <a:t> = </a:t>
+            </a:r>
+            <a:r>
+              <a:rPr lang="en-SG" b="0" dirty="0" err="1">
+                <a:solidFill>
+                  <a:srgbClr val="795E26"/>
+                </a:solidFill>
+                <a:effectLst/>
+                <a:highlight>
+                  <a:srgbClr val="D6E0EB"/>
+                </a:highlight>
+                <a:latin typeface="Consolas" panose="020B0609020204030204" pitchFamily="49" charset="0"/>
+              </a:rPr>
+              <a:t>sample_imbalanced_data</a:t>
+            </a:r>
+            <a:r>
+              <a:rPr lang="en-SG" b="0" dirty="0">
+                <a:solidFill>
+                  <a:srgbClr val="000000"/>
+                </a:solidFill>
+                <a:effectLst/>
+                <a:highlight>
+                  <a:srgbClr val="D6E0EB"/>
+                </a:highlight>
+                <a:latin typeface="Consolas" panose="020B0609020204030204" pitchFamily="49" charset="0"/>
+              </a:rPr>
+              <a:t>(</a:t>
+            </a:r>
+            <a:r>
+              <a:rPr lang="en-SG" b="0" dirty="0" err="1">
+                <a:solidFill>
+                  <a:srgbClr val="001080"/>
+                </a:solidFill>
+                <a:effectLst/>
+                <a:highlight>
+                  <a:srgbClr val="D6E0EB"/>
+                </a:highlight>
+                <a:latin typeface="Consolas" panose="020B0609020204030204" pitchFamily="49" charset="0"/>
+              </a:rPr>
+              <a:t>X_train</a:t>
+            </a:r>
+            <a:r>
+              <a:rPr lang="en-SG" b="0" dirty="0" err="1">
+                <a:solidFill>
+                  <a:srgbClr val="000000"/>
+                </a:solidFill>
+                <a:effectLst/>
+                <a:highlight>
+                  <a:srgbClr val="D6E0EB"/>
+                </a:highlight>
+                <a:latin typeface="Consolas" panose="020B0609020204030204" pitchFamily="49" charset="0"/>
+              </a:rPr>
+              <a:t>,</a:t>
+            </a:r>
+            <a:r>
+              <a:rPr lang="en-SG" b="0" dirty="0" err="1">
+                <a:solidFill>
+                  <a:srgbClr val="001080"/>
+                </a:solidFill>
+                <a:effectLst/>
+                <a:highlight>
+                  <a:srgbClr val="D6E0EB"/>
+                </a:highlight>
+                <a:latin typeface="Consolas" panose="020B0609020204030204" pitchFamily="49" charset="0"/>
+              </a:rPr>
+              <a:t>y_train</a:t>
+            </a:r>
+            <a:r>
+              <a:rPr lang="en-SG" b="0" dirty="0">
+                <a:solidFill>
+                  <a:srgbClr val="000000"/>
+                </a:solidFill>
+                <a:effectLst/>
+                <a:highlight>
+                  <a:srgbClr val="D6E0EB"/>
+                </a:highlight>
+                <a:latin typeface="Consolas" panose="020B0609020204030204" pitchFamily="49" charset="0"/>
+              </a:rPr>
+              <a:t>, </a:t>
+            </a:r>
+            <a:r>
+              <a:rPr lang="en-SG" b="0" dirty="0" err="1">
+                <a:solidFill>
+                  <a:srgbClr val="001080"/>
+                </a:solidFill>
+                <a:effectLst/>
+                <a:highlight>
+                  <a:srgbClr val="D6E0EB"/>
+                </a:highlight>
+                <a:latin typeface="Consolas" panose="020B0609020204030204" pitchFamily="49" charset="0"/>
+              </a:rPr>
+              <a:t>sampling_method</a:t>
+            </a:r>
+            <a:r>
+              <a:rPr lang="en-SG" b="0" dirty="0">
+                <a:solidFill>
+                  <a:srgbClr val="000000"/>
+                </a:solidFill>
+                <a:effectLst/>
+                <a:highlight>
+                  <a:srgbClr val="D6E0EB"/>
+                </a:highlight>
+                <a:latin typeface="Consolas" panose="020B0609020204030204" pitchFamily="49" charset="0"/>
+              </a:rPr>
+              <a:t>, </a:t>
+            </a:r>
+            <a:r>
+              <a:rPr lang="en-SG" b="0" dirty="0" err="1">
+                <a:solidFill>
+                  <a:srgbClr val="001080"/>
+                </a:solidFill>
+                <a:effectLst/>
+                <a:highlight>
+                  <a:srgbClr val="D6E0EB"/>
+                </a:highlight>
+                <a:latin typeface="Consolas" panose="020B0609020204030204" pitchFamily="49" charset="0"/>
+              </a:rPr>
+              <a:t>sampling_strategy</a:t>
+            </a:r>
+            <a:r>
+              <a:rPr lang="en-SG" b="0" dirty="0">
+                <a:solidFill>
+                  <a:srgbClr val="000000"/>
+                </a:solidFill>
+                <a:effectLst/>
+                <a:highlight>
+                  <a:srgbClr val="D6E0EB"/>
+                </a:highlight>
+                <a:latin typeface="Consolas" panose="020B0609020204030204" pitchFamily="49" charset="0"/>
+              </a:rPr>
+              <a:t>=</a:t>
+            </a:r>
+            <a:r>
+              <a:rPr lang="en-SG" b="0" dirty="0" err="1">
+                <a:solidFill>
+                  <a:srgbClr val="001080"/>
+                </a:solidFill>
+                <a:effectLst/>
+                <a:highlight>
+                  <a:srgbClr val="D6E0EB"/>
+                </a:highlight>
+                <a:latin typeface="Consolas" panose="020B0609020204030204" pitchFamily="49" charset="0"/>
+              </a:rPr>
+              <a:t>sampling_strategy</a:t>
+            </a:r>
+            <a:r>
+              <a:rPr lang="en-SG" b="0" dirty="0">
+                <a:solidFill>
+                  <a:srgbClr val="000000"/>
+                </a:solidFill>
+                <a:effectLst/>
+                <a:highlight>
+                  <a:srgbClr val="D6E0EB"/>
+                </a:highlight>
+                <a:latin typeface="Consolas" panose="020B0609020204030204" pitchFamily="49" charset="0"/>
+              </a:rPr>
+              <a:t>)</a:t>
+            </a:r>
+          </a:p>
+          <a:p>
+            <a:r>
+              <a:rPr lang="en-SG" b="0" dirty="0">
+                <a:solidFill>
+                  <a:srgbClr val="000000"/>
+                </a:solidFill>
+                <a:effectLst/>
+                <a:highlight>
+                  <a:srgbClr val="D6E0EB"/>
+                </a:highlight>
+                <a:latin typeface="Consolas" panose="020B0609020204030204" pitchFamily="49" charset="0"/>
+              </a:rPr>
+              <a:t>    </a:t>
+            </a:r>
+            <a:r>
+              <a:rPr lang="en-SG" b="0" dirty="0">
+                <a:solidFill>
+                  <a:srgbClr val="008000"/>
+                </a:solidFill>
+                <a:effectLst/>
+                <a:highlight>
+                  <a:srgbClr val="D6E0EB"/>
+                </a:highlight>
+                <a:latin typeface="Consolas" panose="020B0609020204030204" pitchFamily="49" charset="0"/>
+              </a:rPr>
+              <a:t># </a:t>
+            </a:r>
+            <a:r>
+              <a:rPr lang="en-SG" b="0" dirty="0" err="1">
+                <a:solidFill>
+                  <a:srgbClr val="008000"/>
+                </a:solidFill>
+                <a:effectLst/>
+                <a:highlight>
+                  <a:srgbClr val="D6E0EB"/>
+                </a:highlight>
+                <a:latin typeface="Consolas" panose="020B0609020204030204" pitchFamily="49" charset="0"/>
+              </a:rPr>
+              <a:t>X_test,y_test</a:t>
+            </a:r>
+            <a:r>
+              <a:rPr lang="en-SG" b="0" dirty="0">
+                <a:solidFill>
+                  <a:srgbClr val="008000"/>
+                </a:solidFill>
+                <a:effectLst/>
+                <a:highlight>
+                  <a:srgbClr val="D6E0EB"/>
+                </a:highlight>
+                <a:latin typeface="Consolas" panose="020B0609020204030204" pitchFamily="49" charset="0"/>
+              </a:rPr>
+              <a:t> = </a:t>
+            </a:r>
+            <a:r>
+              <a:rPr lang="en-SG" b="0" dirty="0" err="1">
+                <a:solidFill>
+                  <a:srgbClr val="008000"/>
+                </a:solidFill>
+                <a:effectLst/>
+                <a:highlight>
+                  <a:srgbClr val="D6E0EB"/>
+                </a:highlight>
+                <a:latin typeface="Consolas" panose="020B0609020204030204" pitchFamily="49" charset="0"/>
+              </a:rPr>
+              <a:t>sample_imbalanced_data</a:t>
+            </a:r>
+            <a:r>
+              <a:rPr lang="en-SG" b="0" dirty="0">
+                <a:solidFill>
+                  <a:srgbClr val="008000"/>
+                </a:solidFill>
+                <a:effectLst/>
+                <a:highlight>
+                  <a:srgbClr val="D6E0EB"/>
+                </a:highlight>
+                <a:latin typeface="Consolas" panose="020B0609020204030204" pitchFamily="49" charset="0"/>
+              </a:rPr>
+              <a:t>(</a:t>
+            </a:r>
+            <a:r>
+              <a:rPr lang="en-SG" b="0" dirty="0" err="1">
+                <a:solidFill>
+                  <a:srgbClr val="008000"/>
+                </a:solidFill>
+                <a:effectLst/>
+                <a:highlight>
+                  <a:srgbClr val="D6E0EB"/>
+                </a:highlight>
+                <a:latin typeface="Consolas" panose="020B0609020204030204" pitchFamily="49" charset="0"/>
+              </a:rPr>
+              <a:t>X_test,y_test</a:t>
+            </a:r>
+            <a:r>
+              <a:rPr lang="en-SG" b="0" dirty="0">
+                <a:solidFill>
+                  <a:srgbClr val="008000"/>
+                </a:solidFill>
+                <a:effectLst/>
+                <a:highlight>
+                  <a:srgbClr val="D6E0EB"/>
+                </a:highlight>
+                <a:latin typeface="Consolas" panose="020B0609020204030204" pitchFamily="49" charset="0"/>
+              </a:rPr>
+              <a:t>, 0, </a:t>
+            </a:r>
+            <a:r>
+              <a:rPr lang="en-SG" b="0" dirty="0" err="1">
+                <a:solidFill>
+                  <a:srgbClr val="008000"/>
+                </a:solidFill>
+                <a:effectLst/>
+                <a:highlight>
+                  <a:srgbClr val="D6E0EB"/>
+                </a:highlight>
+                <a:latin typeface="Consolas" panose="020B0609020204030204" pitchFamily="49" charset="0"/>
+              </a:rPr>
+              <a:t>sampling_strategy</a:t>
+            </a:r>
+            <a:r>
+              <a:rPr lang="en-SG" b="0" dirty="0">
+                <a:solidFill>
+                  <a:srgbClr val="008000"/>
+                </a:solidFill>
+                <a:effectLst/>
+                <a:highlight>
+                  <a:srgbClr val="D6E0EB"/>
+                </a:highlight>
+                <a:latin typeface="Consolas" panose="020B0609020204030204" pitchFamily="49" charset="0"/>
+              </a:rPr>
+              <a:t>=</a:t>
+            </a:r>
+            <a:r>
+              <a:rPr lang="en-SG" b="0" dirty="0" err="1">
+                <a:solidFill>
+                  <a:srgbClr val="008000"/>
+                </a:solidFill>
+                <a:effectLst/>
+                <a:highlight>
+                  <a:srgbClr val="D6E0EB"/>
+                </a:highlight>
+                <a:latin typeface="Consolas" panose="020B0609020204030204" pitchFamily="49" charset="0"/>
+              </a:rPr>
+              <a:t>sampling_strategy</a:t>
+            </a:r>
+            <a:r>
+              <a:rPr lang="en-SG" b="0" dirty="0">
+                <a:solidFill>
+                  <a:srgbClr val="008000"/>
+                </a:solidFill>
+                <a:effectLst/>
+                <a:highlight>
+                  <a:srgbClr val="D6E0EB"/>
+                </a:highlight>
+                <a:latin typeface="Consolas" panose="020B0609020204030204" pitchFamily="49" charset="0"/>
+              </a:rPr>
+              <a:t>)</a:t>
+            </a:r>
+            <a:endParaRPr lang="en-SG" b="0" dirty="0">
+              <a:solidFill>
+                <a:srgbClr val="000000"/>
+              </a:solidFill>
+              <a:effectLst/>
+              <a:highlight>
+                <a:srgbClr val="D6E0EB"/>
+              </a:highlight>
+              <a:latin typeface="Consolas" panose="020B0609020204030204" pitchFamily="49" charset="0"/>
+            </a:endParaRPr>
+          </a:p>
+          <a:p>
+            <a:r>
+              <a:rPr lang="en-SG" b="0" dirty="0">
+                <a:solidFill>
+                  <a:srgbClr val="000000"/>
+                </a:solidFill>
+                <a:effectLst/>
+                <a:highlight>
+                  <a:srgbClr val="D6E0EB"/>
+                </a:highlight>
+                <a:latin typeface="Consolas" panose="020B0609020204030204" pitchFamily="49" charset="0"/>
+              </a:rPr>
+              <a:t>    </a:t>
+            </a:r>
+            <a:r>
+              <a:rPr lang="en-SG" b="0" dirty="0" err="1">
+                <a:solidFill>
+                  <a:srgbClr val="001080"/>
+                </a:solidFill>
+                <a:effectLst/>
+                <a:highlight>
+                  <a:srgbClr val="D6E0EB"/>
+                </a:highlight>
+                <a:latin typeface="Consolas" panose="020B0609020204030204" pitchFamily="49" charset="0"/>
+              </a:rPr>
+              <a:t>min_samples_leaf</a:t>
+            </a:r>
+            <a:r>
+              <a:rPr lang="en-SG" b="0" dirty="0">
+                <a:solidFill>
+                  <a:srgbClr val="000000"/>
+                </a:solidFill>
+                <a:effectLst/>
+                <a:highlight>
+                  <a:srgbClr val="D6E0EB"/>
+                </a:highlight>
+                <a:latin typeface="Consolas" panose="020B0609020204030204" pitchFamily="49" charset="0"/>
+              </a:rPr>
+              <a:t>=</a:t>
+            </a:r>
+            <a:r>
+              <a:rPr lang="en-SG" b="0" dirty="0">
+                <a:solidFill>
+                  <a:srgbClr val="098658"/>
+                </a:solidFill>
+                <a:effectLst/>
+                <a:highlight>
+                  <a:srgbClr val="D6E0EB"/>
+                </a:highlight>
+                <a:latin typeface="Consolas" panose="020B0609020204030204" pitchFamily="49" charset="0"/>
+              </a:rPr>
+              <a:t>10</a:t>
+            </a:r>
+            <a:endParaRPr lang="en-SG" b="0" dirty="0">
+              <a:solidFill>
+                <a:srgbClr val="000000"/>
+              </a:solidFill>
+              <a:effectLst/>
+              <a:highlight>
+                <a:srgbClr val="D6E0EB"/>
+              </a:highlight>
+              <a:latin typeface="Consolas" panose="020B0609020204030204" pitchFamily="49" charset="0"/>
+            </a:endParaRPr>
+          </a:p>
+          <a:p>
+            <a:r>
+              <a:rPr lang="en-SG" b="0" dirty="0">
+                <a:solidFill>
+                  <a:srgbClr val="000000"/>
+                </a:solidFill>
+                <a:effectLst/>
+                <a:highlight>
+                  <a:srgbClr val="D6E0EB"/>
+                </a:highlight>
+                <a:latin typeface="Consolas" panose="020B0609020204030204" pitchFamily="49" charset="0"/>
+              </a:rPr>
+              <a:t>    </a:t>
+            </a:r>
+            <a:r>
+              <a:rPr lang="en-SG" b="0" dirty="0" err="1">
+                <a:solidFill>
+                  <a:srgbClr val="001080"/>
+                </a:solidFill>
+                <a:effectLst/>
+                <a:highlight>
+                  <a:srgbClr val="D6E0EB"/>
+                </a:highlight>
+                <a:latin typeface="Consolas" panose="020B0609020204030204" pitchFamily="49" charset="0"/>
+              </a:rPr>
+              <a:t>max_depth</a:t>
+            </a:r>
+            <a:r>
+              <a:rPr lang="en-SG" b="0" dirty="0">
+                <a:solidFill>
+                  <a:srgbClr val="000000"/>
+                </a:solidFill>
+                <a:effectLst/>
+                <a:highlight>
+                  <a:srgbClr val="D6E0EB"/>
+                </a:highlight>
+                <a:latin typeface="Consolas" panose="020B0609020204030204" pitchFamily="49" charset="0"/>
+              </a:rPr>
+              <a:t>=</a:t>
+            </a:r>
+            <a:r>
+              <a:rPr lang="en-SG" dirty="0">
+                <a:solidFill>
+                  <a:srgbClr val="098658"/>
+                </a:solidFill>
+                <a:highlight>
+                  <a:srgbClr val="D6E0EB"/>
+                </a:highlight>
+                <a:latin typeface="Consolas" panose="020B0609020204030204" pitchFamily="49" charset="0"/>
+              </a:rPr>
+              <a:t>7</a:t>
+            </a:r>
+            <a:endParaRPr lang="en-SG" b="0" dirty="0">
+              <a:solidFill>
+                <a:srgbClr val="000000"/>
+              </a:solidFill>
+              <a:effectLst/>
+              <a:highlight>
+                <a:srgbClr val="D6E0EB"/>
+              </a:highlight>
+              <a:latin typeface="Consolas" panose="020B0609020204030204" pitchFamily="49" charset="0"/>
+            </a:endParaRPr>
+          </a:p>
+          <a:p>
+            <a:r>
+              <a:rPr lang="en-SG" b="0" dirty="0">
+                <a:solidFill>
+                  <a:srgbClr val="000000"/>
+                </a:solidFill>
+                <a:effectLst/>
+                <a:highlight>
+                  <a:srgbClr val="D6E0EB"/>
+                </a:highlight>
+                <a:latin typeface="Consolas" panose="020B0609020204030204" pitchFamily="49" charset="0"/>
+              </a:rPr>
+              <a:t>    </a:t>
+            </a:r>
+            <a:r>
+              <a:rPr lang="en-SG" b="0" dirty="0">
+                <a:solidFill>
+                  <a:srgbClr val="001080"/>
+                </a:solidFill>
+                <a:effectLst/>
+                <a:highlight>
+                  <a:srgbClr val="D6E0EB"/>
+                </a:highlight>
+                <a:latin typeface="Consolas" panose="020B0609020204030204" pitchFamily="49" charset="0"/>
+              </a:rPr>
+              <a:t>estimators</a:t>
+            </a:r>
+            <a:r>
+              <a:rPr lang="en-SG" b="0" dirty="0">
+                <a:solidFill>
+                  <a:srgbClr val="000000"/>
+                </a:solidFill>
+                <a:effectLst/>
+                <a:highlight>
+                  <a:srgbClr val="D6E0EB"/>
+                </a:highlight>
+                <a:latin typeface="Consolas" panose="020B0609020204030204" pitchFamily="49" charset="0"/>
+              </a:rPr>
+              <a:t>=</a:t>
+            </a:r>
+            <a:r>
+              <a:rPr lang="en-SG" b="0" dirty="0">
+                <a:solidFill>
+                  <a:srgbClr val="098658"/>
+                </a:solidFill>
+                <a:effectLst/>
+                <a:highlight>
+                  <a:srgbClr val="D6E0EB"/>
+                </a:highlight>
+                <a:latin typeface="Consolas" panose="020B0609020204030204" pitchFamily="49" charset="0"/>
+              </a:rPr>
+              <a:t>50</a:t>
+            </a:r>
+            <a:endParaRPr lang="en-SG" b="0" dirty="0">
+              <a:solidFill>
+                <a:srgbClr val="000000"/>
+              </a:solidFill>
+              <a:effectLst/>
+              <a:highlight>
+                <a:srgbClr val="D6E0EB"/>
+              </a:highlight>
+              <a:latin typeface="Consolas" panose="020B0609020204030204" pitchFamily="49" charset="0"/>
+            </a:endParaRPr>
+          </a:p>
+          <a:p>
+            <a:r>
+              <a:rPr lang="en-SG" b="0" dirty="0">
+                <a:solidFill>
+                  <a:srgbClr val="000000"/>
+                </a:solidFill>
+                <a:effectLst/>
+                <a:highlight>
+                  <a:srgbClr val="D6E0EB"/>
+                </a:highlight>
+                <a:latin typeface="Consolas" panose="020B0609020204030204" pitchFamily="49" charset="0"/>
+              </a:rPr>
+              <a:t>    </a:t>
+            </a:r>
+            <a:r>
+              <a:rPr lang="en-SG" b="0" dirty="0" err="1">
+                <a:solidFill>
+                  <a:srgbClr val="001080"/>
+                </a:solidFill>
+                <a:effectLst/>
+                <a:highlight>
+                  <a:srgbClr val="D6E0EB"/>
+                </a:highlight>
+                <a:latin typeface="Consolas" panose="020B0609020204030204" pitchFamily="49" charset="0"/>
+              </a:rPr>
+              <a:t>samples_leaf_sizes</a:t>
+            </a:r>
+            <a:r>
+              <a:rPr lang="en-SG" b="0" dirty="0">
+                <a:solidFill>
+                  <a:srgbClr val="000000"/>
+                </a:solidFill>
+                <a:effectLst/>
+                <a:highlight>
+                  <a:srgbClr val="D6E0EB"/>
+                </a:highlight>
+                <a:latin typeface="Consolas" panose="020B0609020204030204" pitchFamily="49" charset="0"/>
+              </a:rPr>
+              <a:t> = [</a:t>
+            </a:r>
+            <a:r>
+              <a:rPr lang="en-SG" b="0" dirty="0">
+                <a:solidFill>
+                  <a:srgbClr val="098658"/>
+                </a:solidFill>
+                <a:effectLst/>
+                <a:highlight>
+                  <a:srgbClr val="D6E0EB"/>
+                </a:highlight>
+                <a:latin typeface="Consolas" panose="020B0609020204030204" pitchFamily="49" charset="0"/>
+              </a:rPr>
+              <a:t>2</a:t>
+            </a:r>
+            <a:r>
+              <a:rPr lang="en-SG" b="0" dirty="0">
+                <a:solidFill>
+                  <a:srgbClr val="000000"/>
+                </a:solidFill>
+                <a:effectLst/>
+                <a:highlight>
+                  <a:srgbClr val="D6E0EB"/>
+                </a:highlight>
+                <a:latin typeface="Consolas" panose="020B0609020204030204" pitchFamily="49" charset="0"/>
+              </a:rPr>
+              <a:t>,</a:t>
+            </a:r>
+            <a:r>
+              <a:rPr lang="en-SG" b="0" dirty="0">
+                <a:solidFill>
+                  <a:srgbClr val="098658"/>
+                </a:solidFill>
+                <a:effectLst/>
+                <a:highlight>
+                  <a:srgbClr val="D6E0EB"/>
+                </a:highlight>
+                <a:latin typeface="Consolas" panose="020B0609020204030204" pitchFamily="49" charset="0"/>
+              </a:rPr>
+              <a:t>4</a:t>
+            </a:r>
+            <a:r>
+              <a:rPr lang="en-SG" b="0" dirty="0">
+                <a:solidFill>
+                  <a:srgbClr val="000000"/>
+                </a:solidFill>
+                <a:effectLst/>
+                <a:highlight>
+                  <a:srgbClr val="D6E0EB"/>
+                </a:highlight>
+                <a:latin typeface="Consolas" panose="020B0609020204030204" pitchFamily="49" charset="0"/>
+              </a:rPr>
+              <a:t>,</a:t>
+            </a:r>
+            <a:r>
+              <a:rPr lang="en-SG" b="0" dirty="0">
+                <a:solidFill>
+                  <a:srgbClr val="098658"/>
+                </a:solidFill>
+                <a:effectLst/>
+                <a:highlight>
+                  <a:srgbClr val="D6E0EB"/>
+                </a:highlight>
+                <a:latin typeface="Consolas" panose="020B0609020204030204" pitchFamily="49" charset="0"/>
+              </a:rPr>
+              <a:t>6</a:t>
+            </a:r>
+            <a:r>
+              <a:rPr lang="en-SG" b="0" dirty="0">
+                <a:solidFill>
+                  <a:srgbClr val="000000"/>
+                </a:solidFill>
+                <a:effectLst/>
+                <a:highlight>
+                  <a:srgbClr val="D6E0EB"/>
+                </a:highlight>
+                <a:latin typeface="Consolas" panose="020B0609020204030204" pitchFamily="49" charset="0"/>
+              </a:rPr>
+              <a:t>,</a:t>
+            </a:r>
+            <a:r>
+              <a:rPr lang="en-SG" b="0" dirty="0">
+                <a:solidFill>
+                  <a:srgbClr val="098658"/>
+                </a:solidFill>
+                <a:effectLst/>
+                <a:highlight>
+                  <a:srgbClr val="D6E0EB"/>
+                </a:highlight>
+                <a:latin typeface="Consolas" panose="020B0609020204030204" pitchFamily="49" charset="0"/>
+              </a:rPr>
+              <a:t>7</a:t>
+            </a:r>
+            <a:r>
+              <a:rPr lang="en-SG" b="0" dirty="0">
+                <a:solidFill>
+                  <a:srgbClr val="000000"/>
+                </a:solidFill>
+                <a:effectLst/>
+                <a:highlight>
+                  <a:srgbClr val="D6E0EB"/>
+                </a:highlight>
+                <a:latin typeface="Consolas" panose="020B0609020204030204" pitchFamily="49" charset="0"/>
+              </a:rPr>
+              <a:t>,</a:t>
+            </a:r>
+            <a:r>
+              <a:rPr lang="en-SG" b="0" dirty="0">
+                <a:solidFill>
+                  <a:srgbClr val="098658"/>
+                </a:solidFill>
+                <a:effectLst/>
+                <a:highlight>
+                  <a:srgbClr val="D6E0EB"/>
+                </a:highlight>
+                <a:latin typeface="Consolas" panose="020B0609020204030204" pitchFamily="49" charset="0"/>
+              </a:rPr>
+              <a:t>8</a:t>
+            </a:r>
+            <a:r>
+              <a:rPr lang="en-SG" b="0" dirty="0">
+                <a:solidFill>
+                  <a:srgbClr val="000000"/>
+                </a:solidFill>
+                <a:effectLst/>
+                <a:highlight>
+                  <a:srgbClr val="D6E0EB"/>
+                </a:highlight>
+                <a:latin typeface="Consolas" panose="020B0609020204030204" pitchFamily="49" charset="0"/>
+              </a:rPr>
+              <a:t>,</a:t>
+            </a:r>
+            <a:r>
+              <a:rPr lang="en-SG" b="0" dirty="0">
+                <a:solidFill>
+                  <a:srgbClr val="098658"/>
+                </a:solidFill>
+                <a:effectLst/>
+                <a:highlight>
+                  <a:srgbClr val="D6E0EB"/>
+                </a:highlight>
+                <a:latin typeface="Consolas" panose="020B0609020204030204" pitchFamily="49" charset="0"/>
+              </a:rPr>
+              <a:t>10</a:t>
+            </a:r>
+            <a:r>
+              <a:rPr lang="en-SG" b="0" dirty="0">
+                <a:solidFill>
+                  <a:srgbClr val="000000"/>
+                </a:solidFill>
+                <a:effectLst/>
+                <a:highlight>
+                  <a:srgbClr val="D6E0EB"/>
+                </a:highlight>
+                <a:latin typeface="Consolas" panose="020B0609020204030204" pitchFamily="49" charset="0"/>
+              </a:rPr>
+              <a:t>,</a:t>
+            </a:r>
+            <a:r>
+              <a:rPr lang="en-SG" b="0" dirty="0">
+                <a:solidFill>
+                  <a:srgbClr val="098658"/>
+                </a:solidFill>
+                <a:effectLst/>
+                <a:highlight>
+                  <a:srgbClr val="D6E0EB"/>
+                </a:highlight>
+                <a:latin typeface="Consolas" panose="020B0609020204030204" pitchFamily="49" charset="0"/>
+              </a:rPr>
+              <a:t>20</a:t>
+            </a:r>
+            <a:r>
+              <a:rPr lang="en-SG" b="0" dirty="0">
+                <a:solidFill>
+                  <a:srgbClr val="000000"/>
+                </a:solidFill>
+                <a:effectLst/>
+                <a:highlight>
+                  <a:srgbClr val="D6E0EB"/>
+                </a:highlight>
+                <a:latin typeface="Consolas" panose="020B0609020204030204" pitchFamily="49" charset="0"/>
+              </a:rPr>
+              <a:t>,</a:t>
+            </a:r>
+            <a:r>
+              <a:rPr lang="en-SG" b="0" dirty="0">
+                <a:solidFill>
+                  <a:srgbClr val="098658"/>
+                </a:solidFill>
+                <a:effectLst/>
+                <a:highlight>
+                  <a:srgbClr val="D6E0EB"/>
+                </a:highlight>
+                <a:latin typeface="Consolas" panose="020B0609020204030204" pitchFamily="49" charset="0"/>
+              </a:rPr>
+              <a:t>30</a:t>
+            </a:r>
+            <a:r>
+              <a:rPr lang="en-SG" b="0" dirty="0">
+                <a:solidFill>
+                  <a:srgbClr val="000000"/>
+                </a:solidFill>
+                <a:effectLst/>
+                <a:highlight>
+                  <a:srgbClr val="D6E0EB"/>
+                </a:highlight>
+                <a:latin typeface="Consolas" panose="020B0609020204030204" pitchFamily="49" charset="0"/>
+              </a:rPr>
+              <a:t>,</a:t>
+            </a:r>
+            <a:r>
+              <a:rPr lang="en-SG" b="0" dirty="0">
+                <a:solidFill>
+                  <a:srgbClr val="098658"/>
+                </a:solidFill>
+                <a:effectLst/>
+                <a:highlight>
+                  <a:srgbClr val="D6E0EB"/>
+                </a:highlight>
+                <a:latin typeface="Consolas" panose="020B0609020204030204" pitchFamily="49" charset="0"/>
+              </a:rPr>
+              <a:t>40</a:t>
+            </a:r>
+            <a:r>
+              <a:rPr lang="en-SG" b="0" dirty="0">
+                <a:solidFill>
+                  <a:srgbClr val="000000"/>
+                </a:solidFill>
+                <a:effectLst/>
+                <a:highlight>
+                  <a:srgbClr val="D6E0EB"/>
+                </a:highlight>
+                <a:latin typeface="Consolas" panose="020B0609020204030204" pitchFamily="49" charset="0"/>
+              </a:rPr>
+              <a:t>,</a:t>
+            </a:r>
+            <a:r>
+              <a:rPr lang="en-SG" b="0" dirty="0">
+                <a:solidFill>
+                  <a:srgbClr val="098658"/>
+                </a:solidFill>
+                <a:effectLst/>
+                <a:highlight>
+                  <a:srgbClr val="D6E0EB"/>
+                </a:highlight>
+                <a:latin typeface="Consolas" panose="020B0609020204030204" pitchFamily="49" charset="0"/>
+              </a:rPr>
+              <a:t>50</a:t>
+            </a:r>
+            <a:r>
+              <a:rPr lang="en-SG" b="0" dirty="0">
+                <a:solidFill>
+                  <a:srgbClr val="000000"/>
+                </a:solidFill>
+                <a:effectLst/>
+                <a:highlight>
+                  <a:srgbClr val="D6E0EB"/>
+                </a:highlight>
+                <a:latin typeface="Consolas" panose="020B0609020204030204" pitchFamily="49" charset="0"/>
+              </a:rPr>
+              <a:t>]</a:t>
+            </a:r>
+          </a:p>
+          <a:p>
+            <a:r>
+              <a:rPr lang="en-SG" b="0" dirty="0">
+                <a:solidFill>
+                  <a:srgbClr val="000000"/>
+                </a:solidFill>
+                <a:effectLst/>
+                <a:highlight>
+                  <a:srgbClr val="D6E0EB"/>
+                </a:highlight>
+                <a:latin typeface="Consolas" panose="020B0609020204030204" pitchFamily="49" charset="0"/>
+              </a:rPr>
+              <a:t>    </a:t>
+            </a:r>
+            <a:r>
+              <a:rPr lang="en-SG" b="0" dirty="0" err="1">
+                <a:solidFill>
+                  <a:srgbClr val="001080"/>
+                </a:solidFill>
+                <a:effectLst/>
+                <a:highlight>
+                  <a:srgbClr val="D6E0EB"/>
+                </a:highlight>
+                <a:latin typeface="Consolas" panose="020B0609020204030204" pitchFamily="49" charset="0"/>
+              </a:rPr>
+              <a:t>tree_depths</a:t>
+            </a:r>
+            <a:r>
+              <a:rPr lang="en-SG" b="0" dirty="0">
+                <a:solidFill>
+                  <a:srgbClr val="000000"/>
+                </a:solidFill>
+                <a:effectLst/>
+                <a:highlight>
+                  <a:srgbClr val="D6E0EB"/>
+                </a:highlight>
+                <a:latin typeface="Consolas" panose="020B0609020204030204" pitchFamily="49" charset="0"/>
+              </a:rPr>
+              <a:t> = </a:t>
+            </a:r>
+            <a:r>
+              <a:rPr lang="en-SG" b="0" dirty="0">
+                <a:solidFill>
+                  <a:srgbClr val="267F99"/>
+                </a:solidFill>
+                <a:effectLst/>
+                <a:highlight>
+                  <a:srgbClr val="D6E0EB"/>
+                </a:highlight>
+                <a:latin typeface="Consolas" panose="020B0609020204030204" pitchFamily="49" charset="0"/>
+              </a:rPr>
+              <a:t>range</a:t>
+            </a:r>
+            <a:r>
+              <a:rPr lang="en-SG" b="0" dirty="0">
+                <a:solidFill>
+                  <a:srgbClr val="000000"/>
+                </a:solidFill>
+                <a:effectLst/>
+                <a:highlight>
+                  <a:srgbClr val="D6E0EB"/>
+                </a:highlight>
+                <a:latin typeface="Consolas" panose="020B0609020204030204" pitchFamily="49" charset="0"/>
+              </a:rPr>
+              <a:t>(</a:t>
+            </a:r>
+            <a:r>
+              <a:rPr lang="en-SG" b="0" dirty="0">
+                <a:solidFill>
+                  <a:srgbClr val="098658"/>
+                </a:solidFill>
+                <a:effectLst/>
+                <a:highlight>
+                  <a:srgbClr val="D6E0EB"/>
+                </a:highlight>
+                <a:latin typeface="Consolas" panose="020B0609020204030204" pitchFamily="49" charset="0"/>
+              </a:rPr>
+              <a:t>1</a:t>
+            </a:r>
+            <a:r>
+              <a:rPr lang="en-SG" b="0" dirty="0">
+                <a:solidFill>
+                  <a:srgbClr val="000000"/>
+                </a:solidFill>
+                <a:effectLst/>
+                <a:highlight>
+                  <a:srgbClr val="D6E0EB"/>
+                </a:highlight>
+                <a:latin typeface="Consolas" panose="020B0609020204030204" pitchFamily="49" charset="0"/>
+              </a:rPr>
+              <a:t>,</a:t>
+            </a:r>
+            <a:r>
+              <a:rPr lang="en-SG" b="0" dirty="0">
+                <a:solidFill>
+                  <a:srgbClr val="098658"/>
+                </a:solidFill>
+                <a:effectLst/>
+                <a:highlight>
+                  <a:srgbClr val="D6E0EB"/>
+                </a:highlight>
+                <a:latin typeface="Consolas" panose="020B0609020204030204" pitchFamily="49" charset="0"/>
+              </a:rPr>
+              <a:t>25</a:t>
+            </a:r>
+            <a:r>
+              <a:rPr lang="en-SG" b="0" dirty="0">
+                <a:solidFill>
+                  <a:srgbClr val="000000"/>
+                </a:solidFill>
+                <a:effectLst/>
+                <a:highlight>
+                  <a:srgbClr val="D6E0EB"/>
+                </a:highlight>
+                <a:latin typeface="Consolas" panose="020B0609020204030204" pitchFamily="49" charset="0"/>
+              </a:rPr>
+              <a:t>)</a:t>
+            </a:r>
+          </a:p>
+          <a:p>
+            <a:r>
+              <a:rPr lang="en-SG" b="0" dirty="0">
+                <a:solidFill>
+                  <a:srgbClr val="000000"/>
+                </a:solidFill>
+                <a:effectLst/>
+                <a:highlight>
+                  <a:srgbClr val="D6E0EB"/>
+                </a:highlight>
+                <a:latin typeface="Consolas" panose="020B0609020204030204" pitchFamily="49" charset="0"/>
+              </a:rPr>
+              <a:t>    </a:t>
+            </a:r>
+            <a:r>
+              <a:rPr lang="en-SG" b="0" dirty="0" err="1">
+                <a:solidFill>
+                  <a:srgbClr val="001080"/>
+                </a:solidFill>
+                <a:effectLst/>
+                <a:highlight>
+                  <a:srgbClr val="D6E0EB"/>
+                </a:highlight>
+                <a:latin typeface="Consolas" panose="020B0609020204030204" pitchFamily="49" charset="0"/>
+              </a:rPr>
+              <a:t>class_weight</a:t>
+            </a:r>
+            <a:r>
+              <a:rPr lang="en-SG" b="0" dirty="0">
+                <a:solidFill>
+                  <a:srgbClr val="000000"/>
+                </a:solidFill>
+                <a:effectLst/>
+                <a:highlight>
+                  <a:srgbClr val="D6E0EB"/>
+                </a:highlight>
+                <a:latin typeface="Consolas" panose="020B0609020204030204" pitchFamily="49" charset="0"/>
+              </a:rPr>
+              <a:t>=</a:t>
+            </a:r>
+            <a:r>
+              <a:rPr lang="en-SG" b="0" dirty="0">
+                <a:solidFill>
+                  <a:srgbClr val="A31515"/>
+                </a:solidFill>
+                <a:effectLst/>
+                <a:highlight>
+                  <a:srgbClr val="D6E0EB"/>
+                </a:highlight>
+                <a:latin typeface="Consolas" panose="020B0609020204030204" pitchFamily="49" charset="0"/>
+              </a:rPr>
+              <a:t>'balanced'</a:t>
+            </a:r>
+            <a:endParaRPr lang="en-SG" b="0" dirty="0">
+              <a:solidFill>
+                <a:srgbClr val="000000"/>
+              </a:solidFill>
+              <a:effectLst/>
+              <a:highlight>
+                <a:srgbClr val="D6E0EB"/>
+              </a:highlight>
+              <a:latin typeface="Consolas" panose="020B0609020204030204" pitchFamily="49" charset="0"/>
+            </a:endParaRPr>
+          </a:p>
+          <a:p>
+            <a:r>
+              <a:rPr lang="en-SG" b="0" dirty="0">
+                <a:solidFill>
+                  <a:srgbClr val="000000"/>
+                </a:solidFill>
+                <a:effectLst/>
+                <a:highlight>
+                  <a:srgbClr val="D6E0EB"/>
+                </a:highlight>
+                <a:latin typeface="Consolas" panose="020B0609020204030204" pitchFamily="49" charset="0"/>
+              </a:rPr>
+              <a:t>    </a:t>
+            </a:r>
+            <a:r>
+              <a:rPr lang="en-SG" b="0" dirty="0" err="1">
+                <a:solidFill>
+                  <a:srgbClr val="001080"/>
+                </a:solidFill>
+                <a:effectLst/>
+                <a:highlight>
+                  <a:srgbClr val="D6E0EB"/>
+                </a:highlight>
+                <a:latin typeface="Consolas" panose="020B0609020204030204" pitchFamily="49" charset="0"/>
+              </a:rPr>
+              <a:t>execute_crossval</a:t>
+            </a:r>
+            <a:r>
+              <a:rPr lang="en-SG" b="0" dirty="0">
+                <a:solidFill>
+                  <a:srgbClr val="000000"/>
+                </a:solidFill>
+                <a:effectLst/>
+                <a:highlight>
+                  <a:srgbClr val="D6E0EB"/>
+                </a:highlight>
+                <a:latin typeface="Consolas" panose="020B0609020204030204" pitchFamily="49" charset="0"/>
+              </a:rPr>
+              <a:t>=</a:t>
+            </a:r>
+            <a:r>
+              <a:rPr lang="en-SG" b="0" dirty="0">
+                <a:solidFill>
+                  <a:srgbClr val="0000FF"/>
+                </a:solidFill>
+                <a:effectLst/>
+                <a:highlight>
+                  <a:srgbClr val="D6E0EB"/>
+                </a:highlight>
+                <a:latin typeface="Consolas" panose="020B0609020204030204" pitchFamily="49" charset="0"/>
+              </a:rPr>
+              <a:t>True</a:t>
+            </a:r>
+            <a:endParaRPr lang="en-SG" b="0" dirty="0">
+              <a:solidFill>
+                <a:srgbClr val="000000"/>
+              </a:solidFill>
+              <a:effectLst/>
+              <a:highlight>
+                <a:srgbClr val="D6E0EB"/>
+              </a:highlight>
+              <a:latin typeface="Consolas" panose="020B0609020204030204" pitchFamily="49" charset="0"/>
+            </a:endParaRPr>
+          </a:p>
+          <a:p>
+            <a:endParaRPr lang="en-SG" dirty="0">
+              <a:highlight>
+                <a:srgbClr val="D6E0EB"/>
+              </a:highlight>
+            </a:endParaRPr>
           </a:p>
         </p:txBody>
       </p:sp>
@@ -23464,7 +26844,7 @@
           <p:cNvPr id="4" name="Title 3">
             <a:extLst>
               <a:ext uri="{FF2B5EF4-FFF2-40B4-BE49-F238E27FC236}">
-                <a16:creationId xmlns:a16="http://schemas.microsoft.com/office/drawing/2014/main" id="{A75F45F6-EEA5-F8F1-48B9-EFE5FC1C261B}"/>
+                <a16:creationId xmlns:a16="http://schemas.microsoft.com/office/drawing/2014/main" id="{71E87949-5C43-3ED6-5168-4CEE07D04D78}"/>
               </a:ext>
             </a:extLst>
           </p:cNvPr>
@@ -23475,12 +26855,21 @@
             <p:ph type="title"/>
           </p:nvPr>
         </p:nvSpPr>
-        <p:spPr/>
+        <p:spPr>
+          <a:xfrm>
+            <a:off x="368137" y="379439"/>
+            <a:ext cx="9823998" cy="1325563"/>
+          </a:xfrm>
+        </p:spPr>
         <p:txBody>
           <a:bodyPr/>
           <a:lstStyle/>
           <a:p>
-            <a:endParaRPr lang="en-SG"/>
+            <a:r>
+              <a:rPr lang="en-US" dirty="0"/>
+              <a:t>UNDERSAMPLE AFTER SPLIT</a:t>
+            </a:r>
+            <a:endParaRPr lang="en-SG" dirty="0"/>
           </a:p>
         </p:txBody>
       </p:sp>
@@ -23489,7 +26878,7 @@
           <p:cNvPr id="5" name="Footer Placeholder 4">
             <a:extLst>
               <a:ext uri="{FF2B5EF4-FFF2-40B4-BE49-F238E27FC236}">
-                <a16:creationId xmlns:a16="http://schemas.microsoft.com/office/drawing/2014/main" id="{B9344C05-7D96-FBEB-7300-0C1F90B55210}"/>
+                <a16:creationId xmlns:a16="http://schemas.microsoft.com/office/drawing/2014/main" id="{5E6C7A0E-F720-87D7-F168-209155662DE4}"/>
               </a:ext>
             </a:extLst>
           </p:cNvPr>
@@ -23513,12 +26902,149 @@
           </a:p>
         </p:txBody>
       </p:sp>
+    </p:spTree>
+    <p:extLst>
+      <p:ext uri="{BB962C8B-B14F-4D97-AF65-F5344CB8AC3E}">
+        <p14:creationId xmlns:p14="http://schemas.microsoft.com/office/powerpoint/2010/main" val="2860544608"/>
+      </p:ext>
+    </p:extLst>
+  </p:cSld>
+  <p:clrMapOvr>
+    <a:masterClrMapping/>
+  </p:clrMapOvr>
+</p:sld>
+</file>
+
+<file path=ppt/slides/slide20.xml><?xml version="1.0" encoding="utf-8"?>
+<p:sld xmlns:a="http://schemas.openxmlformats.org/drawingml/2006/main" xmlns:r="http://schemas.openxmlformats.org/officeDocument/2006/relationships" xmlns:p="http://schemas.openxmlformats.org/presentationml/2006/main">
+  <p:cSld>
+    <p:spTree>
+      <p:nvGrpSpPr>
+        <p:cNvPr id="1" name=""/>
+        <p:cNvGrpSpPr/>
+        <p:nvPr/>
+      </p:nvGrpSpPr>
+      <p:grpSpPr>
+        <a:xfrm>
+          <a:off x="0" y="0"/>
+          <a:ext cx="0" cy="0"/>
+          <a:chOff x="0" y="0"/>
+          <a:chExt cx="0" cy="0"/>
+        </a:xfrm>
+      </p:grpSpPr>
+      <p:sp>
+        <p:nvSpPr>
+          <p:cNvPr id="2" name="Picture Placeholder 1">
+            <a:extLst>
+              <a:ext uri="{FF2B5EF4-FFF2-40B4-BE49-F238E27FC236}">
+                <a16:creationId xmlns:a16="http://schemas.microsoft.com/office/drawing/2014/main" id="{3A1994E3-DE6D-7E85-8425-D1C5592F5A25}"/>
+              </a:ext>
+            </a:extLst>
+          </p:cNvPr>
+          <p:cNvSpPr>
+            <a:spLocks noGrp="1"/>
+          </p:cNvSpPr>
+          <p:nvPr>
+            <p:ph type="pic" sz="quarter" idx="48"/>
+          </p:nvPr>
+        </p:nvSpPr>
+        <p:spPr/>
+        <p:txBody>
+          <a:bodyPr/>
+          <a:lstStyle/>
+          <a:p>
+            <a:endParaRPr lang="en-SG"/>
+          </a:p>
+        </p:txBody>
+      </p:sp>
+      <p:sp>
+        <p:nvSpPr>
+          <p:cNvPr id="3" name="Text Placeholder 2">
+            <a:extLst>
+              <a:ext uri="{FF2B5EF4-FFF2-40B4-BE49-F238E27FC236}">
+                <a16:creationId xmlns:a16="http://schemas.microsoft.com/office/drawing/2014/main" id="{63E4722C-200F-AD08-2C66-C57C983BEC07}"/>
+              </a:ext>
+            </a:extLst>
+          </p:cNvPr>
+          <p:cNvSpPr>
+            <a:spLocks noGrp="1"/>
+          </p:cNvSpPr>
+          <p:nvPr>
+            <p:ph type="body" sz="quarter" idx="28"/>
+          </p:nvPr>
+        </p:nvSpPr>
+        <p:spPr/>
+        <p:txBody>
+          <a:bodyPr/>
+          <a:lstStyle/>
+          <a:p>
+            <a:endParaRPr lang="en-SG"/>
+          </a:p>
+        </p:txBody>
+      </p:sp>
+      <p:sp>
+        <p:nvSpPr>
+          <p:cNvPr id="4" name="Title 3">
+            <a:extLst>
+              <a:ext uri="{FF2B5EF4-FFF2-40B4-BE49-F238E27FC236}">
+                <a16:creationId xmlns:a16="http://schemas.microsoft.com/office/drawing/2014/main" id="{73C6DA81-BCFD-279B-B285-811BAB23EA26}"/>
+              </a:ext>
+            </a:extLst>
+          </p:cNvPr>
+          <p:cNvSpPr>
+            <a:spLocks noGrp="1"/>
+          </p:cNvSpPr>
+          <p:nvPr>
+            <p:ph type="title"/>
+          </p:nvPr>
+        </p:nvSpPr>
+        <p:spPr/>
+        <p:txBody>
+          <a:bodyPr/>
+          <a:lstStyle/>
+          <a:p>
+            <a:r>
+              <a:rPr lang="en-SG" dirty="0"/>
+              <a:t>PCA no</a:t>
+            </a:r>
+          </a:p>
+        </p:txBody>
+      </p:sp>
+      <p:sp>
+        <p:nvSpPr>
+          <p:cNvPr id="5" name="Footer Placeholder 4">
+            <a:extLst>
+              <a:ext uri="{FF2B5EF4-FFF2-40B4-BE49-F238E27FC236}">
+                <a16:creationId xmlns:a16="http://schemas.microsoft.com/office/drawing/2014/main" id="{D5E5A99F-DB37-12CC-8EF6-F50FF6F023D7}"/>
+              </a:ext>
+            </a:extLst>
+          </p:cNvPr>
+          <p:cNvSpPr>
+            <a:spLocks noGrp="1"/>
+          </p:cNvSpPr>
+          <p:nvPr>
+            <p:ph type="ftr" sz="quarter" idx="49"/>
+          </p:nvPr>
+        </p:nvSpPr>
+        <p:spPr/>
+        <p:txBody>
+          <a:bodyPr/>
+          <a:lstStyle/>
+          <a:p>
+            <a:r>
+              <a:rPr lang="en-US" noProof="0"/>
+              <a:t>Presentation Title</a:t>
+            </a:r>
+            <a:endParaRPr lang="en-US" noProof="0" dirty="0"/>
+          </a:p>
+        </p:txBody>
+      </p:sp>
       <p:pic>
         <p:nvPicPr>
           <p:cNvPr id="7" name="Picture 6">
             <a:extLst>
               <a:ext uri="{FF2B5EF4-FFF2-40B4-BE49-F238E27FC236}">
-                <a16:creationId xmlns:a16="http://schemas.microsoft.com/office/drawing/2014/main" id="{901F629A-BE6E-4A87-8FE1-2F473B15A189}"/>
+                <a16:creationId xmlns:a16="http://schemas.microsoft.com/office/drawing/2014/main" id="{62F936EE-2C42-7C01-2CED-890F7F7A7C6A}"/>
               </a:ext>
             </a:extLst>
           </p:cNvPr>
@@ -23535,8 +27061,8 @@
         </p:blipFill>
         <p:spPr>
           <a:xfrm>
-            <a:off x="300488" y="1447628"/>
-            <a:ext cx="11591024" cy="3962743"/>
+            <a:off x="6964139" y="757806"/>
+            <a:ext cx="4743229" cy="5460114"/>
           </a:xfrm>
           <a:prstGeom prst="rect">
             <a:avLst/>
@@ -23546,7 +27072,7 @@
     </p:spTree>
     <p:extLst>
       <p:ext uri="{BB962C8B-B14F-4D97-AF65-F5344CB8AC3E}">
-        <p14:creationId xmlns:p14="http://schemas.microsoft.com/office/powerpoint/2010/main" val="419901552"/>
+        <p14:creationId xmlns:p14="http://schemas.microsoft.com/office/powerpoint/2010/main" val="2800883431"/>
       </p:ext>
     </p:extLst>
   </p:cSld>
@@ -23578,7 +27104,7 @@
           <p:cNvPr id="2" name="Picture Placeholder 1">
             <a:extLst>
               <a:ext uri="{FF2B5EF4-FFF2-40B4-BE49-F238E27FC236}">
-                <a16:creationId xmlns:a16="http://schemas.microsoft.com/office/drawing/2014/main" id="{8876B00F-B342-89B0-7863-54C6AAA0DF1D}"/>
+                <a16:creationId xmlns:a16="http://schemas.microsoft.com/office/drawing/2014/main" id="{6AFBA7FF-C6E3-B993-CBB3-4906626B84A6}"/>
               </a:ext>
             </a:extLst>
           </p:cNvPr>
@@ -23603,7 +27129,7 @@
           <p:cNvPr id="3" name="Text Placeholder 2">
             <a:extLst>
               <a:ext uri="{FF2B5EF4-FFF2-40B4-BE49-F238E27FC236}">
-                <a16:creationId xmlns:a16="http://schemas.microsoft.com/office/drawing/2014/main" id="{965939C0-F52B-4BF0-B7F4-684172E798D6}"/>
+                <a16:creationId xmlns:a16="http://schemas.microsoft.com/office/drawing/2014/main" id="{971BAE60-F63D-2EC3-2091-90F56FB2FACB}"/>
               </a:ext>
             </a:extLst>
           </p:cNvPr>
@@ -23628,7 +27154,7 @@
           <p:cNvPr id="4" name="Title 3">
             <a:extLst>
               <a:ext uri="{FF2B5EF4-FFF2-40B4-BE49-F238E27FC236}">
-                <a16:creationId xmlns:a16="http://schemas.microsoft.com/office/drawing/2014/main" id="{879B4714-4376-A694-5FBC-F9B73AF54AF9}"/>
+                <a16:creationId xmlns:a16="http://schemas.microsoft.com/office/drawing/2014/main" id="{87E801B2-9EE9-4CAB-F991-C50DA3E663DF}"/>
               </a:ext>
             </a:extLst>
           </p:cNvPr>
@@ -23639,12 +27165,20 @@
             <p:ph type="title"/>
           </p:nvPr>
         </p:nvSpPr>
-        <p:spPr/>
+        <p:spPr>
+          <a:xfrm>
+            <a:off x="449970" y="427469"/>
+            <a:ext cx="9823998" cy="1325563"/>
+          </a:xfrm>
+        </p:spPr>
         <p:txBody>
           <a:bodyPr/>
           <a:lstStyle/>
           <a:p>
-            <a:endParaRPr lang="en-SG"/>
+            <a:r>
+              <a:rPr lang="en-SG" dirty="0"/>
+              <a:t>ACTUAL SCENARIO</a:t>
+            </a:r>
           </a:p>
         </p:txBody>
       </p:sp>
@@ -23653,7 +27187,7 @@
           <p:cNvPr id="5" name="Footer Placeholder 4">
             <a:extLst>
               <a:ext uri="{FF2B5EF4-FFF2-40B4-BE49-F238E27FC236}">
-                <a16:creationId xmlns:a16="http://schemas.microsoft.com/office/drawing/2014/main" id="{E3E1B657-A327-7784-37D3-7B9ACFA08B86}"/>
+                <a16:creationId xmlns:a16="http://schemas.microsoft.com/office/drawing/2014/main" id="{4E3463B0-E190-CB7F-BA92-4700CA56505E}"/>
               </a:ext>
             </a:extLst>
           </p:cNvPr>
@@ -23679,10 +27213,10 @@
       </p:sp>
       <p:pic>
         <p:nvPicPr>
-          <p:cNvPr id="9" name="Picture 8">
-            <a:extLst>
-              <a:ext uri="{FF2B5EF4-FFF2-40B4-BE49-F238E27FC236}">
-                <a16:creationId xmlns:a16="http://schemas.microsoft.com/office/drawing/2014/main" id="{8937CC7E-ABB4-57C5-7B37-39C59CDC1EC2}"/>
+          <p:cNvPr id="7" name="Picture 6">
+            <a:extLst>
+              <a:ext uri="{FF2B5EF4-FFF2-40B4-BE49-F238E27FC236}">
+                <a16:creationId xmlns:a16="http://schemas.microsoft.com/office/drawing/2014/main" id="{A110BDCF-037F-AAA7-CB92-377C05DD6DD8}"/>
               </a:ext>
             </a:extLst>
           </p:cNvPr>
@@ -23699,8 +27233,38 @@
         </p:blipFill>
         <p:spPr>
           <a:xfrm>
-            <a:off x="0" y="781416"/>
-            <a:ext cx="12192000" cy="5295167"/>
+            <a:off x="1714381" y="2052559"/>
+            <a:ext cx="3818439" cy="4408279"/>
+          </a:xfrm>
+          <a:prstGeom prst="rect">
+            <a:avLst/>
+          </a:prstGeom>
+        </p:spPr>
+      </p:pic>
+      <p:pic>
+        <p:nvPicPr>
+          <p:cNvPr id="9" name="Picture 8">
+            <a:extLst>
+              <a:ext uri="{FF2B5EF4-FFF2-40B4-BE49-F238E27FC236}">
+                <a16:creationId xmlns:a16="http://schemas.microsoft.com/office/drawing/2014/main" id="{8C1BFF01-DADE-F71D-D68E-C0D372450563}"/>
+              </a:ext>
+            </a:extLst>
+          </p:cNvPr>
+          <p:cNvPicPr>
+            <a:picLocks noChangeAspect="1"/>
+          </p:cNvPicPr>
+          <p:nvPr/>
+        </p:nvPicPr>
+        <p:blipFill>
+          <a:blip r:embed="rId3"/>
+          <a:stretch>
+            <a:fillRect/>
+          </a:stretch>
+        </p:blipFill>
+        <p:spPr>
+          <a:xfrm>
+            <a:off x="7029546" y="2047893"/>
+            <a:ext cx="4386254" cy="4412945"/>
           </a:xfrm>
           <a:prstGeom prst="rect">
             <a:avLst/>
@@ -23710,7 +27274,7 @@
     </p:spTree>
     <p:extLst>
       <p:ext uri="{BB962C8B-B14F-4D97-AF65-F5344CB8AC3E}">
-        <p14:creationId xmlns:p14="http://schemas.microsoft.com/office/powerpoint/2010/main" val="2699462412"/>
+        <p14:creationId xmlns:p14="http://schemas.microsoft.com/office/powerpoint/2010/main" val="986872799"/>
       </p:ext>
     </p:extLst>
   </p:cSld>
@@ -23742,7 +27306,7 @@
           <p:cNvPr id="2" name="Picture Placeholder 1">
             <a:extLst>
               <a:ext uri="{FF2B5EF4-FFF2-40B4-BE49-F238E27FC236}">
-                <a16:creationId xmlns:a16="http://schemas.microsoft.com/office/drawing/2014/main" id="{733B8DE5-196E-BE11-FC20-F40DDF768057}"/>
+                <a16:creationId xmlns:a16="http://schemas.microsoft.com/office/drawing/2014/main" id="{953D10FD-63C2-C5C3-73D4-C123E6AB3709}"/>
               </a:ext>
             </a:extLst>
           </p:cNvPr>
@@ -23767,7 +27331,7 @@
           <p:cNvPr id="3" name="Text Placeholder 2">
             <a:extLst>
               <a:ext uri="{FF2B5EF4-FFF2-40B4-BE49-F238E27FC236}">
-                <a16:creationId xmlns:a16="http://schemas.microsoft.com/office/drawing/2014/main" id="{6A28E0C9-4A18-F751-F1B3-03B03079B273}"/>
+                <a16:creationId xmlns:a16="http://schemas.microsoft.com/office/drawing/2014/main" id="{C02A825B-2C54-EA14-D442-7A3886103791}"/>
               </a:ext>
             </a:extLst>
           </p:cNvPr>
@@ -23792,7 +27356,7 @@
           <p:cNvPr id="4" name="Title 3">
             <a:extLst>
               <a:ext uri="{FF2B5EF4-FFF2-40B4-BE49-F238E27FC236}">
-                <a16:creationId xmlns:a16="http://schemas.microsoft.com/office/drawing/2014/main" id="{763EE04A-11B1-BCCF-B3AA-2269BEB1A56F}"/>
+                <a16:creationId xmlns:a16="http://schemas.microsoft.com/office/drawing/2014/main" id="{A75F45F6-EEA5-F8F1-48B9-EFE5FC1C261B}"/>
               </a:ext>
             </a:extLst>
           </p:cNvPr>
@@ -23808,11 +27372,7 @@
           <a:bodyPr/>
           <a:lstStyle/>
           <a:p>
-            <a:r>
-              <a:rPr lang="en-US" dirty="0"/>
-              <a:t>Ascending</a:t>
-            </a:r>
-            <a:endParaRPr lang="en-SG" dirty="0"/>
+            <a:endParaRPr lang="en-SG"/>
           </a:p>
         </p:txBody>
       </p:sp>
@@ -23821,7 +27381,7 @@
           <p:cNvPr id="5" name="Footer Placeholder 4">
             <a:extLst>
               <a:ext uri="{FF2B5EF4-FFF2-40B4-BE49-F238E27FC236}">
-                <a16:creationId xmlns:a16="http://schemas.microsoft.com/office/drawing/2014/main" id="{8AE20597-DCC1-03DD-91C9-5D50FC96E55E}"/>
+                <a16:creationId xmlns:a16="http://schemas.microsoft.com/office/drawing/2014/main" id="{B9344C05-7D96-FBEB-7300-0C1F90B55210}"/>
               </a:ext>
             </a:extLst>
           </p:cNvPr>
@@ -23847,10 +27407,10 @@
       </p:sp>
       <p:pic>
         <p:nvPicPr>
-          <p:cNvPr id="7" name="Picture 6">
-            <a:extLst>
-              <a:ext uri="{FF2B5EF4-FFF2-40B4-BE49-F238E27FC236}">
-                <a16:creationId xmlns:a16="http://schemas.microsoft.com/office/drawing/2014/main" id="{52F71A47-9D83-06EC-3087-6548A9A765EA}"/>
+          <p:cNvPr id="12" name="Picture 11">
+            <a:extLst>
+              <a:ext uri="{FF2B5EF4-FFF2-40B4-BE49-F238E27FC236}">
+                <a16:creationId xmlns:a16="http://schemas.microsoft.com/office/drawing/2014/main" id="{36D52422-3D6E-B7B6-C140-35C18A79B906}"/>
               </a:ext>
             </a:extLst>
           </p:cNvPr>
@@ -23867,8 +27427,8 @@
         </p:blipFill>
         <p:spPr>
           <a:xfrm>
-            <a:off x="6231071" y="487425"/>
-            <a:ext cx="4244708" cy="5883150"/>
+            <a:off x="181475" y="1597722"/>
+            <a:ext cx="11829050" cy="3857727"/>
           </a:xfrm>
           <a:prstGeom prst="rect">
             <a:avLst/>
@@ -23878,7 +27438,7 @@
     </p:spTree>
     <p:extLst>
       <p:ext uri="{BB962C8B-B14F-4D97-AF65-F5344CB8AC3E}">
-        <p14:creationId xmlns:p14="http://schemas.microsoft.com/office/powerpoint/2010/main" val="3116129690"/>
+        <p14:creationId xmlns:p14="http://schemas.microsoft.com/office/powerpoint/2010/main" val="419901552"/>
       </p:ext>
     </p:extLst>
   </p:cSld>
@@ -23910,7 +27470,7 @@
           <p:cNvPr id="2" name="Picture Placeholder 1">
             <a:extLst>
               <a:ext uri="{FF2B5EF4-FFF2-40B4-BE49-F238E27FC236}">
-                <a16:creationId xmlns:a16="http://schemas.microsoft.com/office/drawing/2014/main" id="{6AFBA7FF-C6E3-B993-CBB3-4906626B84A6}"/>
+                <a16:creationId xmlns:a16="http://schemas.microsoft.com/office/drawing/2014/main" id="{516EA7B1-AE88-0144-DCD2-992AFA5E2A3F}"/>
               </a:ext>
             </a:extLst>
           </p:cNvPr>
@@ -23935,7 +27495,7 @@
           <p:cNvPr id="3" name="Text Placeholder 2">
             <a:extLst>
               <a:ext uri="{FF2B5EF4-FFF2-40B4-BE49-F238E27FC236}">
-                <a16:creationId xmlns:a16="http://schemas.microsoft.com/office/drawing/2014/main" id="{971BAE60-F63D-2EC3-2091-90F56FB2FACB}"/>
+                <a16:creationId xmlns:a16="http://schemas.microsoft.com/office/drawing/2014/main" id="{ABD6BBB4-EB5A-1FFE-766F-54A317CFE97D}"/>
               </a:ext>
             </a:extLst>
           </p:cNvPr>
@@ -23960,7 +27520,7 @@
           <p:cNvPr id="4" name="Title 3">
             <a:extLst>
               <a:ext uri="{FF2B5EF4-FFF2-40B4-BE49-F238E27FC236}">
-                <a16:creationId xmlns:a16="http://schemas.microsoft.com/office/drawing/2014/main" id="{87E801B2-9EE9-4CAB-F991-C50DA3E663DF}"/>
+                <a16:creationId xmlns:a16="http://schemas.microsoft.com/office/drawing/2014/main" id="{257F1600-2292-AC62-791A-C12DAAE9C25C}"/>
               </a:ext>
             </a:extLst>
           </p:cNvPr>
@@ -23976,7 +27536,7 @@
           <a:bodyPr/>
           <a:lstStyle/>
           <a:p>
-            <a:endParaRPr lang="en-SG"/>
+            <a:endParaRPr lang="en-SG" dirty="0"/>
           </a:p>
         </p:txBody>
       </p:sp>
@@ -23985,7 +27545,7 @@
           <p:cNvPr id="5" name="Footer Placeholder 4">
             <a:extLst>
               <a:ext uri="{FF2B5EF4-FFF2-40B4-BE49-F238E27FC236}">
-                <a16:creationId xmlns:a16="http://schemas.microsoft.com/office/drawing/2014/main" id="{4E3463B0-E190-CB7F-BA92-4700CA56505E}"/>
+                <a16:creationId xmlns:a16="http://schemas.microsoft.com/office/drawing/2014/main" id="{72E93FFF-D72E-6D74-312B-67422AAEDA48}"/>
               </a:ext>
             </a:extLst>
           </p:cNvPr>
@@ -24011,10 +27571,10 @@
       </p:sp>
       <p:pic>
         <p:nvPicPr>
-          <p:cNvPr id="7" name="Picture 6">
-            <a:extLst>
-              <a:ext uri="{FF2B5EF4-FFF2-40B4-BE49-F238E27FC236}">
-                <a16:creationId xmlns:a16="http://schemas.microsoft.com/office/drawing/2014/main" id="{A110BDCF-037F-AAA7-CB92-377C05DD6DD8}"/>
+          <p:cNvPr id="6" name="Picture 5">
+            <a:extLst>
+              <a:ext uri="{FF2B5EF4-FFF2-40B4-BE49-F238E27FC236}">
+                <a16:creationId xmlns:a16="http://schemas.microsoft.com/office/drawing/2014/main" id="{09CE9815-A4D4-C1B8-683B-E6FCF796967A}"/>
               </a:ext>
             </a:extLst>
           </p:cNvPr>
@@ -24031,38 +27591,8 @@
         </p:blipFill>
         <p:spPr>
           <a:xfrm>
-            <a:off x="1680061" y="1190087"/>
-            <a:ext cx="3818439" cy="4408279"/>
-          </a:xfrm>
-          <a:prstGeom prst="rect">
-            <a:avLst/>
-          </a:prstGeom>
-        </p:spPr>
-      </p:pic>
-      <p:pic>
-        <p:nvPicPr>
-          <p:cNvPr id="9" name="Picture 8">
-            <a:extLst>
-              <a:ext uri="{FF2B5EF4-FFF2-40B4-BE49-F238E27FC236}">
-                <a16:creationId xmlns:a16="http://schemas.microsoft.com/office/drawing/2014/main" id="{8C1BFF01-DADE-F71D-D68E-C0D372450563}"/>
-              </a:ext>
-            </a:extLst>
-          </p:cNvPr>
-          <p:cNvPicPr>
-            <a:picLocks noChangeAspect="1"/>
-          </p:cNvPicPr>
-          <p:nvPr/>
-        </p:nvPicPr>
-        <p:blipFill>
-          <a:blip r:embed="rId3"/>
-          <a:stretch>
-            <a:fillRect/>
-          </a:stretch>
-        </p:blipFill>
-        <p:spPr>
-          <a:xfrm>
-            <a:off x="6186266" y="1185421"/>
-            <a:ext cx="4386254" cy="4412945"/>
+            <a:off x="91439" y="1364848"/>
+            <a:ext cx="11944657" cy="3895429"/>
           </a:xfrm>
           <a:prstGeom prst="rect">
             <a:avLst/>
@@ -24072,7 +27602,822 @@
     </p:spTree>
     <p:extLst>
       <p:ext uri="{BB962C8B-B14F-4D97-AF65-F5344CB8AC3E}">
-        <p14:creationId xmlns:p14="http://schemas.microsoft.com/office/powerpoint/2010/main" val="986872799"/>
+        <p14:creationId xmlns:p14="http://schemas.microsoft.com/office/powerpoint/2010/main" val="971434239"/>
+      </p:ext>
+    </p:extLst>
+  </p:cSld>
+  <p:clrMapOvr>
+    <a:masterClrMapping/>
+  </p:clrMapOvr>
+</p:sld>
+</file>
+
+<file path=ppt/slides/slide6.xml><?xml version="1.0" encoding="utf-8"?>
+<p:sld xmlns:a="http://schemas.openxmlformats.org/drawingml/2006/main" xmlns:r="http://schemas.openxmlformats.org/officeDocument/2006/relationships" xmlns:p="http://schemas.openxmlformats.org/presentationml/2006/main">
+  <p:cSld>
+    <p:spTree>
+      <p:nvGrpSpPr>
+        <p:cNvPr id="1" name=""/>
+        <p:cNvGrpSpPr/>
+        <p:nvPr/>
+      </p:nvGrpSpPr>
+      <p:grpSpPr>
+        <a:xfrm>
+          <a:off x="0" y="0"/>
+          <a:ext cx="0" cy="0"/>
+          <a:chOff x="0" y="0"/>
+          <a:chExt cx="0" cy="0"/>
+        </a:xfrm>
+      </p:grpSpPr>
+      <p:sp>
+        <p:nvSpPr>
+          <p:cNvPr id="2" name="Picture Placeholder 1">
+            <a:extLst>
+              <a:ext uri="{FF2B5EF4-FFF2-40B4-BE49-F238E27FC236}">
+                <a16:creationId xmlns:a16="http://schemas.microsoft.com/office/drawing/2014/main" id="{8876B00F-B342-89B0-7863-54C6AAA0DF1D}"/>
+              </a:ext>
+            </a:extLst>
+          </p:cNvPr>
+          <p:cNvSpPr>
+            <a:spLocks noGrp="1"/>
+          </p:cNvSpPr>
+          <p:nvPr>
+            <p:ph type="pic" sz="quarter" idx="48"/>
+          </p:nvPr>
+        </p:nvSpPr>
+        <p:spPr/>
+        <p:txBody>
+          <a:bodyPr/>
+          <a:lstStyle/>
+          <a:p>
+            <a:endParaRPr lang="en-SG"/>
+          </a:p>
+        </p:txBody>
+      </p:sp>
+      <p:sp>
+        <p:nvSpPr>
+          <p:cNvPr id="3" name="Text Placeholder 2">
+            <a:extLst>
+              <a:ext uri="{FF2B5EF4-FFF2-40B4-BE49-F238E27FC236}">
+                <a16:creationId xmlns:a16="http://schemas.microsoft.com/office/drawing/2014/main" id="{965939C0-F52B-4BF0-B7F4-684172E798D6}"/>
+              </a:ext>
+            </a:extLst>
+          </p:cNvPr>
+          <p:cNvSpPr>
+            <a:spLocks noGrp="1"/>
+          </p:cNvSpPr>
+          <p:nvPr>
+            <p:ph type="body" sz="quarter" idx="28"/>
+          </p:nvPr>
+        </p:nvSpPr>
+        <p:spPr/>
+        <p:txBody>
+          <a:bodyPr/>
+          <a:lstStyle/>
+          <a:p>
+            <a:endParaRPr lang="en-SG"/>
+          </a:p>
+        </p:txBody>
+      </p:sp>
+      <p:sp>
+        <p:nvSpPr>
+          <p:cNvPr id="4" name="Title 3">
+            <a:extLst>
+              <a:ext uri="{FF2B5EF4-FFF2-40B4-BE49-F238E27FC236}">
+                <a16:creationId xmlns:a16="http://schemas.microsoft.com/office/drawing/2014/main" id="{879B4714-4376-A694-5FBC-F9B73AF54AF9}"/>
+              </a:ext>
+            </a:extLst>
+          </p:cNvPr>
+          <p:cNvSpPr>
+            <a:spLocks noGrp="1"/>
+          </p:cNvSpPr>
+          <p:nvPr>
+            <p:ph type="title"/>
+          </p:nvPr>
+        </p:nvSpPr>
+        <p:spPr/>
+        <p:txBody>
+          <a:bodyPr/>
+          <a:lstStyle/>
+          <a:p>
+            <a:endParaRPr lang="en-SG"/>
+          </a:p>
+        </p:txBody>
+      </p:sp>
+      <p:sp>
+        <p:nvSpPr>
+          <p:cNvPr id="5" name="Footer Placeholder 4">
+            <a:extLst>
+              <a:ext uri="{FF2B5EF4-FFF2-40B4-BE49-F238E27FC236}">
+                <a16:creationId xmlns:a16="http://schemas.microsoft.com/office/drawing/2014/main" id="{E3E1B657-A327-7784-37D3-7B9ACFA08B86}"/>
+              </a:ext>
+            </a:extLst>
+          </p:cNvPr>
+          <p:cNvSpPr>
+            <a:spLocks noGrp="1"/>
+          </p:cNvSpPr>
+          <p:nvPr>
+            <p:ph type="ftr" sz="quarter" idx="49"/>
+          </p:nvPr>
+        </p:nvSpPr>
+        <p:spPr/>
+        <p:txBody>
+          <a:bodyPr/>
+          <a:lstStyle/>
+          <a:p>
+            <a:r>
+              <a:rPr lang="en-US" noProof="0"/>
+              <a:t>Presentation Title</a:t>
+            </a:r>
+            <a:endParaRPr lang="en-US" noProof="0" dirty="0"/>
+          </a:p>
+        </p:txBody>
+      </p:sp>
+      <p:pic>
+        <p:nvPicPr>
+          <p:cNvPr id="7" name="Picture 6">
+            <a:extLst>
+              <a:ext uri="{FF2B5EF4-FFF2-40B4-BE49-F238E27FC236}">
+                <a16:creationId xmlns:a16="http://schemas.microsoft.com/office/drawing/2014/main" id="{39DF2A7D-294D-0F80-66DF-1BC9896AFEE7}"/>
+              </a:ext>
+            </a:extLst>
+          </p:cNvPr>
+          <p:cNvPicPr>
+            <a:picLocks noChangeAspect="1"/>
+          </p:cNvPicPr>
+          <p:nvPr/>
+        </p:nvPicPr>
+        <p:blipFill>
+          <a:blip r:embed="rId2"/>
+          <a:stretch>
+            <a:fillRect/>
+          </a:stretch>
+        </p:blipFill>
+        <p:spPr>
+          <a:xfrm>
+            <a:off x="172720" y="666851"/>
+            <a:ext cx="12192000" cy="5571048"/>
+          </a:xfrm>
+          <a:prstGeom prst="rect">
+            <a:avLst/>
+          </a:prstGeom>
+        </p:spPr>
+      </p:pic>
+    </p:spTree>
+    <p:extLst>
+      <p:ext uri="{BB962C8B-B14F-4D97-AF65-F5344CB8AC3E}">
+        <p14:creationId xmlns:p14="http://schemas.microsoft.com/office/powerpoint/2010/main" val="2699462412"/>
+      </p:ext>
+    </p:extLst>
+  </p:cSld>
+  <p:clrMapOvr>
+    <a:masterClrMapping/>
+  </p:clrMapOvr>
+</p:sld>
+</file>
+
+<file path=ppt/slides/slide7.xml><?xml version="1.0" encoding="utf-8"?>
+<p:sld xmlns:a="http://schemas.openxmlformats.org/drawingml/2006/main" xmlns:r="http://schemas.openxmlformats.org/officeDocument/2006/relationships" xmlns:p="http://schemas.openxmlformats.org/presentationml/2006/main">
+  <p:cSld>
+    <p:spTree>
+      <p:nvGrpSpPr>
+        <p:cNvPr id="1" name=""/>
+        <p:cNvGrpSpPr/>
+        <p:nvPr/>
+      </p:nvGrpSpPr>
+      <p:grpSpPr>
+        <a:xfrm>
+          <a:off x="0" y="0"/>
+          <a:ext cx="0" cy="0"/>
+          <a:chOff x="0" y="0"/>
+          <a:chExt cx="0" cy="0"/>
+        </a:xfrm>
+      </p:grpSpPr>
+      <p:sp>
+        <p:nvSpPr>
+          <p:cNvPr id="2" name="Picture Placeholder 1">
+            <a:extLst>
+              <a:ext uri="{FF2B5EF4-FFF2-40B4-BE49-F238E27FC236}">
+                <a16:creationId xmlns:a16="http://schemas.microsoft.com/office/drawing/2014/main" id="{733B8DE5-196E-BE11-FC20-F40DDF768057}"/>
+              </a:ext>
+            </a:extLst>
+          </p:cNvPr>
+          <p:cNvSpPr>
+            <a:spLocks noGrp="1"/>
+          </p:cNvSpPr>
+          <p:nvPr>
+            <p:ph type="pic" sz="quarter" idx="48"/>
+          </p:nvPr>
+        </p:nvSpPr>
+        <p:spPr/>
+        <p:txBody>
+          <a:bodyPr/>
+          <a:lstStyle/>
+          <a:p>
+            <a:endParaRPr lang="en-SG"/>
+          </a:p>
+        </p:txBody>
+      </p:sp>
+      <p:sp>
+        <p:nvSpPr>
+          <p:cNvPr id="3" name="Text Placeholder 2">
+            <a:extLst>
+              <a:ext uri="{FF2B5EF4-FFF2-40B4-BE49-F238E27FC236}">
+                <a16:creationId xmlns:a16="http://schemas.microsoft.com/office/drawing/2014/main" id="{6A28E0C9-4A18-F751-F1B3-03B03079B273}"/>
+              </a:ext>
+            </a:extLst>
+          </p:cNvPr>
+          <p:cNvSpPr>
+            <a:spLocks noGrp="1"/>
+          </p:cNvSpPr>
+          <p:nvPr>
+            <p:ph type="body" sz="quarter" idx="28"/>
+          </p:nvPr>
+        </p:nvSpPr>
+        <p:spPr/>
+        <p:txBody>
+          <a:bodyPr/>
+          <a:lstStyle/>
+          <a:p>
+            <a:endParaRPr lang="en-SG" dirty="0"/>
+          </a:p>
+        </p:txBody>
+      </p:sp>
+      <p:sp>
+        <p:nvSpPr>
+          <p:cNvPr id="4" name="Title 3">
+            <a:extLst>
+              <a:ext uri="{FF2B5EF4-FFF2-40B4-BE49-F238E27FC236}">
+                <a16:creationId xmlns:a16="http://schemas.microsoft.com/office/drawing/2014/main" id="{763EE04A-11B1-BCCF-B3AA-2269BEB1A56F}"/>
+              </a:ext>
+            </a:extLst>
+          </p:cNvPr>
+          <p:cNvSpPr>
+            <a:spLocks noGrp="1"/>
+          </p:cNvSpPr>
+          <p:nvPr>
+            <p:ph type="title"/>
+          </p:nvPr>
+        </p:nvSpPr>
+        <p:spPr/>
+        <p:txBody>
+          <a:bodyPr/>
+          <a:lstStyle/>
+          <a:p>
+            <a:r>
+              <a:rPr lang="en-US" dirty="0"/>
+              <a:t>Feature Importance</a:t>
+            </a:r>
+            <a:endParaRPr lang="en-SG" dirty="0"/>
+          </a:p>
+        </p:txBody>
+      </p:sp>
+      <p:sp>
+        <p:nvSpPr>
+          <p:cNvPr id="5" name="Footer Placeholder 4">
+            <a:extLst>
+              <a:ext uri="{FF2B5EF4-FFF2-40B4-BE49-F238E27FC236}">
+                <a16:creationId xmlns:a16="http://schemas.microsoft.com/office/drawing/2014/main" id="{8AE20597-DCC1-03DD-91C9-5D50FC96E55E}"/>
+              </a:ext>
+            </a:extLst>
+          </p:cNvPr>
+          <p:cNvSpPr>
+            <a:spLocks noGrp="1"/>
+          </p:cNvSpPr>
+          <p:nvPr>
+            <p:ph type="ftr" sz="quarter" idx="49"/>
+          </p:nvPr>
+        </p:nvSpPr>
+        <p:spPr/>
+        <p:txBody>
+          <a:bodyPr/>
+          <a:lstStyle/>
+          <a:p>
+            <a:r>
+              <a:rPr lang="en-US" noProof="0"/>
+              <a:t>Presentation Title</a:t>
+            </a:r>
+            <a:endParaRPr lang="en-US" noProof="0" dirty="0"/>
+          </a:p>
+        </p:txBody>
+      </p:sp>
+      <p:pic>
+        <p:nvPicPr>
+          <p:cNvPr id="7" name="Picture 6">
+            <a:extLst>
+              <a:ext uri="{FF2B5EF4-FFF2-40B4-BE49-F238E27FC236}">
+                <a16:creationId xmlns:a16="http://schemas.microsoft.com/office/drawing/2014/main" id="{52F71A47-9D83-06EC-3087-6548A9A765EA}"/>
+              </a:ext>
+            </a:extLst>
+          </p:cNvPr>
+          <p:cNvPicPr>
+            <a:picLocks noChangeAspect="1"/>
+          </p:cNvPicPr>
+          <p:nvPr/>
+        </p:nvPicPr>
+        <p:blipFill rotWithShape="1">
+          <a:blip r:embed="rId2"/>
+          <a:srcRect l="1169" r="5285"/>
+          <a:stretch/>
+        </p:blipFill>
+        <p:spPr>
+          <a:xfrm>
+            <a:off x="6280731" y="487425"/>
+            <a:ext cx="3970709" cy="5883150"/>
+          </a:xfrm>
+          <a:prstGeom prst="rect">
+            <a:avLst/>
+          </a:prstGeom>
+        </p:spPr>
+      </p:pic>
+      <p:sp>
+        <p:nvSpPr>
+          <p:cNvPr id="9" name="Rectangle: Rounded Corners 8">
+            <a:extLst>
+              <a:ext uri="{FF2B5EF4-FFF2-40B4-BE49-F238E27FC236}">
+                <a16:creationId xmlns:a16="http://schemas.microsoft.com/office/drawing/2014/main" id="{77E963BD-74AA-8A1F-2789-DF0D811321AC}"/>
+              </a:ext>
+            </a:extLst>
+          </p:cNvPr>
+          <p:cNvSpPr/>
+          <p:nvPr/>
+        </p:nvSpPr>
+        <p:spPr>
+          <a:xfrm>
+            <a:off x="6096000" y="589838"/>
+            <a:ext cx="4480560" cy="2007158"/>
+          </a:xfrm>
+          <a:prstGeom prst="roundRect">
+            <a:avLst/>
+          </a:prstGeom>
+          <a:noFill/>
+          <a:ln w="57150">
+            <a:solidFill>
+              <a:srgbClr val="00B050"/>
+            </a:solidFill>
+          </a:ln>
+        </p:spPr>
+        <p:style>
+          <a:lnRef idx="2">
+            <a:schemeClr val="accent1">
+              <a:shade val="15000"/>
+            </a:schemeClr>
+          </a:lnRef>
+          <a:fillRef idx="1">
+            <a:schemeClr val="accent1"/>
+          </a:fillRef>
+          <a:effectRef idx="0">
+            <a:schemeClr val="accent1"/>
+          </a:effectRef>
+          <a:fontRef idx="minor">
+            <a:schemeClr val="lt1"/>
+          </a:fontRef>
+        </p:style>
+        <p:txBody>
+          <a:bodyPr rtlCol="0" anchor="ctr"/>
+          <a:lstStyle/>
+          <a:p>
+            <a:pPr algn="ctr"/>
+            <a:endParaRPr lang="en-SG" dirty="0"/>
+          </a:p>
+        </p:txBody>
+      </p:sp>
+    </p:spTree>
+    <p:extLst>
+      <p:ext uri="{BB962C8B-B14F-4D97-AF65-F5344CB8AC3E}">
+        <p14:creationId xmlns:p14="http://schemas.microsoft.com/office/powerpoint/2010/main" val="3116129690"/>
+      </p:ext>
+    </p:extLst>
+  </p:cSld>
+  <p:clrMapOvr>
+    <a:masterClrMapping/>
+  </p:clrMapOvr>
+</p:sld>
+</file>
+
+<file path=ppt/slides/slide8.xml><?xml version="1.0" encoding="utf-8"?>
+<p:sld xmlns:a="http://schemas.openxmlformats.org/drawingml/2006/main" xmlns:r="http://schemas.openxmlformats.org/officeDocument/2006/relationships" xmlns:p="http://schemas.openxmlformats.org/presentationml/2006/main">
+  <p:cSld>
+    <p:spTree>
+      <p:nvGrpSpPr>
+        <p:cNvPr id="1" name=""/>
+        <p:cNvGrpSpPr/>
+        <p:nvPr/>
+      </p:nvGrpSpPr>
+      <p:grpSpPr>
+        <a:xfrm>
+          <a:off x="0" y="0"/>
+          <a:ext cx="0" cy="0"/>
+          <a:chOff x="0" y="0"/>
+          <a:chExt cx="0" cy="0"/>
+        </a:xfrm>
+      </p:grpSpPr>
+      <p:sp>
+        <p:nvSpPr>
+          <p:cNvPr id="2" name="Picture Placeholder 1">
+            <a:extLst>
+              <a:ext uri="{FF2B5EF4-FFF2-40B4-BE49-F238E27FC236}">
+                <a16:creationId xmlns:a16="http://schemas.microsoft.com/office/drawing/2014/main" id="{01C13208-CA00-A657-5DE6-F4C84D5E3376}"/>
+              </a:ext>
+            </a:extLst>
+          </p:cNvPr>
+          <p:cNvSpPr>
+            <a:spLocks noGrp="1"/>
+          </p:cNvSpPr>
+          <p:nvPr>
+            <p:ph type="pic" sz="quarter" idx="48"/>
+          </p:nvPr>
+        </p:nvSpPr>
+        <p:spPr/>
+        <p:txBody>
+          <a:bodyPr/>
+          <a:lstStyle/>
+          <a:p>
+            <a:endParaRPr lang="en-SG"/>
+          </a:p>
+        </p:txBody>
+      </p:sp>
+      <p:sp>
+        <p:nvSpPr>
+          <p:cNvPr id="3" name="Text Placeholder 2">
+            <a:extLst>
+              <a:ext uri="{FF2B5EF4-FFF2-40B4-BE49-F238E27FC236}">
+                <a16:creationId xmlns:a16="http://schemas.microsoft.com/office/drawing/2014/main" id="{076CF254-C60E-DF06-9A6E-AC0D2876E3C6}"/>
+              </a:ext>
+            </a:extLst>
+          </p:cNvPr>
+          <p:cNvSpPr>
+            <a:spLocks noGrp="1"/>
+          </p:cNvSpPr>
+          <p:nvPr>
+            <p:ph type="body" sz="quarter" idx="28"/>
+          </p:nvPr>
+        </p:nvSpPr>
+        <p:spPr/>
+        <p:txBody>
+          <a:bodyPr/>
+          <a:lstStyle/>
+          <a:p>
+            <a:endParaRPr lang="en-SG"/>
+          </a:p>
+        </p:txBody>
+      </p:sp>
+      <p:sp>
+        <p:nvSpPr>
+          <p:cNvPr id="4" name="Title 3">
+            <a:extLst>
+              <a:ext uri="{FF2B5EF4-FFF2-40B4-BE49-F238E27FC236}">
+                <a16:creationId xmlns:a16="http://schemas.microsoft.com/office/drawing/2014/main" id="{1A8CD73A-EE2F-3D9D-1C5C-42B80933171A}"/>
+              </a:ext>
+            </a:extLst>
+          </p:cNvPr>
+          <p:cNvSpPr>
+            <a:spLocks noGrp="1"/>
+          </p:cNvSpPr>
+          <p:nvPr>
+            <p:ph type="title"/>
+          </p:nvPr>
+        </p:nvSpPr>
+        <p:spPr/>
+        <p:txBody>
+          <a:bodyPr/>
+          <a:lstStyle/>
+          <a:p>
+            <a:endParaRPr lang="en-SG"/>
+          </a:p>
+        </p:txBody>
+      </p:sp>
+      <p:sp>
+        <p:nvSpPr>
+          <p:cNvPr id="5" name="Footer Placeholder 4">
+            <a:extLst>
+              <a:ext uri="{FF2B5EF4-FFF2-40B4-BE49-F238E27FC236}">
+                <a16:creationId xmlns:a16="http://schemas.microsoft.com/office/drawing/2014/main" id="{E3BFB50B-739B-B099-3A68-A9714B0B9CFF}"/>
+              </a:ext>
+            </a:extLst>
+          </p:cNvPr>
+          <p:cNvSpPr>
+            <a:spLocks noGrp="1"/>
+          </p:cNvSpPr>
+          <p:nvPr>
+            <p:ph type="ftr" sz="quarter" idx="49"/>
+          </p:nvPr>
+        </p:nvSpPr>
+        <p:spPr/>
+        <p:txBody>
+          <a:bodyPr/>
+          <a:lstStyle/>
+          <a:p>
+            <a:r>
+              <a:rPr lang="en-US" noProof="0"/>
+              <a:t>Presentation Title</a:t>
+            </a:r>
+            <a:endParaRPr lang="en-US" noProof="0" dirty="0"/>
+          </a:p>
+        </p:txBody>
+      </p:sp>
+      <p:pic>
+        <p:nvPicPr>
+          <p:cNvPr id="11" name="Picture 10">
+            <a:extLst>
+              <a:ext uri="{FF2B5EF4-FFF2-40B4-BE49-F238E27FC236}">
+                <a16:creationId xmlns:a16="http://schemas.microsoft.com/office/drawing/2014/main" id="{B3B3D67A-D544-95EA-49C9-544CC1CCDF5E}"/>
+              </a:ext>
+            </a:extLst>
+          </p:cNvPr>
+          <p:cNvPicPr>
+            <a:picLocks noChangeAspect="1"/>
+          </p:cNvPicPr>
+          <p:nvPr/>
+        </p:nvPicPr>
+        <p:blipFill>
+          <a:blip r:embed="rId2"/>
+          <a:stretch>
+            <a:fillRect/>
+          </a:stretch>
+        </p:blipFill>
+        <p:spPr>
+          <a:xfrm>
+            <a:off x="190500" y="1143000"/>
+            <a:ext cx="11811000" cy="4572000"/>
+          </a:xfrm>
+          <a:prstGeom prst="rect">
+            <a:avLst/>
+          </a:prstGeom>
+        </p:spPr>
+      </p:pic>
+      <p:sp>
+        <p:nvSpPr>
+          <p:cNvPr id="13" name="Rectangle: Rounded Corners 12">
+            <a:extLst>
+              <a:ext uri="{FF2B5EF4-FFF2-40B4-BE49-F238E27FC236}">
+                <a16:creationId xmlns:a16="http://schemas.microsoft.com/office/drawing/2014/main" id="{03C7B006-40C7-B843-9F38-EAAFC9C22CE3}"/>
+              </a:ext>
+            </a:extLst>
+          </p:cNvPr>
+          <p:cNvSpPr/>
+          <p:nvPr/>
+        </p:nvSpPr>
+        <p:spPr>
+          <a:xfrm>
+            <a:off x="4162709" y="1143001"/>
+            <a:ext cx="536135" cy="655320"/>
+          </a:xfrm>
+          <a:prstGeom prst="roundRect">
+            <a:avLst/>
+          </a:prstGeom>
+          <a:noFill/>
+          <a:ln w="12700">
+            <a:solidFill>
+              <a:srgbClr val="00B050"/>
+            </a:solidFill>
+          </a:ln>
+        </p:spPr>
+        <p:style>
+          <a:lnRef idx="2">
+            <a:schemeClr val="accent1">
+              <a:shade val="15000"/>
+            </a:schemeClr>
+          </a:lnRef>
+          <a:fillRef idx="1">
+            <a:schemeClr val="accent1"/>
+          </a:fillRef>
+          <a:effectRef idx="0">
+            <a:schemeClr val="accent1"/>
+          </a:effectRef>
+          <a:fontRef idx="minor">
+            <a:schemeClr val="lt1"/>
+          </a:fontRef>
+        </p:style>
+        <p:txBody>
+          <a:bodyPr rtlCol="0" anchor="ctr"/>
+          <a:lstStyle/>
+          <a:p>
+            <a:pPr algn="ctr"/>
+            <a:endParaRPr lang="en-SG" dirty="0"/>
+          </a:p>
+        </p:txBody>
+      </p:sp>
+    </p:spTree>
+    <p:extLst>
+      <p:ext uri="{BB962C8B-B14F-4D97-AF65-F5344CB8AC3E}">
+        <p14:creationId xmlns:p14="http://schemas.microsoft.com/office/powerpoint/2010/main" val="2591614879"/>
+      </p:ext>
+    </p:extLst>
+  </p:cSld>
+  <p:clrMapOvr>
+    <a:masterClrMapping/>
+  </p:clrMapOvr>
+</p:sld>
+</file>
+
+<file path=ppt/slides/slide9.xml><?xml version="1.0" encoding="utf-8"?>
+<p:sld xmlns:a="http://schemas.openxmlformats.org/drawingml/2006/main" xmlns:r="http://schemas.openxmlformats.org/officeDocument/2006/relationships" xmlns:p="http://schemas.openxmlformats.org/presentationml/2006/main">
+  <p:cSld>
+    <p:spTree>
+      <p:nvGrpSpPr>
+        <p:cNvPr id="1" name=""/>
+        <p:cNvGrpSpPr/>
+        <p:nvPr/>
+      </p:nvGrpSpPr>
+      <p:grpSpPr>
+        <a:xfrm>
+          <a:off x="0" y="0"/>
+          <a:ext cx="0" cy="0"/>
+          <a:chOff x="0" y="0"/>
+          <a:chExt cx="0" cy="0"/>
+        </a:xfrm>
+      </p:grpSpPr>
+      <p:sp>
+        <p:nvSpPr>
+          <p:cNvPr id="2" name="Picture Placeholder 1">
+            <a:extLst>
+              <a:ext uri="{FF2B5EF4-FFF2-40B4-BE49-F238E27FC236}">
+                <a16:creationId xmlns:a16="http://schemas.microsoft.com/office/drawing/2014/main" id="{2B470D0A-71F0-3443-34B3-EB485460BF74}"/>
+              </a:ext>
+            </a:extLst>
+          </p:cNvPr>
+          <p:cNvSpPr>
+            <a:spLocks noGrp="1"/>
+          </p:cNvSpPr>
+          <p:nvPr>
+            <p:ph type="pic" sz="quarter" idx="48"/>
+          </p:nvPr>
+        </p:nvSpPr>
+        <p:spPr/>
+        <p:txBody>
+          <a:bodyPr/>
+          <a:lstStyle/>
+          <a:p>
+            <a:endParaRPr lang="en-SG"/>
+          </a:p>
+        </p:txBody>
+      </p:sp>
+      <p:sp>
+        <p:nvSpPr>
+          <p:cNvPr id="3" name="Text Placeholder 2">
+            <a:extLst>
+              <a:ext uri="{FF2B5EF4-FFF2-40B4-BE49-F238E27FC236}">
+                <a16:creationId xmlns:a16="http://schemas.microsoft.com/office/drawing/2014/main" id="{7FA05528-E3CB-D8CF-12D1-10169480B229}"/>
+              </a:ext>
+            </a:extLst>
+          </p:cNvPr>
+          <p:cNvSpPr>
+            <a:spLocks noGrp="1"/>
+          </p:cNvSpPr>
+          <p:nvPr>
+            <p:ph type="body" sz="quarter" idx="28"/>
+          </p:nvPr>
+        </p:nvSpPr>
+        <p:spPr/>
+        <p:txBody>
+          <a:bodyPr/>
+          <a:lstStyle/>
+          <a:p>
+            <a:endParaRPr lang="en-SG"/>
+          </a:p>
+        </p:txBody>
+      </p:sp>
+      <p:sp>
+        <p:nvSpPr>
+          <p:cNvPr id="4" name="Title 3">
+            <a:extLst>
+              <a:ext uri="{FF2B5EF4-FFF2-40B4-BE49-F238E27FC236}">
+                <a16:creationId xmlns:a16="http://schemas.microsoft.com/office/drawing/2014/main" id="{6AD6850D-8C96-4EF6-D2D5-9BE72C51CC95}"/>
+              </a:ext>
+            </a:extLst>
+          </p:cNvPr>
+          <p:cNvSpPr>
+            <a:spLocks noGrp="1"/>
+          </p:cNvSpPr>
+          <p:nvPr>
+            <p:ph type="title"/>
+          </p:nvPr>
+        </p:nvSpPr>
+        <p:spPr/>
+        <p:txBody>
+          <a:bodyPr/>
+          <a:lstStyle/>
+          <a:p>
+            <a:endParaRPr lang="en-SG"/>
+          </a:p>
+        </p:txBody>
+      </p:sp>
+      <p:sp>
+        <p:nvSpPr>
+          <p:cNvPr id="5" name="Footer Placeholder 4">
+            <a:extLst>
+              <a:ext uri="{FF2B5EF4-FFF2-40B4-BE49-F238E27FC236}">
+                <a16:creationId xmlns:a16="http://schemas.microsoft.com/office/drawing/2014/main" id="{D7964E7F-0402-5809-9AE7-5B105B2F7F75}"/>
+              </a:ext>
+            </a:extLst>
+          </p:cNvPr>
+          <p:cNvSpPr>
+            <a:spLocks noGrp="1"/>
+          </p:cNvSpPr>
+          <p:nvPr>
+            <p:ph type="ftr" sz="quarter" idx="49"/>
+          </p:nvPr>
+        </p:nvSpPr>
+        <p:spPr/>
+        <p:txBody>
+          <a:bodyPr/>
+          <a:lstStyle/>
+          <a:p>
+            <a:r>
+              <a:rPr lang="en-US" noProof="0"/>
+              <a:t>Presentation Title</a:t>
+            </a:r>
+            <a:endParaRPr lang="en-US" noProof="0" dirty="0"/>
+          </a:p>
+        </p:txBody>
+      </p:sp>
+      <p:pic>
+        <p:nvPicPr>
+          <p:cNvPr id="8" name="Picture 7">
+            <a:extLst>
+              <a:ext uri="{FF2B5EF4-FFF2-40B4-BE49-F238E27FC236}">
+                <a16:creationId xmlns:a16="http://schemas.microsoft.com/office/drawing/2014/main" id="{0A59F1B3-DBCB-E6BB-4A66-DCBE8E5CD57E}"/>
+              </a:ext>
+            </a:extLst>
+          </p:cNvPr>
+          <p:cNvPicPr>
+            <a:picLocks noChangeAspect="1"/>
+          </p:cNvPicPr>
+          <p:nvPr/>
+        </p:nvPicPr>
+        <p:blipFill>
+          <a:blip r:embed="rId2"/>
+          <a:stretch>
+            <a:fillRect/>
+          </a:stretch>
+        </p:blipFill>
+        <p:spPr>
+          <a:xfrm>
+            <a:off x="190500" y="1143000"/>
+            <a:ext cx="11811000" cy="4572000"/>
+          </a:xfrm>
+          <a:prstGeom prst="rect">
+            <a:avLst/>
+          </a:prstGeom>
+        </p:spPr>
+      </p:pic>
+      <p:sp>
+        <p:nvSpPr>
+          <p:cNvPr id="9" name="Rectangle: Rounded Corners 8">
+            <a:extLst>
+              <a:ext uri="{FF2B5EF4-FFF2-40B4-BE49-F238E27FC236}">
+                <a16:creationId xmlns:a16="http://schemas.microsoft.com/office/drawing/2014/main" id="{E5D3AEF8-3485-3EBD-1F2D-8D202841E56D}"/>
+              </a:ext>
+            </a:extLst>
+          </p:cNvPr>
+          <p:cNvSpPr/>
+          <p:nvPr/>
+        </p:nvSpPr>
+        <p:spPr>
+          <a:xfrm>
+            <a:off x="3390549" y="1263048"/>
+            <a:ext cx="536135" cy="655320"/>
+          </a:xfrm>
+          <a:prstGeom prst="roundRect">
+            <a:avLst/>
+          </a:prstGeom>
+          <a:noFill/>
+          <a:ln w="12700">
+            <a:solidFill>
+              <a:srgbClr val="00B050"/>
+            </a:solidFill>
+          </a:ln>
+        </p:spPr>
+        <p:style>
+          <a:lnRef idx="2">
+            <a:schemeClr val="accent1">
+              <a:shade val="15000"/>
+            </a:schemeClr>
+          </a:lnRef>
+          <a:fillRef idx="1">
+            <a:schemeClr val="accent1"/>
+          </a:fillRef>
+          <a:effectRef idx="0">
+            <a:schemeClr val="accent1"/>
+          </a:effectRef>
+          <a:fontRef idx="minor">
+            <a:schemeClr val="lt1"/>
+          </a:fontRef>
+        </p:style>
+        <p:txBody>
+          <a:bodyPr rtlCol="0" anchor="ctr"/>
+          <a:lstStyle/>
+          <a:p>
+            <a:pPr algn="ctr"/>
+            <a:endParaRPr lang="en-SG" dirty="0"/>
+          </a:p>
+        </p:txBody>
+      </p:sp>
+    </p:spTree>
+    <p:extLst>
+      <p:ext uri="{BB962C8B-B14F-4D97-AF65-F5344CB8AC3E}">
+        <p14:creationId xmlns:p14="http://schemas.microsoft.com/office/powerpoint/2010/main" val="3169333057"/>
       </p:ext>
     </p:extLst>
   </p:cSld>
@@ -25211,6 +29556,15 @@
 </file>
 
 <file path=customXml/item2.xml><?xml version="1.0" encoding="utf-8"?>
+<?mso-contentType ?>
+<FormTemplates xmlns="http://schemas.microsoft.com/sharepoint/v3/contenttype/forms">
+  <Display>DocumentLibraryForm</Display>
+  <Edit>DocumentLibraryForm</Edit>
+  <New>DocumentLibraryForm</New>
+</FormTemplates>
+</file>
+
+<file path=customXml/item3.xml><?xml version="1.0" encoding="utf-8"?>
 <p:properties xmlns:p="http://schemas.microsoft.com/office/2006/metadata/properties" xmlns:xsi="http://www.w3.org/2001/XMLSchema-instance" xmlns:pc="http://schemas.microsoft.com/office/infopath/2007/PartnerControls">
   <documentManagement>
     <_ip_UnifiedCompliancePolicyUIAction xmlns="http://schemas.microsoft.com/sharepoint/v3" xsi:nil="true"/>
@@ -25228,15 +29582,6 @@
     <MediaServiceKeyPoints xmlns="71af3243-3dd4-4a8d-8c0d-dd76da1f02a5" xsi:nil="true"/>
   </documentManagement>
 </p:properties>
-</file>
-
-<file path=customXml/item3.xml><?xml version="1.0" encoding="utf-8"?>
-<?mso-contentType ?>
-<FormTemplates xmlns="http://schemas.microsoft.com/sharepoint/v3/contenttype/forms">
-  <Display>DocumentLibraryForm</Display>
-  <Edit>DocumentLibraryForm</Edit>
-  <New>DocumentLibraryForm</New>
-</FormTemplates>
 </file>
 
 <file path=customXml/itemProps1.xml><?xml version="1.0" encoding="utf-8"?>
@@ -25261,6 +29606,14 @@
 </file>
 
 <file path=customXml/itemProps2.xml><?xml version="1.0" encoding="utf-8"?>
+<ds:datastoreItem xmlns:ds="http://schemas.openxmlformats.org/officeDocument/2006/customXml" ds:itemID="{F8C25491-3B09-4F3E-8C86-936D290E4013}">
+  <ds:schemaRefs>
+    <ds:schemaRef ds:uri="http://schemas.microsoft.com/sharepoint/v3/contenttype/forms"/>
+  </ds:schemaRefs>
+</ds:datastoreItem>
+</file>
+
+<file path=customXml/itemProps3.xml><?xml version="1.0" encoding="utf-8"?>
 <ds:datastoreItem xmlns:ds="http://schemas.openxmlformats.org/officeDocument/2006/customXml" ds:itemID="{F4D5854E-F453-4846-A87D-6EF3DCF73E3E}">
   <ds:schemaRefs>
     <ds:schemaRef ds:uri="http://schemas.microsoft.com/office/2006/metadata/properties"/>
@@ -25272,14 +29625,6 @@
 </ds:datastoreItem>
 </file>
 
-<file path=customXml/itemProps3.xml><?xml version="1.0" encoding="utf-8"?>
-<ds:datastoreItem xmlns:ds="http://schemas.openxmlformats.org/officeDocument/2006/customXml" ds:itemID="{F8C25491-3B09-4F3E-8C86-936D290E4013}">
-  <ds:schemaRefs>
-    <ds:schemaRef ds:uri="http://schemas.microsoft.com/sharepoint/v3/contenttype/forms"/>
-  </ds:schemaRefs>
-</ds:datastoreItem>
-</file>
-
 <file path=docMetadata/LabelInfo.xml><?xml version="1.0" encoding="utf-8"?>
 <clbl:labelList xmlns:clbl="http://schemas.microsoft.com/office/2020/mipLabelMetadata"/>
 </file>
--- a/DOC/Results_Final.pptx
+++ b/DOC/Results_Final.pptx
@@ -5,32 +5,33 @@
     <p:sldMasterId id="2147483648" r:id="rId4"/>
   </p:sldMasterIdLst>
   <p:notesMasterIdLst>
-    <p:notesMasterId r:id="rId25"/>
+    <p:notesMasterId r:id="rId26"/>
   </p:notesMasterIdLst>
   <p:handoutMasterIdLst>
-    <p:handoutMasterId r:id="rId26"/>
+    <p:handoutMasterId r:id="rId27"/>
   </p:handoutMasterIdLst>
   <p:sldIdLst>
     <p:sldId id="333" r:id="rId5"/>
-    <p:sldId id="321" r:id="rId6"/>
-    <p:sldId id="318" r:id="rId7"/>
-    <p:sldId id="319" r:id="rId8"/>
-    <p:sldId id="328" r:id="rId9"/>
-    <p:sldId id="317" r:id="rId10"/>
-    <p:sldId id="320" r:id="rId11"/>
-    <p:sldId id="322" r:id="rId12"/>
-    <p:sldId id="323" r:id="rId13"/>
-    <p:sldId id="324" r:id="rId14"/>
-    <p:sldId id="325" r:id="rId15"/>
-    <p:sldId id="326" r:id="rId16"/>
-    <p:sldId id="334" r:id="rId17"/>
-    <p:sldId id="335" r:id="rId18"/>
-    <p:sldId id="327" r:id="rId19"/>
-    <p:sldId id="329" r:id="rId20"/>
-    <p:sldId id="330" r:id="rId21"/>
-    <p:sldId id="331" r:id="rId22"/>
-    <p:sldId id="332" r:id="rId23"/>
-    <p:sldId id="336" r:id="rId24"/>
+    <p:sldId id="338" r:id="rId6"/>
+    <p:sldId id="321" r:id="rId7"/>
+    <p:sldId id="318" r:id="rId8"/>
+    <p:sldId id="319" r:id="rId9"/>
+    <p:sldId id="328" r:id="rId10"/>
+    <p:sldId id="317" r:id="rId11"/>
+    <p:sldId id="320" r:id="rId12"/>
+    <p:sldId id="322" r:id="rId13"/>
+    <p:sldId id="323" r:id="rId14"/>
+    <p:sldId id="324" r:id="rId15"/>
+    <p:sldId id="325" r:id="rId16"/>
+    <p:sldId id="326" r:id="rId17"/>
+    <p:sldId id="334" r:id="rId18"/>
+    <p:sldId id="335" r:id="rId19"/>
+    <p:sldId id="327" r:id="rId20"/>
+    <p:sldId id="329" r:id="rId21"/>
+    <p:sldId id="330" r:id="rId22"/>
+    <p:sldId id="331" r:id="rId23"/>
+    <p:sldId id="332" r:id="rId24"/>
+    <p:sldId id="336" r:id="rId25"/>
   </p:sldIdLst>
   <p:sldSz cx="12192000" cy="6858000"/>
   <p:notesSz cx="6858000" cy="9144000"/>
@@ -251,7 +252,7 @@
           <a:p>
             <a:fld id="{8CD26A2A-0A96-0647-84E5-C82F2EFD9474}" type="datetimeFigureOut">
               <a:rPr lang="en-US" smtClean="0"/>
-              <a:t>12/8/2023</a:t>
+              <a:t>12/10/2023</a:t>
             </a:fld>
             <a:endParaRPr lang="en-US" dirty="0"/>
           </a:p>
@@ -440,7 +441,7 @@
           <a:p>
             <a:fld id="{546253B2-FD87-4AAE-AF69-14FE02FB4D05}" type="datetimeFigureOut">
               <a:rPr lang="en-US" smtClean="0"/>
-              <a:t>12/8/2023</a:t>
+              <a:t>12/10/2023</a:t>
             </a:fld>
             <a:endParaRPr lang="en-US"/>
           </a:p>
@@ -22036,7 +22037,59 @@
                 </a:highlight>
                 <a:latin typeface="Consolas" panose="020B0609020204030204" pitchFamily="49" charset="0"/>
               </a:rPr>
-              <a:t>(5087066, 15) </a:t>
+              <a:t>(5087066, 15)</a:t>
+            </a:r>
+          </a:p>
+          <a:p>
+            <a:endParaRPr lang="en-SG" sz="2000" dirty="0">
+              <a:solidFill>
+                <a:srgbClr val="000000"/>
+              </a:solidFill>
+              <a:highlight>
+                <a:srgbClr val="D6E0EB"/>
+              </a:highlight>
+              <a:latin typeface="Consolas" panose="020B0609020204030204" pitchFamily="49" charset="0"/>
+            </a:endParaRPr>
+          </a:p>
+          <a:p>
+            <a:r>
+              <a:rPr lang="en-SG" sz="2000" b="0" i="0" dirty="0">
+                <a:solidFill>
+                  <a:srgbClr val="000000"/>
+                </a:solidFill>
+                <a:effectLst/>
+                <a:highlight>
+                  <a:srgbClr val="D6E0EB"/>
+                </a:highlight>
+                <a:latin typeface="Consolas" panose="020B0609020204030204" pitchFamily="49" charset="0"/>
+              </a:rPr>
+              <a:t>Try </a:t>
+            </a:r>
+            <a:r>
+              <a:rPr lang="en-SG" sz="2000" b="0" i="0" dirty="0" err="1">
+                <a:solidFill>
+                  <a:srgbClr val="000000"/>
+                </a:solidFill>
+                <a:effectLst/>
+                <a:highlight>
+                  <a:srgbClr val="D6E0EB"/>
+                </a:highlight>
+                <a:latin typeface="Consolas" panose="020B0609020204030204" pitchFamily="49" charset="0"/>
+              </a:rPr>
+              <a:t>xgboost</a:t>
+            </a:r>
+            <a:r>
+              <a:rPr lang="en-SG" sz="2000" b="0" i="0" dirty="0">
+                <a:solidFill>
+                  <a:srgbClr val="000000"/>
+                </a:solidFill>
+                <a:effectLst/>
+                <a:highlight>
+                  <a:srgbClr val="D6E0EB"/>
+                </a:highlight>
+                <a:latin typeface="Consolas" panose="020B0609020204030204" pitchFamily="49" charset="0"/>
+              </a:rPr>
+              <a:t> </a:t>
             </a:r>
           </a:p>
         </p:txBody>
@@ -22214,7 +22267,7 @@
           <p:cNvPr id="2" name="Picture Placeholder 1">
             <a:extLst>
               <a:ext uri="{FF2B5EF4-FFF2-40B4-BE49-F238E27FC236}">
-                <a16:creationId xmlns:a16="http://schemas.microsoft.com/office/drawing/2014/main" id="{266CD7DC-28F7-B409-48D9-E9189556D73C}"/>
+                <a16:creationId xmlns:a16="http://schemas.microsoft.com/office/drawing/2014/main" id="{2B470D0A-71F0-3443-34B3-EB485460BF74}"/>
               </a:ext>
             </a:extLst>
           </p:cNvPr>
@@ -22239,7 +22292,7 @@
           <p:cNvPr id="3" name="Text Placeholder 2">
             <a:extLst>
               <a:ext uri="{FF2B5EF4-FFF2-40B4-BE49-F238E27FC236}">
-                <a16:creationId xmlns:a16="http://schemas.microsoft.com/office/drawing/2014/main" id="{B32C1FD2-B9CE-3A97-514D-6BB7498D6383}"/>
+                <a16:creationId xmlns:a16="http://schemas.microsoft.com/office/drawing/2014/main" id="{7FA05528-E3CB-D8CF-12D1-10169480B229}"/>
               </a:ext>
             </a:extLst>
           </p:cNvPr>
@@ -22264,7 +22317,7 @@
           <p:cNvPr id="4" name="Title 3">
             <a:extLst>
               <a:ext uri="{FF2B5EF4-FFF2-40B4-BE49-F238E27FC236}">
-                <a16:creationId xmlns:a16="http://schemas.microsoft.com/office/drawing/2014/main" id="{2F2BF548-0D21-C9D4-CC71-40F4EB8684C8}"/>
+                <a16:creationId xmlns:a16="http://schemas.microsoft.com/office/drawing/2014/main" id="{6AD6850D-8C96-4EF6-D2D5-9BE72C51CC95}"/>
               </a:ext>
             </a:extLst>
           </p:cNvPr>
@@ -22289,7 +22342,7 @@
           <p:cNvPr id="5" name="Footer Placeholder 4">
             <a:extLst>
               <a:ext uri="{FF2B5EF4-FFF2-40B4-BE49-F238E27FC236}">
-                <a16:creationId xmlns:a16="http://schemas.microsoft.com/office/drawing/2014/main" id="{AA679346-9CE4-8F74-8503-61B026A76505}"/>
+                <a16:creationId xmlns:a16="http://schemas.microsoft.com/office/drawing/2014/main" id="{D7964E7F-0402-5809-9AE7-5B105B2F7F75}"/>
               </a:ext>
             </a:extLst>
           </p:cNvPr>
@@ -22313,12 +22366,64 @@
           </a:p>
         </p:txBody>
       </p:sp>
+      <p:sp>
+        <p:nvSpPr>
+          <p:cNvPr id="9" name="Rectangle: Rounded Corners 8">
+            <a:extLst>
+              <a:ext uri="{FF2B5EF4-FFF2-40B4-BE49-F238E27FC236}">
+                <a16:creationId xmlns:a16="http://schemas.microsoft.com/office/drawing/2014/main" id="{E5D3AEF8-3485-3EBD-1F2D-8D202841E56D}"/>
+              </a:ext>
+            </a:extLst>
+          </p:cNvPr>
+          <p:cNvSpPr/>
+          <p:nvPr/>
+        </p:nvSpPr>
+        <p:spPr>
+          <a:xfrm>
+            <a:off x="3390549" y="1263048"/>
+            <a:ext cx="536135" cy="655320"/>
+          </a:xfrm>
+          <a:prstGeom prst="roundRect">
+            <a:avLst/>
+          </a:prstGeom>
+          <a:noFill/>
+          <a:ln w="12700">
+            <a:solidFill>
+              <a:srgbClr val="00B050"/>
+            </a:solidFill>
+          </a:ln>
+        </p:spPr>
+        <p:style>
+          <a:lnRef idx="2">
+            <a:schemeClr val="accent1">
+              <a:shade val="15000"/>
+            </a:schemeClr>
+          </a:lnRef>
+          <a:fillRef idx="1">
+            <a:schemeClr val="accent1"/>
+          </a:fillRef>
+          <a:effectRef idx="0">
+            <a:schemeClr val="accent1"/>
+          </a:effectRef>
+          <a:fontRef idx="minor">
+            <a:schemeClr val="lt1"/>
+          </a:fontRef>
+        </p:style>
+        <p:txBody>
+          <a:bodyPr rtlCol="0" anchor="ctr"/>
+          <a:lstStyle/>
+          <a:p>
+            <a:pPr algn="ctr"/>
+            <a:endParaRPr lang="en-SG" dirty="0"/>
+          </a:p>
+        </p:txBody>
+      </p:sp>
       <p:pic>
         <p:nvPicPr>
-          <p:cNvPr id="9" name="Picture 8">
-            <a:extLst>
-              <a:ext uri="{FF2B5EF4-FFF2-40B4-BE49-F238E27FC236}">
-                <a16:creationId xmlns:a16="http://schemas.microsoft.com/office/drawing/2014/main" id="{62369F8F-384A-86E2-255B-FB452A38713A}"/>
+          <p:cNvPr id="11" name="Picture 10">
+            <a:extLst>
+              <a:ext uri="{FF2B5EF4-FFF2-40B4-BE49-F238E27FC236}">
+                <a16:creationId xmlns:a16="http://schemas.microsoft.com/office/drawing/2014/main" id="{D2BA6059-B90F-F71F-18A7-0944DDFDD034}"/>
               </a:ext>
             </a:extLst>
           </p:cNvPr>
@@ -22343,6 +22448,140 @@
           </a:prstGeom>
         </p:spPr>
       </p:pic>
+    </p:spTree>
+    <p:extLst>
+      <p:ext uri="{BB962C8B-B14F-4D97-AF65-F5344CB8AC3E}">
+        <p14:creationId xmlns:p14="http://schemas.microsoft.com/office/powerpoint/2010/main" val="3169333057"/>
+      </p:ext>
+    </p:extLst>
+  </p:cSld>
+  <p:clrMapOvr>
+    <a:masterClrMapping/>
+  </p:clrMapOvr>
+</p:sld>
+</file>
+
+<file path=ppt/slides/slide11.xml><?xml version="1.0" encoding="utf-8"?>
+<p:sld xmlns:a="http://schemas.openxmlformats.org/drawingml/2006/main" xmlns:r="http://schemas.openxmlformats.org/officeDocument/2006/relationships" xmlns:p="http://schemas.openxmlformats.org/presentationml/2006/main">
+  <p:cSld>
+    <p:spTree>
+      <p:nvGrpSpPr>
+        <p:cNvPr id="1" name=""/>
+        <p:cNvGrpSpPr/>
+        <p:nvPr/>
+      </p:nvGrpSpPr>
+      <p:grpSpPr>
+        <a:xfrm>
+          <a:off x="0" y="0"/>
+          <a:ext cx="0" cy="0"/>
+          <a:chOff x="0" y="0"/>
+          <a:chExt cx="0" cy="0"/>
+        </a:xfrm>
+      </p:grpSpPr>
+      <p:sp>
+        <p:nvSpPr>
+          <p:cNvPr id="2" name="Picture Placeholder 1">
+            <a:extLst>
+              <a:ext uri="{FF2B5EF4-FFF2-40B4-BE49-F238E27FC236}">
+                <a16:creationId xmlns:a16="http://schemas.microsoft.com/office/drawing/2014/main" id="{266CD7DC-28F7-B409-48D9-E9189556D73C}"/>
+              </a:ext>
+            </a:extLst>
+          </p:cNvPr>
+          <p:cNvSpPr>
+            <a:spLocks noGrp="1"/>
+          </p:cNvSpPr>
+          <p:nvPr>
+            <p:ph type="pic" sz="quarter" idx="48"/>
+          </p:nvPr>
+        </p:nvSpPr>
+        <p:spPr/>
+        <p:txBody>
+          <a:bodyPr/>
+          <a:lstStyle/>
+          <a:p>
+            <a:endParaRPr lang="en-SG"/>
+          </a:p>
+        </p:txBody>
+      </p:sp>
+      <p:sp>
+        <p:nvSpPr>
+          <p:cNvPr id="3" name="Text Placeholder 2">
+            <a:extLst>
+              <a:ext uri="{FF2B5EF4-FFF2-40B4-BE49-F238E27FC236}">
+                <a16:creationId xmlns:a16="http://schemas.microsoft.com/office/drawing/2014/main" id="{B32C1FD2-B9CE-3A97-514D-6BB7498D6383}"/>
+              </a:ext>
+            </a:extLst>
+          </p:cNvPr>
+          <p:cNvSpPr>
+            <a:spLocks noGrp="1"/>
+          </p:cNvSpPr>
+          <p:nvPr>
+            <p:ph type="body" sz="quarter" idx="28"/>
+          </p:nvPr>
+        </p:nvSpPr>
+        <p:spPr/>
+        <p:txBody>
+          <a:bodyPr/>
+          <a:lstStyle/>
+          <a:p>
+            <a:endParaRPr lang="en-SG"/>
+          </a:p>
+        </p:txBody>
+      </p:sp>
+      <p:sp>
+        <p:nvSpPr>
+          <p:cNvPr id="4" name="Title 3">
+            <a:extLst>
+              <a:ext uri="{FF2B5EF4-FFF2-40B4-BE49-F238E27FC236}">
+                <a16:creationId xmlns:a16="http://schemas.microsoft.com/office/drawing/2014/main" id="{2F2BF548-0D21-C9D4-CC71-40F4EB8684C8}"/>
+              </a:ext>
+            </a:extLst>
+          </p:cNvPr>
+          <p:cNvSpPr>
+            <a:spLocks noGrp="1"/>
+          </p:cNvSpPr>
+          <p:nvPr>
+            <p:ph type="title"/>
+          </p:nvPr>
+        </p:nvSpPr>
+        <p:spPr/>
+        <p:txBody>
+          <a:bodyPr/>
+          <a:lstStyle/>
+          <a:p>
+            <a:endParaRPr lang="en-SG"/>
+          </a:p>
+        </p:txBody>
+      </p:sp>
+      <p:sp>
+        <p:nvSpPr>
+          <p:cNvPr id="5" name="Footer Placeholder 4">
+            <a:extLst>
+              <a:ext uri="{FF2B5EF4-FFF2-40B4-BE49-F238E27FC236}">
+                <a16:creationId xmlns:a16="http://schemas.microsoft.com/office/drawing/2014/main" id="{AA679346-9CE4-8F74-8503-61B026A76505}"/>
+              </a:ext>
+            </a:extLst>
+          </p:cNvPr>
+          <p:cNvSpPr>
+            <a:spLocks noGrp="1"/>
+          </p:cNvSpPr>
+          <p:nvPr>
+            <p:ph type="ftr" sz="quarter" idx="49"/>
+          </p:nvPr>
+        </p:nvSpPr>
+        <p:spPr/>
+        <p:txBody>
+          <a:bodyPr/>
+          <a:lstStyle/>
+          <a:p>
+            <a:r>
+              <a:rPr lang="en-US" noProof="0"/>
+              <a:t>Presentation Title</a:t>
+            </a:r>
+            <a:endParaRPr lang="en-US" noProof="0" dirty="0"/>
+          </a:p>
+        </p:txBody>
+      </p:sp>
       <p:sp>
         <p:nvSpPr>
           <p:cNvPr id="10" name="Rectangle: Rounded Corners 9">
@@ -22395,146 +22634,12 @@
           </a:p>
         </p:txBody>
       </p:sp>
-    </p:spTree>
-    <p:extLst>
-      <p:ext uri="{BB962C8B-B14F-4D97-AF65-F5344CB8AC3E}">
-        <p14:creationId xmlns:p14="http://schemas.microsoft.com/office/powerpoint/2010/main" val="1816758370"/>
-      </p:ext>
-    </p:extLst>
-  </p:cSld>
-  <p:clrMapOvr>
-    <a:masterClrMapping/>
-  </p:clrMapOvr>
-</p:sld>
-</file>
-
-<file path=ppt/slides/slide11.xml><?xml version="1.0" encoding="utf-8"?>
-<p:sld xmlns:a="http://schemas.openxmlformats.org/drawingml/2006/main" xmlns:r="http://schemas.openxmlformats.org/officeDocument/2006/relationships" xmlns:p="http://schemas.openxmlformats.org/presentationml/2006/main">
-  <p:cSld>
-    <p:spTree>
-      <p:nvGrpSpPr>
-        <p:cNvPr id="1" name=""/>
-        <p:cNvGrpSpPr/>
-        <p:nvPr/>
-      </p:nvGrpSpPr>
-      <p:grpSpPr>
-        <a:xfrm>
-          <a:off x="0" y="0"/>
-          <a:ext cx="0" cy="0"/>
-          <a:chOff x="0" y="0"/>
-          <a:chExt cx="0" cy="0"/>
-        </a:xfrm>
-      </p:grpSpPr>
-      <p:sp>
-        <p:nvSpPr>
-          <p:cNvPr id="2" name="Picture Placeholder 1">
-            <a:extLst>
-              <a:ext uri="{FF2B5EF4-FFF2-40B4-BE49-F238E27FC236}">
-                <a16:creationId xmlns:a16="http://schemas.microsoft.com/office/drawing/2014/main" id="{ADDB7366-9C84-A3D5-FDA7-D8349373BDAB}"/>
-              </a:ext>
-            </a:extLst>
-          </p:cNvPr>
-          <p:cNvSpPr>
-            <a:spLocks noGrp="1"/>
-          </p:cNvSpPr>
-          <p:nvPr>
-            <p:ph type="pic" sz="quarter" idx="48"/>
-          </p:nvPr>
-        </p:nvSpPr>
-        <p:spPr/>
-        <p:txBody>
-          <a:bodyPr/>
-          <a:lstStyle/>
-          <a:p>
-            <a:endParaRPr lang="en-SG"/>
-          </a:p>
-        </p:txBody>
-      </p:sp>
-      <p:sp>
-        <p:nvSpPr>
-          <p:cNvPr id="3" name="Text Placeholder 2">
-            <a:extLst>
-              <a:ext uri="{FF2B5EF4-FFF2-40B4-BE49-F238E27FC236}">
-                <a16:creationId xmlns:a16="http://schemas.microsoft.com/office/drawing/2014/main" id="{F214C2A4-3378-A44A-886C-36C959A812AE}"/>
-              </a:ext>
-            </a:extLst>
-          </p:cNvPr>
-          <p:cNvSpPr>
-            <a:spLocks noGrp="1"/>
-          </p:cNvSpPr>
-          <p:nvPr>
-            <p:ph type="body" sz="quarter" idx="28"/>
-          </p:nvPr>
-        </p:nvSpPr>
-        <p:spPr/>
-        <p:txBody>
-          <a:bodyPr/>
-          <a:lstStyle/>
-          <a:p>
-            <a:endParaRPr lang="en-SG"/>
-          </a:p>
-        </p:txBody>
-      </p:sp>
-      <p:sp>
-        <p:nvSpPr>
-          <p:cNvPr id="4" name="Title 3">
-            <a:extLst>
-              <a:ext uri="{FF2B5EF4-FFF2-40B4-BE49-F238E27FC236}">
-                <a16:creationId xmlns:a16="http://schemas.microsoft.com/office/drawing/2014/main" id="{81C5D773-8D62-F677-89D8-5DFBC9142545}"/>
-              </a:ext>
-            </a:extLst>
-          </p:cNvPr>
-          <p:cNvSpPr>
-            <a:spLocks noGrp="1"/>
-          </p:cNvSpPr>
-          <p:nvPr>
-            <p:ph type="title"/>
-          </p:nvPr>
-        </p:nvSpPr>
-        <p:spPr/>
-        <p:txBody>
-          <a:bodyPr/>
-          <a:lstStyle/>
-          <a:p>
-            <a:endParaRPr lang="en-SG"/>
-          </a:p>
-        </p:txBody>
-      </p:sp>
-      <p:sp>
-        <p:nvSpPr>
-          <p:cNvPr id="5" name="Footer Placeholder 4">
-            <a:extLst>
-              <a:ext uri="{FF2B5EF4-FFF2-40B4-BE49-F238E27FC236}">
-                <a16:creationId xmlns:a16="http://schemas.microsoft.com/office/drawing/2014/main" id="{5BB18297-848D-C8CC-801C-39620A52163F}"/>
-              </a:ext>
-            </a:extLst>
-          </p:cNvPr>
-          <p:cNvSpPr>
-            <a:spLocks noGrp="1"/>
-          </p:cNvSpPr>
-          <p:nvPr>
-            <p:ph type="ftr" sz="quarter" idx="49"/>
-          </p:nvPr>
-        </p:nvSpPr>
-        <p:spPr/>
-        <p:txBody>
-          <a:bodyPr/>
-          <a:lstStyle/>
-          <a:p>
-            <a:r>
-              <a:rPr lang="en-US" noProof="0"/>
-              <a:t>Presentation Title</a:t>
-            </a:r>
-            <a:endParaRPr lang="en-US" noProof="0" dirty="0"/>
-          </a:p>
-        </p:txBody>
-      </p:sp>
       <p:pic>
         <p:nvPicPr>
-          <p:cNvPr id="7" name="Picture 6">
-            <a:extLst>
-              <a:ext uri="{FF2B5EF4-FFF2-40B4-BE49-F238E27FC236}">
-                <a16:creationId xmlns:a16="http://schemas.microsoft.com/office/drawing/2014/main" id="{638A009D-B53C-0042-0811-19B10FF55805}"/>
+          <p:cNvPr id="11" name="Picture 10">
+            <a:extLst>
+              <a:ext uri="{FF2B5EF4-FFF2-40B4-BE49-F238E27FC236}">
+                <a16:creationId xmlns:a16="http://schemas.microsoft.com/office/drawing/2014/main" id="{FD2A9931-1955-654B-BF58-C1047ADCF220}"/>
               </a:ext>
             </a:extLst>
           </p:cNvPr>
@@ -22559,6 +22664,140 @@
           </a:prstGeom>
         </p:spPr>
       </p:pic>
+    </p:spTree>
+    <p:extLst>
+      <p:ext uri="{BB962C8B-B14F-4D97-AF65-F5344CB8AC3E}">
+        <p14:creationId xmlns:p14="http://schemas.microsoft.com/office/powerpoint/2010/main" val="1816758370"/>
+      </p:ext>
+    </p:extLst>
+  </p:cSld>
+  <p:clrMapOvr>
+    <a:masterClrMapping/>
+  </p:clrMapOvr>
+</p:sld>
+</file>
+
+<file path=ppt/slides/slide12.xml><?xml version="1.0" encoding="utf-8"?>
+<p:sld xmlns:a="http://schemas.openxmlformats.org/drawingml/2006/main" xmlns:r="http://schemas.openxmlformats.org/officeDocument/2006/relationships" xmlns:p="http://schemas.openxmlformats.org/presentationml/2006/main">
+  <p:cSld>
+    <p:spTree>
+      <p:nvGrpSpPr>
+        <p:cNvPr id="1" name=""/>
+        <p:cNvGrpSpPr/>
+        <p:nvPr/>
+      </p:nvGrpSpPr>
+      <p:grpSpPr>
+        <a:xfrm>
+          <a:off x="0" y="0"/>
+          <a:ext cx="0" cy="0"/>
+          <a:chOff x="0" y="0"/>
+          <a:chExt cx="0" cy="0"/>
+        </a:xfrm>
+      </p:grpSpPr>
+      <p:sp>
+        <p:nvSpPr>
+          <p:cNvPr id="2" name="Picture Placeholder 1">
+            <a:extLst>
+              <a:ext uri="{FF2B5EF4-FFF2-40B4-BE49-F238E27FC236}">
+                <a16:creationId xmlns:a16="http://schemas.microsoft.com/office/drawing/2014/main" id="{ADDB7366-9C84-A3D5-FDA7-D8349373BDAB}"/>
+              </a:ext>
+            </a:extLst>
+          </p:cNvPr>
+          <p:cNvSpPr>
+            <a:spLocks noGrp="1"/>
+          </p:cNvSpPr>
+          <p:nvPr>
+            <p:ph type="pic" sz="quarter" idx="48"/>
+          </p:nvPr>
+        </p:nvSpPr>
+        <p:spPr/>
+        <p:txBody>
+          <a:bodyPr/>
+          <a:lstStyle/>
+          <a:p>
+            <a:endParaRPr lang="en-SG"/>
+          </a:p>
+        </p:txBody>
+      </p:sp>
+      <p:sp>
+        <p:nvSpPr>
+          <p:cNvPr id="3" name="Text Placeholder 2">
+            <a:extLst>
+              <a:ext uri="{FF2B5EF4-FFF2-40B4-BE49-F238E27FC236}">
+                <a16:creationId xmlns:a16="http://schemas.microsoft.com/office/drawing/2014/main" id="{F214C2A4-3378-A44A-886C-36C959A812AE}"/>
+              </a:ext>
+            </a:extLst>
+          </p:cNvPr>
+          <p:cNvSpPr>
+            <a:spLocks noGrp="1"/>
+          </p:cNvSpPr>
+          <p:nvPr>
+            <p:ph type="body" sz="quarter" idx="28"/>
+          </p:nvPr>
+        </p:nvSpPr>
+        <p:spPr/>
+        <p:txBody>
+          <a:bodyPr/>
+          <a:lstStyle/>
+          <a:p>
+            <a:endParaRPr lang="en-SG"/>
+          </a:p>
+        </p:txBody>
+      </p:sp>
+      <p:sp>
+        <p:nvSpPr>
+          <p:cNvPr id="4" name="Title 3">
+            <a:extLst>
+              <a:ext uri="{FF2B5EF4-FFF2-40B4-BE49-F238E27FC236}">
+                <a16:creationId xmlns:a16="http://schemas.microsoft.com/office/drawing/2014/main" id="{81C5D773-8D62-F677-89D8-5DFBC9142545}"/>
+              </a:ext>
+            </a:extLst>
+          </p:cNvPr>
+          <p:cNvSpPr>
+            <a:spLocks noGrp="1"/>
+          </p:cNvSpPr>
+          <p:nvPr>
+            <p:ph type="title"/>
+          </p:nvPr>
+        </p:nvSpPr>
+        <p:spPr/>
+        <p:txBody>
+          <a:bodyPr/>
+          <a:lstStyle/>
+          <a:p>
+            <a:endParaRPr lang="en-SG"/>
+          </a:p>
+        </p:txBody>
+      </p:sp>
+      <p:sp>
+        <p:nvSpPr>
+          <p:cNvPr id="5" name="Footer Placeholder 4">
+            <a:extLst>
+              <a:ext uri="{FF2B5EF4-FFF2-40B4-BE49-F238E27FC236}">
+                <a16:creationId xmlns:a16="http://schemas.microsoft.com/office/drawing/2014/main" id="{5BB18297-848D-C8CC-801C-39620A52163F}"/>
+              </a:ext>
+            </a:extLst>
+          </p:cNvPr>
+          <p:cNvSpPr>
+            <a:spLocks noGrp="1"/>
+          </p:cNvSpPr>
+          <p:nvPr>
+            <p:ph type="ftr" sz="quarter" idx="49"/>
+          </p:nvPr>
+        </p:nvSpPr>
+        <p:spPr/>
+        <p:txBody>
+          <a:bodyPr/>
+          <a:lstStyle/>
+          <a:p>
+            <a:r>
+              <a:rPr lang="en-US" noProof="0"/>
+              <a:t>Presentation Title</a:t>
+            </a:r>
+            <a:endParaRPr lang="en-US" noProof="0" dirty="0"/>
+          </a:p>
+        </p:txBody>
+      </p:sp>
       <p:sp>
         <p:nvSpPr>
           <p:cNvPr id="8" name="Rectangle: Rounded Corners 7">
@@ -22611,146 +22850,12 @@
           </a:p>
         </p:txBody>
       </p:sp>
-    </p:spTree>
-    <p:extLst>
-      <p:ext uri="{BB962C8B-B14F-4D97-AF65-F5344CB8AC3E}">
-        <p14:creationId xmlns:p14="http://schemas.microsoft.com/office/powerpoint/2010/main" val="639582657"/>
-      </p:ext>
-    </p:extLst>
-  </p:cSld>
-  <p:clrMapOvr>
-    <a:masterClrMapping/>
-  </p:clrMapOvr>
-</p:sld>
-</file>
-
-<file path=ppt/slides/slide12.xml><?xml version="1.0" encoding="utf-8"?>
-<p:sld xmlns:a="http://schemas.openxmlformats.org/drawingml/2006/main" xmlns:r="http://schemas.openxmlformats.org/officeDocument/2006/relationships" xmlns:p="http://schemas.openxmlformats.org/presentationml/2006/main">
-  <p:cSld>
-    <p:spTree>
-      <p:nvGrpSpPr>
-        <p:cNvPr id="1" name=""/>
-        <p:cNvGrpSpPr/>
-        <p:nvPr/>
-      </p:nvGrpSpPr>
-      <p:grpSpPr>
-        <a:xfrm>
-          <a:off x="0" y="0"/>
-          <a:ext cx="0" cy="0"/>
-          <a:chOff x="0" y="0"/>
-          <a:chExt cx="0" cy="0"/>
-        </a:xfrm>
-      </p:grpSpPr>
-      <p:sp>
-        <p:nvSpPr>
-          <p:cNvPr id="2" name="Picture Placeholder 1">
-            <a:extLst>
-              <a:ext uri="{FF2B5EF4-FFF2-40B4-BE49-F238E27FC236}">
-                <a16:creationId xmlns:a16="http://schemas.microsoft.com/office/drawing/2014/main" id="{B257CEED-A1DB-C0DA-8F9B-2497093B679B}"/>
-              </a:ext>
-            </a:extLst>
-          </p:cNvPr>
-          <p:cNvSpPr>
-            <a:spLocks noGrp="1"/>
-          </p:cNvSpPr>
-          <p:nvPr>
-            <p:ph type="pic" sz="quarter" idx="48"/>
-          </p:nvPr>
-        </p:nvSpPr>
-        <p:spPr/>
-        <p:txBody>
-          <a:bodyPr/>
-          <a:lstStyle/>
-          <a:p>
-            <a:endParaRPr lang="en-SG"/>
-          </a:p>
-        </p:txBody>
-      </p:sp>
-      <p:sp>
-        <p:nvSpPr>
-          <p:cNvPr id="3" name="Text Placeholder 2">
-            <a:extLst>
-              <a:ext uri="{FF2B5EF4-FFF2-40B4-BE49-F238E27FC236}">
-                <a16:creationId xmlns:a16="http://schemas.microsoft.com/office/drawing/2014/main" id="{7B01638A-875A-E2D6-A6A9-5CFE0E2C97D4}"/>
-              </a:ext>
-            </a:extLst>
-          </p:cNvPr>
-          <p:cNvSpPr>
-            <a:spLocks noGrp="1"/>
-          </p:cNvSpPr>
-          <p:nvPr>
-            <p:ph type="body" sz="quarter" idx="28"/>
-          </p:nvPr>
-        </p:nvSpPr>
-        <p:spPr/>
-        <p:txBody>
-          <a:bodyPr/>
-          <a:lstStyle/>
-          <a:p>
-            <a:endParaRPr lang="en-SG"/>
-          </a:p>
-        </p:txBody>
-      </p:sp>
-      <p:sp>
-        <p:nvSpPr>
-          <p:cNvPr id="4" name="Title 3">
-            <a:extLst>
-              <a:ext uri="{FF2B5EF4-FFF2-40B4-BE49-F238E27FC236}">
-                <a16:creationId xmlns:a16="http://schemas.microsoft.com/office/drawing/2014/main" id="{9C832853-E455-427E-0E68-3E4C0FBD27DA}"/>
-              </a:ext>
-            </a:extLst>
-          </p:cNvPr>
-          <p:cNvSpPr>
-            <a:spLocks noGrp="1"/>
-          </p:cNvSpPr>
-          <p:nvPr>
-            <p:ph type="title"/>
-          </p:nvPr>
-        </p:nvSpPr>
-        <p:spPr/>
-        <p:txBody>
-          <a:bodyPr/>
-          <a:lstStyle/>
-          <a:p>
-            <a:endParaRPr lang="en-SG"/>
-          </a:p>
-        </p:txBody>
-      </p:sp>
-      <p:sp>
-        <p:nvSpPr>
-          <p:cNvPr id="5" name="Footer Placeholder 4">
-            <a:extLst>
-              <a:ext uri="{FF2B5EF4-FFF2-40B4-BE49-F238E27FC236}">
-                <a16:creationId xmlns:a16="http://schemas.microsoft.com/office/drawing/2014/main" id="{A68E3CC1-1621-524D-0CB3-5DBEB2FC8EF9}"/>
-              </a:ext>
-            </a:extLst>
-          </p:cNvPr>
-          <p:cNvSpPr>
-            <a:spLocks noGrp="1"/>
-          </p:cNvSpPr>
-          <p:nvPr>
-            <p:ph type="ftr" sz="quarter" idx="49"/>
-          </p:nvPr>
-        </p:nvSpPr>
-        <p:spPr/>
-        <p:txBody>
-          <a:bodyPr/>
-          <a:lstStyle/>
-          <a:p>
-            <a:r>
-              <a:rPr lang="en-US" noProof="0"/>
-              <a:t>Presentation Title</a:t>
-            </a:r>
-            <a:endParaRPr lang="en-US" noProof="0" dirty="0"/>
-          </a:p>
-        </p:txBody>
-      </p:sp>
       <p:pic>
         <p:nvPicPr>
-          <p:cNvPr id="7" name="Picture 6">
-            <a:extLst>
-              <a:ext uri="{FF2B5EF4-FFF2-40B4-BE49-F238E27FC236}">
-                <a16:creationId xmlns:a16="http://schemas.microsoft.com/office/drawing/2014/main" id="{E5EA9FB1-8A80-8E4D-0A04-775C86139275}"/>
+          <p:cNvPr id="11" name="Picture 10">
+            <a:extLst>
+              <a:ext uri="{FF2B5EF4-FFF2-40B4-BE49-F238E27FC236}">
+                <a16:creationId xmlns:a16="http://schemas.microsoft.com/office/drawing/2014/main" id="{6DC74BA1-A34A-C11D-20B1-061CB5C27797}"/>
               </a:ext>
             </a:extLst>
           </p:cNvPr>
@@ -22767,8 +22872,8 @@
         </p:blipFill>
         <p:spPr>
           <a:xfrm>
-            <a:off x="0" y="361586"/>
-            <a:ext cx="12192000" cy="6134828"/>
+            <a:off x="190500" y="1143000"/>
+            <a:ext cx="11811000" cy="4572000"/>
           </a:xfrm>
           <a:prstGeom prst="rect">
             <a:avLst/>
@@ -22778,7 +22883,7 @@
     </p:spTree>
     <p:extLst>
       <p:ext uri="{BB962C8B-B14F-4D97-AF65-F5344CB8AC3E}">
-        <p14:creationId xmlns:p14="http://schemas.microsoft.com/office/powerpoint/2010/main" val="4220880466"/>
+        <p14:creationId xmlns:p14="http://schemas.microsoft.com/office/powerpoint/2010/main" val="639582657"/>
       </p:ext>
     </p:extLst>
   </p:cSld>
@@ -22810,6 +22915,170 @@
           <p:cNvPr id="2" name="Picture Placeholder 1">
             <a:extLst>
               <a:ext uri="{FF2B5EF4-FFF2-40B4-BE49-F238E27FC236}">
+                <a16:creationId xmlns:a16="http://schemas.microsoft.com/office/drawing/2014/main" id="{B257CEED-A1DB-C0DA-8F9B-2497093B679B}"/>
+              </a:ext>
+            </a:extLst>
+          </p:cNvPr>
+          <p:cNvSpPr>
+            <a:spLocks noGrp="1"/>
+          </p:cNvSpPr>
+          <p:nvPr>
+            <p:ph type="pic" sz="quarter" idx="48"/>
+          </p:nvPr>
+        </p:nvSpPr>
+        <p:spPr/>
+        <p:txBody>
+          <a:bodyPr/>
+          <a:lstStyle/>
+          <a:p>
+            <a:endParaRPr lang="en-SG"/>
+          </a:p>
+        </p:txBody>
+      </p:sp>
+      <p:sp>
+        <p:nvSpPr>
+          <p:cNvPr id="3" name="Text Placeholder 2">
+            <a:extLst>
+              <a:ext uri="{FF2B5EF4-FFF2-40B4-BE49-F238E27FC236}">
+                <a16:creationId xmlns:a16="http://schemas.microsoft.com/office/drawing/2014/main" id="{7B01638A-875A-E2D6-A6A9-5CFE0E2C97D4}"/>
+              </a:ext>
+            </a:extLst>
+          </p:cNvPr>
+          <p:cNvSpPr>
+            <a:spLocks noGrp="1"/>
+          </p:cNvSpPr>
+          <p:nvPr>
+            <p:ph type="body" sz="quarter" idx="28"/>
+          </p:nvPr>
+        </p:nvSpPr>
+        <p:spPr/>
+        <p:txBody>
+          <a:bodyPr/>
+          <a:lstStyle/>
+          <a:p>
+            <a:endParaRPr lang="en-SG"/>
+          </a:p>
+        </p:txBody>
+      </p:sp>
+      <p:sp>
+        <p:nvSpPr>
+          <p:cNvPr id="4" name="Title 3">
+            <a:extLst>
+              <a:ext uri="{FF2B5EF4-FFF2-40B4-BE49-F238E27FC236}">
+                <a16:creationId xmlns:a16="http://schemas.microsoft.com/office/drawing/2014/main" id="{9C832853-E455-427E-0E68-3E4C0FBD27DA}"/>
+              </a:ext>
+            </a:extLst>
+          </p:cNvPr>
+          <p:cNvSpPr>
+            <a:spLocks noGrp="1"/>
+          </p:cNvSpPr>
+          <p:nvPr>
+            <p:ph type="title"/>
+          </p:nvPr>
+        </p:nvSpPr>
+        <p:spPr/>
+        <p:txBody>
+          <a:bodyPr/>
+          <a:lstStyle/>
+          <a:p>
+            <a:endParaRPr lang="en-SG"/>
+          </a:p>
+        </p:txBody>
+      </p:sp>
+      <p:sp>
+        <p:nvSpPr>
+          <p:cNvPr id="5" name="Footer Placeholder 4">
+            <a:extLst>
+              <a:ext uri="{FF2B5EF4-FFF2-40B4-BE49-F238E27FC236}">
+                <a16:creationId xmlns:a16="http://schemas.microsoft.com/office/drawing/2014/main" id="{A68E3CC1-1621-524D-0CB3-5DBEB2FC8EF9}"/>
+              </a:ext>
+            </a:extLst>
+          </p:cNvPr>
+          <p:cNvSpPr>
+            <a:spLocks noGrp="1"/>
+          </p:cNvSpPr>
+          <p:nvPr>
+            <p:ph type="ftr" sz="quarter" idx="49"/>
+          </p:nvPr>
+        </p:nvSpPr>
+        <p:spPr/>
+        <p:txBody>
+          <a:bodyPr/>
+          <a:lstStyle/>
+          <a:p>
+            <a:r>
+              <a:rPr lang="en-US" noProof="0"/>
+              <a:t>Presentation Title</a:t>
+            </a:r>
+            <a:endParaRPr lang="en-US" noProof="0" dirty="0"/>
+          </a:p>
+        </p:txBody>
+      </p:sp>
+      <p:pic>
+        <p:nvPicPr>
+          <p:cNvPr id="8" name="Picture 7">
+            <a:extLst>
+              <a:ext uri="{FF2B5EF4-FFF2-40B4-BE49-F238E27FC236}">
+                <a16:creationId xmlns:a16="http://schemas.microsoft.com/office/drawing/2014/main" id="{3ACE549C-B0E2-4E73-3796-14B734C83649}"/>
+              </a:ext>
+            </a:extLst>
+          </p:cNvPr>
+          <p:cNvPicPr>
+            <a:picLocks noChangeAspect="1"/>
+          </p:cNvPicPr>
+          <p:nvPr/>
+        </p:nvPicPr>
+        <p:blipFill>
+          <a:blip r:embed="rId2"/>
+          <a:stretch>
+            <a:fillRect/>
+          </a:stretch>
+        </p:blipFill>
+        <p:spPr>
+          <a:xfrm>
+            <a:off x="0" y="2192584"/>
+            <a:ext cx="12192000" cy="2472832"/>
+          </a:xfrm>
+          <a:prstGeom prst="rect">
+            <a:avLst/>
+          </a:prstGeom>
+        </p:spPr>
+      </p:pic>
+    </p:spTree>
+    <p:extLst>
+      <p:ext uri="{BB962C8B-B14F-4D97-AF65-F5344CB8AC3E}">
+        <p14:creationId xmlns:p14="http://schemas.microsoft.com/office/powerpoint/2010/main" val="4220880466"/>
+      </p:ext>
+    </p:extLst>
+  </p:cSld>
+  <p:clrMapOvr>
+    <a:masterClrMapping/>
+  </p:clrMapOvr>
+</p:sld>
+</file>
+
+<file path=ppt/slides/slide14.xml><?xml version="1.0" encoding="utf-8"?>
+<p:sld xmlns:a="http://schemas.openxmlformats.org/drawingml/2006/main" xmlns:r="http://schemas.openxmlformats.org/officeDocument/2006/relationships" xmlns:p="http://schemas.openxmlformats.org/presentationml/2006/main">
+  <p:cSld>
+    <p:spTree>
+      <p:nvGrpSpPr>
+        <p:cNvPr id="1" name=""/>
+        <p:cNvGrpSpPr/>
+        <p:nvPr/>
+      </p:nvGrpSpPr>
+      <p:grpSpPr>
+        <a:xfrm>
+          <a:off x="0" y="0"/>
+          <a:ext cx="0" cy="0"/>
+          <a:chOff x="0" y="0"/>
+          <a:chExt cx="0" cy="0"/>
+        </a:xfrm>
+      </p:grpSpPr>
+      <p:sp>
+        <p:nvSpPr>
+          <p:cNvPr id="2" name="Picture Placeholder 1">
+            <a:extLst>
+              <a:ext uri="{FF2B5EF4-FFF2-40B4-BE49-F238E27FC236}">
                 <a16:creationId xmlns:a16="http://schemas.microsoft.com/office/drawing/2014/main" id="{6023CE9B-E202-1A33-EB96-5D8D78F49B4D}"/>
               </a:ext>
             </a:extLst>
@@ -24178,7 +24447,7 @@
 </p:sld>
 </file>
 
-<file path=ppt/slides/slide14.xml><?xml version="1.0" encoding="utf-8"?>
+<file path=ppt/slides/slide15.xml><?xml version="1.0" encoding="utf-8"?>
 <p:sld xmlns:a="http://schemas.openxmlformats.org/drawingml/2006/main" xmlns:r="http://schemas.openxmlformats.org/officeDocument/2006/relationships" xmlns:p="http://schemas.openxmlformats.org/presentationml/2006/main">
   <p:cSld>
     <p:spTree>
@@ -24397,7 +24666,7 @@
 </p:sld>
 </file>
 
-<file path=ppt/slides/slide15.xml><?xml version="1.0" encoding="utf-8"?>
+<file path=ppt/slides/slide16.xml><?xml version="1.0" encoding="utf-8"?>
 <p:sld xmlns:a="http://schemas.openxmlformats.org/drawingml/2006/main" xmlns:r="http://schemas.openxmlformats.org/officeDocument/2006/relationships" xmlns:p="http://schemas.openxmlformats.org/presentationml/2006/main">
   <p:cSld>
     <p:spTree>
@@ -24598,7 +24867,7 @@
 </p:sld>
 </file>
 
-<file path=ppt/slides/slide16.xml><?xml version="1.0" encoding="utf-8"?>
+<file path=ppt/slides/slide17.xml><?xml version="1.0" encoding="utf-8"?>
 <p:sld xmlns:a="http://schemas.openxmlformats.org/drawingml/2006/main" xmlns:r="http://schemas.openxmlformats.org/officeDocument/2006/relationships" xmlns:p="http://schemas.openxmlformats.org/presentationml/2006/main">
   <p:cSld>
     <p:spTree>
@@ -24765,7 +25034,7 @@
 </p:sld>
 </file>
 
-<file path=ppt/slides/slide17.xml><?xml version="1.0" encoding="utf-8"?>
+<file path=ppt/slides/slide18.xml><?xml version="1.0" encoding="utf-8"?>
 <p:sld xmlns:a="http://schemas.openxmlformats.org/drawingml/2006/main" xmlns:r="http://schemas.openxmlformats.org/officeDocument/2006/relationships" xmlns:p="http://schemas.openxmlformats.org/presentationml/2006/main">
   <p:cSld>
     <p:spTree>
@@ -24989,7 +25258,7 @@
 </p:sld>
 </file>
 
-<file path=ppt/slides/slide18.xml><?xml version="1.0" encoding="utf-8"?>
+<file path=ppt/slides/slide19.xml><?xml version="1.0" encoding="utf-8"?>
 <p:sld xmlns:a="http://schemas.openxmlformats.org/drawingml/2006/main" xmlns:r="http://schemas.openxmlformats.org/officeDocument/2006/relationships" xmlns:p="http://schemas.openxmlformats.org/presentationml/2006/main">
   <p:cSld>
     <p:spTree>
@@ -25213,7 +25482,249 @@
 </p:sld>
 </file>
 
-<file path=ppt/slides/slide19.xml><?xml version="1.0" encoding="utf-8"?>
+<file path=ppt/slides/slide2.xml><?xml version="1.0" encoding="utf-8"?>
+<p:sld xmlns:a="http://schemas.openxmlformats.org/drawingml/2006/main" xmlns:r="http://schemas.openxmlformats.org/officeDocument/2006/relationships" xmlns:p="http://schemas.openxmlformats.org/presentationml/2006/main">
+  <p:cSld>
+    <p:spTree>
+      <p:nvGrpSpPr>
+        <p:cNvPr id="1" name=""/>
+        <p:cNvGrpSpPr/>
+        <p:nvPr/>
+      </p:nvGrpSpPr>
+      <p:grpSpPr>
+        <a:xfrm>
+          <a:off x="0" y="0"/>
+          <a:ext cx="0" cy="0"/>
+          <a:chOff x="0" y="0"/>
+          <a:chExt cx="0" cy="0"/>
+        </a:xfrm>
+      </p:grpSpPr>
+      <p:sp>
+        <p:nvSpPr>
+          <p:cNvPr id="2" name="Picture Placeholder 1">
+            <a:extLst>
+              <a:ext uri="{FF2B5EF4-FFF2-40B4-BE49-F238E27FC236}">
+                <a16:creationId xmlns:a16="http://schemas.microsoft.com/office/drawing/2014/main" id="{6023CE9B-E202-1A33-EB96-5D8D78F49B4D}"/>
+              </a:ext>
+            </a:extLst>
+          </p:cNvPr>
+          <p:cNvSpPr>
+            <a:spLocks noGrp="1"/>
+          </p:cNvSpPr>
+          <p:nvPr>
+            <p:ph type="pic" sz="quarter" idx="48"/>
+          </p:nvPr>
+        </p:nvSpPr>
+        <p:spPr/>
+        <p:txBody>
+          <a:bodyPr/>
+          <a:lstStyle/>
+          <a:p>
+            <a:endParaRPr lang="en-SG"/>
+          </a:p>
+        </p:txBody>
+      </p:sp>
+      <p:sp>
+        <p:nvSpPr>
+          <p:cNvPr id="3" name="Text Placeholder 2">
+            <a:extLst>
+              <a:ext uri="{FF2B5EF4-FFF2-40B4-BE49-F238E27FC236}">
+                <a16:creationId xmlns:a16="http://schemas.microsoft.com/office/drawing/2014/main" id="{8001575A-D071-E5C9-BE33-D45296FF2546}"/>
+              </a:ext>
+            </a:extLst>
+          </p:cNvPr>
+          <p:cNvSpPr>
+            <a:spLocks noGrp="1"/>
+          </p:cNvSpPr>
+          <p:nvPr>
+            <p:ph type="body" sz="quarter" idx="28"/>
+          </p:nvPr>
+        </p:nvSpPr>
+        <p:spPr>
+          <a:xfrm>
+            <a:off x="368136" y="1312352"/>
+            <a:ext cx="11612369" cy="4808529"/>
+          </a:xfrm>
+        </p:spPr>
+        <p:txBody>
+          <a:bodyPr/>
+          <a:lstStyle/>
+          <a:p>
+            <a:endParaRPr lang="en-SG" dirty="0">
+              <a:highlight>
+                <a:srgbClr val="D6E0EB"/>
+              </a:highlight>
+            </a:endParaRPr>
+          </a:p>
+        </p:txBody>
+      </p:sp>
+      <p:sp>
+        <p:nvSpPr>
+          <p:cNvPr id="4" name="Title 3">
+            <a:extLst>
+              <a:ext uri="{FF2B5EF4-FFF2-40B4-BE49-F238E27FC236}">
+                <a16:creationId xmlns:a16="http://schemas.microsoft.com/office/drawing/2014/main" id="{71E87949-5C43-3ED6-5168-4CEE07D04D78}"/>
+              </a:ext>
+            </a:extLst>
+          </p:cNvPr>
+          <p:cNvSpPr>
+            <a:spLocks noGrp="1"/>
+          </p:cNvSpPr>
+          <p:nvPr>
+            <p:ph type="title"/>
+          </p:nvPr>
+        </p:nvSpPr>
+        <p:spPr>
+          <a:xfrm>
+            <a:off x="368137" y="379439"/>
+            <a:ext cx="9823998" cy="1325563"/>
+          </a:xfrm>
+        </p:spPr>
+        <p:txBody>
+          <a:bodyPr/>
+          <a:lstStyle/>
+          <a:p>
+            <a:r>
+              <a:rPr lang="en-US" dirty="0"/>
+              <a:t>weights = 0: 0.1 , 1: 99.9</a:t>
+            </a:r>
+            <a:endParaRPr lang="en-SG" dirty="0"/>
+          </a:p>
+        </p:txBody>
+      </p:sp>
+      <p:sp>
+        <p:nvSpPr>
+          <p:cNvPr id="5" name="Footer Placeholder 4">
+            <a:extLst>
+              <a:ext uri="{FF2B5EF4-FFF2-40B4-BE49-F238E27FC236}">
+                <a16:creationId xmlns:a16="http://schemas.microsoft.com/office/drawing/2014/main" id="{5E6C7A0E-F720-87D7-F168-209155662DE4}"/>
+              </a:ext>
+            </a:extLst>
+          </p:cNvPr>
+          <p:cNvSpPr>
+            <a:spLocks noGrp="1"/>
+          </p:cNvSpPr>
+          <p:nvPr>
+            <p:ph type="ftr" sz="quarter" idx="49"/>
+          </p:nvPr>
+        </p:nvSpPr>
+        <p:spPr/>
+        <p:txBody>
+          <a:bodyPr/>
+          <a:lstStyle/>
+          <a:p>
+            <a:r>
+              <a:rPr lang="en-US" noProof="0"/>
+              <a:t>Presentation Title</a:t>
+            </a:r>
+            <a:endParaRPr lang="en-US" noProof="0" dirty="0"/>
+          </a:p>
+        </p:txBody>
+      </p:sp>
+      <p:pic>
+        <p:nvPicPr>
+          <p:cNvPr id="7" name="Picture 6">
+            <a:extLst>
+              <a:ext uri="{FF2B5EF4-FFF2-40B4-BE49-F238E27FC236}">
+                <a16:creationId xmlns:a16="http://schemas.microsoft.com/office/drawing/2014/main" id="{7E2B82B4-CF16-52CB-F58E-9A4AFD78EED4}"/>
+              </a:ext>
+            </a:extLst>
+          </p:cNvPr>
+          <p:cNvPicPr>
+            <a:picLocks noChangeAspect="1"/>
+          </p:cNvPicPr>
+          <p:nvPr/>
+        </p:nvPicPr>
+        <p:blipFill>
+          <a:blip r:embed="rId2"/>
+          <a:stretch>
+            <a:fillRect/>
+          </a:stretch>
+        </p:blipFill>
+        <p:spPr>
+          <a:xfrm>
+            <a:off x="1232005" y="1252538"/>
+            <a:ext cx="4250877" cy="5147944"/>
+          </a:xfrm>
+          <a:prstGeom prst="rect">
+            <a:avLst/>
+          </a:prstGeom>
+        </p:spPr>
+      </p:pic>
+      <p:pic>
+        <p:nvPicPr>
+          <p:cNvPr id="9" name="Picture 8">
+            <a:extLst>
+              <a:ext uri="{FF2B5EF4-FFF2-40B4-BE49-F238E27FC236}">
+                <a16:creationId xmlns:a16="http://schemas.microsoft.com/office/drawing/2014/main" id="{07D59B50-5AA8-C111-C3FB-01C592E3F99D}"/>
+              </a:ext>
+            </a:extLst>
+          </p:cNvPr>
+          <p:cNvPicPr>
+            <a:picLocks noChangeAspect="1"/>
+          </p:cNvPicPr>
+          <p:nvPr/>
+        </p:nvPicPr>
+        <p:blipFill>
+          <a:blip r:embed="rId3"/>
+          <a:stretch>
+            <a:fillRect/>
+          </a:stretch>
+        </p:blipFill>
+        <p:spPr>
+          <a:xfrm>
+            <a:off x="6230256" y="1215313"/>
+            <a:ext cx="4344568" cy="5147944"/>
+          </a:xfrm>
+          <a:prstGeom prst="rect">
+            <a:avLst/>
+          </a:prstGeom>
+        </p:spPr>
+      </p:pic>
+      <p:pic>
+        <p:nvPicPr>
+          <p:cNvPr id="11" name="Picture 10">
+            <a:extLst>
+              <a:ext uri="{FF2B5EF4-FFF2-40B4-BE49-F238E27FC236}">
+                <a16:creationId xmlns:a16="http://schemas.microsoft.com/office/drawing/2014/main" id="{58DDACCE-4D01-C919-4D47-B194997C0EAE}"/>
+              </a:ext>
+            </a:extLst>
+          </p:cNvPr>
+          <p:cNvPicPr>
+            <a:picLocks noChangeAspect="1"/>
+          </p:cNvPicPr>
+          <p:nvPr/>
+        </p:nvPicPr>
+        <p:blipFill>
+          <a:blip r:embed="rId4"/>
+          <a:stretch>
+            <a:fillRect/>
+          </a:stretch>
+        </p:blipFill>
+        <p:spPr>
+          <a:xfrm>
+            <a:off x="-121298" y="1616983"/>
+            <a:ext cx="12192000" cy="5241017"/>
+          </a:xfrm>
+          <a:prstGeom prst="rect">
+            <a:avLst/>
+          </a:prstGeom>
+        </p:spPr>
+      </p:pic>
+    </p:spTree>
+    <p:extLst>
+      <p:ext uri="{BB962C8B-B14F-4D97-AF65-F5344CB8AC3E}">
+        <p14:creationId xmlns:p14="http://schemas.microsoft.com/office/powerpoint/2010/main" val="1411012241"/>
+      </p:ext>
+    </p:extLst>
+  </p:cSld>
+  <p:clrMapOvr>
+    <a:masterClrMapping/>
+  </p:clrMapOvr>
+</p:sld>
+</file>
+
+<file path=ppt/slides/slide20.xml><?xml version="1.0" encoding="utf-8"?>
 <p:sld xmlns:a="http://schemas.openxmlformats.org/drawingml/2006/main" xmlns:r="http://schemas.openxmlformats.org/officeDocument/2006/relationships" xmlns:p="http://schemas.openxmlformats.org/presentationml/2006/main">
   <p:cSld>
     <p:spTree>
@@ -25467,1455 +25978,7 @@
 </p:sld>
 </file>
 
-<file path=ppt/slides/slide2.xml><?xml version="1.0" encoding="utf-8"?>
-<p:sld xmlns:a="http://schemas.openxmlformats.org/drawingml/2006/main" xmlns:r="http://schemas.openxmlformats.org/officeDocument/2006/relationships" xmlns:p="http://schemas.openxmlformats.org/presentationml/2006/main">
-  <p:cSld>
-    <p:spTree>
-      <p:nvGrpSpPr>
-        <p:cNvPr id="1" name=""/>
-        <p:cNvGrpSpPr/>
-        <p:nvPr/>
-      </p:nvGrpSpPr>
-      <p:grpSpPr>
-        <a:xfrm>
-          <a:off x="0" y="0"/>
-          <a:ext cx="0" cy="0"/>
-          <a:chOff x="0" y="0"/>
-          <a:chExt cx="0" cy="0"/>
-        </a:xfrm>
-      </p:grpSpPr>
-      <p:sp>
-        <p:nvSpPr>
-          <p:cNvPr id="2" name="Picture Placeholder 1">
-            <a:extLst>
-              <a:ext uri="{FF2B5EF4-FFF2-40B4-BE49-F238E27FC236}">
-                <a16:creationId xmlns:a16="http://schemas.microsoft.com/office/drawing/2014/main" id="{6023CE9B-E202-1A33-EB96-5D8D78F49B4D}"/>
-              </a:ext>
-            </a:extLst>
-          </p:cNvPr>
-          <p:cNvSpPr>
-            <a:spLocks noGrp="1"/>
-          </p:cNvSpPr>
-          <p:nvPr>
-            <p:ph type="pic" sz="quarter" idx="48"/>
-          </p:nvPr>
-        </p:nvSpPr>
-        <p:spPr/>
-        <p:txBody>
-          <a:bodyPr/>
-          <a:lstStyle/>
-          <a:p>
-            <a:endParaRPr lang="en-SG"/>
-          </a:p>
-        </p:txBody>
-      </p:sp>
-      <p:sp>
-        <p:nvSpPr>
-          <p:cNvPr id="3" name="Text Placeholder 2">
-            <a:extLst>
-              <a:ext uri="{FF2B5EF4-FFF2-40B4-BE49-F238E27FC236}">
-                <a16:creationId xmlns:a16="http://schemas.microsoft.com/office/drawing/2014/main" id="{8001575A-D071-E5C9-BE33-D45296FF2546}"/>
-              </a:ext>
-            </a:extLst>
-          </p:cNvPr>
-          <p:cNvSpPr>
-            <a:spLocks noGrp="1"/>
-          </p:cNvSpPr>
-          <p:nvPr>
-            <p:ph type="body" sz="quarter" idx="28"/>
-          </p:nvPr>
-        </p:nvSpPr>
-        <p:spPr>
-          <a:xfrm>
-            <a:off x="368136" y="1312352"/>
-            <a:ext cx="11612369" cy="4808529"/>
-          </a:xfrm>
-        </p:spPr>
-        <p:txBody>
-          <a:bodyPr/>
-          <a:lstStyle/>
-          <a:p>
-            <a:r>
-              <a:rPr lang="en-SG" b="0" dirty="0">
-                <a:solidFill>
-                  <a:srgbClr val="000000"/>
-                </a:solidFill>
-                <a:effectLst/>
-                <a:highlight>
-                  <a:srgbClr val="D6E0EB"/>
-                </a:highlight>
-                <a:latin typeface="Consolas" panose="020B0609020204030204" pitchFamily="49" charset="0"/>
-              </a:rPr>
-              <a:t>    </a:t>
-            </a:r>
-            <a:r>
-              <a:rPr lang="en-SG" b="0" dirty="0">
-                <a:solidFill>
-                  <a:srgbClr val="008000"/>
-                </a:solidFill>
-                <a:effectLst/>
-                <a:highlight>
-                  <a:srgbClr val="D6E0EB"/>
-                </a:highlight>
-                <a:latin typeface="Consolas" panose="020B0609020204030204" pitchFamily="49" charset="0"/>
-              </a:rPr>
-              <a:t># # UNDERSAMPLE - Most efficient with still high accuracy</a:t>
-            </a:r>
-            <a:endParaRPr lang="en-SG" b="0" dirty="0">
-              <a:solidFill>
-                <a:srgbClr val="000000"/>
-              </a:solidFill>
-              <a:effectLst/>
-              <a:highlight>
-                <a:srgbClr val="D6E0EB"/>
-              </a:highlight>
-              <a:latin typeface="Consolas" panose="020B0609020204030204" pitchFamily="49" charset="0"/>
-            </a:endParaRPr>
-          </a:p>
-          <a:p>
-            <a:r>
-              <a:rPr lang="en-SG" b="0" dirty="0">
-                <a:solidFill>
-                  <a:srgbClr val="000000"/>
-                </a:solidFill>
-                <a:effectLst/>
-                <a:highlight>
-                  <a:srgbClr val="D6E0EB"/>
-                </a:highlight>
-                <a:latin typeface="Consolas" panose="020B0609020204030204" pitchFamily="49" charset="0"/>
-              </a:rPr>
-              <a:t>    </a:t>
-            </a:r>
-            <a:r>
-              <a:rPr lang="en-SG" b="0" dirty="0" err="1">
-                <a:solidFill>
-                  <a:srgbClr val="001080"/>
-                </a:solidFill>
-                <a:effectLst/>
-                <a:highlight>
-                  <a:srgbClr val="D6E0EB"/>
-                </a:highlight>
-                <a:latin typeface="Consolas" panose="020B0609020204030204" pitchFamily="49" charset="0"/>
-              </a:rPr>
-              <a:t>sampling_method</a:t>
-            </a:r>
-            <a:r>
-              <a:rPr lang="en-SG" b="0" dirty="0">
-                <a:solidFill>
-                  <a:srgbClr val="000000"/>
-                </a:solidFill>
-                <a:effectLst/>
-                <a:highlight>
-                  <a:srgbClr val="D6E0EB"/>
-                </a:highlight>
-                <a:latin typeface="Consolas" panose="020B0609020204030204" pitchFamily="49" charset="0"/>
-              </a:rPr>
-              <a:t>=</a:t>
-            </a:r>
-            <a:r>
-              <a:rPr lang="en-SG" b="0" dirty="0">
-                <a:solidFill>
-                  <a:srgbClr val="098658"/>
-                </a:solidFill>
-                <a:effectLst/>
-                <a:highlight>
-                  <a:srgbClr val="D6E0EB"/>
-                </a:highlight>
-                <a:latin typeface="Consolas" panose="020B0609020204030204" pitchFamily="49" charset="0"/>
-              </a:rPr>
-              <a:t>0</a:t>
-            </a:r>
-            <a:endParaRPr lang="en-SG" b="0" dirty="0">
-              <a:solidFill>
-                <a:srgbClr val="000000"/>
-              </a:solidFill>
-              <a:effectLst/>
-              <a:highlight>
-                <a:srgbClr val="D6E0EB"/>
-              </a:highlight>
-              <a:latin typeface="Consolas" panose="020B0609020204030204" pitchFamily="49" charset="0"/>
-            </a:endParaRPr>
-          </a:p>
-          <a:p>
-            <a:r>
-              <a:rPr lang="en-SG" b="0" dirty="0">
-                <a:solidFill>
-                  <a:srgbClr val="000000"/>
-                </a:solidFill>
-                <a:effectLst/>
-                <a:highlight>
-                  <a:srgbClr val="D6E0EB"/>
-                </a:highlight>
-                <a:latin typeface="Consolas" panose="020B0609020204030204" pitchFamily="49" charset="0"/>
-              </a:rPr>
-              <a:t>    </a:t>
-            </a:r>
-            <a:r>
-              <a:rPr lang="en-SG" b="0" dirty="0" err="1">
-                <a:solidFill>
-                  <a:srgbClr val="001080"/>
-                </a:solidFill>
-                <a:effectLst/>
-                <a:highlight>
-                  <a:srgbClr val="D6E0EB"/>
-                </a:highlight>
-                <a:latin typeface="Consolas" panose="020B0609020204030204" pitchFamily="49" charset="0"/>
-              </a:rPr>
-              <a:t>sampling_strategy</a:t>
-            </a:r>
-            <a:r>
-              <a:rPr lang="en-SG" b="0" dirty="0">
-                <a:solidFill>
-                  <a:srgbClr val="000000"/>
-                </a:solidFill>
-                <a:effectLst/>
-                <a:highlight>
-                  <a:srgbClr val="D6E0EB"/>
-                </a:highlight>
-                <a:latin typeface="Consolas" panose="020B0609020204030204" pitchFamily="49" charset="0"/>
-              </a:rPr>
-              <a:t>=</a:t>
-            </a:r>
-            <a:r>
-              <a:rPr lang="en-SG" b="0" dirty="0">
-                <a:solidFill>
-                  <a:srgbClr val="098658"/>
-                </a:solidFill>
-                <a:effectLst/>
-                <a:highlight>
-                  <a:srgbClr val="D6E0EB"/>
-                </a:highlight>
-                <a:latin typeface="Consolas" panose="020B0609020204030204" pitchFamily="49" charset="0"/>
-              </a:rPr>
-              <a:t>.42</a:t>
-            </a:r>
-            <a:endParaRPr lang="en-SG" b="0" dirty="0">
-              <a:solidFill>
-                <a:srgbClr val="000000"/>
-              </a:solidFill>
-              <a:effectLst/>
-              <a:highlight>
-                <a:srgbClr val="D6E0EB"/>
-              </a:highlight>
-              <a:latin typeface="Consolas" panose="020B0609020204030204" pitchFamily="49" charset="0"/>
-            </a:endParaRPr>
-          </a:p>
-          <a:p>
-            <a:r>
-              <a:rPr lang="en-SG" b="0" dirty="0">
-                <a:solidFill>
-                  <a:srgbClr val="000000"/>
-                </a:solidFill>
-                <a:effectLst/>
-                <a:highlight>
-                  <a:srgbClr val="D6E0EB"/>
-                </a:highlight>
-                <a:latin typeface="Consolas" panose="020B0609020204030204" pitchFamily="49" charset="0"/>
-              </a:rPr>
-              <a:t>    </a:t>
-            </a:r>
-            <a:r>
-              <a:rPr lang="en-SG" b="0" dirty="0" err="1">
-                <a:solidFill>
-                  <a:srgbClr val="001080"/>
-                </a:solidFill>
-                <a:effectLst/>
-                <a:highlight>
-                  <a:srgbClr val="D6E0EB"/>
-                </a:highlight>
-                <a:latin typeface="Consolas" panose="020B0609020204030204" pitchFamily="49" charset="0"/>
-              </a:rPr>
-              <a:t>x_oversample</a:t>
-            </a:r>
-            <a:r>
-              <a:rPr lang="en-SG" b="0" dirty="0">
-                <a:solidFill>
-                  <a:srgbClr val="000000"/>
-                </a:solidFill>
-                <a:effectLst/>
-                <a:highlight>
-                  <a:srgbClr val="D6E0EB"/>
-                </a:highlight>
-                <a:latin typeface="Consolas" panose="020B0609020204030204" pitchFamily="49" charset="0"/>
-              </a:rPr>
-              <a:t>, </a:t>
-            </a:r>
-            <a:r>
-              <a:rPr lang="en-SG" b="0" dirty="0" err="1">
-                <a:solidFill>
-                  <a:srgbClr val="001080"/>
-                </a:solidFill>
-                <a:effectLst/>
-                <a:highlight>
-                  <a:srgbClr val="D6E0EB"/>
-                </a:highlight>
-                <a:latin typeface="Consolas" panose="020B0609020204030204" pitchFamily="49" charset="0"/>
-              </a:rPr>
-              <a:t>y_oversample</a:t>
-            </a:r>
-            <a:r>
-              <a:rPr lang="en-SG" b="0" dirty="0">
-                <a:solidFill>
-                  <a:srgbClr val="000000"/>
-                </a:solidFill>
-                <a:effectLst/>
-                <a:highlight>
-                  <a:srgbClr val="D6E0EB"/>
-                </a:highlight>
-                <a:latin typeface="Consolas" panose="020B0609020204030204" pitchFamily="49" charset="0"/>
-              </a:rPr>
-              <a:t> = </a:t>
-            </a:r>
-            <a:r>
-              <a:rPr lang="en-SG" b="0" dirty="0" err="1">
-                <a:solidFill>
-                  <a:srgbClr val="795E26"/>
-                </a:solidFill>
-                <a:effectLst/>
-                <a:highlight>
-                  <a:srgbClr val="D6E0EB"/>
-                </a:highlight>
-                <a:latin typeface="Consolas" panose="020B0609020204030204" pitchFamily="49" charset="0"/>
-              </a:rPr>
-              <a:t>sample_imbalanced_data</a:t>
-            </a:r>
-            <a:r>
-              <a:rPr lang="en-SG" b="0" dirty="0">
-                <a:solidFill>
-                  <a:srgbClr val="000000"/>
-                </a:solidFill>
-                <a:effectLst/>
-                <a:highlight>
-                  <a:srgbClr val="D6E0EB"/>
-                </a:highlight>
-                <a:latin typeface="Consolas" panose="020B0609020204030204" pitchFamily="49" charset="0"/>
-              </a:rPr>
-              <a:t>(</a:t>
-            </a:r>
-            <a:r>
-              <a:rPr lang="en-SG" b="0" dirty="0" err="1">
-                <a:solidFill>
-                  <a:srgbClr val="001080"/>
-                </a:solidFill>
-                <a:effectLst/>
-                <a:highlight>
-                  <a:srgbClr val="D6E0EB"/>
-                </a:highlight>
-                <a:latin typeface="Consolas" panose="020B0609020204030204" pitchFamily="49" charset="0"/>
-              </a:rPr>
-              <a:t>X_train</a:t>
-            </a:r>
-            <a:r>
-              <a:rPr lang="en-SG" b="0" dirty="0" err="1">
-                <a:solidFill>
-                  <a:srgbClr val="000000"/>
-                </a:solidFill>
-                <a:effectLst/>
-                <a:highlight>
-                  <a:srgbClr val="D6E0EB"/>
-                </a:highlight>
-                <a:latin typeface="Consolas" panose="020B0609020204030204" pitchFamily="49" charset="0"/>
-              </a:rPr>
-              <a:t>,</a:t>
-            </a:r>
-            <a:r>
-              <a:rPr lang="en-SG" b="0" dirty="0" err="1">
-                <a:solidFill>
-                  <a:srgbClr val="001080"/>
-                </a:solidFill>
-                <a:effectLst/>
-                <a:highlight>
-                  <a:srgbClr val="D6E0EB"/>
-                </a:highlight>
-                <a:latin typeface="Consolas" panose="020B0609020204030204" pitchFamily="49" charset="0"/>
-              </a:rPr>
-              <a:t>y_train</a:t>
-            </a:r>
-            <a:r>
-              <a:rPr lang="en-SG" b="0" dirty="0">
-                <a:solidFill>
-                  <a:srgbClr val="000000"/>
-                </a:solidFill>
-                <a:effectLst/>
-                <a:highlight>
-                  <a:srgbClr val="D6E0EB"/>
-                </a:highlight>
-                <a:latin typeface="Consolas" panose="020B0609020204030204" pitchFamily="49" charset="0"/>
-              </a:rPr>
-              <a:t>, </a:t>
-            </a:r>
-            <a:r>
-              <a:rPr lang="en-SG" b="0" dirty="0" err="1">
-                <a:solidFill>
-                  <a:srgbClr val="001080"/>
-                </a:solidFill>
-                <a:effectLst/>
-                <a:highlight>
-                  <a:srgbClr val="D6E0EB"/>
-                </a:highlight>
-                <a:latin typeface="Consolas" panose="020B0609020204030204" pitchFamily="49" charset="0"/>
-              </a:rPr>
-              <a:t>sampling_method</a:t>
-            </a:r>
-            <a:r>
-              <a:rPr lang="en-SG" b="0" dirty="0">
-                <a:solidFill>
-                  <a:srgbClr val="000000"/>
-                </a:solidFill>
-                <a:effectLst/>
-                <a:highlight>
-                  <a:srgbClr val="D6E0EB"/>
-                </a:highlight>
-                <a:latin typeface="Consolas" panose="020B0609020204030204" pitchFamily="49" charset="0"/>
-              </a:rPr>
-              <a:t>, </a:t>
-            </a:r>
-            <a:r>
-              <a:rPr lang="en-SG" b="0" dirty="0" err="1">
-                <a:solidFill>
-                  <a:srgbClr val="001080"/>
-                </a:solidFill>
-                <a:effectLst/>
-                <a:highlight>
-                  <a:srgbClr val="D6E0EB"/>
-                </a:highlight>
-                <a:latin typeface="Consolas" panose="020B0609020204030204" pitchFamily="49" charset="0"/>
-              </a:rPr>
-              <a:t>sampling_strategy</a:t>
-            </a:r>
-            <a:r>
-              <a:rPr lang="en-SG" b="0" dirty="0">
-                <a:solidFill>
-                  <a:srgbClr val="000000"/>
-                </a:solidFill>
-                <a:effectLst/>
-                <a:highlight>
-                  <a:srgbClr val="D6E0EB"/>
-                </a:highlight>
-                <a:latin typeface="Consolas" panose="020B0609020204030204" pitchFamily="49" charset="0"/>
-              </a:rPr>
-              <a:t>=</a:t>
-            </a:r>
-            <a:r>
-              <a:rPr lang="en-SG" b="0" dirty="0" err="1">
-                <a:solidFill>
-                  <a:srgbClr val="001080"/>
-                </a:solidFill>
-                <a:effectLst/>
-                <a:highlight>
-                  <a:srgbClr val="D6E0EB"/>
-                </a:highlight>
-                <a:latin typeface="Consolas" panose="020B0609020204030204" pitchFamily="49" charset="0"/>
-              </a:rPr>
-              <a:t>sampling_strategy</a:t>
-            </a:r>
-            <a:r>
-              <a:rPr lang="en-SG" b="0" dirty="0">
-                <a:solidFill>
-                  <a:srgbClr val="000000"/>
-                </a:solidFill>
-                <a:effectLst/>
-                <a:highlight>
-                  <a:srgbClr val="D6E0EB"/>
-                </a:highlight>
-                <a:latin typeface="Consolas" panose="020B0609020204030204" pitchFamily="49" charset="0"/>
-              </a:rPr>
-              <a:t>)</a:t>
-            </a:r>
-          </a:p>
-          <a:p>
-            <a:r>
-              <a:rPr lang="en-SG" b="0" dirty="0">
-                <a:solidFill>
-                  <a:srgbClr val="000000"/>
-                </a:solidFill>
-                <a:effectLst/>
-                <a:highlight>
-                  <a:srgbClr val="D6E0EB"/>
-                </a:highlight>
-                <a:latin typeface="Consolas" panose="020B0609020204030204" pitchFamily="49" charset="0"/>
-              </a:rPr>
-              <a:t>    </a:t>
-            </a:r>
-            <a:r>
-              <a:rPr lang="en-SG" b="0" dirty="0">
-                <a:solidFill>
-                  <a:srgbClr val="008000"/>
-                </a:solidFill>
-                <a:effectLst/>
-                <a:highlight>
-                  <a:srgbClr val="D6E0EB"/>
-                </a:highlight>
-                <a:latin typeface="Consolas" panose="020B0609020204030204" pitchFamily="49" charset="0"/>
-              </a:rPr>
-              <a:t># </a:t>
-            </a:r>
-            <a:r>
-              <a:rPr lang="en-SG" b="0" dirty="0" err="1">
-                <a:solidFill>
-                  <a:srgbClr val="008000"/>
-                </a:solidFill>
-                <a:effectLst/>
-                <a:highlight>
-                  <a:srgbClr val="D6E0EB"/>
-                </a:highlight>
-                <a:latin typeface="Consolas" panose="020B0609020204030204" pitchFamily="49" charset="0"/>
-              </a:rPr>
-              <a:t>X_test,y_test</a:t>
-            </a:r>
-            <a:r>
-              <a:rPr lang="en-SG" b="0" dirty="0">
-                <a:solidFill>
-                  <a:srgbClr val="008000"/>
-                </a:solidFill>
-                <a:effectLst/>
-                <a:highlight>
-                  <a:srgbClr val="D6E0EB"/>
-                </a:highlight>
-                <a:latin typeface="Consolas" panose="020B0609020204030204" pitchFamily="49" charset="0"/>
-              </a:rPr>
-              <a:t> = </a:t>
-            </a:r>
-            <a:r>
-              <a:rPr lang="en-SG" b="0" dirty="0" err="1">
-                <a:solidFill>
-                  <a:srgbClr val="008000"/>
-                </a:solidFill>
-                <a:effectLst/>
-                <a:highlight>
-                  <a:srgbClr val="D6E0EB"/>
-                </a:highlight>
-                <a:latin typeface="Consolas" panose="020B0609020204030204" pitchFamily="49" charset="0"/>
-              </a:rPr>
-              <a:t>sample_imbalanced_data</a:t>
-            </a:r>
-            <a:r>
-              <a:rPr lang="en-SG" b="0" dirty="0">
-                <a:solidFill>
-                  <a:srgbClr val="008000"/>
-                </a:solidFill>
-                <a:effectLst/>
-                <a:highlight>
-                  <a:srgbClr val="D6E0EB"/>
-                </a:highlight>
-                <a:latin typeface="Consolas" panose="020B0609020204030204" pitchFamily="49" charset="0"/>
-              </a:rPr>
-              <a:t>(</a:t>
-            </a:r>
-            <a:r>
-              <a:rPr lang="en-SG" b="0" dirty="0" err="1">
-                <a:solidFill>
-                  <a:srgbClr val="008000"/>
-                </a:solidFill>
-                <a:effectLst/>
-                <a:highlight>
-                  <a:srgbClr val="D6E0EB"/>
-                </a:highlight>
-                <a:latin typeface="Consolas" panose="020B0609020204030204" pitchFamily="49" charset="0"/>
-              </a:rPr>
-              <a:t>X_test,y_test</a:t>
-            </a:r>
-            <a:r>
-              <a:rPr lang="en-SG" b="0" dirty="0">
-                <a:solidFill>
-                  <a:srgbClr val="008000"/>
-                </a:solidFill>
-                <a:effectLst/>
-                <a:highlight>
-                  <a:srgbClr val="D6E0EB"/>
-                </a:highlight>
-                <a:latin typeface="Consolas" panose="020B0609020204030204" pitchFamily="49" charset="0"/>
-              </a:rPr>
-              <a:t>, 0, </a:t>
-            </a:r>
-            <a:r>
-              <a:rPr lang="en-SG" b="0" dirty="0" err="1">
-                <a:solidFill>
-                  <a:srgbClr val="008000"/>
-                </a:solidFill>
-                <a:effectLst/>
-                <a:highlight>
-                  <a:srgbClr val="D6E0EB"/>
-                </a:highlight>
-                <a:latin typeface="Consolas" panose="020B0609020204030204" pitchFamily="49" charset="0"/>
-              </a:rPr>
-              <a:t>sampling_strategy</a:t>
-            </a:r>
-            <a:r>
-              <a:rPr lang="en-SG" b="0" dirty="0">
-                <a:solidFill>
-                  <a:srgbClr val="008000"/>
-                </a:solidFill>
-                <a:effectLst/>
-                <a:highlight>
-                  <a:srgbClr val="D6E0EB"/>
-                </a:highlight>
-                <a:latin typeface="Consolas" panose="020B0609020204030204" pitchFamily="49" charset="0"/>
-              </a:rPr>
-              <a:t>=</a:t>
-            </a:r>
-            <a:r>
-              <a:rPr lang="en-SG" b="0" dirty="0" err="1">
-                <a:solidFill>
-                  <a:srgbClr val="008000"/>
-                </a:solidFill>
-                <a:effectLst/>
-                <a:highlight>
-                  <a:srgbClr val="D6E0EB"/>
-                </a:highlight>
-                <a:latin typeface="Consolas" panose="020B0609020204030204" pitchFamily="49" charset="0"/>
-              </a:rPr>
-              <a:t>sampling_strategy</a:t>
-            </a:r>
-            <a:r>
-              <a:rPr lang="en-SG" b="0" dirty="0">
-                <a:solidFill>
-                  <a:srgbClr val="008000"/>
-                </a:solidFill>
-                <a:effectLst/>
-                <a:highlight>
-                  <a:srgbClr val="D6E0EB"/>
-                </a:highlight>
-                <a:latin typeface="Consolas" panose="020B0609020204030204" pitchFamily="49" charset="0"/>
-              </a:rPr>
-              <a:t>)</a:t>
-            </a:r>
-            <a:endParaRPr lang="en-SG" b="0" dirty="0">
-              <a:solidFill>
-                <a:srgbClr val="000000"/>
-              </a:solidFill>
-              <a:effectLst/>
-              <a:highlight>
-                <a:srgbClr val="D6E0EB"/>
-              </a:highlight>
-              <a:latin typeface="Consolas" panose="020B0609020204030204" pitchFamily="49" charset="0"/>
-            </a:endParaRPr>
-          </a:p>
-          <a:p>
-            <a:r>
-              <a:rPr lang="en-SG" b="0" dirty="0">
-                <a:solidFill>
-                  <a:srgbClr val="000000"/>
-                </a:solidFill>
-                <a:effectLst/>
-                <a:highlight>
-                  <a:srgbClr val="D6E0EB"/>
-                </a:highlight>
-                <a:latin typeface="Consolas" panose="020B0609020204030204" pitchFamily="49" charset="0"/>
-              </a:rPr>
-              <a:t>    </a:t>
-            </a:r>
-            <a:r>
-              <a:rPr lang="en-SG" b="0" dirty="0" err="1">
-                <a:solidFill>
-                  <a:srgbClr val="001080"/>
-                </a:solidFill>
-                <a:effectLst/>
-                <a:highlight>
-                  <a:srgbClr val="D6E0EB"/>
-                </a:highlight>
-                <a:latin typeface="Consolas" panose="020B0609020204030204" pitchFamily="49" charset="0"/>
-              </a:rPr>
-              <a:t>min_samples_leaf</a:t>
-            </a:r>
-            <a:r>
-              <a:rPr lang="en-SG" b="0" dirty="0">
-                <a:solidFill>
-                  <a:srgbClr val="000000"/>
-                </a:solidFill>
-                <a:effectLst/>
-                <a:highlight>
-                  <a:srgbClr val="D6E0EB"/>
-                </a:highlight>
-                <a:latin typeface="Consolas" panose="020B0609020204030204" pitchFamily="49" charset="0"/>
-              </a:rPr>
-              <a:t>=</a:t>
-            </a:r>
-            <a:r>
-              <a:rPr lang="en-SG" b="0" dirty="0">
-                <a:solidFill>
-                  <a:srgbClr val="098658"/>
-                </a:solidFill>
-                <a:effectLst/>
-                <a:highlight>
-                  <a:srgbClr val="D6E0EB"/>
-                </a:highlight>
-                <a:latin typeface="Consolas" panose="020B0609020204030204" pitchFamily="49" charset="0"/>
-              </a:rPr>
-              <a:t>10</a:t>
-            </a:r>
-            <a:endParaRPr lang="en-SG" b="0" dirty="0">
-              <a:solidFill>
-                <a:srgbClr val="000000"/>
-              </a:solidFill>
-              <a:effectLst/>
-              <a:highlight>
-                <a:srgbClr val="D6E0EB"/>
-              </a:highlight>
-              <a:latin typeface="Consolas" panose="020B0609020204030204" pitchFamily="49" charset="0"/>
-            </a:endParaRPr>
-          </a:p>
-          <a:p>
-            <a:r>
-              <a:rPr lang="en-SG" b="0" dirty="0">
-                <a:solidFill>
-                  <a:srgbClr val="000000"/>
-                </a:solidFill>
-                <a:effectLst/>
-                <a:highlight>
-                  <a:srgbClr val="D6E0EB"/>
-                </a:highlight>
-                <a:latin typeface="Consolas" panose="020B0609020204030204" pitchFamily="49" charset="0"/>
-              </a:rPr>
-              <a:t>    </a:t>
-            </a:r>
-            <a:r>
-              <a:rPr lang="en-SG" b="0" dirty="0" err="1">
-                <a:solidFill>
-                  <a:srgbClr val="001080"/>
-                </a:solidFill>
-                <a:effectLst/>
-                <a:highlight>
-                  <a:srgbClr val="D6E0EB"/>
-                </a:highlight>
-                <a:latin typeface="Consolas" panose="020B0609020204030204" pitchFamily="49" charset="0"/>
-              </a:rPr>
-              <a:t>max_depth</a:t>
-            </a:r>
-            <a:r>
-              <a:rPr lang="en-SG" b="0" dirty="0">
-                <a:solidFill>
-                  <a:srgbClr val="000000"/>
-                </a:solidFill>
-                <a:effectLst/>
-                <a:highlight>
-                  <a:srgbClr val="D6E0EB"/>
-                </a:highlight>
-                <a:latin typeface="Consolas" panose="020B0609020204030204" pitchFamily="49" charset="0"/>
-              </a:rPr>
-              <a:t>=</a:t>
-            </a:r>
-            <a:r>
-              <a:rPr lang="en-SG" dirty="0">
-                <a:solidFill>
-                  <a:srgbClr val="098658"/>
-                </a:solidFill>
-                <a:highlight>
-                  <a:srgbClr val="D6E0EB"/>
-                </a:highlight>
-                <a:latin typeface="Consolas" panose="020B0609020204030204" pitchFamily="49" charset="0"/>
-              </a:rPr>
-              <a:t>7</a:t>
-            </a:r>
-            <a:endParaRPr lang="en-SG" b="0" dirty="0">
-              <a:solidFill>
-                <a:srgbClr val="000000"/>
-              </a:solidFill>
-              <a:effectLst/>
-              <a:highlight>
-                <a:srgbClr val="D6E0EB"/>
-              </a:highlight>
-              <a:latin typeface="Consolas" panose="020B0609020204030204" pitchFamily="49" charset="0"/>
-            </a:endParaRPr>
-          </a:p>
-          <a:p>
-            <a:r>
-              <a:rPr lang="en-SG" b="0" dirty="0">
-                <a:solidFill>
-                  <a:srgbClr val="000000"/>
-                </a:solidFill>
-                <a:effectLst/>
-                <a:highlight>
-                  <a:srgbClr val="D6E0EB"/>
-                </a:highlight>
-                <a:latin typeface="Consolas" panose="020B0609020204030204" pitchFamily="49" charset="0"/>
-              </a:rPr>
-              <a:t>    </a:t>
-            </a:r>
-            <a:r>
-              <a:rPr lang="en-SG" b="0" dirty="0">
-                <a:solidFill>
-                  <a:srgbClr val="001080"/>
-                </a:solidFill>
-                <a:effectLst/>
-                <a:highlight>
-                  <a:srgbClr val="D6E0EB"/>
-                </a:highlight>
-                <a:latin typeface="Consolas" panose="020B0609020204030204" pitchFamily="49" charset="0"/>
-              </a:rPr>
-              <a:t>estimators</a:t>
-            </a:r>
-            <a:r>
-              <a:rPr lang="en-SG" b="0" dirty="0">
-                <a:solidFill>
-                  <a:srgbClr val="000000"/>
-                </a:solidFill>
-                <a:effectLst/>
-                <a:highlight>
-                  <a:srgbClr val="D6E0EB"/>
-                </a:highlight>
-                <a:latin typeface="Consolas" panose="020B0609020204030204" pitchFamily="49" charset="0"/>
-              </a:rPr>
-              <a:t>=</a:t>
-            </a:r>
-            <a:r>
-              <a:rPr lang="en-SG" b="0" dirty="0">
-                <a:solidFill>
-                  <a:srgbClr val="098658"/>
-                </a:solidFill>
-                <a:effectLst/>
-                <a:highlight>
-                  <a:srgbClr val="D6E0EB"/>
-                </a:highlight>
-                <a:latin typeface="Consolas" panose="020B0609020204030204" pitchFamily="49" charset="0"/>
-              </a:rPr>
-              <a:t>50</a:t>
-            </a:r>
-            <a:endParaRPr lang="en-SG" b="0" dirty="0">
-              <a:solidFill>
-                <a:srgbClr val="000000"/>
-              </a:solidFill>
-              <a:effectLst/>
-              <a:highlight>
-                <a:srgbClr val="D6E0EB"/>
-              </a:highlight>
-              <a:latin typeface="Consolas" panose="020B0609020204030204" pitchFamily="49" charset="0"/>
-            </a:endParaRPr>
-          </a:p>
-          <a:p>
-            <a:r>
-              <a:rPr lang="en-SG" b="0" dirty="0">
-                <a:solidFill>
-                  <a:srgbClr val="000000"/>
-                </a:solidFill>
-                <a:effectLst/>
-                <a:highlight>
-                  <a:srgbClr val="D6E0EB"/>
-                </a:highlight>
-                <a:latin typeface="Consolas" panose="020B0609020204030204" pitchFamily="49" charset="0"/>
-              </a:rPr>
-              <a:t>    </a:t>
-            </a:r>
-            <a:r>
-              <a:rPr lang="en-SG" b="0" dirty="0" err="1">
-                <a:solidFill>
-                  <a:srgbClr val="001080"/>
-                </a:solidFill>
-                <a:effectLst/>
-                <a:highlight>
-                  <a:srgbClr val="D6E0EB"/>
-                </a:highlight>
-                <a:latin typeface="Consolas" panose="020B0609020204030204" pitchFamily="49" charset="0"/>
-              </a:rPr>
-              <a:t>samples_leaf_sizes</a:t>
-            </a:r>
-            <a:r>
-              <a:rPr lang="en-SG" b="0" dirty="0">
-                <a:solidFill>
-                  <a:srgbClr val="000000"/>
-                </a:solidFill>
-                <a:effectLst/>
-                <a:highlight>
-                  <a:srgbClr val="D6E0EB"/>
-                </a:highlight>
-                <a:latin typeface="Consolas" panose="020B0609020204030204" pitchFamily="49" charset="0"/>
-              </a:rPr>
-              <a:t> = [</a:t>
-            </a:r>
-            <a:r>
-              <a:rPr lang="en-SG" b="0" dirty="0">
-                <a:solidFill>
-                  <a:srgbClr val="098658"/>
-                </a:solidFill>
-                <a:effectLst/>
-                <a:highlight>
-                  <a:srgbClr val="D6E0EB"/>
-                </a:highlight>
-                <a:latin typeface="Consolas" panose="020B0609020204030204" pitchFamily="49" charset="0"/>
-              </a:rPr>
-              <a:t>2</a:t>
-            </a:r>
-            <a:r>
-              <a:rPr lang="en-SG" b="0" dirty="0">
-                <a:solidFill>
-                  <a:srgbClr val="000000"/>
-                </a:solidFill>
-                <a:effectLst/>
-                <a:highlight>
-                  <a:srgbClr val="D6E0EB"/>
-                </a:highlight>
-                <a:latin typeface="Consolas" panose="020B0609020204030204" pitchFamily="49" charset="0"/>
-              </a:rPr>
-              <a:t>,</a:t>
-            </a:r>
-            <a:r>
-              <a:rPr lang="en-SG" b="0" dirty="0">
-                <a:solidFill>
-                  <a:srgbClr val="098658"/>
-                </a:solidFill>
-                <a:effectLst/>
-                <a:highlight>
-                  <a:srgbClr val="D6E0EB"/>
-                </a:highlight>
-                <a:latin typeface="Consolas" panose="020B0609020204030204" pitchFamily="49" charset="0"/>
-              </a:rPr>
-              <a:t>4</a:t>
-            </a:r>
-            <a:r>
-              <a:rPr lang="en-SG" b="0" dirty="0">
-                <a:solidFill>
-                  <a:srgbClr val="000000"/>
-                </a:solidFill>
-                <a:effectLst/>
-                <a:highlight>
-                  <a:srgbClr val="D6E0EB"/>
-                </a:highlight>
-                <a:latin typeface="Consolas" panose="020B0609020204030204" pitchFamily="49" charset="0"/>
-              </a:rPr>
-              <a:t>,</a:t>
-            </a:r>
-            <a:r>
-              <a:rPr lang="en-SG" b="0" dirty="0">
-                <a:solidFill>
-                  <a:srgbClr val="098658"/>
-                </a:solidFill>
-                <a:effectLst/>
-                <a:highlight>
-                  <a:srgbClr val="D6E0EB"/>
-                </a:highlight>
-                <a:latin typeface="Consolas" panose="020B0609020204030204" pitchFamily="49" charset="0"/>
-              </a:rPr>
-              <a:t>6</a:t>
-            </a:r>
-            <a:r>
-              <a:rPr lang="en-SG" b="0" dirty="0">
-                <a:solidFill>
-                  <a:srgbClr val="000000"/>
-                </a:solidFill>
-                <a:effectLst/>
-                <a:highlight>
-                  <a:srgbClr val="D6E0EB"/>
-                </a:highlight>
-                <a:latin typeface="Consolas" panose="020B0609020204030204" pitchFamily="49" charset="0"/>
-              </a:rPr>
-              <a:t>,</a:t>
-            </a:r>
-            <a:r>
-              <a:rPr lang="en-SG" b="0" dirty="0">
-                <a:solidFill>
-                  <a:srgbClr val="098658"/>
-                </a:solidFill>
-                <a:effectLst/>
-                <a:highlight>
-                  <a:srgbClr val="D6E0EB"/>
-                </a:highlight>
-                <a:latin typeface="Consolas" panose="020B0609020204030204" pitchFamily="49" charset="0"/>
-              </a:rPr>
-              <a:t>7</a:t>
-            </a:r>
-            <a:r>
-              <a:rPr lang="en-SG" b="0" dirty="0">
-                <a:solidFill>
-                  <a:srgbClr val="000000"/>
-                </a:solidFill>
-                <a:effectLst/>
-                <a:highlight>
-                  <a:srgbClr val="D6E0EB"/>
-                </a:highlight>
-                <a:latin typeface="Consolas" panose="020B0609020204030204" pitchFamily="49" charset="0"/>
-              </a:rPr>
-              <a:t>,</a:t>
-            </a:r>
-            <a:r>
-              <a:rPr lang="en-SG" b="0" dirty="0">
-                <a:solidFill>
-                  <a:srgbClr val="098658"/>
-                </a:solidFill>
-                <a:effectLst/>
-                <a:highlight>
-                  <a:srgbClr val="D6E0EB"/>
-                </a:highlight>
-                <a:latin typeface="Consolas" panose="020B0609020204030204" pitchFamily="49" charset="0"/>
-              </a:rPr>
-              <a:t>8</a:t>
-            </a:r>
-            <a:r>
-              <a:rPr lang="en-SG" b="0" dirty="0">
-                <a:solidFill>
-                  <a:srgbClr val="000000"/>
-                </a:solidFill>
-                <a:effectLst/>
-                <a:highlight>
-                  <a:srgbClr val="D6E0EB"/>
-                </a:highlight>
-                <a:latin typeface="Consolas" panose="020B0609020204030204" pitchFamily="49" charset="0"/>
-              </a:rPr>
-              <a:t>,</a:t>
-            </a:r>
-            <a:r>
-              <a:rPr lang="en-SG" b="0" dirty="0">
-                <a:solidFill>
-                  <a:srgbClr val="098658"/>
-                </a:solidFill>
-                <a:effectLst/>
-                <a:highlight>
-                  <a:srgbClr val="D6E0EB"/>
-                </a:highlight>
-                <a:latin typeface="Consolas" panose="020B0609020204030204" pitchFamily="49" charset="0"/>
-              </a:rPr>
-              <a:t>10</a:t>
-            </a:r>
-            <a:r>
-              <a:rPr lang="en-SG" b="0" dirty="0">
-                <a:solidFill>
-                  <a:srgbClr val="000000"/>
-                </a:solidFill>
-                <a:effectLst/>
-                <a:highlight>
-                  <a:srgbClr val="D6E0EB"/>
-                </a:highlight>
-                <a:latin typeface="Consolas" panose="020B0609020204030204" pitchFamily="49" charset="0"/>
-              </a:rPr>
-              <a:t>,</a:t>
-            </a:r>
-            <a:r>
-              <a:rPr lang="en-SG" b="0" dirty="0">
-                <a:solidFill>
-                  <a:srgbClr val="098658"/>
-                </a:solidFill>
-                <a:effectLst/>
-                <a:highlight>
-                  <a:srgbClr val="D6E0EB"/>
-                </a:highlight>
-                <a:latin typeface="Consolas" panose="020B0609020204030204" pitchFamily="49" charset="0"/>
-              </a:rPr>
-              <a:t>20</a:t>
-            </a:r>
-            <a:r>
-              <a:rPr lang="en-SG" b="0" dirty="0">
-                <a:solidFill>
-                  <a:srgbClr val="000000"/>
-                </a:solidFill>
-                <a:effectLst/>
-                <a:highlight>
-                  <a:srgbClr val="D6E0EB"/>
-                </a:highlight>
-                <a:latin typeface="Consolas" panose="020B0609020204030204" pitchFamily="49" charset="0"/>
-              </a:rPr>
-              <a:t>,</a:t>
-            </a:r>
-            <a:r>
-              <a:rPr lang="en-SG" b="0" dirty="0">
-                <a:solidFill>
-                  <a:srgbClr val="098658"/>
-                </a:solidFill>
-                <a:effectLst/>
-                <a:highlight>
-                  <a:srgbClr val="D6E0EB"/>
-                </a:highlight>
-                <a:latin typeface="Consolas" panose="020B0609020204030204" pitchFamily="49" charset="0"/>
-              </a:rPr>
-              <a:t>30</a:t>
-            </a:r>
-            <a:r>
-              <a:rPr lang="en-SG" b="0" dirty="0">
-                <a:solidFill>
-                  <a:srgbClr val="000000"/>
-                </a:solidFill>
-                <a:effectLst/>
-                <a:highlight>
-                  <a:srgbClr val="D6E0EB"/>
-                </a:highlight>
-                <a:latin typeface="Consolas" panose="020B0609020204030204" pitchFamily="49" charset="0"/>
-              </a:rPr>
-              <a:t>,</a:t>
-            </a:r>
-            <a:r>
-              <a:rPr lang="en-SG" b="0" dirty="0">
-                <a:solidFill>
-                  <a:srgbClr val="098658"/>
-                </a:solidFill>
-                <a:effectLst/>
-                <a:highlight>
-                  <a:srgbClr val="D6E0EB"/>
-                </a:highlight>
-                <a:latin typeface="Consolas" panose="020B0609020204030204" pitchFamily="49" charset="0"/>
-              </a:rPr>
-              <a:t>40</a:t>
-            </a:r>
-            <a:r>
-              <a:rPr lang="en-SG" b="0" dirty="0">
-                <a:solidFill>
-                  <a:srgbClr val="000000"/>
-                </a:solidFill>
-                <a:effectLst/>
-                <a:highlight>
-                  <a:srgbClr val="D6E0EB"/>
-                </a:highlight>
-                <a:latin typeface="Consolas" panose="020B0609020204030204" pitchFamily="49" charset="0"/>
-              </a:rPr>
-              <a:t>,</a:t>
-            </a:r>
-            <a:r>
-              <a:rPr lang="en-SG" b="0" dirty="0">
-                <a:solidFill>
-                  <a:srgbClr val="098658"/>
-                </a:solidFill>
-                <a:effectLst/>
-                <a:highlight>
-                  <a:srgbClr val="D6E0EB"/>
-                </a:highlight>
-                <a:latin typeface="Consolas" panose="020B0609020204030204" pitchFamily="49" charset="0"/>
-              </a:rPr>
-              <a:t>50</a:t>
-            </a:r>
-            <a:r>
-              <a:rPr lang="en-SG" b="0" dirty="0">
-                <a:solidFill>
-                  <a:srgbClr val="000000"/>
-                </a:solidFill>
-                <a:effectLst/>
-                <a:highlight>
-                  <a:srgbClr val="D6E0EB"/>
-                </a:highlight>
-                <a:latin typeface="Consolas" panose="020B0609020204030204" pitchFamily="49" charset="0"/>
-              </a:rPr>
-              <a:t>]</a:t>
-            </a:r>
-          </a:p>
-          <a:p>
-            <a:r>
-              <a:rPr lang="en-SG" b="0" dirty="0">
-                <a:solidFill>
-                  <a:srgbClr val="000000"/>
-                </a:solidFill>
-                <a:effectLst/>
-                <a:highlight>
-                  <a:srgbClr val="D6E0EB"/>
-                </a:highlight>
-                <a:latin typeface="Consolas" panose="020B0609020204030204" pitchFamily="49" charset="0"/>
-              </a:rPr>
-              <a:t>    </a:t>
-            </a:r>
-            <a:r>
-              <a:rPr lang="en-SG" b="0" dirty="0" err="1">
-                <a:solidFill>
-                  <a:srgbClr val="001080"/>
-                </a:solidFill>
-                <a:effectLst/>
-                <a:highlight>
-                  <a:srgbClr val="D6E0EB"/>
-                </a:highlight>
-                <a:latin typeface="Consolas" panose="020B0609020204030204" pitchFamily="49" charset="0"/>
-              </a:rPr>
-              <a:t>tree_depths</a:t>
-            </a:r>
-            <a:r>
-              <a:rPr lang="en-SG" b="0" dirty="0">
-                <a:solidFill>
-                  <a:srgbClr val="000000"/>
-                </a:solidFill>
-                <a:effectLst/>
-                <a:highlight>
-                  <a:srgbClr val="D6E0EB"/>
-                </a:highlight>
-                <a:latin typeface="Consolas" panose="020B0609020204030204" pitchFamily="49" charset="0"/>
-              </a:rPr>
-              <a:t> = </a:t>
-            </a:r>
-            <a:r>
-              <a:rPr lang="en-SG" b="0" dirty="0">
-                <a:solidFill>
-                  <a:srgbClr val="267F99"/>
-                </a:solidFill>
-                <a:effectLst/>
-                <a:highlight>
-                  <a:srgbClr val="D6E0EB"/>
-                </a:highlight>
-                <a:latin typeface="Consolas" panose="020B0609020204030204" pitchFamily="49" charset="0"/>
-              </a:rPr>
-              <a:t>range</a:t>
-            </a:r>
-            <a:r>
-              <a:rPr lang="en-SG" b="0" dirty="0">
-                <a:solidFill>
-                  <a:srgbClr val="000000"/>
-                </a:solidFill>
-                <a:effectLst/>
-                <a:highlight>
-                  <a:srgbClr val="D6E0EB"/>
-                </a:highlight>
-                <a:latin typeface="Consolas" panose="020B0609020204030204" pitchFamily="49" charset="0"/>
-              </a:rPr>
-              <a:t>(</a:t>
-            </a:r>
-            <a:r>
-              <a:rPr lang="en-SG" b="0" dirty="0">
-                <a:solidFill>
-                  <a:srgbClr val="098658"/>
-                </a:solidFill>
-                <a:effectLst/>
-                <a:highlight>
-                  <a:srgbClr val="D6E0EB"/>
-                </a:highlight>
-                <a:latin typeface="Consolas" panose="020B0609020204030204" pitchFamily="49" charset="0"/>
-              </a:rPr>
-              <a:t>1</a:t>
-            </a:r>
-            <a:r>
-              <a:rPr lang="en-SG" b="0" dirty="0">
-                <a:solidFill>
-                  <a:srgbClr val="000000"/>
-                </a:solidFill>
-                <a:effectLst/>
-                <a:highlight>
-                  <a:srgbClr val="D6E0EB"/>
-                </a:highlight>
-                <a:latin typeface="Consolas" panose="020B0609020204030204" pitchFamily="49" charset="0"/>
-              </a:rPr>
-              <a:t>,</a:t>
-            </a:r>
-            <a:r>
-              <a:rPr lang="en-SG" b="0" dirty="0">
-                <a:solidFill>
-                  <a:srgbClr val="098658"/>
-                </a:solidFill>
-                <a:effectLst/>
-                <a:highlight>
-                  <a:srgbClr val="D6E0EB"/>
-                </a:highlight>
-                <a:latin typeface="Consolas" panose="020B0609020204030204" pitchFamily="49" charset="0"/>
-              </a:rPr>
-              <a:t>25</a:t>
-            </a:r>
-            <a:r>
-              <a:rPr lang="en-SG" b="0" dirty="0">
-                <a:solidFill>
-                  <a:srgbClr val="000000"/>
-                </a:solidFill>
-                <a:effectLst/>
-                <a:highlight>
-                  <a:srgbClr val="D6E0EB"/>
-                </a:highlight>
-                <a:latin typeface="Consolas" panose="020B0609020204030204" pitchFamily="49" charset="0"/>
-              </a:rPr>
-              <a:t>)</a:t>
-            </a:r>
-          </a:p>
-          <a:p>
-            <a:r>
-              <a:rPr lang="en-SG" b="0" dirty="0">
-                <a:solidFill>
-                  <a:srgbClr val="000000"/>
-                </a:solidFill>
-                <a:effectLst/>
-                <a:highlight>
-                  <a:srgbClr val="D6E0EB"/>
-                </a:highlight>
-                <a:latin typeface="Consolas" panose="020B0609020204030204" pitchFamily="49" charset="0"/>
-              </a:rPr>
-              <a:t>    </a:t>
-            </a:r>
-            <a:r>
-              <a:rPr lang="en-SG" b="0" dirty="0" err="1">
-                <a:solidFill>
-                  <a:srgbClr val="001080"/>
-                </a:solidFill>
-                <a:effectLst/>
-                <a:highlight>
-                  <a:srgbClr val="D6E0EB"/>
-                </a:highlight>
-                <a:latin typeface="Consolas" panose="020B0609020204030204" pitchFamily="49" charset="0"/>
-              </a:rPr>
-              <a:t>class_weight</a:t>
-            </a:r>
-            <a:r>
-              <a:rPr lang="en-SG" b="0" dirty="0">
-                <a:solidFill>
-                  <a:srgbClr val="000000"/>
-                </a:solidFill>
-                <a:effectLst/>
-                <a:highlight>
-                  <a:srgbClr val="D6E0EB"/>
-                </a:highlight>
-                <a:latin typeface="Consolas" panose="020B0609020204030204" pitchFamily="49" charset="0"/>
-              </a:rPr>
-              <a:t>=</a:t>
-            </a:r>
-            <a:r>
-              <a:rPr lang="en-SG" b="0" dirty="0">
-                <a:solidFill>
-                  <a:srgbClr val="A31515"/>
-                </a:solidFill>
-                <a:effectLst/>
-                <a:highlight>
-                  <a:srgbClr val="D6E0EB"/>
-                </a:highlight>
-                <a:latin typeface="Consolas" panose="020B0609020204030204" pitchFamily="49" charset="0"/>
-              </a:rPr>
-              <a:t>'balanced'</a:t>
-            </a:r>
-            <a:endParaRPr lang="en-SG" b="0" dirty="0">
-              <a:solidFill>
-                <a:srgbClr val="000000"/>
-              </a:solidFill>
-              <a:effectLst/>
-              <a:highlight>
-                <a:srgbClr val="D6E0EB"/>
-              </a:highlight>
-              <a:latin typeface="Consolas" panose="020B0609020204030204" pitchFamily="49" charset="0"/>
-            </a:endParaRPr>
-          </a:p>
-          <a:p>
-            <a:r>
-              <a:rPr lang="en-SG" b="0" dirty="0">
-                <a:solidFill>
-                  <a:srgbClr val="000000"/>
-                </a:solidFill>
-                <a:effectLst/>
-                <a:highlight>
-                  <a:srgbClr val="D6E0EB"/>
-                </a:highlight>
-                <a:latin typeface="Consolas" panose="020B0609020204030204" pitchFamily="49" charset="0"/>
-              </a:rPr>
-              <a:t>    </a:t>
-            </a:r>
-            <a:r>
-              <a:rPr lang="en-SG" b="0" dirty="0" err="1">
-                <a:solidFill>
-                  <a:srgbClr val="001080"/>
-                </a:solidFill>
-                <a:effectLst/>
-                <a:highlight>
-                  <a:srgbClr val="D6E0EB"/>
-                </a:highlight>
-                <a:latin typeface="Consolas" panose="020B0609020204030204" pitchFamily="49" charset="0"/>
-              </a:rPr>
-              <a:t>execute_crossval</a:t>
-            </a:r>
-            <a:r>
-              <a:rPr lang="en-SG" b="0" dirty="0">
-                <a:solidFill>
-                  <a:srgbClr val="000000"/>
-                </a:solidFill>
-                <a:effectLst/>
-                <a:highlight>
-                  <a:srgbClr val="D6E0EB"/>
-                </a:highlight>
-                <a:latin typeface="Consolas" panose="020B0609020204030204" pitchFamily="49" charset="0"/>
-              </a:rPr>
-              <a:t>=</a:t>
-            </a:r>
-            <a:r>
-              <a:rPr lang="en-SG" b="0" dirty="0">
-                <a:solidFill>
-                  <a:srgbClr val="0000FF"/>
-                </a:solidFill>
-                <a:effectLst/>
-                <a:highlight>
-                  <a:srgbClr val="D6E0EB"/>
-                </a:highlight>
-                <a:latin typeface="Consolas" panose="020B0609020204030204" pitchFamily="49" charset="0"/>
-              </a:rPr>
-              <a:t>True</a:t>
-            </a:r>
-            <a:endParaRPr lang="en-SG" b="0" dirty="0">
-              <a:solidFill>
-                <a:srgbClr val="000000"/>
-              </a:solidFill>
-              <a:effectLst/>
-              <a:highlight>
-                <a:srgbClr val="D6E0EB"/>
-              </a:highlight>
-              <a:latin typeface="Consolas" panose="020B0609020204030204" pitchFamily="49" charset="0"/>
-            </a:endParaRPr>
-          </a:p>
-          <a:p>
-            <a:endParaRPr lang="en-SG" dirty="0">
-              <a:highlight>
-                <a:srgbClr val="D6E0EB"/>
-              </a:highlight>
-            </a:endParaRPr>
-          </a:p>
-        </p:txBody>
-      </p:sp>
-      <p:sp>
-        <p:nvSpPr>
-          <p:cNvPr id="4" name="Title 3">
-            <a:extLst>
-              <a:ext uri="{FF2B5EF4-FFF2-40B4-BE49-F238E27FC236}">
-                <a16:creationId xmlns:a16="http://schemas.microsoft.com/office/drawing/2014/main" id="{71E87949-5C43-3ED6-5168-4CEE07D04D78}"/>
-              </a:ext>
-            </a:extLst>
-          </p:cNvPr>
-          <p:cNvSpPr>
-            <a:spLocks noGrp="1"/>
-          </p:cNvSpPr>
-          <p:nvPr>
-            <p:ph type="title"/>
-          </p:nvPr>
-        </p:nvSpPr>
-        <p:spPr>
-          <a:xfrm>
-            <a:off x="368137" y="379439"/>
-            <a:ext cx="9823998" cy="1325563"/>
-          </a:xfrm>
-        </p:spPr>
-        <p:txBody>
-          <a:bodyPr/>
-          <a:lstStyle/>
-          <a:p>
-            <a:r>
-              <a:rPr lang="en-US" dirty="0"/>
-              <a:t>UNDERSAMPLE AFTER SPLIT</a:t>
-            </a:r>
-            <a:endParaRPr lang="en-SG" dirty="0"/>
-          </a:p>
-        </p:txBody>
-      </p:sp>
-      <p:sp>
-        <p:nvSpPr>
-          <p:cNvPr id="5" name="Footer Placeholder 4">
-            <a:extLst>
-              <a:ext uri="{FF2B5EF4-FFF2-40B4-BE49-F238E27FC236}">
-                <a16:creationId xmlns:a16="http://schemas.microsoft.com/office/drawing/2014/main" id="{5E6C7A0E-F720-87D7-F168-209155662DE4}"/>
-              </a:ext>
-            </a:extLst>
-          </p:cNvPr>
-          <p:cNvSpPr>
-            <a:spLocks noGrp="1"/>
-          </p:cNvSpPr>
-          <p:nvPr>
-            <p:ph type="ftr" sz="quarter" idx="49"/>
-          </p:nvPr>
-        </p:nvSpPr>
-        <p:spPr/>
-        <p:txBody>
-          <a:bodyPr/>
-          <a:lstStyle/>
-          <a:p>
-            <a:r>
-              <a:rPr lang="en-US" noProof="0"/>
-              <a:t>Presentation Title</a:t>
-            </a:r>
-            <a:endParaRPr lang="en-US" noProof="0" dirty="0"/>
-          </a:p>
-        </p:txBody>
-      </p:sp>
-    </p:spTree>
-    <p:extLst>
-      <p:ext uri="{BB962C8B-B14F-4D97-AF65-F5344CB8AC3E}">
-        <p14:creationId xmlns:p14="http://schemas.microsoft.com/office/powerpoint/2010/main" val="2860544608"/>
-      </p:ext>
-    </p:extLst>
-  </p:cSld>
-  <p:clrMapOvr>
-    <a:masterClrMapping/>
-  </p:clrMapOvr>
-</p:sld>
-</file>
-
-<file path=ppt/slides/slide20.xml><?xml version="1.0" encoding="utf-8"?>
+<file path=ppt/slides/slide21.xml><?xml version="1.0" encoding="utf-8"?>
 <p:sld xmlns:a="http://schemas.openxmlformats.org/drawingml/2006/main" xmlns:r="http://schemas.openxmlformats.org/officeDocument/2006/relationships" xmlns:p="http://schemas.openxmlformats.org/presentationml/2006/main">
   <p:cSld>
     <p:spTree>
@@ -27104,7 +26167,7 @@
           <p:cNvPr id="2" name="Picture Placeholder 1">
             <a:extLst>
               <a:ext uri="{FF2B5EF4-FFF2-40B4-BE49-F238E27FC236}">
-                <a16:creationId xmlns:a16="http://schemas.microsoft.com/office/drawing/2014/main" id="{6AFBA7FF-C6E3-B993-CBB3-4906626B84A6}"/>
+                <a16:creationId xmlns:a16="http://schemas.microsoft.com/office/drawing/2014/main" id="{6023CE9B-E202-1A33-EB96-5D8D78F49B4D}"/>
               </a:ext>
             </a:extLst>
           </p:cNvPr>
@@ -27129,7 +26192,7 @@
           <p:cNvPr id="3" name="Text Placeholder 2">
             <a:extLst>
               <a:ext uri="{FF2B5EF4-FFF2-40B4-BE49-F238E27FC236}">
-                <a16:creationId xmlns:a16="http://schemas.microsoft.com/office/drawing/2014/main" id="{971BAE60-F63D-2EC3-2091-90F56FB2FACB}"/>
+                <a16:creationId xmlns:a16="http://schemas.microsoft.com/office/drawing/2014/main" id="{8001575A-D071-E5C9-BE33-D45296FF2546}"/>
               </a:ext>
             </a:extLst>
           </p:cNvPr>
@@ -27140,12 +26203,1317 @@
             <p:ph type="body" sz="quarter" idx="28"/>
           </p:nvPr>
         </p:nvSpPr>
-        <p:spPr/>
+        <p:spPr>
+          <a:xfrm>
+            <a:off x="368136" y="1312352"/>
+            <a:ext cx="11612369" cy="4808529"/>
+          </a:xfrm>
+        </p:spPr>
         <p:txBody>
           <a:bodyPr/>
           <a:lstStyle/>
           <a:p>
-            <a:endParaRPr lang="en-SG"/>
+            <a:r>
+              <a:rPr lang="en-SG" b="0" dirty="0">
+                <a:solidFill>
+                  <a:srgbClr val="000000"/>
+                </a:solidFill>
+                <a:effectLst/>
+                <a:highlight>
+                  <a:srgbClr val="D6E0EB"/>
+                </a:highlight>
+                <a:latin typeface="Consolas" panose="020B0609020204030204" pitchFamily="49" charset="0"/>
+              </a:rPr>
+              <a:t>    </a:t>
+            </a:r>
+            <a:r>
+              <a:rPr lang="en-SG" b="0" dirty="0">
+                <a:solidFill>
+                  <a:srgbClr val="008000"/>
+                </a:solidFill>
+                <a:effectLst/>
+                <a:highlight>
+                  <a:srgbClr val="D6E0EB"/>
+                </a:highlight>
+                <a:latin typeface="Consolas" panose="020B0609020204030204" pitchFamily="49" charset="0"/>
+              </a:rPr>
+              <a:t># # UNDERSAMPLE - Most efficient with still high accuracy</a:t>
+            </a:r>
+            <a:endParaRPr lang="en-SG" b="0" dirty="0">
+              <a:solidFill>
+                <a:srgbClr val="000000"/>
+              </a:solidFill>
+              <a:effectLst/>
+              <a:highlight>
+                <a:srgbClr val="D6E0EB"/>
+              </a:highlight>
+              <a:latin typeface="Consolas" panose="020B0609020204030204" pitchFamily="49" charset="0"/>
+            </a:endParaRPr>
+          </a:p>
+          <a:p>
+            <a:r>
+              <a:rPr lang="en-SG" b="0" dirty="0">
+                <a:solidFill>
+                  <a:srgbClr val="000000"/>
+                </a:solidFill>
+                <a:effectLst/>
+                <a:highlight>
+                  <a:srgbClr val="D6E0EB"/>
+                </a:highlight>
+                <a:latin typeface="Consolas" panose="020B0609020204030204" pitchFamily="49" charset="0"/>
+              </a:rPr>
+              <a:t>    </a:t>
+            </a:r>
+            <a:r>
+              <a:rPr lang="en-SG" b="0" dirty="0" err="1">
+                <a:solidFill>
+                  <a:srgbClr val="001080"/>
+                </a:solidFill>
+                <a:effectLst/>
+                <a:highlight>
+                  <a:srgbClr val="D6E0EB"/>
+                </a:highlight>
+                <a:latin typeface="Consolas" panose="020B0609020204030204" pitchFamily="49" charset="0"/>
+              </a:rPr>
+              <a:t>sampling_method</a:t>
+            </a:r>
+            <a:r>
+              <a:rPr lang="en-SG" b="0" dirty="0">
+                <a:solidFill>
+                  <a:srgbClr val="000000"/>
+                </a:solidFill>
+                <a:effectLst/>
+                <a:highlight>
+                  <a:srgbClr val="D6E0EB"/>
+                </a:highlight>
+                <a:latin typeface="Consolas" panose="020B0609020204030204" pitchFamily="49" charset="0"/>
+              </a:rPr>
+              <a:t>=</a:t>
+            </a:r>
+            <a:r>
+              <a:rPr lang="en-SG" b="0" dirty="0">
+                <a:solidFill>
+                  <a:srgbClr val="098658"/>
+                </a:solidFill>
+                <a:effectLst/>
+                <a:highlight>
+                  <a:srgbClr val="D6E0EB"/>
+                </a:highlight>
+                <a:latin typeface="Consolas" panose="020B0609020204030204" pitchFamily="49" charset="0"/>
+              </a:rPr>
+              <a:t>0</a:t>
+            </a:r>
+            <a:endParaRPr lang="en-SG" b="0" dirty="0">
+              <a:solidFill>
+                <a:srgbClr val="000000"/>
+              </a:solidFill>
+              <a:effectLst/>
+              <a:highlight>
+                <a:srgbClr val="D6E0EB"/>
+              </a:highlight>
+              <a:latin typeface="Consolas" panose="020B0609020204030204" pitchFamily="49" charset="0"/>
+            </a:endParaRPr>
+          </a:p>
+          <a:p>
+            <a:r>
+              <a:rPr lang="en-SG" b="0" dirty="0">
+                <a:solidFill>
+                  <a:srgbClr val="000000"/>
+                </a:solidFill>
+                <a:effectLst/>
+                <a:highlight>
+                  <a:srgbClr val="D6E0EB"/>
+                </a:highlight>
+                <a:latin typeface="Consolas" panose="020B0609020204030204" pitchFamily="49" charset="0"/>
+              </a:rPr>
+              <a:t>    </a:t>
+            </a:r>
+            <a:r>
+              <a:rPr lang="en-SG" b="0" dirty="0" err="1">
+                <a:solidFill>
+                  <a:srgbClr val="001080"/>
+                </a:solidFill>
+                <a:effectLst/>
+                <a:highlight>
+                  <a:srgbClr val="D6E0EB"/>
+                </a:highlight>
+                <a:latin typeface="Consolas" panose="020B0609020204030204" pitchFamily="49" charset="0"/>
+              </a:rPr>
+              <a:t>sampling_strategy</a:t>
+            </a:r>
+            <a:r>
+              <a:rPr lang="en-SG" b="0" dirty="0">
+                <a:solidFill>
+                  <a:srgbClr val="000000"/>
+                </a:solidFill>
+                <a:effectLst/>
+                <a:highlight>
+                  <a:srgbClr val="D6E0EB"/>
+                </a:highlight>
+                <a:latin typeface="Consolas" panose="020B0609020204030204" pitchFamily="49" charset="0"/>
+              </a:rPr>
+              <a:t>=</a:t>
+            </a:r>
+            <a:r>
+              <a:rPr lang="en-SG" b="0" dirty="0">
+                <a:solidFill>
+                  <a:srgbClr val="098658"/>
+                </a:solidFill>
+                <a:effectLst/>
+                <a:highlight>
+                  <a:srgbClr val="D6E0EB"/>
+                </a:highlight>
+                <a:latin typeface="Consolas" panose="020B0609020204030204" pitchFamily="49" charset="0"/>
+              </a:rPr>
+              <a:t>.42</a:t>
+            </a:r>
+            <a:endParaRPr lang="en-SG" b="0" dirty="0">
+              <a:solidFill>
+                <a:srgbClr val="000000"/>
+              </a:solidFill>
+              <a:effectLst/>
+              <a:highlight>
+                <a:srgbClr val="D6E0EB"/>
+              </a:highlight>
+              <a:latin typeface="Consolas" panose="020B0609020204030204" pitchFamily="49" charset="0"/>
+            </a:endParaRPr>
+          </a:p>
+          <a:p>
+            <a:r>
+              <a:rPr lang="en-SG" b="0" dirty="0">
+                <a:solidFill>
+                  <a:srgbClr val="000000"/>
+                </a:solidFill>
+                <a:effectLst/>
+                <a:highlight>
+                  <a:srgbClr val="D6E0EB"/>
+                </a:highlight>
+                <a:latin typeface="Consolas" panose="020B0609020204030204" pitchFamily="49" charset="0"/>
+              </a:rPr>
+              <a:t>    </a:t>
+            </a:r>
+            <a:r>
+              <a:rPr lang="en-SG" b="0" dirty="0" err="1">
+                <a:solidFill>
+                  <a:srgbClr val="001080"/>
+                </a:solidFill>
+                <a:effectLst/>
+                <a:highlight>
+                  <a:srgbClr val="D6E0EB"/>
+                </a:highlight>
+                <a:latin typeface="Consolas" panose="020B0609020204030204" pitchFamily="49" charset="0"/>
+              </a:rPr>
+              <a:t>x_oversample</a:t>
+            </a:r>
+            <a:r>
+              <a:rPr lang="en-SG" b="0" dirty="0">
+                <a:solidFill>
+                  <a:srgbClr val="000000"/>
+                </a:solidFill>
+                <a:effectLst/>
+                <a:highlight>
+                  <a:srgbClr val="D6E0EB"/>
+                </a:highlight>
+                <a:latin typeface="Consolas" panose="020B0609020204030204" pitchFamily="49" charset="0"/>
+              </a:rPr>
+              <a:t>, </a:t>
+            </a:r>
+            <a:r>
+              <a:rPr lang="en-SG" b="0" dirty="0" err="1">
+                <a:solidFill>
+                  <a:srgbClr val="001080"/>
+                </a:solidFill>
+                <a:effectLst/>
+                <a:highlight>
+                  <a:srgbClr val="D6E0EB"/>
+                </a:highlight>
+                <a:latin typeface="Consolas" panose="020B0609020204030204" pitchFamily="49" charset="0"/>
+              </a:rPr>
+              <a:t>y_oversample</a:t>
+            </a:r>
+            <a:r>
+              <a:rPr lang="en-SG" b="0" dirty="0">
+                <a:solidFill>
+                  <a:srgbClr val="000000"/>
+                </a:solidFill>
+                <a:effectLst/>
+                <a:highlight>
+                  <a:srgbClr val="D6E0EB"/>
+                </a:highlight>
+                <a:latin typeface="Consolas" panose="020B0609020204030204" pitchFamily="49" charset="0"/>
+              </a:rPr>
+              <a:t> = </a:t>
+            </a:r>
+            <a:r>
+              <a:rPr lang="en-SG" b="0" dirty="0" err="1">
+                <a:solidFill>
+                  <a:srgbClr val="795E26"/>
+                </a:solidFill>
+                <a:effectLst/>
+                <a:highlight>
+                  <a:srgbClr val="D6E0EB"/>
+                </a:highlight>
+                <a:latin typeface="Consolas" panose="020B0609020204030204" pitchFamily="49" charset="0"/>
+              </a:rPr>
+              <a:t>sample_imbalanced_data</a:t>
+            </a:r>
+            <a:r>
+              <a:rPr lang="en-SG" b="0" dirty="0">
+                <a:solidFill>
+                  <a:srgbClr val="000000"/>
+                </a:solidFill>
+                <a:effectLst/>
+                <a:highlight>
+                  <a:srgbClr val="D6E0EB"/>
+                </a:highlight>
+                <a:latin typeface="Consolas" panose="020B0609020204030204" pitchFamily="49" charset="0"/>
+              </a:rPr>
+              <a:t>(</a:t>
+            </a:r>
+            <a:r>
+              <a:rPr lang="en-SG" b="0" dirty="0" err="1">
+                <a:solidFill>
+                  <a:srgbClr val="001080"/>
+                </a:solidFill>
+                <a:effectLst/>
+                <a:highlight>
+                  <a:srgbClr val="D6E0EB"/>
+                </a:highlight>
+                <a:latin typeface="Consolas" panose="020B0609020204030204" pitchFamily="49" charset="0"/>
+              </a:rPr>
+              <a:t>X_train</a:t>
+            </a:r>
+            <a:r>
+              <a:rPr lang="en-SG" b="0" dirty="0" err="1">
+                <a:solidFill>
+                  <a:srgbClr val="000000"/>
+                </a:solidFill>
+                <a:effectLst/>
+                <a:highlight>
+                  <a:srgbClr val="D6E0EB"/>
+                </a:highlight>
+                <a:latin typeface="Consolas" panose="020B0609020204030204" pitchFamily="49" charset="0"/>
+              </a:rPr>
+              <a:t>,</a:t>
+            </a:r>
+            <a:r>
+              <a:rPr lang="en-SG" b="0" dirty="0" err="1">
+                <a:solidFill>
+                  <a:srgbClr val="001080"/>
+                </a:solidFill>
+                <a:effectLst/>
+                <a:highlight>
+                  <a:srgbClr val="D6E0EB"/>
+                </a:highlight>
+                <a:latin typeface="Consolas" panose="020B0609020204030204" pitchFamily="49" charset="0"/>
+              </a:rPr>
+              <a:t>y_train</a:t>
+            </a:r>
+            <a:r>
+              <a:rPr lang="en-SG" b="0" dirty="0">
+                <a:solidFill>
+                  <a:srgbClr val="000000"/>
+                </a:solidFill>
+                <a:effectLst/>
+                <a:highlight>
+                  <a:srgbClr val="D6E0EB"/>
+                </a:highlight>
+                <a:latin typeface="Consolas" panose="020B0609020204030204" pitchFamily="49" charset="0"/>
+              </a:rPr>
+              <a:t>, </a:t>
+            </a:r>
+            <a:r>
+              <a:rPr lang="en-SG" b="0" dirty="0" err="1">
+                <a:solidFill>
+                  <a:srgbClr val="001080"/>
+                </a:solidFill>
+                <a:effectLst/>
+                <a:highlight>
+                  <a:srgbClr val="D6E0EB"/>
+                </a:highlight>
+                <a:latin typeface="Consolas" panose="020B0609020204030204" pitchFamily="49" charset="0"/>
+              </a:rPr>
+              <a:t>sampling_method</a:t>
+            </a:r>
+            <a:r>
+              <a:rPr lang="en-SG" b="0" dirty="0">
+                <a:solidFill>
+                  <a:srgbClr val="000000"/>
+                </a:solidFill>
+                <a:effectLst/>
+                <a:highlight>
+                  <a:srgbClr val="D6E0EB"/>
+                </a:highlight>
+                <a:latin typeface="Consolas" panose="020B0609020204030204" pitchFamily="49" charset="0"/>
+              </a:rPr>
+              <a:t>, </a:t>
+            </a:r>
+            <a:r>
+              <a:rPr lang="en-SG" b="0" dirty="0" err="1">
+                <a:solidFill>
+                  <a:srgbClr val="001080"/>
+                </a:solidFill>
+                <a:effectLst/>
+                <a:highlight>
+                  <a:srgbClr val="D6E0EB"/>
+                </a:highlight>
+                <a:latin typeface="Consolas" panose="020B0609020204030204" pitchFamily="49" charset="0"/>
+              </a:rPr>
+              <a:t>sampling_strategy</a:t>
+            </a:r>
+            <a:r>
+              <a:rPr lang="en-SG" b="0" dirty="0">
+                <a:solidFill>
+                  <a:srgbClr val="000000"/>
+                </a:solidFill>
+                <a:effectLst/>
+                <a:highlight>
+                  <a:srgbClr val="D6E0EB"/>
+                </a:highlight>
+                <a:latin typeface="Consolas" panose="020B0609020204030204" pitchFamily="49" charset="0"/>
+              </a:rPr>
+              <a:t>=</a:t>
+            </a:r>
+            <a:r>
+              <a:rPr lang="en-SG" b="0" dirty="0" err="1">
+                <a:solidFill>
+                  <a:srgbClr val="001080"/>
+                </a:solidFill>
+                <a:effectLst/>
+                <a:highlight>
+                  <a:srgbClr val="D6E0EB"/>
+                </a:highlight>
+                <a:latin typeface="Consolas" panose="020B0609020204030204" pitchFamily="49" charset="0"/>
+              </a:rPr>
+              <a:t>sampling_strategy</a:t>
+            </a:r>
+            <a:r>
+              <a:rPr lang="en-SG" b="0" dirty="0">
+                <a:solidFill>
+                  <a:srgbClr val="000000"/>
+                </a:solidFill>
+                <a:effectLst/>
+                <a:highlight>
+                  <a:srgbClr val="D6E0EB"/>
+                </a:highlight>
+                <a:latin typeface="Consolas" panose="020B0609020204030204" pitchFamily="49" charset="0"/>
+              </a:rPr>
+              <a:t>)</a:t>
+            </a:r>
+          </a:p>
+          <a:p>
+            <a:r>
+              <a:rPr lang="en-SG" b="0" dirty="0">
+                <a:solidFill>
+                  <a:srgbClr val="000000"/>
+                </a:solidFill>
+                <a:effectLst/>
+                <a:highlight>
+                  <a:srgbClr val="D6E0EB"/>
+                </a:highlight>
+                <a:latin typeface="Consolas" panose="020B0609020204030204" pitchFamily="49" charset="0"/>
+              </a:rPr>
+              <a:t>    </a:t>
+            </a:r>
+            <a:r>
+              <a:rPr lang="en-SG" b="0" dirty="0">
+                <a:solidFill>
+                  <a:srgbClr val="008000"/>
+                </a:solidFill>
+                <a:effectLst/>
+                <a:highlight>
+                  <a:srgbClr val="D6E0EB"/>
+                </a:highlight>
+                <a:latin typeface="Consolas" panose="020B0609020204030204" pitchFamily="49" charset="0"/>
+              </a:rPr>
+              <a:t># </a:t>
+            </a:r>
+            <a:r>
+              <a:rPr lang="en-SG" b="0" dirty="0" err="1">
+                <a:solidFill>
+                  <a:srgbClr val="008000"/>
+                </a:solidFill>
+                <a:effectLst/>
+                <a:highlight>
+                  <a:srgbClr val="D6E0EB"/>
+                </a:highlight>
+                <a:latin typeface="Consolas" panose="020B0609020204030204" pitchFamily="49" charset="0"/>
+              </a:rPr>
+              <a:t>X_test,y_test</a:t>
+            </a:r>
+            <a:r>
+              <a:rPr lang="en-SG" b="0" dirty="0">
+                <a:solidFill>
+                  <a:srgbClr val="008000"/>
+                </a:solidFill>
+                <a:effectLst/>
+                <a:highlight>
+                  <a:srgbClr val="D6E0EB"/>
+                </a:highlight>
+                <a:latin typeface="Consolas" panose="020B0609020204030204" pitchFamily="49" charset="0"/>
+              </a:rPr>
+              <a:t> = </a:t>
+            </a:r>
+            <a:r>
+              <a:rPr lang="en-SG" b="0" dirty="0" err="1">
+                <a:solidFill>
+                  <a:srgbClr val="008000"/>
+                </a:solidFill>
+                <a:effectLst/>
+                <a:highlight>
+                  <a:srgbClr val="D6E0EB"/>
+                </a:highlight>
+                <a:latin typeface="Consolas" panose="020B0609020204030204" pitchFamily="49" charset="0"/>
+              </a:rPr>
+              <a:t>sample_imbalanced_data</a:t>
+            </a:r>
+            <a:r>
+              <a:rPr lang="en-SG" b="0" dirty="0">
+                <a:solidFill>
+                  <a:srgbClr val="008000"/>
+                </a:solidFill>
+                <a:effectLst/>
+                <a:highlight>
+                  <a:srgbClr val="D6E0EB"/>
+                </a:highlight>
+                <a:latin typeface="Consolas" panose="020B0609020204030204" pitchFamily="49" charset="0"/>
+              </a:rPr>
+              <a:t>(</a:t>
+            </a:r>
+            <a:r>
+              <a:rPr lang="en-SG" b="0" dirty="0" err="1">
+                <a:solidFill>
+                  <a:srgbClr val="008000"/>
+                </a:solidFill>
+                <a:effectLst/>
+                <a:highlight>
+                  <a:srgbClr val="D6E0EB"/>
+                </a:highlight>
+                <a:latin typeface="Consolas" panose="020B0609020204030204" pitchFamily="49" charset="0"/>
+              </a:rPr>
+              <a:t>X_test,y_test</a:t>
+            </a:r>
+            <a:r>
+              <a:rPr lang="en-SG" b="0" dirty="0">
+                <a:solidFill>
+                  <a:srgbClr val="008000"/>
+                </a:solidFill>
+                <a:effectLst/>
+                <a:highlight>
+                  <a:srgbClr val="D6E0EB"/>
+                </a:highlight>
+                <a:latin typeface="Consolas" panose="020B0609020204030204" pitchFamily="49" charset="0"/>
+              </a:rPr>
+              <a:t>, 0, </a:t>
+            </a:r>
+            <a:r>
+              <a:rPr lang="en-SG" b="0" dirty="0" err="1">
+                <a:solidFill>
+                  <a:srgbClr val="008000"/>
+                </a:solidFill>
+                <a:effectLst/>
+                <a:highlight>
+                  <a:srgbClr val="D6E0EB"/>
+                </a:highlight>
+                <a:latin typeface="Consolas" panose="020B0609020204030204" pitchFamily="49" charset="0"/>
+              </a:rPr>
+              <a:t>sampling_strategy</a:t>
+            </a:r>
+            <a:r>
+              <a:rPr lang="en-SG" b="0" dirty="0">
+                <a:solidFill>
+                  <a:srgbClr val="008000"/>
+                </a:solidFill>
+                <a:effectLst/>
+                <a:highlight>
+                  <a:srgbClr val="D6E0EB"/>
+                </a:highlight>
+                <a:latin typeface="Consolas" panose="020B0609020204030204" pitchFamily="49" charset="0"/>
+              </a:rPr>
+              <a:t>=</a:t>
+            </a:r>
+            <a:r>
+              <a:rPr lang="en-SG" b="0" dirty="0" err="1">
+                <a:solidFill>
+                  <a:srgbClr val="008000"/>
+                </a:solidFill>
+                <a:effectLst/>
+                <a:highlight>
+                  <a:srgbClr val="D6E0EB"/>
+                </a:highlight>
+                <a:latin typeface="Consolas" panose="020B0609020204030204" pitchFamily="49" charset="0"/>
+              </a:rPr>
+              <a:t>sampling_strategy</a:t>
+            </a:r>
+            <a:r>
+              <a:rPr lang="en-SG" b="0" dirty="0">
+                <a:solidFill>
+                  <a:srgbClr val="008000"/>
+                </a:solidFill>
+                <a:effectLst/>
+                <a:highlight>
+                  <a:srgbClr val="D6E0EB"/>
+                </a:highlight>
+                <a:latin typeface="Consolas" panose="020B0609020204030204" pitchFamily="49" charset="0"/>
+              </a:rPr>
+              <a:t>)</a:t>
+            </a:r>
+            <a:endParaRPr lang="en-SG" b="0" dirty="0">
+              <a:solidFill>
+                <a:srgbClr val="000000"/>
+              </a:solidFill>
+              <a:effectLst/>
+              <a:highlight>
+                <a:srgbClr val="D6E0EB"/>
+              </a:highlight>
+              <a:latin typeface="Consolas" panose="020B0609020204030204" pitchFamily="49" charset="0"/>
+            </a:endParaRPr>
+          </a:p>
+          <a:p>
+            <a:r>
+              <a:rPr lang="en-SG" b="0" dirty="0">
+                <a:solidFill>
+                  <a:srgbClr val="000000"/>
+                </a:solidFill>
+                <a:effectLst/>
+                <a:highlight>
+                  <a:srgbClr val="D6E0EB"/>
+                </a:highlight>
+                <a:latin typeface="Consolas" panose="020B0609020204030204" pitchFamily="49" charset="0"/>
+              </a:rPr>
+              <a:t>    </a:t>
+            </a:r>
+            <a:r>
+              <a:rPr lang="en-SG" b="0" dirty="0" err="1">
+                <a:solidFill>
+                  <a:srgbClr val="001080"/>
+                </a:solidFill>
+                <a:effectLst/>
+                <a:highlight>
+                  <a:srgbClr val="D6E0EB"/>
+                </a:highlight>
+                <a:latin typeface="Consolas" panose="020B0609020204030204" pitchFamily="49" charset="0"/>
+              </a:rPr>
+              <a:t>min_samples_leaf</a:t>
+            </a:r>
+            <a:r>
+              <a:rPr lang="en-SG" b="0" dirty="0">
+                <a:solidFill>
+                  <a:srgbClr val="000000"/>
+                </a:solidFill>
+                <a:effectLst/>
+                <a:highlight>
+                  <a:srgbClr val="D6E0EB"/>
+                </a:highlight>
+                <a:latin typeface="Consolas" panose="020B0609020204030204" pitchFamily="49" charset="0"/>
+              </a:rPr>
+              <a:t>=</a:t>
+            </a:r>
+            <a:r>
+              <a:rPr lang="en-SG" b="0" dirty="0">
+                <a:solidFill>
+                  <a:srgbClr val="098658"/>
+                </a:solidFill>
+                <a:effectLst/>
+                <a:highlight>
+                  <a:srgbClr val="D6E0EB"/>
+                </a:highlight>
+                <a:latin typeface="Consolas" panose="020B0609020204030204" pitchFamily="49" charset="0"/>
+              </a:rPr>
+              <a:t>10</a:t>
+            </a:r>
+            <a:endParaRPr lang="en-SG" b="0" dirty="0">
+              <a:solidFill>
+                <a:srgbClr val="000000"/>
+              </a:solidFill>
+              <a:effectLst/>
+              <a:highlight>
+                <a:srgbClr val="D6E0EB"/>
+              </a:highlight>
+              <a:latin typeface="Consolas" panose="020B0609020204030204" pitchFamily="49" charset="0"/>
+            </a:endParaRPr>
+          </a:p>
+          <a:p>
+            <a:r>
+              <a:rPr lang="en-SG" b="0" dirty="0">
+                <a:solidFill>
+                  <a:srgbClr val="000000"/>
+                </a:solidFill>
+                <a:effectLst/>
+                <a:highlight>
+                  <a:srgbClr val="D6E0EB"/>
+                </a:highlight>
+                <a:latin typeface="Consolas" panose="020B0609020204030204" pitchFamily="49" charset="0"/>
+              </a:rPr>
+              <a:t>    </a:t>
+            </a:r>
+            <a:r>
+              <a:rPr lang="en-SG" b="0" dirty="0" err="1">
+                <a:solidFill>
+                  <a:srgbClr val="001080"/>
+                </a:solidFill>
+                <a:effectLst/>
+                <a:highlight>
+                  <a:srgbClr val="D6E0EB"/>
+                </a:highlight>
+                <a:latin typeface="Consolas" panose="020B0609020204030204" pitchFamily="49" charset="0"/>
+              </a:rPr>
+              <a:t>max_depth</a:t>
+            </a:r>
+            <a:r>
+              <a:rPr lang="en-SG" b="0" dirty="0">
+                <a:solidFill>
+                  <a:srgbClr val="000000"/>
+                </a:solidFill>
+                <a:effectLst/>
+                <a:highlight>
+                  <a:srgbClr val="D6E0EB"/>
+                </a:highlight>
+                <a:latin typeface="Consolas" panose="020B0609020204030204" pitchFamily="49" charset="0"/>
+              </a:rPr>
+              <a:t>=</a:t>
+            </a:r>
+            <a:r>
+              <a:rPr lang="en-SG" dirty="0">
+                <a:solidFill>
+                  <a:srgbClr val="098658"/>
+                </a:solidFill>
+                <a:highlight>
+                  <a:srgbClr val="D6E0EB"/>
+                </a:highlight>
+                <a:latin typeface="Consolas" panose="020B0609020204030204" pitchFamily="49" charset="0"/>
+              </a:rPr>
+              <a:t>7</a:t>
+            </a:r>
+            <a:endParaRPr lang="en-SG" b="0" dirty="0">
+              <a:solidFill>
+                <a:srgbClr val="000000"/>
+              </a:solidFill>
+              <a:effectLst/>
+              <a:highlight>
+                <a:srgbClr val="D6E0EB"/>
+              </a:highlight>
+              <a:latin typeface="Consolas" panose="020B0609020204030204" pitchFamily="49" charset="0"/>
+            </a:endParaRPr>
+          </a:p>
+          <a:p>
+            <a:r>
+              <a:rPr lang="en-SG" b="0" dirty="0">
+                <a:solidFill>
+                  <a:srgbClr val="000000"/>
+                </a:solidFill>
+                <a:effectLst/>
+                <a:highlight>
+                  <a:srgbClr val="D6E0EB"/>
+                </a:highlight>
+                <a:latin typeface="Consolas" panose="020B0609020204030204" pitchFamily="49" charset="0"/>
+              </a:rPr>
+              <a:t>    </a:t>
+            </a:r>
+            <a:r>
+              <a:rPr lang="en-SG" b="0" dirty="0">
+                <a:solidFill>
+                  <a:srgbClr val="001080"/>
+                </a:solidFill>
+                <a:effectLst/>
+                <a:highlight>
+                  <a:srgbClr val="D6E0EB"/>
+                </a:highlight>
+                <a:latin typeface="Consolas" panose="020B0609020204030204" pitchFamily="49" charset="0"/>
+              </a:rPr>
+              <a:t>estimators</a:t>
+            </a:r>
+            <a:r>
+              <a:rPr lang="en-SG" b="0" dirty="0">
+                <a:solidFill>
+                  <a:srgbClr val="000000"/>
+                </a:solidFill>
+                <a:effectLst/>
+                <a:highlight>
+                  <a:srgbClr val="D6E0EB"/>
+                </a:highlight>
+                <a:latin typeface="Consolas" panose="020B0609020204030204" pitchFamily="49" charset="0"/>
+              </a:rPr>
+              <a:t>=</a:t>
+            </a:r>
+            <a:r>
+              <a:rPr lang="en-SG" b="0" dirty="0">
+                <a:solidFill>
+                  <a:srgbClr val="098658"/>
+                </a:solidFill>
+                <a:effectLst/>
+                <a:highlight>
+                  <a:srgbClr val="D6E0EB"/>
+                </a:highlight>
+                <a:latin typeface="Consolas" panose="020B0609020204030204" pitchFamily="49" charset="0"/>
+              </a:rPr>
+              <a:t>50</a:t>
+            </a:r>
+            <a:endParaRPr lang="en-SG" b="0" dirty="0">
+              <a:solidFill>
+                <a:srgbClr val="000000"/>
+              </a:solidFill>
+              <a:effectLst/>
+              <a:highlight>
+                <a:srgbClr val="D6E0EB"/>
+              </a:highlight>
+              <a:latin typeface="Consolas" panose="020B0609020204030204" pitchFamily="49" charset="0"/>
+            </a:endParaRPr>
+          </a:p>
+          <a:p>
+            <a:r>
+              <a:rPr lang="en-SG" b="0" dirty="0">
+                <a:solidFill>
+                  <a:srgbClr val="000000"/>
+                </a:solidFill>
+                <a:effectLst/>
+                <a:highlight>
+                  <a:srgbClr val="D6E0EB"/>
+                </a:highlight>
+                <a:latin typeface="Consolas" panose="020B0609020204030204" pitchFamily="49" charset="0"/>
+              </a:rPr>
+              <a:t>    </a:t>
+            </a:r>
+            <a:r>
+              <a:rPr lang="en-SG" b="0" dirty="0" err="1">
+                <a:solidFill>
+                  <a:srgbClr val="001080"/>
+                </a:solidFill>
+                <a:effectLst/>
+                <a:highlight>
+                  <a:srgbClr val="D6E0EB"/>
+                </a:highlight>
+                <a:latin typeface="Consolas" panose="020B0609020204030204" pitchFamily="49" charset="0"/>
+              </a:rPr>
+              <a:t>samples_leaf_sizes</a:t>
+            </a:r>
+            <a:r>
+              <a:rPr lang="en-SG" b="0" dirty="0">
+                <a:solidFill>
+                  <a:srgbClr val="000000"/>
+                </a:solidFill>
+                <a:effectLst/>
+                <a:highlight>
+                  <a:srgbClr val="D6E0EB"/>
+                </a:highlight>
+                <a:latin typeface="Consolas" panose="020B0609020204030204" pitchFamily="49" charset="0"/>
+              </a:rPr>
+              <a:t> = [</a:t>
+            </a:r>
+            <a:r>
+              <a:rPr lang="en-SG" b="0" dirty="0">
+                <a:solidFill>
+                  <a:srgbClr val="098658"/>
+                </a:solidFill>
+                <a:effectLst/>
+                <a:highlight>
+                  <a:srgbClr val="D6E0EB"/>
+                </a:highlight>
+                <a:latin typeface="Consolas" panose="020B0609020204030204" pitchFamily="49" charset="0"/>
+              </a:rPr>
+              <a:t>2</a:t>
+            </a:r>
+            <a:r>
+              <a:rPr lang="en-SG" b="0" dirty="0">
+                <a:solidFill>
+                  <a:srgbClr val="000000"/>
+                </a:solidFill>
+                <a:effectLst/>
+                <a:highlight>
+                  <a:srgbClr val="D6E0EB"/>
+                </a:highlight>
+                <a:latin typeface="Consolas" panose="020B0609020204030204" pitchFamily="49" charset="0"/>
+              </a:rPr>
+              <a:t>,</a:t>
+            </a:r>
+            <a:r>
+              <a:rPr lang="en-SG" b="0" dirty="0">
+                <a:solidFill>
+                  <a:srgbClr val="098658"/>
+                </a:solidFill>
+                <a:effectLst/>
+                <a:highlight>
+                  <a:srgbClr val="D6E0EB"/>
+                </a:highlight>
+                <a:latin typeface="Consolas" panose="020B0609020204030204" pitchFamily="49" charset="0"/>
+              </a:rPr>
+              <a:t>4</a:t>
+            </a:r>
+            <a:r>
+              <a:rPr lang="en-SG" b="0" dirty="0">
+                <a:solidFill>
+                  <a:srgbClr val="000000"/>
+                </a:solidFill>
+                <a:effectLst/>
+                <a:highlight>
+                  <a:srgbClr val="D6E0EB"/>
+                </a:highlight>
+                <a:latin typeface="Consolas" panose="020B0609020204030204" pitchFamily="49" charset="0"/>
+              </a:rPr>
+              <a:t>,</a:t>
+            </a:r>
+            <a:r>
+              <a:rPr lang="en-SG" b="0" dirty="0">
+                <a:solidFill>
+                  <a:srgbClr val="098658"/>
+                </a:solidFill>
+                <a:effectLst/>
+                <a:highlight>
+                  <a:srgbClr val="D6E0EB"/>
+                </a:highlight>
+                <a:latin typeface="Consolas" panose="020B0609020204030204" pitchFamily="49" charset="0"/>
+              </a:rPr>
+              <a:t>6</a:t>
+            </a:r>
+            <a:r>
+              <a:rPr lang="en-SG" b="0" dirty="0">
+                <a:solidFill>
+                  <a:srgbClr val="000000"/>
+                </a:solidFill>
+                <a:effectLst/>
+                <a:highlight>
+                  <a:srgbClr val="D6E0EB"/>
+                </a:highlight>
+                <a:latin typeface="Consolas" panose="020B0609020204030204" pitchFamily="49" charset="0"/>
+              </a:rPr>
+              <a:t>,</a:t>
+            </a:r>
+            <a:r>
+              <a:rPr lang="en-SG" b="0" dirty="0">
+                <a:solidFill>
+                  <a:srgbClr val="098658"/>
+                </a:solidFill>
+                <a:effectLst/>
+                <a:highlight>
+                  <a:srgbClr val="D6E0EB"/>
+                </a:highlight>
+                <a:latin typeface="Consolas" panose="020B0609020204030204" pitchFamily="49" charset="0"/>
+              </a:rPr>
+              <a:t>7</a:t>
+            </a:r>
+            <a:r>
+              <a:rPr lang="en-SG" b="0" dirty="0">
+                <a:solidFill>
+                  <a:srgbClr val="000000"/>
+                </a:solidFill>
+                <a:effectLst/>
+                <a:highlight>
+                  <a:srgbClr val="D6E0EB"/>
+                </a:highlight>
+                <a:latin typeface="Consolas" panose="020B0609020204030204" pitchFamily="49" charset="0"/>
+              </a:rPr>
+              <a:t>,</a:t>
+            </a:r>
+            <a:r>
+              <a:rPr lang="en-SG" b="0" dirty="0">
+                <a:solidFill>
+                  <a:srgbClr val="098658"/>
+                </a:solidFill>
+                <a:effectLst/>
+                <a:highlight>
+                  <a:srgbClr val="D6E0EB"/>
+                </a:highlight>
+                <a:latin typeface="Consolas" panose="020B0609020204030204" pitchFamily="49" charset="0"/>
+              </a:rPr>
+              <a:t>8</a:t>
+            </a:r>
+            <a:r>
+              <a:rPr lang="en-SG" b="0" dirty="0">
+                <a:solidFill>
+                  <a:srgbClr val="000000"/>
+                </a:solidFill>
+                <a:effectLst/>
+                <a:highlight>
+                  <a:srgbClr val="D6E0EB"/>
+                </a:highlight>
+                <a:latin typeface="Consolas" panose="020B0609020204030204" pitchFamily="49" charset="0"/>
+              </a:rPr>
+              <a:t>,</a:t>
+            </a:r>
+            <a:r>
+              <a:rPr lang="en-SG" b="0" dirty="0">
+                <a:solidFill>
+                  <a:srgbClr val="098658"/>
+                </a:solidFill>
+                <a:effectLst/>
+                <a:highlight>
+                  <a:srgbClr val="D6E0EB"/>
+                </a:highlight>
+                <a:latin typeface="Consolas" panose="020B0609020204030204" pitchFamily="49" charset="0"/>
+              </a:rPr>
+              <a:t>10</a:t>
+            </a:r>
+            <a:r>
+              <a:rPr lang="en-SG" b="0" dirty="0">
+                <a:solidFill>
+                  <a:srgbClr val="000000"/>
+                </a:solidFill>
+                <a:effectLst/>
+                <a:highlight>
+                  <a:srgbClr val="D6E0EB"/>
+                </a:highlight>
+                <a:latin typeface="Consolas" panose="020B0609020204030204" pitchFamily="49" charset="0"/>
+              </a:rPr>
+              <a:t>,</a:t>
+            </a:r>
+            <a:r>
+              <a:rPr lang="en-SG" b="0" dirty="0">
+                <a:solidFill>
+                  <a:srgbClr val="098658"/>
+                </a:solidFill>
+                <a:effectLst/>
+                <a:highlight>
+                  <a:srgbClr val="D6E0EB"/>
+                </a:highlight>
+                <a:latin typeface="Consolas" panose="020B0609020204030204" pitchFamily="49" charset="0"/>
+              </a:rPr>
+              <a:t>20</a:t>
+            </a:r>
+            <a:r>
+              <a:rPr lang="en-SG" b="0" dirty="0">
+                <a:solidFill>
+                  <a:srgbClr val="000000"/>
+                </a:solidFill>
+                <a:effectLst/>
+                <a:highlight>
+                  <a:srgbClr val="D6E0EB"/>
+                </a:highlight>
+                <a:latin typeface="Consolas" panose="020B0609020204030204" pitchFamily="49" charset="0"/>
+              </a:rPr>
+              <a:t>,</a:t>
+            </a:r>
+            <a:r>
+              <a:rPr lang="en-SG" b="0" dirty="0">
+                <a:solidFill>
+                  <a:srgbClr val="098658"/>
+                </a:solidFill>
+                <a:effectLst/>
+                <a:highlight>
+                  <a:srgbClr val="D6E0EB"/>
+                </a:highlight>
+                <a:latin typeface="Consolas" panose="020B0609020204030204" pitchFamily="49" charset="0"/>
+              </a:rPr>
+              <a:t>30</a:t>
+            </a:r>
+            <a:r>
+              <a:rPr lang="en-SG" b="0" dirty="0">
+                <a:solidFill>
+                  <a:srgbClr val="000000"/>
+                </a:solidFill>
+                <a:effectLst/>
+                <a:highlight>
+                  <a:srgbClr val="D6E0EB"/>
+                </a:highlight>
+                <a:latin typeface="Consolas" panose="020B0609020204030204" pitchFamily="49" charset="0"/>
+              </a:rPr>
+              <a:t>,</a:t>
+            </a:r>
+            <a:r>
+              <a:rPr lang="en-SG" b="0" dirty="0">
+                <a:solidFill>
+                  <a:srgbClr val="098658"/>
+                </a:solidFill>
+                <a:effectLst/>
+                <a:highlight>
+                  <a:srgbClr val="D6E0EB"/>
+                </a:highlight>
+                <a:latin typeface="Consolas" panose="020B0609020204030204" pitchFamily="49" charset="0"/>
+              </a:rPr>
+              <a:t>40</a:t>
+            </a:r>
+            <a:r>
+              <a:rPr lang="en-SG" b="0" dirty="0">
+                <a:solidFill>
+                  <a:srgbClr val="000000"/>
+                </a:solidFill>
+                <a:effectLst/>
+                <a:highlight>
+                  <a:srgbClr val="D6E0EB"/>
+                </a:highlight>
+                <a:latin typeface="Consolas" panose="020B0609020204030204" pitchFamily="49" charset="0"/>
+              </a:rPr>
+              <a:t>,</a:t>
+            </a:r>
+            <a:r>
+              <a:rPr lang="en-SG" b="0" dirty="0">
+                <a:solidFill>
+                  <a:srgbClr val="098658"/>
+                </a:solidFill>
+                <a:effectLst/>
+                <a:highlight>
+                  <a:srgbClr val="D6E0EB"/>
+                </a:highlight>
+                <a:latin typeface="Consolas" panose="020B0609020204030204" pitchFamily="49" charset="0"/>
+              </a:rPr>
+              <a:t>50</a:t>
+            </a:r>
+            <a:r>
+              <a:rPr lang="en-SG" b="0" dirty="0">
+                <a:solidFill>
+                  <a:srgbClr val="000000"/>
+                </a:solidFill>
+                <a:effectLst/>
+                <a:highlight>
+                  <a:srgbClr val="D6E0EB"/>
+                </a:highlight>
+                <a:latin typeface="Consolas" panose="020B0609020204030204" pitchFamily="49" charset="0"/>
+              </a:rPr>
+              <a:t>]</a:t>
+            </a:r>
+          </a:p>
+          <a:p>
+            <a:r>
+              <a:rPr lang="en-SG" b="0" dirty="0">
+                <a:solidFill>
+                  <a:srgbClr val="000000"/>
+                </a:solidFill>
+                <a:effectLst/>
+                <a:highlight>
+                  <a:srgbClr val="D6E0EB"/>
+                </a:highlight>
+                <a:latin typeface="Consolas" panose="020B0609020204030204" pitchFamily="49" charset="0"/>
+              </a:rPr>
+              <a:t>    </a:t>
+            </a:r>
+            <a:r>
+              <a:rPr lang="en-SG" b="0" dirty="0" err="1">
+                <a:solidFill>
+                  <a:srgbClr val="001080"/>
+                </a:solidFill>
+                <a:effectLst/>
+                <a:highlight>
+                  <a:srgbClr val="D6E0EB"/>
+                </a:highlight>
+                <a:latin typeface="Consolas" panose="020B0609020204030204" pitchFamily="49" charset="0"/>
+              </a:rPr>
+              <a:t>tree_depths</a:t>
+            </a:r>
+            <a:r>
+              <a:rPr lang="en-SG" b="0" dirty="0">
+                <a:solidFill>
+                  <a:srgbClr val="000000"/>
+                </a:solidFill>
+                <a:effectLst/>
+                <a:highlight>
+                  <a:srgbClr val="D6E0EB"/>
+                </a:highlight>
+                <a:latin typeface="Consolas" panose="020B0609020204030204" pitchFamily="49" charset="0"/>
+              </a:rPr>
+              <a:t> = </a:t>
+            </a:r>
+            <a:r>
+              <a:rPr lang="en-SG" b="0" dirty="0">
+                <a:solidFill>
+                  <a:srgbClr val="267F99"/>
+                </a:solidFill>
+                <a:effectLst/>
+                <a:highlight>
+                  <a:srgbClr val="D6E0EB"/>
+                </a:highlight>
+                <a:latin typeface="Consolas" panose="020B0609020204030204" pitchFamily="49" charset="0"/>
+              </a:rPr>
+              <a:t>range</a:t>
+            </a:r>
+            <a:r>
+              <a:rPr lang="en-SG" b="0" dirty="0">
+                <a:solidFill>
+                  <a:srgbClr val="000000"/>
+                </a:solidFill>
+                <a:effectLst/>
+                <a:highlight>
+                  <a:srgbClr val="D6E0EB"/>
+                </a:highlight>
+                <a:latin typeface="Consolas" panose="020B0609020204030204" pitchFamily="49" charset="0"/>
+              </a:rPr>
+              <a:t>(</a:t>
+            </a:r>
+            <a:r>
+              <a:rPr lang="en-SG" b="0" dirty="0">
+                <a:solidFill>
+                  <a:srgbClr val="098658"/>
+                </a:solidFill>
+                <a:effectLst/>
+                <a:highlight>
+                  <a:srgbClr val="D6E0EB"/>
+                </a:highlight>
+                <a:latin typeface="Consolas" panose="020B0609020204030204" pitchFamily="49" charset="0"/>
+              </a:rPr>
+              <a:t>1</a:t>
+            </a:r>
+            <a:r>
+              <a:rPr lang="en-SG" b="0" dirty="0">
+                <a:solidFill>
+                  <a:srgbClr val="000000"/>
+                </a:solidFill>
+                <a:effectLst/>
+                <a:highlight>
+                  <a:srgbClr val="D6E0EB"/>
+                </a:highlight>
+                <a:latin typeface="Consolas" panose="020B0609020204030204" pitchFamily="49" charset="0"/>
+              </a:rPr>
+              <a:t>,</a:t>
+            </a:r>
+            <a:r>
+              <a:rPr lang="en-SG" b="0" dirty="0">
+                <a:solidFill>
+                  <a:srgbClr val="098658"/>
+                </a:solidFill>
+                <a:effectLst/>
+                <a:highlight>
+                  <a:srgbClr val="D6E0EB"/>
+                </a:highlight>
+                <a:latin typeface="Consolas" panose="020B0609020204030204" pitchFamily="49" charset="0"/>
+              </a:rPr>
+              <a:t>25</a:t>
+            </a:r>
+            <a:r>
+              <a:rPr lang="en-SG" b="0" dirty="0">
+                <a:solidFill>
+                  <a:srgbClr val="000000"/>
+                </a:solidFill>
+                <a:effectLst/>
+                <a:highlight>
+                  <a:srgbClr val="D6E0EB"/>
+                </a:highlight>
+                <a:latin typeface="Consolas" panose="020B0609020204030204" pitchFamily="49" charset="0"/>
+              </a:rPr>
+              <a:t>)</a:t>
+            </a:r>
+          </a:p>
+          <a:p>
+            <a:r>
+              <a:rPr lang="en-SG" b="0" dirty="0">
+                <a:solidFill>
+                  <a:srgbClr val="000000"/>
+                </a:solidFill>
+                <a:effectLst/>
+                <a:highlight>
+                  <a:srgbClr val="D6E0EB"/>
+                </a:highlight>
+                <a:latin typeface="Consolas" panose="020B0609020204030204" pitchFamily="49" charset="0"/>
+              </a:rPr>
+              <a:t>    </a:t>
+            </a:r>
+            <a:r>
+              <a:rPr lang="en-SG" b="0" dirty="0" err="1">
+                <a:solidFill>
+                  <a:srgbClr val="001080"/>
+                </a:solidFill>
+                <a:effectLst/>
+                <a:highlight>
+                  <a:srgbClr val="D6E0EB"/>
+                </a:highlight>
+                <a:latin typeface="Consolas" panose="020B0609020204030204" pitchFamily="49" charset="0"/>
+              </a:rPr>
+              <a:t>class_weight</a:t>
+            </a:r>
+            <a:r>
+              <a:rPr lang="en-SG" b="0" dirty="0">
+                <a:solidFill>
+                  <a:srgbClr val="000000"/>
+                </a:solidFill>
+                <a:effectLst/>
+                <a:highlight>
+                  <a:srgbClr val="D6E0EB"/>
+                </a:highlight>
+                <a:latin typeface="Consolas" panose="020B0609020204030204" pitchFamily="49" charset="0"/>
+              </a:rPr>
+              <a:t>=</a:t>
+            </a:r>
+            <a:r>
+              <a:rPr lang="en-SG" b="0" dirty="0">
+                <a:solidFill>
+                  <a:srgbClr val="A31515"/>
+                </a:solidFill>
+                <a:effectLst/>
+                <a:highlight>
+                  <a:srgbClr val="D6E0EB"/>
+                </a:highlight>
+                <a:latin typeface="Consolas" panose="020B0609020204030204" pitchFamily="49" charset="0"/>
+              </a:rPr>
+              <a:t>'balanced'</a:t>
+            </a:r>
+            <a:endParaRPr lang="en-SG" b="0" dirty="0">
+              <a:solidFill>
+                <a:srgbClr val="000000"/>
+              </a:solidFill>
+              <a:effectLst/>
+              <a:highlight>
+                <a:srgbClr val="D6E0EB"/>
+              </a:highlight>
+              <a:latin typeface="Consolas" panose="020B0609020204030204" pitchFamily="49" charset="0"/>
+            </a:endParaRPr>
+          </a:p>
+          <a:p>
+            <a:r>
+              <a:rPr lang="en-SG" b="0" dirty="0">
+                <a:solidFill>
+                  <a:srgbClr val="000000"/>
+                </a:solidFill>
+                <a:effectLst/>
+                <a:highlight>
+                  <a:srgbClr val="D6E0EB"/>
+                </a:highlight>
+                <a:latin typeface="Consolas" panose="020B0609020204030204" pitchFamily="49" charset="0"/>
+              </a:rPr>
+              <a:t>    </a:t>
+            </a:r>
+            <a:r>
+              <a:rPr lang="en-SG" b="0" dirty="0" err="1">
+                <a:solidFill>
+                  <a:srgbClr val="001080"/>
+                </a:solidFill>
+                <a:effectLst/>
+                <a:highlight>
+                  <a:srgbClr val="D6E0EB"/>
+                </a:highlight>
+                <a:latin typeface="Consolas" panose="020B0609020204030204" pitchFamily="49" charset="0"/>
+              </a:rPr>
+              <a:t>execute_crossval</a:t>
+            </a:r>
+            <a:r>
+              <a:rPr lang="en-SG" b="0" dirty="0">
+                <a:solidFill>
+                  <a:srgbClr val="000000"/>
+                </a:solidFill>
+                <a:effectLst/>
+                <a:highlight>
+                  <a:srgbClr val="D6E0EB"/>
+                </a:highlight>
+                <a:latin typeface="Consolas" panose="020B0609020204030204" pitchFamily="49" charset="0"/>
+              </a:rPr>
+              <a:t>=</a:t>
+            </a:r>
+            <a:r>
+              <a:rPr lang="en-SG" b="0" dirty="0">
+                <a:solidFill>
+                  <a:srgbClr val="0000FF"/>
+                </a:solidFill>
+                <a:effectLst/>
+                <a:highlight>
+                  <a:srgbClr val="D6E0EB"/>
+                </a:highlight>
+                <a:latin typeface="Consolas" panose="020B0609020204030204" pitchFamily="49" charset="0"/>
+              </a:rPr>
+              <a:t>True</a:t>
+            </a:r>
+            <a:endParaRPr lang="en-SG" b="0" dirty="0">
+              <a:solidFill>
+                <a:srgbClr val="000000"/>
+              </a:solidFill>
+              <a:effectLst/>
+              <a:highlight>
+                <a:srgbClr val="D6E0EB"/>
+              </a:highlight>
+              <a:latin typeface="Consolas" panose="020B0609020204030204" pitchFamily="49" charset="0"/>
+            </a:endParaRPr>
+          </a:p>
+          <a:p>
+            <a:endParaRPr lang="en-SG" dirty="0">
+              <a:highlight>
+                <a:srgbClr val="D6E0EB"/>
+              </a:highlight>
+            </a:endParaRPr>
           </a:p>
         </p:txBody>
       </p:sp>
@@ -27154,7 +27522,7 @@
           <p:cNvPr id="4" name="Title 3">
             <a:extLst>
               <a:ext uri="{FF2B5EF4-FFF2-40B4-BE49-F238E27FC236}">
-                <a16:creationId xmlns:a16="http://schemas.microsoft.com/office/drawing/2014/main" id="{87E801B2-9EE9-4CAB-F991-C50DA3E663DF}"/>
+                <a16:creationId xmlns:a16="http://schemas.microsoft.com/office/drawing/2014/main" id="{71E87949-5C43-3ED6-5168-4CEE07D04D78}"/>
               </a:ext>
             </a:extLst>
           </p:cNvPr>
@@ -27167,7 +27535,7 @@
         </p:nvSpPr>
         <p:spPr>
           <a:xfrm>
-            <a:off x="449970" y="427469"/>
+            <a:off x="368137" y="379439"/>
             <a:ext cx="9823998" cy="1325563"/>
           </a:xfrm>
         </p:spPr>
@@ -27176,9 +27544,10 @@
           <a:lstStyle/>
           <a:p>
             <a:r>
-              <a:rPr lang="en-SG" dirty="0"/>
-              <a:t>ACTUAL SCENARIO</a:t>
-            </a:r>
+              <a:rPr lang="en-US" dirty="0"/>
+              <a:t>UNDERSAMPLE AFTER SPLIT</a:t>
+            </a:r>
+            <a:endParaRPr lang="en-SG" dirty="0"/>
           </a:p>
         </p:txBody>
       </p:sp>
@@ -27187,7 +27556,7 @@
           <p:cNvPr id="5" name="Footer Placeholder 4">
             <a:extLst>
               <a:ext uri="{FF2B5EF4-FFF2-40B4-BE49-F238E27FC236}">
-                <a16:creationId xmlns:a16="http://schemas.microsoft.com/office/drawing/2014/main" id="{4E3463B0-E190-CB7F-BA92-4700CA56505E}"/>
+                <a16:creationId xmlns:a16="http://schemas.microsoft.com/office/drawing/2014/main" id="{5E6C7A0E-F720-87D7-F168-209155662DE4}"/>
               </a:ext>
             </a:extLst>
           </p:cNvPr>
@@ -27211,12 +27580,137 @@
           </a:p>
         </p:txBody>
       </p:sp>
+    </p:spTree>
+    <p:extLst>
+      <p:ext uri="{BB962C8B-B14F-4D97-AF65-F5344CB8AC3E}">
+        <p14:creationId xmlns:p14="http://schemas.microsoft.com/office/powerpoint/2010/main" val="2860544608"/>
+      </p:ext>
+    </p:extLst>
+  </p:cSld>
+  <p:clrMapOvr>
+    <a:masterClrMapping/>
+  </p:clrMapOvr>
+</p:sld>
+</file>
+
+<file path=ppt/slides/slide4.xml><?xml version="1.0" encoding="utf-8"?>
+<p:sld xmlns:a="http://schemas.openxmlformats.org/drawingml/2006/main" xmlns:r="http://schemas.openxmlformats.org/officeDocument/2006/relationships" xmlns:p="http://schemas.openxmlformats.org/presentationml/2006/main">
+  <p:cSld>
+    <p:spTree>
+      <p:nvGrpSpPr>
+        <p:cNvPr id="1" name=""/>
+        <p:cNvGrpSpPr/>
+        <p:nvPr/>
+      </p:nvGrpSpPr>
+      <p:grpSpPr>
+        <a:xfrm>
+          <a:off x="0" y="0"/>
+          <a:ext cx="0" cy="0"/>
+          <a:chOff x="0" y="0"/>
+          <a:chExt cx="0" cy="0"/>
+        </a:xfrm>
+      </p:grpSpPr>
+      <p:sp>
+        <p:nvSpPr>
+          <p:cNvPr id="2" name="Picture Placeholder 1">
+            <a:extLst>
+              <a:ext uri="{FF2B5EF4-FFF2-40B4-BE49-F238E27FC236}">
+                <a16:creationId xmlns:a16="http://schemas.microsoft.com/office/drawing/2014/main" id="{6AFBA7FF-C6E3-B993-CBB3-4906626B84A6}"/>
+              </a:ext>
+            </a:extLst>
+          </p:cNvPr>
+          <p:cNvSpPr>
+            <a:spLocks noGrp="1"/>
+          </p:cNvSpPr>
+          <p:nvPr>
+            <p:ph type="pic" sz="quarter" idx="48"/>
+          </p:nvPr>
+        </p:nvSpPr>
+        <p:spPr/>
+        <p:txBody>
+          <a:bodyPr/>
+          <a:lstStyle/>
+          <a:p>
+            <a:endParaRPr lang="en-SG"/>
+          </a:p>
+        </p:txBody>
+      </p:sp>
+      <p:sp>
+        <p:nvSpPr>
+          <p:cNvPr id="4" name="Title 3">
+            <a:extLst>
+              <a:ext uri="{FF2B5EF4-FFF2-40B4-BE49-F238E27FC236}">
+                <a16:creationId xmlns:a16="http://schemas.microsoft.com/office/drawing/2014/main" id="{87E801B2-9EE9-4CAB-F991-C50DA3E663DF}"/>
+              </a:ext>
+            </a:extLst>
+          </p:cNvPr>
+          <p:cNvSpPr>
+            <a:spLocks noGrp="1"/>
+          </p:cNvSpPr>
+          <p:nvPr>
+            <p:ph type="title"/>
+          </p:nvPr>
+        </p:nvSpPr>
+        <p:spPr>
+          <a:xfrm>
+            <a:off x="449970" y="427469"/>
+            <a:ext cx="9823998" cy="1325563"/>
+          </a:xfrm>
+        </p:spPr>
+        <p:txBody>
+          <a:bodyPr/>
+          <a:lstStyle/>
+          <a:p>
+            <a:r>
+              <a:rPr lang="en-SG" dirty="0"/>
+              <a:t>ACTUAL SCENARIO</a:t>
+            </a:r>
+            <a:br>
+              <a:rPr lang="en-SG" dirty="0"/>
+            </a:br>
+            <a:r>
+              <a:rPr lang="en-US" dirty="0"/>
+              <a:t>weights = 0: 0.1 , 1: 99.9</a:t>
+            </a:r>
+            <a:endParaRPr lang="en-SG" dirty="0"/>
+          </a:p>
+        </p:txBody>
+      </p:sp>
+      <p:sp>
+        <p:nvSpPr>
+          <p:cNvPr id="5" name="Footer Placeholder 4">
+            <a:extLst>
+              <a:ext uri="{FF2B5EF4-FFF2-40B4-BE49-F238E27FC236}">
+                <a16:creationId xmlns:a16="http://schemas.microsoft.com/office/drawing/2014/main" id="{4E3463B0-E190-CB7F-BA92-4700CA56505E}"/>
+              </a:ext>
+            </a:extLst>
+          </p:cNvPr>
+          <p:cNvSpPr>
+            <a:spLocks noGrp="1"/>
+          </p:cNvSpPr>
+          <p:nvPr>
+            <p:ph type="ftr" sz="quarter" idx="49"/>
+          </p:nvPr>
+        </p:nvSpPr>
+        <p:spPr/>
+        <p:txBody>
+          <a:bodyPr/>
+          <a:lstStyle/>
+          <a:p>
+            <a:r>
+              <a:rPr lang="en-US" noProof="0"/>
+              <a:t>Presentation Title</a:t>
+            </a:r>
+            <a:endParaRPr lang="en-US" noProof="0" dirty="0"/>
+          </a:p>
+        </p:txBody>
+      </p:sp>
       <p:pic>
         <p:nvPicPr>
-          <p:cNvPr id="7" name="Picture 6">
-            <a:extLst>
-              <a:ext uri="{FF2B5EF4-FFF2-40B4-BE49-F238E27FC236}">
-                <a16:creationId xmlns:a16="http://schemas.microsoft.com/office/drawing/2014/main" id="{A110BDCF-037F-AAA7-CB92-377C05DD6DD8}"/>
+          <p:cNvPr id="9" name="Picture 8">
+            <a:extLst>
+              <a:ext uri="{FF2B5EF4-FFF2-40B4-BE49-F238E27FC236}">
+                <a16:creationId xmlns:a16="http://schemas.microsoft.com/office/drawing/2014/main" id="{8C1BFF01-DADE-F71D-D68E-C0D372450563}"/>
               </a:ext>
             </a:extLst>
           </p:cNvPr>
@@ -27233,8 +27727,8 @@
         </p:blipFill>
         <p:spPr>
           <a:xfrm>
-            <a:off x="1714381" y="2052559"/>
-            <a:ext cx="3818439" cy="4408279"/>
+            <a:off x="9259562" y="1874094"/>
+            <a:ext cx="4386254" cy="4412945"/>
           </a:xfrm>
           <a:prstGeom prst="rect">
             <a:avLst/>
@@ -27243,10 +27737,10 @@
       </p:pic>
       <p:pic>
         <p:nvPicPr>
-          <p:cNvPr id="9" name="Picture 8">
-            <a:extLst>
-              <a:ext uri="{FF2B5EF4-FFF2-40B4-BE49-F238E27FC236}">
-                <a16:creationId xmlns:a16="http://schemas.microsoft.com/office/drawing/2014/main" id="{8C1BFF01-DADE-F71D-D68E-C0D372450563}"/>
+          <p:cNvPr id="11" name="Picture 10">
+            <a:extLst>
+              <a:ext uri="{FF2B5EF4-FFF2-40B4-BE49-F238E27FC236}">
+                <a16:creationId xmlns:a16="http://schemas.microsoft.com/office/drawing/2014/main" id="{46277163-D52E-B450-B3BA-48263E71FE44}"/>
               </a:ext>
             </a:extLst>
           </p:cNvPr>
@@ -27263,8 +27757,38 @@
         </p:blipFill>
         <p:spPr>
           <a:xfrm>
-            <a:off x="7029546" y="2047893"/>
-            <a:ext cx="4386254" cy="4412945"/>
+            <a:off x="4599432" y="1874094"/>
+            <a:ext cx="5788084" cy="4454758"/>
+          </a:xfrm>
+          <a:prstGeom prst="rect">
+            <a:avLst/>
+          </a:prstGeom>
+        </p:spPr>
+      </p:pic>
+      <p:pic>
+        <p:nvPicPr>
+          <p:cNvPr id="13" name="Picture 12">
+            <a:extLst>
+              <a:ext uri="{FF2B5EF4-FFF2-40B4-BE49-F238E27FC236}">
+                <a16:creationId xmlns:a16="http://schemas.microsoft.com/office/drawing/2014/main" id="{AAAC89AE-6947-0B45-ABC9-47FB6A5AEF22}"/>
+              </a:ext>
+            </a:extLst>
+          </p:cNvPr>
+          <p:cNvPicPr>
+            <a:picLocks noChangeAspect="1"/>
+          </p:cNvPicPr>
+          <p:nvPr/>
+        </p:nvPicPr>
+        <p:blipFill>
+          <a:blip r:embed="rId4"/>
+          <a:stretch>
+            <a:fillRect/>
+          </a:stretch>
+        </p:blipFill>
+        <p:spPr>
+          <a:xfrm>
+            <a:off x="54724" y="1874094"/>
+            <a:ext cx="4114800" cy="4454758"/>
           </a:xfrm>
           <a:prstGeom prst="rect">
             <a:avLst/>
@@ -27284,7 +27808,7 @@
 </p:sld>
 </file>
 
-<file path=ppt/slides/slide4.xml><?xml version="1.0" encoding="utf-8"?>
+<file path=ppt/slides/slide5.xml><?xml version="1.0" encoding="utf-8"?>
 <p:sld xmlns:a="http://schemas.openxmlformats.org/drawingml/2006/main" xmlns:r="http://schemas.openxmlformats.org/officeDocument/2006/relationships" xmlns:p="http://schemas.openxmlformats.org/presentationml/2006/main">
   <p:cSld>
     <p:spTree>
@@ -27448,7 +27972,7 @@
 </p:sld>
 </file>
 
-<file path=ppt/slides/slide5.xml><?xml version="1.0" encoding="utf-8"?>
+<file path=ppt/slides/slide6.xml><?xml version="1.0" encoding="utf-8"?>
 <p:sld xmlns:a="http://schemas.openxmlformats.org/drawingml/2006/main" xmlns:r="http://schemas.openxmlformats.org/officeDocument/2006/relationships" xmlns:p="http://schemas.openxmlformats.org/presentationml/2006/main">
   <p:cSld>
     <p:spTree>
@@ -27612,7 +28136,7 @@
 </p:sld>
 </file>
 
-<file path=ppt/slides/slide6.xml><?xml version="1.0" encoding="utf-8"?>
+<file path=ppt/slides/slide7.xml><?xml version="1.0" encoding="utf-8"?>
 <p:sld xmlns:a="http://schemas.openxmlformats.org/drawingml/2006/main" xmlns:r="http://schemas.openxmlformats.org/officeDocument/2006/relationships" xmlns:p="http://schemas.openxmlformats.org/presentationml/2006/main">
   <p:cSld>
     <p:spTree>
@@ -27776,7 +28300,7 @@
 </p:sld>
 </file>
 
-<file path=ppt/slides/slide7.xml><?xml version="1.0" encoding="utf-8"?>
+<file path=ppt/slides/slide8.xml><?xml version="1.0" encoding="utf-8"?>
 <p:sld xmlns:a="http://schemas.openxmlformats.org/drawingml/2006/main" xmlns:r="http://schemas.openxmlformats.org/officeDocument/2006/relationships" xmlns:p="http://schemas.openxmlformats.org/presentationml/2006/main">
   <p:cSld>
     <p:spTree>
@@ -27995,7 +28519,7 @@
 </p:sld>
 </file>
 
-<file path=ppt/slides/slide8.xml><?xml version="1.0" encoding="utf-8"?>
+<file path=ppt/slides/slide9.xml><?xml version="1.0" encoding="utf-8"?>
 <p:sld xmlns:a="http://schemas.openxmlformats.org/drawingml/2006/main" xmlns:r="http://schemas.openxmlformats.org/officeDocument/2006/relationships" xmlns:p="http://schemas.openxmlformats.org/presentationml/2006/main">
   <p:cSld>
     <p:spTree>
@@ -28116,36 +28640,6 @@
           </a:p>
         </p:txBody>
       </p:sp>
-      <p:pic>
-        <p:nvPicPr>
-          <p:cNvPr id="11" name="Picture 10">
-            <a:extLst>
-              <a:ext uri="{FF2B5EF4-FFF2-40B4-BE49-F238E27FC236}">
-                <a16:creationId xmlns:a16="http://schemas.microsoft.com/office/drawing/2014/main" id="{B3B3D67A-D544-95EA-49C9-544CC1CCDF5E}"/>
-              </a:ext>
-            </a:extLst>
-          </p:cNvPr>
-          <p:cNvPicPr>
-            <a:picLocks noChangeAspect="1"/>
-          </p:cNvPicPr>
-          <p:nvPr/>
-        </p:nvPicPr>
-        <p:blipFill>
-          <a:blip r:embed="rId2"/>
-          <a:stretch>
-            <a:fillRect/>
-          </a:stretch>
-        </p:blipFill>
-        <p:spPr>
-          <a:xfrm>
-            <a:off x="190500" y="1143000"/>
-            <a:ext cx="11811000" cy="4572000"/>
-          </a:xfrm>
-          <a:prstGeom prst="rect">
-            <a:avLst/>
-          </a:prstGeom>
-        </p:spPr>
-      </p:pic>
       <p:sp>
         <p:nvSpPr>
           <p:cNvPr id="13" name="Rectangle: Rounded Corners 12">
@@ -28198,146 +28692,12 @@
           </a:p>
         </p:txBody>
       </p:sp>
-    </p:spTree>
-    <p:extLst>
-      <p:ext uri="{BB962C8B-B14F-4D97-AF65-F5344CB8AC3E}">
-        <p14:creationId xmlns:p14="http://schemas.microsoft.com/office/powerpoint/2010/main" val="2591614879"/>
-      </p:ext>
-    </p:extLst>
-  </p:cSld>
-  <p:clrMapOvr>
-    <a:masterClrMapping/>
-  </p:clrMapOvr>
-</p:sld>
-</file>
-
-<file path=ppt/slides/slide9.xml><?xml version="1.0" encoding="utf-8"?>
-<p:sld xmlns:a="http://schemas.openxmlformats.org/drawingml/2006/main" xmlns:r="http://schemas.openxmlformats.org/officeDocument/2006/relationships" xmlns:p="http://schemas.openxmlformats.org/presentationml/2006/main">
-  <p:cSld>
-    <p:spTree>
-      <p:nvGrpSpPr>
-        <p:cNvPr id="1" name=""/>
-        <p:cNvGrpSpPr/>
-        <p:nvPr/>
-      </p:nvGrpSpPr>
-      <p:grpSpPr>
-        <a:xfrm>
-          <a:off x="0" y="0"/>
-          <a:ext cx="0" cy="0"/>
-          <a:chOff x="0" y="0"/>
-          <a:chExt cx="0" cy="0"/>
-        </a:xfrm>
-      </p:grpSpPr>
-      <p:sp>
-        <p:nvSpPr>
-          <p:cNvPr id="2" name="Picture Placeholder 1">
-            <a:extLst>
-              <a:ext uri="{FF2B5EF4-FFF2-40B4-BE49-F238E27FC236}">
-                <a16:creationId xmlns:a16="http://schemas.microsoft.com/office/drawing/2014/main" id="{2B470D0A-71F0-3443-34B3-EB485460BF74}"/>
-              </a:ext>
-            </a:extLst>
-          </p:cNvPr>
-          <p:cNvSpPr>
-            <a:spLocks noGrp="1"/>
-          </p:cNvSpPr>
-          <p:nvPr>
-            <p:ph type="pic" sz="quarter" idx="48"/>
-          </p:nvPr>
-        </p:nvSpPr>
-        <p:spPr/>
-        <p:txBody>
-          <a:bodyPr/>
-          <a:lstStyle/>
-          <a:p>
-            <a:endParaRPr lang="en-SG"/>
-          </a:p>
-        </p:txBody>
-      </p:sp>
-      <p:sp>
-        <p:nvSpPr>
-          <p:cNvPr id="3" name="Text Placeholder 2">
-            <a:extLst>
-              <a:ext uri="{FF2B5EF4-FFF2-40B4-BE49-F238E27FC236}">
-                <a16:creationId xmlns:a16="http://schemas.microsoft.com/office/drawing/2014/main" id="{7FA05528-E3CB-D8CF-12D1-10169480B229}"/>
-              </a:ext>
-            </a:extLst>
-          </p:cNvPr>
-          <p:cNvSpPr>
-            <a:spLocks noGrp="1"/>
-          </p:cNvSpPr>
-          <p:nvPr>
-            <p:ph type="body" sz="quarter" idx="28"/>
-          </p:nvPr>
-        </p:nvSpPr>
-        <p:spPr/>
-        <p:txBody>
-          <a:bodyPr/>
-          <a:lstStyle/>
-          <a:p>
-            <a:endParaRPr lang="en-SG"/>
-          </a:p>
-        </p:txBody>
-      </p:sp>
-      <p:sp>
-        <p:nvSpPr>
-          <p:cNvPr id="4" name="Title 3">
-            <a:extLst>
-              <a:ext uri="{FF2B5EF4-FFF2-40B4-BE49-F238E27FC236}">
-                <a16:creationId xmlns:a16="http://schemas.microsoft.com/office/drawing/2014/main" id="{6AD6850D-8C96-4EF6-D2D5-9BE72C51CC95}"/>
-              </a:ext>
-            </a:extLst>
-          </p:cNvPr>
-          <p:cNvSpPr>
-            <a:spLocks noGrp="1"/>
-          </p:cNvSpPr>
-          <p:nvPr>
-            <p:ph type="title"/>
-          </p:nvPr>
-        </p:nvSpPr>
-        <p:spPr/>
-        <p:txBody>
-          <a:bodyPr/>
-          <a:lstStyle/>
-          <a:p>
-            <a:endParaRPr lang="en-SG"/>
-          </a:p>
-        </p:txBody>
-      </p:sp>
-      <p:sp>
-        <p:nvSpPr>
-          <p:cNvPr id="5" name="Footer Placeholder 4">
-            <a:extLst>
-              <a:ext uri="{FF2B5EF4-FFF2-40B4-BE49-F238E27FC236}">
-                <a16:creationId xmlns:a16="http://schemas.microsoft.com/office/drawing/2014/main" id="{D7964E7F-0402-5809-9AE7-5B105B2F7F75}"/>
-              </a:ext>
-            </a:extLst>
-          </p:cNvPr>
-          <p:cNvSpPr>
-            <a:spLocks noGrp="1"/>
-          </p:cNvSpPr>
-          <p:nvPr>
-            <p:ph type="ftr" sz="quarter" idx="49"/>
-          </p:nvPr>
-        </p:nvSpPr>
-        <p:spPr/>
-        <p:txBody>
-          <a:bodyPr/>
-          <a:lstStyle/>
-          <a:p>
-            <a:r>
-              <a:rPr lang="en-US" noProof="0"/>
-              <a:t>Presentation Title</a:t>
-            </a:r>
-            <a:endParaRPr lang="en-US" noProof="0" dirty="0"/>
-          </a:p>
-        </p:txBody>
-      </p:sp>
       <p:pic>
         <p:nvPicPr>
-          <p:cNvPr id="8" name="Picture 7">
-            <a:extLst>
-              <a:ext uri="{FF2B5EF4-FFF2-40B4-BE49-F238E27FC236}">
-                <a16:creationId xmlns:a16="http://schemas.microsoft.com/office/drawing/2014/main" id="{0A59F1B3-DBCB-E6BB-4A66-DCBE8E5CD57E}"/>
+          <p:cNvPr id="9" name="Picture 8">
+            <a:extLst>
+              <a:ext uri="{FF2B5EF4-FFF2-40B4-BE49-F238E27FC236}">
+                <a16:creationId xmlns:a16="http://schemas.microsoft.com/office/drawing/2014/main" id="{A5EE42C2-28DB-E062-F4BD-336B9EEA1FC1}"/>
               </a:ext>
             </a:extLst>
           </p:cNvPr>
@@ -28362,62 +28722,10 @@
           </a:prstGeom>
         </p:spPr>
       </p:pic>
-      <p:sp>
-        <p:nvSpPr>
-          <p:cNvPr id="9" name="Rectangle: Rounded Corners 8">
-            <a:extLst>
-              <a:ext uri="{FF2B5EF4-FFF2-40B4-BE49-F238E27FC236}">
-                <a16:creationId xmlns:a16="http://schemas.microsoft.com/office/drawing/2014/main" id="{E5D3AEF8-3485-3EBD-1F2D-8D202841E56D}"/>
-              </a:ext>
-            </a:extLst>
-          </p:cNvPr>
-          <p:cNvSpPr/>
-          <p:nvPr/>
-        </p:nvSpPr>
-        <p:spPr>
-          <a:xfrm>
-            <a:off x="3390549" y="1263048"/>
-            <a:ext cx="536135" cy="655320"/>
-          </a:xfrm>
-          <a:prstGeom prst="roundRect">
-            <a:avLst/>
-          </a:prstGeom>
-          <a:noFill/>
-          <a:ln w="12700">
-            <a:solidFill>
-              <a:srgbClr val="00B050"/>
-            </a:solidFill>
-          </a:ln>
-        </p:spPr>
-        <p:style>
-          <a:lnRef idx="2">
-            <a:schemeClr val="accent1">
-              <a:shade val="15000"/>
-            </a:schemeClr>
-          </a:lnRef>
-          <a:fillRef idx="1">
-            <a:schemeClr val="accent1"/>
-          </a:fillRef>
-          <a:effectRef idx="0">
-            <a:schemeClr val="accent1"/>
-          </a:effectRef>
-          <a:fontRef idx="minor">
-            <a:schemeClr val="lt1"/>
-          </a:fontRef>
-        </p:style>
-        <p:txBody>
-          <a:bodyPr rtlCol="0" anchor="ctr"/>
-          <a:lstStyle/>
-          <a:p>
-            <a:pPr algn="ctr"/>
-            <a:endParaRPr lang="en-SG" dirty="0"/>
-          </a:p>
-        </p:txBody>
-      </p:sp>
     </p:spTree>
     <p:extLst>
       <p:ext uri="{BB962C8B-B14F-4D97-AF65-F5344CB8AC3E}">
-        <p14:creationId xmlns:p14="http://schemas.microsoft.com/office/powerpoint/2010/main" val="3169333057"/>
+        <p14:creationId xmlns:p14="http://schemas.microsoft.com/office/powerpoint/2010/main" val="2591614879"/>
       </p:ext>
     </p:extLst>
   </p:cSld>
@@ -29244,6 +29552,15 @@
 </file>
 
 <file path=customXml/item1.xml><?xml version="1.0" encoding="utf-8"?>
+<?mso-contentType ?>
+<FormTemplates xmlns="http://schemas.microsoft.com/sharepoint/v3/contenttype/forms">
+  <Display>DocumentLibraryForm</Display>
+  <Edit>DocumentLibraryForm</Edit>
+  <New>DocumentLibraryForm</New>
+</FormTemplates>
+</file>
+
+<file path=customXml/item2.xml><?xml version="1.0" encoding="utf-8"?>
 <ct:contentTypeSchema xmlns:ct="http://schemas.microsoft.com/office/2006/metadata/contentType" xmlns:ma="http://schemas.microsoft.com/office/2006/metadata/properties/metaAttributes" ct:_="" ma:_="" ma:contentTypeName="Document" ma:contentTypeID="0x01010079F111ED35F8CC479449609E8A0923A6" ma:contentTypeVersion="28" ma:contentTypeDescription="Create a new document." ma:contentTypeScope="" ma:versionID="60f5a4f2d2b0abadcf532d48ebf9cb71">
   <xsd:schema xmlns:xsd="http://www.w3.org/2001/XMLSchema" xmlns:xs="http://www.w3.org/2001/XMLSchema" xmlns:p="http://schemas.microsoft.com/office/2006/metadata/properties" xmlns:ns1="http://schemas.microsoft.com/sharepoint/v3" xmlns:ns2="71af3243-3dd4-4a8d-8c0d-dd76da1f02a5" xmlns:ns3="16c05727-aa75-4e4a-9b5f-8a80a1165891" xmlns:ns4="230e9df3-be65-4c73-a93b-d1236ebd677e" targetNamespace="http://schemas.microsoft.com/office/2006/metadata/properties" ma:root="true" ma:fieldsID="7dd78129e6a1811f84807ad11c651531" ns1:_="" ns2:_="" ns3:_="" ns4:_="">
     <xsd:import namespace="http://schemas.microsoft.com/sharepoint/v3"/>
@@ -29555,15 +29872,6 @@
 </ct:contentTypeSchema>
 </file>
 
-<file path=customXml/item2.xml><?xml version="1.0" encoding="utf-8"?>
-<?mso-contentType ?>
-<FormTemplates xmlns="http://schemas.microsoft.com/sharepoint/v3/contenttype/forms">
-  <Display>DocumentLibraryForm</Display>
-  <Edit>DocumentLibraryForm</Edit>
-  <New>DocumentLibraryForm</New>
-</FormTemplates>
-</file>
-
 <file path=customXml/item3.xml><?xml version="1.0" encoding="utf-8"?>
 <p:properties xmlns:p="http://schemas.microsoft.com/office/2006/metadata/properties" xmlns:xsi="http://www.w3.org/2001/XMLSchema-instance" xmlns:pc="http://schemas.microsoft.com/office/infopath/2007/PartnerControls">
   <documentManagement>
@@ -29585,6 +29893,14 @@
 </file>
 
 <file path=customXml/itemProps1.xml><?xml version="1.0" encoding="utf-8"?>
+<ds:datastoreItem xmlns:ds="http://schemas.openxmlformats.org/officeDocument/2006/customXml" ds:itemID="{F8C25491-3B09-4F3E-8C86-936D290E4013}">
+  <ds:schemaRefs>
+    <ds:schemaRef ds:uri="http://schemas.microsoft.com/sharepoint/v3/contenttype/forms"/>
+  </ds:schemaRefs>
+</ds:datastoreItem>
+</file>
+
+<file path=customXml/itemProps2.xml><?xml version="1.0" encoding="utf-8"?>
 <ds:datastoreItem xmlns:ds="http://schemas.openxmlformats.org/officeDocument/2006/customXml" ds:itemID="{337AE0CD-4570-4F66-89CD-DDD19F091E8D}">
   <ds:schemaRefs>
     <ds:schemaRef ds:uri="http://schemas.microsoft.com/office/2006/metadata/contentType"/>
@@ -29605,14 +29921,6 @@
 </ds:datastoreItem>
 </file>
 
-<file path=customXml/itemProps2.xml><?xml version="1.0" encoding="utf-8"?>
-<ds:datastoreItem xmlns:ds="http://schemas.openxmlformats.org/officeDocument/2006/customXml" ds:itemID="{F8C25491-3B09-4F3E-8C86-936D290E4013}">
-  <ds:schemaRefs>
-    <ds:schemaRef ds:uri="http://schemas.microsoft.com/sharepoint/v3/contenttype/forms"/>
-  </ds:schemaRefs>
-</ds:datastoreItem>
-</file>
-
 <file path=customXml/itemProps3.xml><?xml version="1.0" encoding="utf-8"?>
 <ds:datastoreItem xmlns:ds="http://schemas.openxmlformats.org/officeDocument/2006/customXml" ds:itemID="{F4D5854E-F453-4846-A87D-6EF3DCF73E3E}">
   <ds:schemaRefs>
